--- a/ElasticSearch Presentation.pptx
+++ b/ElasticSearch Presentation.pptx
@@ -5,7 +5,7 @@
     <p:sldMasterId id="2147483692" r:id="rId1"/>
   </p:sldMasterIdLst>
   <p:notesMasterIdLst>
-    <p:notesMasterId r:id="rId46"/>
+    <p:notesMasterId r:id="rId77"/>
   </p:notesMasterIdLst>
   <p:sldIdLst>
     <p:sldId id="256" r:id="rId2"/>
@@ -52,6 +52,37 @@
     <p:sldId id="297" r:id="rId43"/>
     <p:sldId id="294" r:id="rId44"/>
     <p:sldId id="295" r:id="rId45"/>
+    <p:sldId id="300" r:id="rId46"/>
+    <p:sldId id="302" r:id="rId47"/>
+    <p:sldId id="301" r:id="rId48"/>
+    <p:sldId id="303" r:id="rId49"/>
+    <p:sldId id="305" r:id="rId50"/>
+    <p:sldId id="306" r:id="rId51"/>
+    <p:sldId id="304" r:id="rId52"/>
+    <p:sldId id="307" r:id="rId53"/>
+    <p:sldId id="308" r:id="rId54"/>
+    <p:sldId id="309" r:id="rId55"/>
+    <p:sldId id="310" r:id="rId56"/>
+    <p:sldId id="312" r:id="rId57"/>
+    <p:sldId id="313" r:id="rId58"/>
+    <p:sldId id="314" r:id="rId59"/>
+    <p:sldId id="315" r:id="rId60"/>
+    <p:sldId id="311" r:id="rId61"/>
+    <p:sldId id="316" r:id="rId62"/>
+    <p:sldId id="317" r:id="rId63"/>
+    <p:sldId id="318" r:id="rId64"/>
+    <p:sldId id="319" r:id="rId65"/>
+    <p:sldId id="320" r:id="rId66"/>
+    <p:sldId id="321" r:id="rId67"/>
+    <p:sldId id="322" r:id="rId68"/>
+    <p:sldId id="323" r:id="rId69"/>
+    <p:sldId id="324" r:id="rId70"/>
+    <p:sldId id="325" r:id="rId71"/>
+    <p:sldId id="326" r:id="rId72"/>
+    <p:sldId id="327" r:id="rId73"/>
+    <p:sldId id="328" r:id="rId74"/>
+    <p:sldId id="329" r:id="rId75"/>
+    <p:sldId id="330" r:id="rId76"/>
   </p:sldIdLst>
   <p:sldSz cx="12192000" cy="6858000"/>
   <p:notesSz cx="6858000" cy="9144000"/>
@@ -152,7 +183,7 @@
   </p:defaultTextStyle>
   <p:extLst>
     <p:ext uri="{EFAFB233-063F-42B5-8137-9DF3F51BA10A}">
-      <p15:sldGuideLst xmlns="" xmlns:p15="http://schemas.microsoft.com/office/powerpoint/2012/main">
+      <p15:sldGuideLst xmlns:p15="http://schemas.microsoft.com/office/powerpoint/2012/main" xmlns="">
         <p15:guide id="1" orient="horz" pos="2160">
           <p15:clr>
             <a:srgbClr val="A4A3A4"/>
@@ -251,7 +282,7 @@
           <a:p>
             <a:fld id="{6CD33BD2-4D84-4DDA-9CBF-AC9340D3F56A}" type="datetimeFigureOut">
               <a:rPr lang="da-DK"/>
-              <a:t>11/12/14</a:t>
+              <a:t>15/12/14</a:t>
             </a:fld>
             <a:endParaRPr lang="da-DK"/>
           </a:p>
@@ -923,7 +954,27 @@
           <a:bodyPr/>
           <a:lstStyle/>
           <a:p>
-            <a:endParaRPr lang="da-DK"/>
+            <a:r>
+              <a:rPr lang="da-DK" dirty="0" smtClean="0"/>
+              <a:t>Demo </a:t>
+            </a:r>
+            <a:r>
+              <a:rPr lang="da-DK" dirty="0" err="1" smtClean="0"/>
+              <a:t>spinning</a:t>
+            </a:r>
+            <a:r>
+              <a:rPr lang="da-DK" dirty="0" smtClean="0"/>
+              <a:t> up </a:t>
+            </a:r>
+            <a:r>
+              <a:rPr lang="da-DK" dirty="0" err="1" smtClean="0"/>
+              <a:t>some</a:t>
+            </a:r>
+            <a:r>
+              <a:rPr lang="da-DK" baseline="0" dirty="0" smtClean="0"/>
+              <a:t> nodes</a:t>
+            </a:r>
+            <a:endParaRPr lang="da-DK" dirty="0"/>
           </a:p>
         </p:txBody>
       </p:sp>
@@ -1009,6 +1060,360 @@
           <a:p>
             <a:r>
               <a:rPr lang="en-US" dirty="0" smtClean="0"/>
+              <a:t>P0, P1, P2 = Shard</a:t>
+            </a:r>
+            <a:r>
+              <a:rPr lang="en-US" baseline="0" dirty="0" smtClean="0"/>
+              <a:t> </a:t>
+            </a:r>
+          </a:p>
+          <a:p>
+            <a:endParaRPr lang="en-US" dirty="0"/>
+          </a:p>
+        </p:txBody>
+      </p:sp>
+      <p:sp>
+        <p:nvSpPr>
+          <p:cNvPr id="4" name="Slide Number Placeholder 3"/>
+          <p:cNvSpPr>
+            <a:spLocks noGrp="1"/>
+          </p:cNvSpPr>
+          <p:nvPr>
+            <p:ph type="sldNum" sz="quarter" idx="10"/>
+          </p:nvPr>
+        </p:nvSpPr>
+        <p:spPr/>
+        <p:txBody>
+          <a:bodyPr/>
+          <a:lstStyle/>
+          <a:p>
+            <a:fld id="{D89B5C69-BE94-4D7E-9A42-C5D3A868EF1B}" type="slidenum">
+              <a:rPr lang="da-DK" smtClean="0"/>
+              <a:t>17</a:t>
+            </a:fld>
+            <a:endParaRPr lang="da-DK"/>
+          </a:p>
+        </p:txBody>
+      </p:sp>
+    </p:spTree>
+    <p:extLst>
+      <p:ext uri="{BB962C8B-B14F-4D97-AF65-F5344CB8AC3E}">
+        <p14:creationId xmlns:p14="http://schemas.microsoft.com/office/powerpoint/2010/main" val="3083100528"/>
+      </p:ext>
+    </p:extLst>
+  </p:cSld>
+  <p:clrMapOvr>
+    <a:masterClrMapping/>
+  </p:clrMapOvr>
+</p:notes>
+</file>
+
+<file path=ppt/notesSlides/notesSlide15.xml><?xml version="1.0" encoding="utf-8"?>
+<p:notes xmlns:a="http://schemas.openxmlformats.org/drawingml/2006/main" xmlns:r="http://schemas.openxmlformats.org/officeDocument/2006/relationships" xmlns:p="http://schemas.openxmlformats.org/presentationml/2006/main">
+  <p:cSld>
+    <p:spTree>
+      <p:nvGrpSpPr>
+        <p:cNvPr id="1" name=""/>
+        <p:cNvGrpSpPr/>
+        <p:nvPr/>
+      </p:nvGrpSpPr>
+      <p:grpSpPr>
+        <a:xfrm>
+          <a:off x="0" y="0"/>
+          <a:ext cx="0" cy="0"/>
+          <a:chOff x="0" y="0"/>
+          <a:chExt cx="0" cy="0"/>
+        </a:xfrm>
+      </p:grpSpPr>
+      <p:sp>
+        <p:nvSpPr>
+          <p:cNvPr id="2" name="Slide Image Placeholder 1"/>
+          <p:cNvSpPr>
+            <a:spLocks noGrp="1" noRot="1" noChangeAspect="1"/>
+          </p:cNvSpPr>
+          <p:nvPr>
+            <p:ph type="sldImg"/>
+          </p:nvPr>
+        </p:nvSpPr>
+        <p:spPr/>
+      </p:sp>
+      <p:sp>
+        <p:nvSpPr>
+          <p:cNvPr id="3" name="Notes Placeholder 2"/>
+          <p:cNvSpPr>
+            <a:spLocks noGrp="1"/>
+          </p:cNvSpPr>
+          <p:nvPr>
+            <p:ph type="body" idx="1"/>
+          </p:nvPr>
+        </p:nvSpPr>
+        <p:spPr/>
+        <p:txBody>
+          <a:bodyPr/>
+          <a:lstStyle/>
+          <a:p>
+            <a:r>
+              <a:rPr lang="en-US" dirty="0" smtClean="0"/>
+              <a:t>Mappings</a:t>
+            </a:r>
+            <a:r>
+              <a:rPr lang="en-US" baseline="0" dirty="0" smtClean="0"/>
+              <a:t> demo start here</a:t>
+            </a:r>
+            <a:endParaRPr lang="en-US" dirty="0"/>
+          </a:p>
+        </p:txBody>
+      </p:sp>
+      <p:sp>
+        <p:nvSpPr>
+          <p:cNvPr id="4" name="Slide Number Placeholder 3"/>
+          <p:cNvSpPr>
+            <a:spLocks noGrp="1"/>
+          </p:cNvSpPr>
+          <p:nvPr>
+            <p:ph type="sldNum" sz="quarter" idx="10"/>
+          </p:nvPr>
+        </p:nvSpPr>
+        <p:spPr/>
+        <p:txBody>
+          <a:bodyPr/>
+          <a:lstStyle/>
+          <a:p>
+            <a:fld id="{D89B5C69-BE94-4D7E-9A42-C5D3A868EF1B}" type="slidenum">
+              <a:rPr lang="da-DK" smtClean="0"/>
+              <a:t>24</a:t>
+            </a:fld>
+            <a:endParaRPr lang="da-DK"/>
+          </a:p>
+        </p:txBody>
+      </p:sp>
+    </p:spTree>
+    <p:extLst>
+      <p:ext uri="{BB962C8B-B14F-4D97-AF65-F5344CB8AC3E}">
+        <p14:creationId xmlns:p14="http://schemas.microsoft.com/office/powerpoint/2010/main" val="3695449585"/>
+      </p:ext>
+    </p:extLst>
+  </p:cSld>
+  <p:clrMapOvr>
+    <a:masterClrMapping/>
+  </p:clrMapOvr>
+</p:notes>
+</file>
+
+<file path=ppt/notesSlides/notesSlide16.xml><?xml version="1.0" encoding="utf-8"?>
+<p:notes xmlns:a="http://schemas.openxmlformats.org/drawingml/2006/main" xmlns:r="http://schemas.openxmlformats.org/officeDocument/2006/relationships" xmlns:p="http://schemas.openxmlformats.org/presentationml/2006/main">
+  <p:cSld>
+    <p:spTree>
+      <p:nvGrpSpPr>
+        <p:cNvPr id="1" name=""/>
+        <p:cNvGrpSpPr/>
+        <p:nvPr/>
+      </p:nvGrpSpPr>
+      <p:grpSpPr>
+        <a:xfrm>
+          <a:off x="0" y="0"/>
+          <a:ext cx="0" cy="0"/>
+          <a:chOff x="0" y="0"/>
+          <a:chExt cx="0" cy="0"/>
+        </a:xfrm>
+      </p:grpSpPr>
+      <p:sp>
+        <p:nvSpPr>
+          <p:cNvPr id="2" name="Slide Image Placeholder 1"/>
+          <p:cNvSpPr>
+            <a:spLocks noGrp="1" noRot="1" noChangeAspect="1"/>
+          </p:cNvSpPr>
+          <p:nvPr>
+            <p:ph type="sldImg"/>
+          </p:nvPr>
+        </p:nvSpPr>
+        <p:spPr/>
+      </p:sp>
+      <p:sp>
+        <p:nvSpPr>
+          <p:cNvPr id="3" name="Notes Placeholder 2"/>
+          <p:cNvSpPr>
+            <a:spLocks noGrp="1"/>
+          </p:cNvSpPr>
+          <p:nvPr>
+            <p:ph type="body" idx="1"/>
+          </p:nvPr>
+        </p:nvSpPr>
+        <p:spPr/>
+        <p:txBody>
+          <a:bodyPr/>
+          <a:lstStyle/>
+          <a:p>
+            <a:endParaRPr lang="en-US" dirty="0"/>
+          </a:p>
+        </p:txBody>
+      </p:sp>
+      <p:sp>
+        <p:nvSpPr>
+          <p:cNvPr id="4" name="Slide Number Placeholder 3"/>
+          <p:cNvSpPr>
+            <a:spLocks noGrp="1"/>
+          </p:cNvSpPr>
+          <p:nvPr>
+            <p:ph type="sldNum" sz="quarter" idx="10"/>
+          </p:nvPr>
+        </p:nvSpPr>
+        <p:spPr/>
+        <p:txBody>
+          <a:bodyPr/>
+          <a:lstStyle/>
+          <a:p>
+            <a:fld id="{D89B5C69-BE94-4D7E-9A42-C5D3A868EF1B}" type="slidenum">
+              <a:rPr lang="da-DK" smtClean="0"/>
+              <a:t>25</a:t>
+            </a:fld>
+            <a:endParaRPr lang="da-DK"/>
+          </a:p>
+        </p:txBody>
+      </p:sp>
+    </p:spTree>
+    <p:extLst>
+      <p:ext uri="{BB962C8B-B14F-4D97-AF65-F5344CB8AC3E}">
+        <p14:creationId xmlns:p14="http://schemas.microsoft.com/office/powerpoint/2010/main" val="913103590"/>
+      </p:ext>
+    </p:extLst>
+  </p:cSld>
+  <p:clrMapOvr>
+    <a:masterClrMapping/>
+  </p:clrMapOvr>
+</p:notes>
+</file>
+
+<file path=ppt/notesSlides/notesSlide17.xml><?xml version="1.0" encoding="utf-8"?>
+<p:notes xmlns:a="http://schemas.openxmlformats.org/drawingml/2006/main" xmlns:r="http://schemas.openxmlformats.org/officeDocument/2006/relationships" xmlns:p="http://schemas.openxmlformats.org/presentationml/2006/main">
+  <p:cSld>
+    <p:spTree>
+      <p:nvGrpSpPr>
+        <p:cNvPr id="1" name=""/>
+        <p:cNvGrpSpPr/>
+        <p:nvPr/>
+      </p:nvGrpSpPr>
+      <p:grpSpPr>
+        <a:xfrm>
+          <a:off x="0" y="0"/>
+          <a:ext cx="0" cy="0"/>
+          <a:chOff x="0" y="0"/>
+          <a:chExt cx="0" cy="0"/>
+        </a:xfrm>
+      </p:grpSpPr>
+      <p:sp>
+        <p:nvSpPr>
+          <p:cNvPr id="2" name="Slide Image Placeholder 1"/>
+          <p:cNvSpPr>
+            <a:spLocks noGrp="1" noRot="1" noChangeAspect="1"/>
+          </p:cNvSpPr>
+          <p:nvPr>
+            <p:ph type="sldImg"/>
+          </p:nvPr>
+        </p:nvSpPr>
+        <p:spPr/>
+      </p:sp>
+      <p:sp>
+        <p:nvSpPr>
+          <p:cNvPr id="3" name="Notes Placeholder 2"/>
+          <p:cNvSpPr>
+            <a:spLocks noGrp="1"/>
+          </p:cNvSpPr>
+          <p:nvPr>
+            <p:ph type="body" idx="1"/>
+          </p:nvPr>
+        </p:nvSpPr>
+        <p:spPr/>
+        <p:txBody>
+          <a:bodyPr/>
+          <a:lstStyle/>
+          <a:p>
+            <a:endParaRPr lang="en-US" dirty="0"/>
+          </a:p>
+        </p:txBody>
+      </p:sp>
+      <p:sp>
+        <p:nvSpPr>
+          <p:cNvPr id="4" name="Slide Number Placeholder 3"/>
+          <p:cNvSpPr>
+            <a:spLocks noGrp="1"/>
+          </p:cNvSpPr>
+          <p:nvPr>
+            <p:ph type="sldNum" sz="quarter" idx="10"/>
+          </p:nvPr>
+        </p:nvSpPr>
+        <p:spPr/>
+        <p:txBody>
+          <a:bodyPr/>
+          <a:lstStyle/>
+          <a:p>
+            <a:fld id="{D89B5C69-BE94-4D7E-9A42-C5D3A868EF1B}" type="slidenum">
+              <a:rPr lang="da-DK" smtClean="0"/>
+              <a:t>27</a:t>
+            </a:fld>
+            <a:endParaRPr lang="da-DK"/>
+          </a:p>
+        </p:txBody>
+      </p:sp>
+    </p:spTree>
+    <p:extLst>
+      <p:ext uri="{BB962C8B-B14F-4D97-AF65-F5344CB8AC3E}">
+        <p14:creationId xmlns:p14="http://schemas.microsoft.com/office/powerpoint/2010/main" val="3120785634"/>
+      </p:ext>
+    </p:extLst>
+  </p:cSld>
+  <p:clrMapOvr>
+    <a:masterClrMapping/>
+  </p:clrMapOvr>
+</p:notes>
+</file>
+
+<file path=ppt/notesSlides/notesSlide18.xml><?xml version="1.0" encoding="utf-8"?>
+<p:notes xmlns:a="http://schemas.openxmlformats.org/drawingml/2006/main" xmlns:r="http://schemas.openxmlformats.org/officeDocument/2006/relationships" xmlns:p="http://schemas.openxmlformats.org/presentationml/2006/main">
+  <p:cSld>
+    <p:spTree>
+      <p:nvGrpSpPr>
+        <p:cNvPr id="1" name=""/>
+        <p:cNvGrpSpPr/>
+        <p:nvPr/>
+      </p:nvGrpSpPr>
+      <p:grpSpPr>
+        <a:xfrm>
+          <a:off x="0" y="0"/>
+          <a:ext cx="0" cy="0"/>
+          <a:chOff x="0" y="0"/>
+          <a:chExt cx="0" cy="0"/>
+        </a:xfrm>
+      </p:grpSpPr>
+      <p:sp>
+        <p:nvSpPr>
+          <p:cNvPr id="2" name="Slide Image Placeholder 1"/>
+          <p:cNvSpPr>
+            <a:spLocks noGrp="1" noRot="1" noChangeAspect="1"/>
+          </p:cNvSpPr>
+          <p:nvPr>
+            <p:ph type="sldImg"/>
+          </p:nvPr>
+        </p:nvSpPr>
+        <p:spPr/>
+      </p:sp>
+      <p:sp>
+        <p:nvSpPr>
+          <p:cNvPr id="3" name="Notes Placeholder 2"/>
+          <p:cNvSpPr>
+            <a:spLocks noGrp="1"/>
+          </p:cNvSpPr>
+          <p:nvPr>
+            <p:ph type="body" idx="1"/>
+          </p:nvPr>
+        </p:nvSpPr>
+        <p:spPr/>
+        <p:txBody>
+          <a:bodyPr/>
+          <a:lstStyle/>
+          <a:p>
+            <a:r>
+              <a:rPr lang="en-US" dirty="0" smtClean="0"/>
               <a:t>Go to demo here</a:t>
             </a:r>
             <a:endParaRPr lang="en-US" dirty="0"/>
@@ -1051,7 +1456,7 @@
 </p:notes>
 </file>
 
-<file path=ppt/notesSlides/notesSlide15.xml><?xml version="1.0" encoding="utf-8"?>
+<file path=ppt/notesSlides/notesSlide19.xml><?xml version="1.0" encoding="utf-8"?>
 <p:notes xmlns:a="http://schemas.openxmlformats.org/drawingml/2006/main" xmlns:r="http://schemas.openxmlformats.org/officeDocument/2006/relationships" xmlns:p="http://schemas.openxmlformats.org/presentationml/2006/main">
   <p:cSld>
     <p:spTree>
@@ -1234,6 +1639,1034 @@
 </p:notes>
 </file>
 
+<file path=ppt/notesSlides/notesSlide20.xml><?xml version="1.0" encoding="utf-8"?>
+<p:notes xmlns:a="http://schemas.openxmlformats.org/drawingml/2006/main" xmlns:r="http://schemas.openxmlformats.org/officeDocument/2006/relationships" xmlns:p="http://schemas.openxmlformats.org/presentationml/2006/main">
+  <p:cSld>
+    <p:spTree>
+      <p:nvGrpSpPr>
+        <p:cNvPr id="1" name=""/>
+        <p:cNvGrpSpPr/>
+        <p:nvPr/>
+      </p:nvGrpSpPr>
+      <p:grpSpPr>
+        <a:xfrm>
+          <a:off x="0" y="0"/>
+          <a:ext cx="0" cy="0"/>
+          <a:chOff x="0" y="0"/>
+          <a:chExt cx="0" cy="0"/>
+        </a:xfrm>
+      </p:grpSpPr>
+      <p:sp>
+        <p:nvSpPr>
+          <p:cNvPr id="2" name="Slide Image Placeholder 1"/>
+          <p:cNvSpPr>
+            <a:spLocks noGrp="1" noRot="1" noChangeAspect="1"/>
+          </p:cNvSpPr>
+          <p:nvPr>
+            <p:ph type="sldImg"/>
+          </p:nvPr>
+        </p:nvSpPr>
+        <p:spPr/>
+      </p:sp>
+      <p:sp>
+        <p:nvSpPr>
+          <p:cNvPr id="3" name="Notes Placeholder 2"/>
+          <p:cNvSpPr>
+            <a:spLocks noGrp="1"/>
+          </p:cNvSpPr>
+          <p:nvPr>
+            <p:ph type="body" idx="1"/>
+          </p:nvPr>
+        </p:nvSpPr>
+        <p:spPr/>
+        <p:txBody>
+          <a:bodyPr/>
+          <a:lstStyle/>
+          <a:p>
+            <a:r>
+              <a:rPr lang="en-US" dirty="0" smtClean="0"/>
+              <a:t>New documents are put into</a:t>
+            </a:r>
+            <a:r>
+              <a:rPr lang="en-US" baseline="0" dirty="0" smtClean="0"/>
+              <a:t> the index buffer</a:t>
+            </a:r>
+          </a:p>
+          <a:p>
+            <a:r>
+              <a:rPr lang="en-US" baseline="0" dirty="0" smtClean="0"/>
+              <a:t>Every so often the buffer is committed to disk, creating a new segment</a:t>
+            </a:r>
+          </a:p>
+          <a:p>
+            <a:endParaRPr lang="en-US" dirty="0"/>
+          </a:p>
+        </p:txBody>
+      </p:sp>
+      <p:sp>
+        <p:nvSpPr>
+          <p:cNvPr id="4" name="Slide Number Placeholder 3"/>
+          <p:cNvSpPr>
+            <a:spLocks noGrp="1"/>
+          </p:cNvSpPr>
+          <p:nvPr>
+            <p:ph type="sldNum" sz="quarter" idx="10"/>
+          </p:nvPr>
+        </p:nvSpPr>
+        <p:spPr/>
+        <p:txBody>
+          <a:bodyPr/>
+          <a:lstStyle/>
+          <a:p>
+            <a:fld id="{D89B5C69-BE94-4D7E-9A42-C5D3A868EF1B}" type="slidenum">
+              <a:rPr lang="da-DK" smtClean="0"/>
+              <a:t>48</a:t>
+            </a:fld>
+            <a:endParaRPr lang="da-DK"/>
+          </a:p>
+        </p:txBody>
+      </p:sp>
+    </p:spTree>
+    <p:extLst>
+      <p:ext uri="{BB962C8B-B14F-4D97-AF65-F5344CB8AC3E}">
+        <p14:creationId xmlns:p14="http://schemas.microsoft.com/office/powerpoint/2010/main" val="2423639013"/>
+      </p:ext>
+    </p:extLst>
+  </p:cSld>
+  <p:clrMapOvr>
+    <a:masterClrMapping/>
+  </p:clrMapOvr>
+</p:notes>
+</file>
+
+<file path=ppt/notesSlides/notesSlide21.xml><?xml version="1.0" encoding="utf-8"?>
+<p:notes xmlns:a="http://schemas.openxmlformats.org/drawingml/2006/main" xmlns:r="http://schemas.openxmlformats.org/officeDocument/2006/relationships" xmlns:p="http://schemas.openxmlformats.org/presentationml/2006/main">
+  <p:cSld>
+    <p:spTree>
+      <p:nvGrpSpPr>
+        <p:cNvPr id="1" name=""/>
+        <p:cNvGrpSpPr/>
+        <p:nvPr/>
+      </p:nvGrpSpPr>
+      <p:grpSpPr>
+        <a:xfrm>
+          <a:off x="0" y="0"/>
+          <a:ext cx="0" cy="0"/>
+          <a:chOff x="0" y="0"/>
+          <a:chExt cx="0" cy="0"/>
+        </a:xfrm>
+      </p:grpSpPr>
+      <p:sp>
+        <p:nvSpPr>
+          <p:cNvPr id="2" name="Slide Image Placeholder 1"/>
+          <p:cNvSpPr>
+            <a:spLocks noGrp="1" noRot="1" noChangeAspect="1"/>
+          </p:cNvSpPr>
+          <p:nvPr>
+            <p:ph type="sldImg"/>
+          </p:nvPr>
+        </p:nvSpPr>
+        <p:spPr/>
+      </p:sp>
+      <p:sp>
+        <p:nvSpPr>
+          <p:cNvPr id="3" name="Notes Placeholder 2"/>
+          <p:cNvSpPr>
+            <a:spLocks noGrp="1"/>
+          </p:cNvSpPr>
+          <p:nvPr>
+            <p:ph type="body" idx="1"/>
+          </p:nvPr>
+        </p:nvSpPr>
+        <p:spPr/>
+        <p:txBody>
+          <a:bodyPr/>
+          <a:lstStyle/>
+          <a:p>
+            <a:r>
+              <a:rPr lang="en-US" dirty="0" smtClean="0"/>
+              <a:t>Everything is flushed to</a:t>
+            </a:r>
+            <a:r>
+              <a:rPr lang="en-US" baseline="0" dirty="0" smtClean="0"/>
+              <a:t> disk, t</a:t>
+            </a:r>
+            <a:r>
+              <a:rPr lang="en-US" dirty="0" smtClean="0"/>
+              <a:t>he segment is </a:t>
+            </a:r>
+            <a:r>
+              <a:rPr lang="en-US" baseline="0" dirty="0" smtClean="0"/>
+              <a:t>“opened” and a commit point is added.</a:t>
+            </a:r>
+          </a:p>
+          <a:p>
+            <a:r>
+              <a:rPr lang="en-US" baseline="0" dirty="0" smtClean="0"/>
+              <a:t>The in-memory buffer is flushed.</a:t>
+            </a:r>
+            <a:endParaRPr lang="en-US" dirty="0"/>
+          </a:p>
+        </p:txBody>
+      </p:sp>
+      <p:sp>
+        <p:nvSpPr>
+          <p:cNvPr id="4" name="Slide Number Placeholder 3"/>
+          <p:cNvSpPr>
+            <a:spLocks noGrp="1"/>
+          </p:cNvSpPr>
+          <p:nvPr>
+            <p:ph type="sldNum" sz="quarter" idx="10"/>
+          </p:nvPr>
+        </p:nvSpPr>
+        <p:spPr/>
+        <p:txBody>
+          <a:bodyPr/>
+          <a:lstStyle/>
+          <a:p>
+            <a:fld id="{D89B5C69-BE94-4D7E-9A42-C5D3A868EF1B}" type="slidenum">
+              <a:rPr lang="da-DK" smtClean="0"/>
+              <a:t>51</a:t>
+            </a:fld>
+            <a:endParaRPr lang="da-DK"/>
+          </a:p>
+        </p:txBody>
+      </p:sp>
+    </p:spTree>
+    <p:extLst>
+      <p:ext uri="{BB962C8B-B14F-4D97-AF65-F5344CB8AC3E}">
+        <p14:creationId xmlns:p14="http://schemas.microsoft.com/office/powerpoint/2010/main" val="2880908137"/>
+      </p:ext>
+    </p:extLst>
+  </p:cSld>
+  <p:clrMapOvr>
+    <a:masterClrMapping/>
+  </p:clrMapOvr>
+</p:notes>
+</file>
+
+<file path=ppt/notesSlides/notesSlide22.xml><?xml version="1.0" encoding="utf-8"?>
+<p:notes xmlns:a="http://schemas.openxmlformats.org/drawingml/2006/main" xmlns:r="http://schemas.openxmlformats.org/officeDocument/2006/relationships" xmlns:p="http://schemas.openxmlformats.org/presentationml/2006/main">
+  <p:cSld>
+    <p:spTree>
+      <p:nvGrpSpPr>
+        <p:cNvPr id="1" name=""/>
+        <p:cNvGrpSpPr/>
+        <p:nvPr/>
+      </p:nvGrpSpPr>
+      <p:grpSpPr>
+        <a:xfrm>
+          <a:off x="0" y="0"/>
+          <a:ext cx="0" cy="0"/>
+          <a:chOff x="0" y="0"/>
+          <a:chExt cx="0" cy="0"/>
+        </a:xfrm>
+      </p:grpSpPr>
+      <p:sp>
+        <p:nvSpPr>
+          <p:cNvPr id="2" name="Slide Image Placeholder 1"/>
+          <p:cNvSpPr>
+            <a:spLocks noGrp="1" noRot="1" noChangeAspect="1"/>
+          </p:cNvSpPr>
+          <p:nvPr>
+            <p:ph type="sldImg"/>
+          </p:nvPr>
+        </p:nvSpPr>
+        <p:spPr/>
+      </p:sp>
+      <p:sp>
+        <p:nvSpPr>
+          <p:cNvPr id="3" name="Notes Placeholder 2"/>
+          <p:cNvSpPr>
+            <a:spLocks noGrp="1"/>
+          </p:cNvSpPr>
+          <p:nvPr>
+            <p:ph type="body" idx="1"/>
+          </p:nvPr>
+        </p:nvSpPr>
+        <p:spPr/>
+        <p:txBody>
+          <a:bodyPr/>
+          <a:lstStyle/>
+          <a:p>
+            <a:r>
+              <a:rPr lang="en-US" dirty="0" err="1" smtClean="0"/>
+              <a:t>Fsync</a:t>
+            </a:r>
+            <a:r>
+              <a:rPr lang="en-US" baseline="0" dirty="0" smtClean="0"/>
+              <a:t> is costly</a:t>
+            </a:r>
+          </a:p>
+          <a:p>
+            <a:endParaRPr lang="en-US" dirty="0"/>
+          </a:p>
+        </p:txBody>
+      </p:sp>
+      <p:sp>
+        <p:nvSpPr>
+          <p:cNvPr id="4" name="Slide Number Placeholder 3"/>
+          <p:cNvSpPr>
+            <a:spLocks noGrp="1"/>
+          </p:cNvSpPr>
+          <p:nvPr>
+            <p:ph type="sldNum" sz="quarter" idx="10"/>
+          </p:nvPr>
+        </p:nvSpPr>
+        <p:spPr/>
+        <p:txBody>
+          <a:bodyPr/>
+          <a:lstStyle/>
+          <a:p>
+            <a:fld id="{D89B5C69-BE94-4D7E-9A42-C5D3A868EF1B}" type="slidenum">
+              <a:rPr lang="da-DK" smtClean="0"/>
+              <a:t>52</a:t>
+            </a:fld>
+            <a:endParaRPr lang="da-DK"/>
+          </a:p>
+        </p:txBody>
+      </p:sp>
+    </p:spTree>
+    <p:extLst>
+      <p:ext uri="{BB962C8B-B14F-4D97-AF65-F5344CB8AC3E}">
+        <p14:creationId xmlns:p14="http://schemas.microsoft.com/office/powerpoint/2010/main" val="856022463"/>
+      </p:ext>
+    </p:extLst>
+  </p:cSld>
+  <p:clrMapOvr>
+    <a:masterClrMapping/>
+  </p:clrMapOvr>
+</p:notes>
+</file>
+
+<file path=ppt/notesSlides/notesSlide23.xml><?xml version="1.0" encoding="utf-8"?>
+<p:notes xmlns:a="http://schemas.openxmlformats.org/drawingml/2006/main" xmlns:r="http://schemas.openxmlformats.org/officeDocument/2006/relationships" xmlns:p="http://schemas.openxmlformats.org/presentationml/2006/main">
+  <p:cSld>
+    <p:spTree>
+      <p:nvGrpSpPr>
+        <p:cNvPr id="1" name=""/>
+        <p:cNvGrpSpPr/>
+        <p:nvPr/>
+      </p:nvGrpSpPr>
+      <p:grpSpPr>
+        <a:xfrm>
+          <a:off x="0" y="0"/>
+          <a:ext cx="0" cy="0"/>
+          <a:chOff x="0" y="0"/>
+          <a:chExt cx="0" cy="0"/>
+        </a:xfrm>
+      </p:grpSpPr>
+      <p:sp>
+        <p:nvSpPr>
+          <p:cNvPr id="2" name="Slide Image Placeholder 1"/>
+          <p:cNvSpPr>
+            <a:spLocks noGrp="1" noRot="1" noChangeAspect="1"/>
+          </p:cNvSpPr>
+          <p:nvPr>
+            <p:ph type="sldImg"/>
+          </p:nvPr>
+        </p:nvSpPr>
+        <p:spPr/>
+      </p:sp>
+      <p:sp>
+        <p:nvSpPr>
+          <p:cNvPr id="3" name="Notes Placeholder 2"/>
+          <p:cNvSpPr>
+            <a:spLocks noGrp="1"/>
+          </p:cNvSpPr>
+          <p:nvPr>
+            <p:ph type="body" idx="1"/>
+          </p:nvPr>
+        </p:nvSpPr>
+        <p:spPr/>
+        <p:txBody>
+          <a:bodyPr/>
+          <a:lstStyle/>
+          <a:p>
+            <a:r>
+              <a:rPr lang="en-US" dirty="0" smtClean="0"/>
+              <a:t>… but not committed !!</a:t>
+            </a:r>
+          </a:p>
+          <a:p>
+            <a:endParaRPr lang="en-US" dirty="0"/>
+          </a:p>
+        </p:txBody>
+      </p:sp>
+      <p:sp>
+        <p:nvSpPr>
+          <p:cNvPr id="4" name="Slide Number Placeholder 3"/>
+          <p:cNvSpPr>
+            <a:spLocks noGrp="1"/>
+          </p:cNvSpPr>
+          <p:nvPr>
+            <p:ph type="sldNum" sz="quarter" idx="10"/>
+          </p:nvPr>
+        </p:nvSpPr>
+        <p:spPr/>
+        <p:txBody>
+          <a:bodyPr/>
+          <a:lstStyle/>
+          <a:p>
+            <a:fld id="{D89B5C69-BE94-4D7E-9A42-C5D3A868EF1B}" type="slidenum">
+              <a:rPr lang="da-DK" smtClean="0"/>
+              <a:t>53</a:t>
+            </a:fld>
+            <a:endParaRPr lang="da-DK"/>
+          </a:p>
+        </p:txBody>
+      </p:sp>
+    </p:spTree>
+    <p:extLst>
+      <p:ext uri="{BB962C8B-B14F-4D97-AF65-F5344CB8AC3E}">
+        <p14:creationId xmlns:p14="http://schemas.microsoft.com/office/powerpoint/2010/main" val="2423907199"/>
+      </p:ext>
+    </p:extLst>
+  </p:cSld>
+  <p:clrMapOvr>
+    <a:masterClrMapping/>
+  </p:clrMapOvr>
+</p:notes>
+</file>
+
+<file path=ppt/notesSlides/notesSlide24.xml><?xml version="1.0" encoding="utf-8"?>
+<p:notes xmlns:a="http://schemas.openxmlformats.org/drawingml/2006/main" xmlns:r="http://schemas.openxmlformats.org/officeDocument/2006/relationships" xmlns:p="http://schemas.openxmlformats.org/presentationml/2006/main">
+  <p:cSld>
+    <p:spTree>
+      <p:nvGrpSpPr>
+        <p:cNvPr id="1" name=""/>
+        <p:cNvGrpSpPr/>
+        <p:nvPr/>
+      </p:nvGrpSpPr>
+      <p:grpSpPr>
+        <a:xfrm>
+          <a:off x="0" y="0"/>
+          <a:ext cx="0" cy="0"/>
+          <a:chOff x="0" y="0"/>
+          <a:chExt cx="0" cy="0"/>
+        </a:xfrm>
+      </p:grpSpPr>
+      <p:sp>
+        <p:nvSpPr>
+          <p:cNvPr id="2" name="Slide Image Placeholder 1"/>
+          <p:cNvSpPr>
+            <a:spLocks noGrp="1" noRot="1" noChangeAspect="1"/>
+          </p:cNvSpPr>
+          <p:nvPr>
+            <p:ph type="sldImg"/>
+          </p:nvPr>
+        </p:nvSpPr>
+        <p:spPr/>
+      </p:sp>
+      <p:sp>
+        <p:nvSpPr>
+          <p:cNvPr id="3" name="Notes Placeholder 2"/>
+          <p:cNvSpPr>
+            <a:spLocks noGrp="1"/>
+          </p:cNvSpPr>
+          <p:nvPr>
+            <p:ph type="body" idx="1"/>
+          </p:nvPr>
+        </p:nvSpPr>
+        <p:spPr/>
+        <p:txBody>
+          <a:bodyPr/>
+          <a:lstStyle/>
+          <a:p>
+            <a:r>
+              <a:rPr lang="en-US" dirty="0" smtClean="0"/>
+              <a:t>For instance, for</a:t>
+            </a:r>
+            <a:r>
+              <a:rPr lang="en-US" baseline="0" dirty="0" smtClean="0"/>
+              <a:t> logging you could set the refresh time much higher than once per second</a:t>
+            </a:r>
+          </a:p>
+          <a:p>
+            <a:endParaRPr lang="en-US" baseline="0" dirty="0" smtClean="0"/>
+          </a:p>
+          <a:p>
+            <a:r>
+              <a:rPr lang="en-US" baseline="0" dirty="0" smtClean="0"/>
+              <a:t>Turn off automatic refresh could be useful for massive updates to an index, then turn it back on when you are ready to start using it.</a:t>
+            </a:r>
+          </a:p>
+          <a:p>
+            <a:endParaRPr lang="en-US" baseline="0" dirty="0" smtClean="0"/>
+          </a:p>
+          <a:p>
+            <a:r>
+              <a:rPr lang="en-US" baseline="0" dirty="0" smtClean="0"/>
+              <a:t>Refresh interval demo. -1 = disabled; 1 = 1 millisecond !!!. Use durations like “1s” = one second or “2m” = 2 minutes.</a:t>
+            </a:r>
+          </a:p>
+        </p:txBody>
+      </p:sp>
+      <p:sp>
+        <p:nvSpPr>
+          <p:cNvPr id="4" name="Slide Number Placeholder 3"/>
+          <p:cNvSpPr>
+            <a:spLocks noGrp="1"/>
+          </p:cNvSpPr>
+          <p:nvPr>
+            <p:ph type="sldNum" sz="quarter" idx="10"/>
+          </p:nvPr>
+        </p:nvSpPr>
+        <p:spPr/>
+        <p:txBody>
+          <a:bodyPr/>
+          <a:lstStyle/>
+          <a:p>
+            <a:fld id="{D89B5C69-BE94-4D7E-9A42-C5D3A868EF1B}" type="slidenum">
+              <a:rPr lang="da-DK" smtClean="0"/>
+              <a:t>55</a:t>
+            </a:fld>
+            <a:endParaRPr lang="da-DK"/>
+          </a:p>
+        </p:txBody>
+      </p:sp>
+    </p:spTree>
+    <p:extLst>
+      <p:ext uri="{BB962C8B-B14F-4D97-AF65-F5344CB8AC3E}">
+        <p14:creationId xmlns:p14="http://schemas.microsoft.com/office/powerpoint/2010/main" val="2867208613"/>
+      </p:ext>
+    </p:extLst>
+  </p:cSld>
+  <p:clrMapOvr>
+    <a:masterClrMapping/>
+  </p:clrMapOvr>
+</p:notes>
+</file>
+
+<file path=ppt/notesSlides/notesSlide25.xml><?xml version="1.0" encoding="utf-8"?>
+<p:notes xmlns:a="http://schemas.openxmlformats.org/drawingml/2006/main" xmlns:r="http://schemas.openxmlformats.org/officeDocument/2006/relationships" xmlns:p="http://schemas.openxmlformats.org/presentationml/2006/main">
+  <p:cSld>
+    <p:spTree>
+      <p:nvGrpSpPr>
+        <p:cNvPr id="1" name=""/>
+        <p:cNvGrpSpPr/>
+        <p:nvPr/>
+      </p:nvGrpSpPr>
+      <p:grpSpPr>
+        <a:xfrm>
+          <a:off x="0" y="0"/>
+          <a:ext cx="0" cy="0"/>
+          <a:chOff x="0" y="0"/>
+          <a:chExt cx="0" cy="0"/>
+        </a:xfrm>
+      </p:grpSpPr>
+      <p:sp>
+        <p:nvSpPr>
+          <p:cNvPr id="2" name="Slide Image Placeholder 1"/>
+          <p:cNvSpPr>
+            <a:spLocks noGrp="1" noRot="1" noChangeAspect="1"/>
+          </p:cNvSpPr>
+          <p:nvPr>
+            <p:ph type="sldImg"/>
+          </p:nvPr>
+        </p:nvSpPr>
+        <p:spPr/>
+      </p:sp>
+      <p:sp>
+        <p:nvSpPr>
+          <p:cNvPr id="3" name="Notes Placeholder 2"/>
+          <p:cNvSpPr>
+            <a:spLocks noGrp="1"/>
+          </p:cNvSpPr>
+          <p:nvPr>
+            <p:ph type="body" idx="1"/>
+          </p:nvPr>
+        </p:nvSpPr>
+        <p:spPr/>
+        <p:txBody>
+          <a:bodyPr/>
+          <a:lstStyle/>
+          <a:p>
+            <a:r>
+              <a:rPr lang="en-US" dirty="0" smtClean="0"/>
+              <a:t>We can’t be sure</a:t>
+            </a:r>
+            <a:r>
+              <a:rPr lang="en-US" baseline="0" dirty="0" smtClean="0"/>
+              <a:t> the last segment has actually not hit the disk. So keep those documents in the transaction log</a:t>
+            </a:r>
+          </a:p>
+        </p:txBody>
+      </p:sp>
+      <p:sp>
+        <p:nvSpPr>
+          <p:cNvPr id="4" name="Slide Number Placeholder 3"/>
+          <p:cNvSpPr>
+            <a:spLocks noGrp="1"/>
+          </p:cNvSpPr>
+          <p:nvPr>
+            <p:ph type="sldNum" sz="quarter" idx="10"/>
+          </p:nvPr>
+        </p:nvSpPr>
+        <p:spPr/>
+        <p:txBody>
+          <a:bodyPr/>
+          <a:lstStyle/>
+          <a:p>
+            <a:fld id="{D89B5C69-BE94-4D7E-9A42-C5D3A868EF1B}" type="slidenum">
+              <a:rPr lang="da-DK" smtClean="0"/>
+              <a:t>58</a:t>
+            </a:fld>
+            <a:endParaRPr lang="da-DK"/>
+          </a:p>
+        </p:txBody>
+      </p:sp>
+    </p:spTree>
+    <p:extLst>
+      <p:ext uri="{BB962C8B-B14F-4D97-AF65-F5344CB8AC3E}">
+        <p14:creationId xmlns:p14="http://schemas.microsoft.com/office/powerpoint/2010/main" val="3946300932"/>
+      </p:ext>
+    </p:extLst>
+  </p:cSld>
+  <p:clrMapOvr>
+    <a:masterClrMapping/>
+  </p:clrMapOvr>
+</p:notes>
+</file>
+
+<file path=ppt/notesSlides/notesSlide26.xml><?xml version="1.0" encoding="utf-8"?>
+<p:notes xmlns:a="http://schemas.openxmlformats.org/drawingml/2006/main" xmlns:r="http://schemas.openxmlformats.org/officeDocument/2006/relationships" xmlns:p="http://schemas.openxmlformats.org/presentationml/2006/main">
+  <p:cSld>
+    <p:spTree>
+      <p:nvGrpSpPr>
+        <p:cNvPr id="1" name=""/>
+        <p:cNvGrpSpPr/>
+        <p:nvPr/>
+      </p:nvGrpSpPr>
+      <p:grpSpPr>
+        <a:xfrm>
+          <a:off x="0" y="0"/>
+          <a:ext cx="0" cy="0"/>
+          <a:chOff x="0" y="0"/>
+          <a:chExt cx="0" cy="0"/>
+        </a:xfrm>
+      </p:grpSpPr>
+      <p:sp>
+        <p:nvSpPr>
+          <p:cNvPr id="2" name="Slide Image Placeholder 1"/>
+          <p:cNvSpPr>
+            <a:spLocks noGrp="1" noRot="1" noChangeAspect="1"/>
+          </p:cNvSpPr>
+          <p:nvPr>
+            <p:ph type="sldImg"/>
+          </p:nvPr>
+        </p:nvSpPr>
+        <p:spPr/>
+      </p:sp>
+      <p:sp>
+        <p:nvSpPr>
+          <p:cNvPr id="3" name="Notes Placeholder 2"/>
+          <p:cNvSpPr>
+            <a:spLocks noGrp="1"/>
+          </p:cNvSpPr>
+          <p:nvPr>
+            <p:ph type="body" idx="1"/>
+          </p:nvPr>
+        </p:nvSpPr>
+        <p:spPr/>
+        <p:txBody>
+          <a:bodyPr/>
+          <a:lstStyle/>
+          <a:p>
+            <a:r>
+              <a:rPr lang="en-US" dirty="0" smtClean="0"/>
+              <a:t>Th</a:t>
+            </a:r>
+            <a:r>
+              <a:rPr lang="en-US" baseline="0" dirty="0" smtClean="0"/>
+              <a:t>e transaction log can keep accumulating documents after a refresh</a:t>
+            </a:r>
+            <a:endParaRPr lang="en-US" dirty="0"/>
+          </a:p>
+        </p:txBody>
+      </p:sp>
+      <p:sp>
+        <p:nvSpPr>
+          <p:cNvPr id="4" name="Slide Number Placeholder 3"/>
+          <p:cNvSpPr>
+            <a:spLocks noGrp="1"/>
+          </p:cNvSpPr>
+          <p:nvPr>
+            <p:ph type="sldNum" sz="quarter" idx="10"/>
+          </p:nvPr>
+        </p:nvSpPr>
+        <p:spPr/>
+        <p:txBody>
+          <a:bodyPr/>
+          <a:lstStyle/>
+          <a:p>
+            <a:fld id="{D89B5C69-BE94-4D7E-9A42-C5D3A868EF1B}" type="slidenum">
+              <a:rPr lang="da-DK" smtClean="0"/>
+              <a:t>59</a:t>
+            </a:fld>
+            <a:endParaRPr lang="da-DK"/>
+          </a:p>
+        </p:txBody>
+      </p:sp>
+    </p:spTree>
+    <p:extLst>
+      <p:ext uri="{BB962C8B-B14F-4D97-AF65-F5344CB8AC3E}">
+        <p14:creationId xmlns:p14="http://schemas.microsoft.com/office/powerpoint/2010/main" val="1889755019"/>
+      </p:ext>
+    </p:extLst>
+  </p:cSld>
+  <p:clrMapOvr>
+    <a:masterClrMapping/>
+  </p:clrMapOvr>
+</p:notes>
+</file>
+
+<file path=ppt/notesSlides/notesSlide27.xml><?xml version="1.0" encoding="utf-8"?>
+<p:notes xmlns:a="http://schemas.openxmlformats.org/drawingml/2006/main" xmlns:r="http://schemas.openxmlformats.org/officeDocument/2006/relationships" xmlns:p="http://schemas.openxmlformats.org/presentationml/2006/main">
+  <p:cSld>
+    <p:spTree>
+      <p:nvGrpSpPr>
+        <p:cNvPr id="1" name=""/>
+        <p:cNvGrpSpPr/>
+        <p:nvPr/>
+      </p:nvGrpSpPr>
+      <p:grpSpPr>
+        <a:xfrm>
+          <a:off x="0" y="0"/>
+          <a:ext cx="0" cy="0"/>
+          <a:chOff x="0" y="0"/>
+          <a:chExt cx="0" cy="0"/>
+        </a:xfrm>
+      </p:grpSpPr>
+      <p:sp>
+        <p:nvSpPr>
+          <p:cNvPr id="2" name="Slide Image Placeholder 1"/>
+          <p:cNvSpPr>
+            <a:spLocks noGrp="1" noRot="1" noChangeAspect="1"/>
+          </p:cNvSpPr>
+          <p:nvPr>
+            <p:ph type="sldImg"/>
+          </p:nvPr>
+        </p:nvSpPr>
+        <p:spPr/>
+      </p:sp>
+      <p:sp>
+        <p:nvSpPr>
+          <p:cNvPr id="3" name="Notes Placeholder 2"/>
+          <p:cNvSpPr>
+            <a:spLocks noGrp="1"/>
+          </p:cNvSpPr>
+          <p:nvPr>
+            <p:ph type="body" idx="1"/>
+          </p:nvPr>
+        </p:nvSpPr>
+        <p:spPr/>
+        <p:txBody>
+          <a:bodyPr/>
+          <a:lstStyle/>
+          <a:p>
+            <a:r>
+              <a:rPr lang="en-US" dirty="0" smtClean="0"/>
+              <a:t>So is data then</a:t>
+            </a:r>
+            <a:r>
+              <a:rPr lang="en-US" baseline="0" dirty="0" smtClean="0"/>
+              <a:t> lost at power failure ? No, transaction log to the rescue.</a:t>
+            </a:r>
+            <a:endParaRPr lang="en-US" dirty="0"/>
+          </a:p>
+        </p:txBody>
+      </p:sp>
+      <p:sp>
+        <p:nvSpPr>
+          <p:cNvPr id="4" name="Slide Number Placeholder 3"/>
+          <p:cNvSpPr>
+            <a:spLocks noGrp="1"/>
+          </p:cNvSpPr>
+          <p:nvPr>
+            <p:ph type="sldNum" sz="quarter" idx="10"/>
+          </p:nvPr>
+        </p:nvSpPr>
+        <p:spPr/>
+        <p:txBody>
+          <a:bodyPr/>
+          <a:lstStyle/>
+          <a:p>
+            <a:fld id="{D89B5C69-BE94-4D7E-9A42-C5D3A868EF1B}" type="slidenum">
+              <a:rPr lang="da-DK" smtClean="0"/>
+              <a:t>60</a:t>
+            </a:fld>
+            <a:endParaRPr lang="da-DK"/>
+          </a:p>
+        </p:txBody>
+      </p:sp>
+    </p:spTree>
+    <p:extLst>
+      <p:ext uri="{BB962C8B-B14F-4D97-AF65-F5344CB8AC3E}">
+        <p14:creationId xmlns:p14="http://schemas.microsoft.com/office/powerpoint/2010/main" val="2089854874"/>
+      </p:ext>
+    </p:extLst>
+  </p:cSld>
+  <p:clrMapOvr>
+    <a:masterClrMapping/>
+  </p:clrMapOvr>
+</p:notes>
+</file>
+
+<file path=ppt/notesSlides/notesSlide28.xml><?xml version="1.0" encoding="utf-8"?>
+<p:notes xmlns:a="http://schemas.openxmlformats.org/drawingml/2006/main" xmlns:r="http://schemas.openxmlformats.org/officeDocument/2006/relationships" xmlns:p="http://schemas.openxmlformats.org/presentationml/2006/main">
+  <p:cSld>
+    <p:spTree>
+      <p:nvGrpSpPr>
+        <p:cNvPr id="1" name=""/>
+        <p:cNvGrpSpPr/>
+        <p:nvPr/>
+      </p:nvGrpSpPr>
+      <p:grpSpPr>
+        <a:xfrm>
+          <a:off x="0" y="0"/>
+          <a:ext cx="0" cy="0"/>
+          <a:chOff x="0" y="0"/>
+          <a:chExt cx="0" cy="0"/>
+        </a:xfrm>
+      </p:grpSpPr>
+      <p:sp>
+        <p:nvSpPr>
+          <p:cNvPr id="2" name="Slide Image Placeholder 1"/>
+          <p:cNvSpPr>
+            <a:spLocks noGrp="1" noRot="1" noChangeAspect="1"/>
+          </p:cNvSpPr>
+          <p:nvPr>
+            <p:ph type="sldImg"/>
+          </p:nvPr>
+        </p:nvSpPr>
+        <p:spPr/>
+      </p:sp>
+      <p:sp>
+        <p:nvSpPr>
+          <p:cNvPr id="3" name="Notes Placeholder 2"/>
+          <p:cNvSpPr>
+            <a:spLocks noGrp="1"/>
+          </p:cNvSpPr>
+          <p:nvPr>
+            <p:ph type="body" idx="1"/>
+          </p:nvPr>
+        </p:nvSpPr>
+        <p:spPr/>
+        <p:txBody>
+          <a:bodyPr/>
+          <a:lstStyle/>
+          <a:p>
+            <a:r>
+              <a:rPr lang="en-US" dirty="0" smtClean="0"/>
+              <a:t>Defaults</a:t>
+            </a:r>
+            <a:r>
+              <a:rPr lang="en-US" baseline="0" dirty="0" smtClean="0"/>
+              <a:t> for “too big” are:</a:t>
+            </a:r>
+          </a:p>
+          <a:p>
+            <a:r>
+              <a:rPr lang="en-US" baseline="0" dirty="0" err="1" smtClean="0"/>
+              <a:t>Index.translog_flush_threshold_ops</a:t>
+            </a:r>
+            <a:r>
+              <a:rPr lang="en-US" baseline="0" dirty="0" smtClean="0"/>
+              <a:t> = unlimited </a:t>
+            </a:r>
+          </a:p>
+          <a:p>
+            <a:r>
+              <a:rPr lang="en-US" baseline="0" dirty="0" err="1" smtClean="0"/>
+              <a:t>Index.translog_flush_threshold_size</a:t>
+            </a:r>
+            <a:r>
+              <a:rPr lang="en-US" baseline="0" dirty="0" smtClean="0"/>
+              <a:t> = 200 MB</a:t>
+            </a:r>
+          </a:p>
+          <a:p>
+            <a:r>
+              <a:rPr lang="en-US" baseline="0" dirty="0" err="1" smtClean="0"/>
+              <a:t>Index.translog_flush_threshold_period</a:t>
+            </a:r>
+            <a:r>
+              <a:rPr lang="en-US" baseline="0" dirty="0" smtClean="0"/>
+              <a:t> = 30 minutes</a:t>
+            </a:r>
+          </a:p>
+          <a:p>
+            <a:r>
+              <a:rPr lang="en-US" baseline="0" dirty="0" err="1" smtClean="0"/>
+              <a:t>Index.translog.interval</a:t>
+            </a:r>
+            <a:r>
+              <a:rPr lang="en-US" baseline="0" dirty="0" smtClean="0"/>
+              <a:t> = 5s (how often to check if </a:t>
+            </a:r>
+            <a:r>
+              <a:rPr lang="en-US" baseline="0" dirty="0" err="1" smtClean="0"/>
+              <a:t>translog</a:t>
+            </a:r>
+            <a:r>
+              <a:rPr lang="en-US" baseline="0" dirty="0" smtClean="0"/>
+              <a:t> should be flushed)</a:t>
+            </a:r>
+          </a:p>
+          <a:p>
+            <a:r>
+              <a:rPr lang="en-US" baseline="0" dirty="0" err="1" smtClean="0"/>
+              <a:t>Index.gateway.local.sync</a:t>
+            </a:r>
+            <a:r>
+              <a:rPr lang="en-US" baseline="0" dirty="0" smtClean="0"/>
+              <a:t> = how often the </a:t>
+            </a:r>
+            <a:r>
+              <a:rPr lang="en-US" baseline="0" dirty="0" err="1" smtClean="0"/>
+              <a:t>translog</a:t>
+            </a:r>
+            <a:r>
+              <a:rPr lang="en-US" baseline="0" dirty="0" smtClean="0"/>
+              <a:t> is </a:t>
+            </a:r>
+            <a:r>
+              <a:rPr lang="en-US" baseline="0" dirty="0" err="1" smtClean="0"/>
+              <a:t>fsync’ed</a:t>
+            </a:r>
+            <a:r>
+              <a:rPr lang="en-US" baseline="0" dirty="0" smtClean="0"/>
+              <a:t> to disk = 5s.</a:t>
+            </a:r>
+            <a:endParaRPr lang="en-US" dirty="0"/>
+          </a:p>
+        </p:txBody>
+      </p:sp>
+      <p:sp>
+        <p:nvSpPr>
+          <p:cNvPr id="4" name="Slide Number Placeholder 3"/>
+          <p:cNvSpPr>
+            <a:spLocks noGrp="1"/>
+          </p:cNvSpPr>
+          <p:nvPr>
+            <p:ph type="sldNum" sz="quarter" idx="10"/>
+          </p:nvPr>
+        </p:nvSpPr>
+        <p:spPr/>
+        <p:txBody>
+          <a:bodyPr/>
+          <a:lstStyle/>
+          <a:p>
+            <a:fld id="{D89B5C69-BE94-4D7E-9A42-C5D3A868EF1B}" type="slidenum">
+              <a:rPr lang="da-DK" smtClean="0"/>
+              <a:t>62</a:t>
+            </a:fld>
+            <a:endParaRPr lang="da-DK"/>
+          </a:p>
+        </p:txBody>
+      </p:sp>
+    </p:spTree>
+    <p:extLst>
+      <p:ext uri="{BB962C8B-B14F-4D97-AF65-F5344CB8AC3E}">
+        <p14:creationId xmlns:p14="http://schemas.microsoft.com/office/powerpoint/2010/main" val="1203025069"/>
+      </p:ext>
+    </p:extLst>
+  </p:cSld>
+  <p:clrMapOvr>
+    <a:masterClrMapping/>
+  </p:clrMapOvr>
+</p:notes>
+</file>
+
+<file path=ppt/notesSlides/notesSlide29.xml><?xml version="1.0" encoding="utf-8"?>
+<p:notes xmlns:a="http://schemas.openxmlformats.org/drawingml/2006/main" xmlns:r="http://schemas.openxmlformats.org/officeDocument/2006/relationships" xmlns:p="http://schemas.openxmlformats.org/presentationml/2006/main">
+  <p:cSld>
+    <p:spTree>
+      <p:nvGrpSpPr>
+        <p:cNvPr id="1" name=""/>
+        <p:cNvGrpSpPr/>
+        <p:nvPr/>
+      </p:nvGrpSpPr>
+      <p:grpSpPr>
+        <a:xfrm>
+          <a:off x="0" y="0"/>
+          <a:ext cx="0" cy="0"/>
+          <a:chOff x="0" y="0"/>
+          <a:chExt cx="0" cy="0"/>
+        </a:xfrm>
+      </p:grpSpPr>
+      <p:sp>
+        <p:nvSpPr>
+          <p:cNvPr id="2" name="Slide Image Placeholder 1"/>
+          <p:cNvSpPr>
+            <a:spLocks noGrp="1" noRot="1" noChangeAspect="1"/>
+          </p:cNvSpPr>
+          <p:nvPr>
+            <p:ph type="sldImg"/>
+          </p:nvPr>
+        </p:nvSpPr>
+        <p:spPr/>
+      </p:sp>
+      <p:sp>
+        <p:nvSpPr>
+          <p:cNvPr id="3" name="Notes Placeholder 2"/>
+          <p:cNvSpPr>
+            <a:spLocks noGrp="1"/>
+          </p:cNvSpPr>
+          <p:nvPr>
+            <p:ph type="body" idx="1"/>
+          </p:nvPr>
+        </p:nvSpPr>
+        <p:spPr/>
+        <p:txBody>
+          <a:bodyPr/>
+          <a:lstStyle/>
+          <a:p>
+            <a:r>
+              <a:rPr lang="en-US" dirty="0" smtClean="0"/>
+              <a:t>Show merging demo</a:t>
+            </a:r>
+            <a:endParaRPr lang="en-US" dirty="0"/>
+          </a:p>
+        </p:txBody>
+      </p:sp>
+      <p:sp>
+        <p:nvSpPr>
+          <p:cNvPr id="4" name="Slide Number Placeholder 3"/>
+          <p:cNvSpPr>
+            <a:spLocks noGrp="1"/>
+          </p:cNvSpPr>
+          <p:nvPr>
+            <p:ph type="sldNum" sz="quarter" idx="10"/>
+          </p:nvPr>
+        </p:nvSpPr>
+        <p:spPr/>
+        <p:txBody>
+          <a:bodyPr/>
+          <a:lstStyle/>
+          <a:p>
+            <a:fld id="{D89B5C69-BE94-4D7E-9A42-C5D3A868EF1B}" type="slidenum">
+              <a:rPr lang="da-DK" smtClean="0"/>
+              <a:t>64</a:t>
+            </a:fld>
+            <a:endParaRPr lang="da-DK"/>
+          </a:p>
+        </p:txBody>
+      </p:sp>
+    </p:spTree>
+    <p:extLst>
+      <p:ext uri="{BB962C8B-B14F-4D97-AF65-F5344CB8AC3E}">
+        <p14:creationId xmlns:p14="http://schemas.microsoft.com/office/powerpoint/2010/main" val="2477869381"/>
+      </p:ext>
+    </p:extLst>
+  </p:cSld>
+  <p:clrMapOvr>
+    <a:masterClrMapping/>
+  </p:clrMapOvr>
+</p:notes>
+</file>
+
 <file path=ppt/notesSlides/notesSlide3.xml><?xml version="1.0" encoding="utf-8"?>
 <p:notes xmlns:a="http://schemas.openxmlformats.org/drawingml/2006/main" xmlns:r="http://schemas.openxmlformats.org/officeDocument/2006/relationships" xmlns:p="http://schemas.openxmlformats.org/presentationml/2006/main">
   <p:cSld>
@@ -1314,6 +2747,634 @@
     <p:extLst>
       <p:ext uri="{BB962C8B-B14F-4D97-AF65-F5344CB8AC3E}">
         <p14:creationId xmlns:p14="http://schemas.microsoft.com/office/powerpoint/2010/main" val="316988604"/>
+      </p:ext>
+    </p:extLst>
+  </p:cSld>
+  <p:clrMapOvr>
+    <a:masterClrMapping/>
+  </p:clrMapOvr>
+</p:notes>
+</file>
+
+<file path=ppt/notesSlides/notesSlide30.xml><?xml version="1.0" encoding="utf-8"?>
+<p:notes xmlns:a="http://schemas.openxmlformats.org/drawingml/2006/main" xmlns:r="http://schemas.openxmlformats.org/officeDocument/2006/relationships" xmlns:p="http://schemas.openxmlformats.org/presentationml/2006/main">
+  <p:cSld>
+    <p:spTree>
+      <p:nvGrpSpPr>
+        <p:cNvPr id="1" name=""/>
+        <p:cNvGrpSpPr/>
+        <p:nvPr/>
+      </p:nvGrpSpPr>
+      <p:grpSpPr>
+        <a:xfrm>
+          <a:off x="0" y="0"/>
+          <a:ext cx="0" cy="0"/>
+          <a:chOff x="0" y="0"/>
+          <a:chExt cx="0" cy="0"/>
+        </a:xfrm>
+      </p:grpSpPr>
+      <p:sp>
+        <p:nvSpPr>
+          <p:cNvPr id="2" name="Slide Image Placeholder 1"/>
+          <p:cNvSpPr>
+            <a:spLocks noGrp="1" noRot="1" noChangeAspect="1"/>
+          </p:cNvSpPr>
+          <p:nvPr>
+            <p:ph type="sldImg"/>
+          </p:nvPr>
+        </p:nvSpPr>
+        <p:spPr/>
+      </p:sp>
+      <p:sp>
+        <p:nvSpPr>
+          <p:cNvPr id="3" name="Notes Placeholder 2"/>
+          <p:cNvSpPr>
+            <a:spLocks noGrp="1"/>
+          </p:cNvSpPr>
+          <p:nvPr>
+            <p:ph type="body" idx="1"/>
+          </p:nvPr>
+        </p:nvSpPr>
+        <p:spPr/>
+        <p:txBody>
+          <a:bodyPr/>
+          <a:lstStyle/>
+          <a:p>
+            <a:r>
+              <a:rPr lang="en-US" dirty="0" smtClean="0"/>
+              <a:t>Show segment merging video</a:t>
+            </a:r>
+            <a:endParaRPr lang="en-US" dirty="0"/>
+          </a:p>
+        </p:txBody>
+      </p:sp>
+      <p:sp>
+        <p:nvSpPr>
+          <p:cNvPr id="4" name="Slide Number Placeholder 3"/>
+          <p:cNvSpPr>
+            <a:spLocks noGrp="1"/>
+          </p:cNvSpPr>
+          <p:nvPr>
+            <p:ph type="sldNum" sz="quarter" idx="10"/>
+          </p:nvPr>
+        </p:nvSpPr>
+        <p:spPr/>
+        <p:txBody>
+          <a:bodyPr/>
+          <a:lstStyle/>
+          <a:p>
+            <a:fld id="{D89B5C69-BE94-4D7E-9A42-C5D3A868EF1B}" type="slidenum">
+              <a:rPr lang="da-DK" smtClean="0"/>
+              <a:t>66</a:t>
+            </a:fld>
+            <a:endParaRPr lang="da-DK"/>
+          </a:p>
+        </p:txBody>
+      </p:sp>
+    </p:spTree>
+    <p:extLst>
+      <p:ext uri="{BB962C8B-B14F-4D97-AF65-F5344CB8AC3E}">
+        <p14:creationId xmlns:p14="http://schemas.microsoft.com/office/powerpoint/2010/main" val="937557177"/>
+      </p:ext>
+    </p:extLst>
+  </p:cSld>
+  <p:clrMapOvr>
+    <a:masterClrMapping/>
+  </p:clrMapOvr>
+</p:notes>
+</file>
+
+<file path=ppt/notesSlides/notesSlide31.xml><?xml version="1.0" encoding="utf-8"?>
+<p:notes xmlns:a="http://schemas.openxmlformats.org/drawingml/2006/main" xmlns:r="http://schemas.openxmlformats.org/officeDocument/2006/relationships" xmlns:p="http://schemas.openxmlformats.org/presentationml/2006/main">
+  <p:cSld>
+    <p:spTree>
+      <p:nvGrpSpPr>
+        <p:cNvPr id="1" name=""/>
+        <p:cNvGrpSpPr/>
+        <p:nvPr/>
+      </p:nvGrpSpPr>
+      <p:grpSpPr>
+        <a:xfrm>
+          <a:off x="0" y="0"/>
+          <a:ext cx="0" cy="0"/>
+          <a:chOff x="0" y="0"/>
+          <a:chExt cx="0" cy="0"/>
+        </a:xfrm>
+      </p:grpSpPr>
+      <p:sp>
+        <p:nvSpPr>
+          <p:cNvPr id="2" name="Slide Image Placeholder 1"/>
+          <p:cNvSpPr>
+            <a:spLocks noGrp="1" noRot="1" noChangeAspect="1"/>
+          </p:cNvSpPr>
+          <p:nvPr>
+            <p:ph type="sldImg"/>
+          </p:nvPr>
+        </p:nvSpPr>
+        <p:spPr/>
+      </p:sp>
+      <p:sp>
+        <p:nvSpPr>
+          <p:cNvPr id="3" name="Notes Placeholder 2"/>
+          <p:cNvSpPr>
+            <a:spLocks noGrp="1"/>
+          </p:cNvSpPr>
+          <p:nvPr>
+            <p:ph type="body" idx="1"/>
+          </p:nvPr>
+        </p:nvSpPr>
+        <p:spPr/>
+        <p:txBody>
+          <a:bodyPr/>
+          <a:lstStyle/>
+          <a:p>
+            <a:pPr marL="0" marR="0" indent="0" algn="l" defTabSz="914400" rtl="0" eaLnBrk="1" fontAlgn="auto" latinLnBrk="0" hangingPunct="1">
+              <a:lnSpc>
+                <a:spcPct val="100000"/>
+              </a:lnSpc>
+              <a:spcBef>
+                <a:spcPts val="0"/>
+              </a:spcBef>
+              <a:spcAft>
+                <a:spcPts val="0"/>
+              </a:spcAft>
+              <a:buClrTx/>
+              <a:buSzTx/>
+              <a:buFontTx/>
+              <a:buNone/>
+              <a:tabLst/>
+              <a:defRPr/>
+            </a:pPr>
+            <a:r>
+              <a:rPr lang="en-US" dirty="0" smtClean="0"/>
+              <a:t>Node 3 receives the request</a:t>
+            </a:r>
+            <a:r>
+              <a:rPr lang="en-US" baseline="0" dirty="0" smtClean="0"/>
+              <a:t> and becomes the coordinating node</a:t>
+            </a:r>
+          </a:p>
+          <a:p>
+            <a:pPr marL="0" marR="0" indent="0" algn="l" defTabSz="914400" rtl="0" eaLnBrk="1" fontAlgn="auto" latinLnBrk="0" hangingPunct="1">
+              <a:lnSpc>
+                <a:spcPct val="100000"/>
+              </a:lnSpc>
+              <a:spcBef>
+                <a:spcPts val="0"/>
+              </a:spcBef>
+              <a:spcAft>
+                <a:spcPts val="0"/>
+              </a:spcAft>
+              <a:buClrTx/>
+              <a:buSzTx/>
+              <a:buFontTx/>
+              <a:buNone/>
+              <a:tabLst/>
+              <a:defRPr/>
+            </a:pPr>
+            <a:endParaRPr lang="en-US" dirty="0" smtClean="0"/>
+          </a:p>
+          <a:p>
+            <a:pPr marL="0" marR="0" indent="0" algn="l" defTabSz="914400" rtl="0" eaLnBrk="1" fontAlgn="auto" latinLnBrk="0" hangingPunct="1">
+              <a:lnSpc>
+                <a:spcPct val="100000"/>
+              </a:lnSpc>
+              <a:spcBef>
+                <a:spcPts val="0"/>
+              </a:spcBef>
+              <a:spcAft>
+                <a:spcPts val="0"/>
+              </a:spcAft>
+              <a:buClrTx/>
+              <a:buSzTx/>
+              <a:buFontTx/>
+              <a:buNone/>
+              <a:tabLst/>
+              <a:defRPr/>
+            </a:pPr>
+            <a:r>
+              <a:rPr lang="en-US" dirty="0" smtClean="0"/>
+              <a:t>Each</a:t>
+            </a:r>
+            <a:r>
+              <a:rPr lang="en-US" baseline="0" dirty="0" smtClean="0"/>
+              <a:t> shard must return enough </a:t>
+            </a:r>
+            <a:r>
+              <a:rPr lang="en-US" baseline="0" dirty="0" err="1" smtClean="0"/>
+              <a:t>docIDs</a:t>
+            </a:r>
+            <a:r>
+              <a:rPr lang="en-US" baseline="0" dirty="0" smtClean="0"/>
+              <a:t> to potentially fulfill the query – full documents are not returned</a:t>
+            </a:r>
+          </a:p>
+          <a:p>
+            <a:pPr marL="0" marR="0" indent="0" algn="l" defTabSz="914400" rtl="0" eaLnBrk="1" fontAlgn="auto" latinLnBrk="0" hangingPunct="1">
+              <a:lnSpc>
+                <a:spcPct val="100000"/>
+              </a:lnSpc>
+              <a:spcBef>
+                <a:spcPts val="0"/>
+              </a:spcBef>
+              <a:spcAft>
+                <a:spcPts val="0"/>
+              </a:spcAft>
+              <a:buClrTx/>
+              <a:buSzTx/>
+              <a:buFontTx/>
+              <a:buNone/>
+              <a:tabLst/>
+              <a:defRPr/>
+            </a:pPr>
+            <a:endParaRPr lang="en-US" dirty="0" smtClean="0"/>
+          </a:p>
+          <a:p>
+            <a:pPr marL="0" marR="0" indent="0" algn="l" defTabSz="914400" rtl="0" eaLnBrk="1" fontAlgn="auto" latinLnBrk="0" hangingPunct="1">
+              <a:lnSpc>
+                <a:spcPct val="100000"/>
+              </a:lnSpc>
+              <a:spcBef>
+                <a:spcPts val="0"/>
+              </a:spcBef>
+              <a:spcAft>
+                <a:spcPts val="0"/>
+              </a:spcAft>
+              <a:buClrTx/>
+              <a:buSzTx/>
+              <a:buFontTx/>
+              <a:buNone/>
+              <a:tabLst/>
+              <a:defRPr/>
+            </a:pPr>
+            <a:r>
+              <a:rPr lang="en-US" dirty="0" smtClean="0"/>
+              <a:t>The </a:t>
+            </a:r>
+            <a:r>
+              <a:rPr lang="en-US" dirty="0" err="1" smtClean="0"/>
+              <a:t>prioritzed</a:t>
+            </a:r>
+            <a:r>
+              <a:rPr lang="en-US" baseline="0" dirty="0" smtClean="0"/>
+              <a:t> list is merged by the coordinating node</a:t>
+            </a:r>
+            <a:endParaRPr lang="en-US" dirty="0"/>
+          </a:p>
+        </p:txBody>
+      </p:sp>
+      <p:sp>
+        <p:nvSpPr>
+          <p:cNvPr id="4" name="Slide Number Placeholder 3"/>
+          <p:cNvSpPr>
+            <a:spLocks noGrp="1"/>
+          </p:cNvSpPr>
+          <p:nvPr>
+            <p:ph type="sldNum" sz="quarter" idx="10"/>
+          </p:nvPr>
+        </p:nvSpPr>
+        <p:spPr/>
+        <p:txBody>
+          <a:bodyPr/>
+          <a:lstStyle/>
+          <a:p>
+            <a:fld id="{D89B5C69-BE94-4D7E-9A42-C5D3A868EF1B}" type="slidenum">
+              <a:rPr lang="da-DK" smtClean="0"/>
+              <a:t>67</a:t>
+            </a:fld>
+            <a:endParaRPr lang="da-DK"/>
+          </a:p>
+        </p:txBody>
+      </p:sp>
+    </p:spTree>
+    <p:extLst>
+      <p:ext uri="{BB962C8B-B14F-4D97-AF65-F5344CB8AC3E}">
+        <p14:creationId xmlns:p14="http://schemas.microsoft.com/office/powerpoint/2010/main" val="1009623384"/>
+      </p:ext>
+    </p:extLst>
+  </p:cSld>
+  <p:clrMapOvr>
+    <a:masterClrMapping/>
+  </p:clrMapOvr>
+</p:notes>
+</file>
+
+<file path=ppt/notesSlides/notesSlide32.xml><?xml version="1.0" encoding="utf-8"?>
+<p:notes xmlns:a="http://schemas.openxmlformats.org/drawingml/2006/main" xmlns:r="http://schemas.openxmlformats.org/officeDocument/2006/relationships" xmlns:p="http://schemas.openxmlformats.org/presentationml/2006/main">
+  <p:cSld>
+    <p:spTree>
+      <p:nvGrpSpPr>
+        <p:cNvPr id="1" name=""/>
+        <p:cNvGrpSpPr/>
+        <p:nvPr/>
+      </p:nvGrpSpPr>
+      <p:grpSpPr>
+        <a:xfrm>
+          <a:off x="0" y="0"/>
+          <a:ext cx="0" cy="0"/>
+          <a:chOff x="0" y="0"/>
+          <a:chExt cx="0" cy="0"/>
+        </a:xfrm>
+      </p:grpSpPr>
+      <p:sp>
+        <p:nvSpPr>
+          <p:cNvPr id="2" name="Slide Image Placeholder 1"/>
+          <p:cNvSpPr>
+            <a:spLocks noGrp="1" noRot="1" noChangeAspect="1"/>
+          </p:cNvSpPr>
+          <p:nvPr>
+            <p:ph type="sldImg"/>
+          </p:nvPr>
+        </p:nvSpPr>
+        <p:spPr/>
+      </p:sp>
+      <p:sp>
+        <p:nvSpPr>
+          <p:cNvPr id="3" name="Notes Placeholder 2"/>
+          <p:cNvSpPr>
+            <a:spLocks noGrp="1"/>
+          </p:cNvSpPr>
+          <p:nvPr>
+            <p:ph type="body" idx="1"/>
+          </p:nvPr>
+        </p:nvSpPr>
+        <p:spPr/>
+        <p:txBody>
+          <a:bodyPr/>
+          <a:lstStyle/>
+          <a:p>
+            <a:r>
+              <a:rPr lang="en-US" dirty="0" smtClean="0"/>
+              <a:t>Coordinating node knows which documents</a:t>
+            </a:r>
+            <a:r>
+              <a:rPr lang="en-US" baseline="0" dirty="0" smtClean="0"/>
+              <a:t> need to be fetched from each shard</a:t>
+            </a:r>
+          </a:p>
+          <a:p>
+            <a:r>
+              <a:rPr lang="en-US" baseline="0" dirty="0" smtClean="0"/>
+              <a:t>It issues a multi-GET request to each shard and combines the list.</a:t>
+            </a:r>
+          </a:p>
+          <a:p>
+            <a:r>
+              <a:rPr lang="en-US" baseline="0" dirty="0" smtClean="0"/>
+              <a:t>Then the results can be returned to the client.</a:t>
+            </a:r>
+          </a:p>
+        </p:txBody>
+      </p:sp>
+      <p:sp>
+        <p:nvSpPr>
+          <p:cNvPr id="4" name="Slide Number Placeholder 3"/>
+          <p:cNvSpPr>
+            <a:spLocks noGrp="1"/>
+          </p:cNvSpPr>
+          <p:nvPr>
+            <p:ph type="sldNum" sz="quarter" idx="10"/>
+          </p:nvPr>
+        </p:nvSpPr>
+        <p:spPr/>
+        <p:txBody>
+          <a:bodyPr/>
+          <a:lstStyle/>
+          <a:p>
+            <a:fld id="{D89B5C69-BE94-4D7E-9A42-C5D3A868EF1B}" type="slidenum">
+              <a:rPr lang="da-DK" smtClean="0"/>
+              <a:t>68</a:t>
+            </a:fld>
+            <a:endParaRPr lang="da-DK"/>
+          </a:p>
+        </p:txBody>
+      </p:sp>
+    </p:spTree>
+    <p:extLst>
+      <p:ext uri="{BB962C8B-B14F-4D97-AF65-F5344CB8AC3E}">
+        <p14:creationId xmlns:p14="http://schemas.microsoft.com/office/powerpoint/2010/main" val="1668043171"/>
+      </p:ext>
+    </p:extLst>
+  </p:cSld>
+  <p:clrMapOvr>
+    <a:masterClrMapping/>
+  </p:clrMapOvr>
+</p:notes>
+</file>
+
+<file path=ppt/notesSlides/notesSlide33.xml><?xml version="1.0" encoding="utf-8"?>
+<p:notes xmlns:a="http://schemas.openxmlformats.org/drawingml/2006/main" xmlns:r="http://schemas.openxmlformats.org/officeDocument/2006/relationships" xmlns:p="http://schemas.openxmlformats.org/presentationml/2006/main">
+  <p:cSld>
+    <p:spTree>
+      <p:nvGrpSpPr>
+        <p:cNvPr id="1" name=""/>
+        <p:cNvGrpSpPr/>
+        <p:nvPr/>
+      </p:nvGrpSpPr>
+      <p:grpSpPr>
+        <a:xfrm>
+          <a:off x="0" y="0"/>
+          <a:ext cx="0" cy="0"/>
+          <a:chOff x="0" y="0"/>
+          <a:chExt cx="0" cy="0"/>
+        </a:xfrm>
+      </p:grpSpPr>
+      <p:sp>
+        <p:nvSpPr>
+          <p:cNvPr id="2" name="Slide Image Placeholder 1"/>
+          <p:cNvSpPr>
+            <a:spLocks noGrp="1" noRot="1" noChangeAspect="1"/>
+          </p:cNvSpPr>
+          <p:nvPr>
+            <p:ph type="sldImg"/>
+          </p:nvPr>
+        </p:nvSpPr>
+        <p:spPr/>
+      </p:sp>
+      <p:sp>
+        <p:nvSpPr>
+          <p:cNvPr id="3" name="Notes Placeholder 2"/>
+          <p:cNvSpPr>
+            <a:spLocks noGrp="1"/>
+          </p:cNvSpPr>
+          <p:nvPr>
+            <p:ph type="body" idx="1"/>
+          </p:nvPr>
+        </p:nvSpPr>
+        <p:spPr/>
+        <p:txBody>
+          <a:bodyPr/>
+          <a:lstStyle/>
+          <a:p>
+            <a:r>
+              <a:rPr lang="en-US" dirty="0" err="1" smtClean="0"/>
+              <a:t>Dfs_query_then_fetch</a:t>
+            </a:r>
+            <a:r>
+              <a:rPr lang="en-US" dirty="0" smtClean="0"/>
+              <a:t>: Use a </a:t>
+            </a:r>
+            <a:r>
+              <a:rPr lang="en-US" dirty="0" err="1" smtClean="0"/>
+              <a:t>prequery</a:t>
+            </a:r>
+            <a:r>
+              <a:rPr lang="en-US" dirty="0" smtClean="0"/>
+              <a:t> phase to fetch the term frequencie</a:t>
+            </a:r>
+            <a:r>
+              <a:rPr lang="en-US" baseline="0" dirty="0" smtClean="0"/>
+              <a:t>s from all involved shards in order to calculate global term frequencies.</a:t>
+            </a:r>
+          </a:p>
+          <a:p>
+            <a:r>
+              <a:rPr lang="en-US" dirty="0" smtClean="0"/>
+              <a:t>http://</a:t>
+            </a:r>
+            <a:r>
+              <a:rPr lang="en-US" dirty="0" err="1" smtClean="0"/>
+              <a:t>www.elasticsearch.org</a:t>
+            </a:r>
+            <a:r>
+              <a:rPr lang="en-US" dirty="0" smtClean="0"/>
+              <a:t>/guide/en/</a:t>
+            </a:r>
+            <a:r>
+              <a:rPr lang="en-US" dirty="0" err="1" smtClean="0"/>
+              <a:t>elasticsearch</a:t>
+            </a:r>
+            <a:r>
+              <a:rPr lang="en-US" dirty="0" smtClean="0"/>
+              <a:t>/guide/current/relevance-is-</a:t>
+            </a:r>
+            <a:r>
+              <a:rPr lang="en-US" dirty="0" err="1" smtClean="0"/>
+              <a:t>broken.html</a:t>
+            </a:r>
+            <a:endParaRPr lang="en-US" dirty="0"/>
+          </a:p>
+        </p:txBody>
+      </p:sp>
+      <p:sp>
+        <p:nvSpPr>
+          <p:cNvPr id="4" name="Slide Number Placeholder 3"/>
+          <p:cNvSpPr>
+            <a:spLocks noGrp="1"/>
+          </p:cNvSpPr>
+          <p:nvPr>
+            <p:ph type="sldNum" sz="quarter" idx="10"/>
+          </p:nvPr>
+        </p:nvSpPr>
+        <p:spPr/>
+        <p:txBody>
+          <a:bodyPr/>
+          <a:lstStyle/>
+          <a:p>
+            <a:fld id="{D89B5C69-BE94-4D7E-9A42-C5D3A868EF1B}" type="slidenum">
+              <a:rPr lang="da-DK" smtClean="0"/>
+              <a:t>71</a:t>
+            </a:fld>
+            <a:endParaRPr lang="da-DK"/>
+          </a:p>
+        </p:txBody>
+      </p:sp>
+    </p:spTree>
+    <p:extLst>
+      <p:ext uri="{BB962C8B-B14F-4D97-AF65-F5344CB8AC3E}">
+        <p14:creationId xmlns:p14="http://schemas.microsoft.com/office/powerpoint/2010/main" val="642897160"/>
+      </p:ext>
+    </p:extLst>
+  </p:cSld>
+  <p:clrMapOvr>
+    <a:masterClrMapping/>
+  </p:clrMapOvr>
+</p:notes>
+</file>
+
+<file path=ppt/notesSlides/notesSlide34.xml><?xml version="1.0" encoding="utf-8"?>
+<p:notes xmlns:a="http://schemas.openxmlformats.org/drawingml/2006/main" xmlns:r="http://schemas.openxmlformats.org/officeDocument/2006/relationships" xmlns:p="http://schemas.openxmlformats.org/presentationml/2006/main">
+  <p:cSld>
+    <p:spTree>
+      <p:nvGrpSpPr>
+        <p:cNvPr id="1" name=""/>
+        <p:cNvGrpSpPr/>
+        <p:nvPr/>
+      </p:nvGrpSpPr>
+      <p:grpSpPr>
+        <a:xfrm>
+          <a:off x="0" y="0"/>
+          <a:ext cx="0" cy="0"/>
+          <a:chOff x="0" y="0"/>
+          <a:chExt cx="0" cy="0"/>
+        </a:xfrm>
+      </p:grpSpPr>
+      <p:sp>
+        <p:nvSpPr>
+          <p:cNvPr id="2" name="Slide Image Placeholder 1"/>
+          <p:cNvSpPr>
+            <a:spLocks noGrp="1" noRot="1" noChangeAspect="1"/>
+          </p:cNvSpPr>
+          <p:nvPr>
+            <p:ph type="sldImg"/>
+          </p:nvPr>
+        </p:nvSpPr>
+        <p:spPr/>
+      </p:sp>
+      <p:sp>
+        <p:nvSpPr>
+          <p:cNvPr id="3" name="Notes Placeholder 2"/>
+          <p:cNvSpPr>
+            <a:spLocks noGrp="1"/>
+          </p:cNvSpPr>
+          <p:nvPr>
+            <p:ph type="body" idx="1"/>
+          </p:nvPr>
+        </p:nvSpPr>
+        <p:spPr/>
+        <p:txBody>
+          <a:bodyPr/>
+          <a:lstStyle/>
+          <a:p>
+            <a:r>
+              <a:rPr lang="en-US" dirty="0" smtClean="0"/>
+              <a:t>Useful for getting data</a:t>
+            </a:r>
+            <a:r>
+              <a:rPr lang="en-US" baseline="0" dirty="0" smtClean="0"/>
+              <a:t> out of ES in manageable chunks</a:t>
+            </a:r>
+            <a:endParaRPr lang="en-US" dirty="0"/>
+          </a:p>
+        </p:txBody>
+      </p:sp>
+      <p:sp>
+        <p:nvSpPr>
+          <p:cNvPr id="4" name="Slide Number Placeholder 3"/>
+          <p:cNvSpPr>
+            <a:spLocks noGrp="1"/>
+          </p:cNvSpPr>
+          <p:nvPr>
+            <p:ph type="sldNum" sz="quarter" idx="10"/>
+          </p:nvPr>
+        </p:nvSpPr>
+        <p:spPr/>
+        <p:txBody>
+          <a:bodyPr/>
+          <a:lstStyle/>
+          <a:p>
+            <a:fld id="{D89B5C69-BE94-4D7E-9A42-C5D3A868EF1B}" type="slidenum">
+              <a:rPr lang="da-DK" smtClean="0"/>
+              <a:t>72</a:t>
+            </a:fld>
+            <a:endParaRPr lang="da-DK"/>
+          </a:p>
+        </p:txBody>
+      </p:sp>
+    </p:spTree>
+    <p:extLst>
+      <p:ext uri="{BB962C8B-B14F-4D97-AF65-F5344CB8AC3E}">
+        <p14:creationId xmlns:p14="http://schemas.microsoft.com/office/powerpoint/2010/main" val="1251978915"/>
       </p:ext>
     </p:extLst>
   </p:cSld>
@@ -2038,7 +4099,7 @@
           <a:p>
             <a:fld id="{2C218D8F-C334-F04A-B3C8-874F420BADBD}" type="datetimeFigureOut">
               <a:rPr lang="en-US" smtClean="0"/>
-              <a:t>11/12/14</a:t>
+              <a:t>15/12/14</a:t>
             </a:fld>
             <a:endParaRPr lang="en-US"/>
           </a:p>
@@ -2208,7 +4269,7 @@
           <a:p>
             <a:fld id="{2C218D8F-C334-F04A-B3C8-874F420BADBD}" type="datetimeFigureOut">
               <a:rPr lang="en-US" smtClean="0"/>
-              <a:t>11/12/14</a:t>
+              <a:t>15/12/14</a:t>
             </a:fld>
             <a:endParaRPr lang="en-US"/>
           </a:p>
@@ -2388,7 +4449,7 @@
           <a:p>
             <a:fld id="{2C218D8F-C334-F04A-B3C8-874F420BADBD}" type="datetimeFigureOut">
               <a:rPr lang="en-US" smtClean="0"/>
-              <a:t>11/12/14</a:t>
+              <a:t>15/12/14</a:t>
             </a:fld>
             <a:endParaRPr lang="en-US"/>
           </a:p>
@@ -2558,7 +4619,7 @@
           <a:p>
             <a:fld id="{2C218D8F-C334-F04A-B3C8-874F420BADBD}" type="datetimeFigureOut">
               <a:rPr lang="en-US" smtClean="0"/>
-              <a:t>11/12/14</a:t>
+              <a:t>15/12/14</a:t>
             </a:fld>
             <a:endParaRPr lang="en-US"/>
           </a:p>
@@ -2804,7 +4865,7 @@
           <a:p>
             <a:fld id="{2C218D8F-C334-F04A-B3C8-874F420BADBD}" type="datetimeFigureOut">
               <a:rPr lang="en-US" smtClean="0"/>
-              <a:t>11/12/14</a:t>
+              <a:t>15/12/14</a:t>
             </a:fld>
             <a:endParaRPr lang="en-US"/>
           </a:p>
@@ -3092,7 +5153,7 @@
           <a:p>
             <a:fld id="{2C218D8F-C334-F04A-B3C8-874F420BADBD}" type="datetimeFigureOut">
               <a:rPr lang="en-US" smtClean="0"/>
-              <a:t>11/12/14</a:t>
+              <a:t>15/12/14</a:t>
             </a:fld>
             <a:endParaRPr lang="en-US"/>
           </a:p>
@@ -3514,7 +5575,7 @@
           <a:p>
             <a:fld id="{2C218D8F-C334-F04A-B3C8-874F420BADBD}" type="datetimeFigureOut">
               <a:rPr lang="en-US" smtClean="0"/>
-              <a:t>11/12/14</a:t>
+              <a:t>15/12/14</a:t>
             </a:fld>
             <a:endParaRPr lang="en-US"/>
           </a:p>
@@ -3632,7 +5693,7 @@
           <a:p>
             <a:fld id="{2C218D8F-C334-F04A-B3C8-874F420BADBD}" type="datetimeFigureOut">
               <a:rPr lang="en-US" smtClean="0"/>
-              <a:t>11/12/14</a:t>
+              <a:t>15/12/14</a:t>
             </a:fld>
             <a:endParaRPr lang="en-US"/>
           </a:p>
@@ -3727,7 +5788,7 @@
           <a:p>
             <a:fld id="{2C218D8F-C334-F04A-B3C8-874F420BADBD}" type="datetimeFigureOut">
               <a:rPr lang="en-US" smtClean="0"/>
-              <a:t>11/12/14</a:t>
+              <a:t>15/12/14</a:t>
             </a:fld>
             <a:endParaRPr lang="en-US"/>
           </a:p>
@@ -4004,7 +6065,7 @@
           <a:p>
             <a:fld id="{2C218D8F-C334-F04A-B3C8-874F420BADBD}" type="datetimeFigureOut">
               <a:rPr lang="en-US" smtClean="0"/>
-              <a:t>11/12/14</a:t>
+              <a:t>15/12/14</a:t>
             </a:fld>
             <a:endParaRPr lang="en-US"/>
           </a:p>
@@ -4257,7 +6318,7 @@
           <a:p>
             <a:fld id="{2C218D8F-C334-F04A-B3C8-874F420BADBD}" type="datetimeFigureOut">
               <a:rPr lang="en-US" smtClean="0"/>
-              <a:t>11/12/14</a:t>
+              <a:t>15/12/14</a:t>
             </a:fld>
             <a:endParaRPr lang="en-US"/>
           </a:p>
@@ -4470,7 +6531,7 @@
           <a:p>
             <a:fld id="{2C218D8F-C334-F04A-B3C8-874F420BADBD}" type="datetimeFigureOut">
               <a:rPr lang="en-US" smtClean="0"/>
-              <a:t>11/12/14</a:t>
+              <a:t>15/12/14</a:t>
             </a:fld>
             <a:endParaRPr lang="en-US"/>
           </a:p>
@@ -4883,9 +6944,23 @@
           <a:lstStyle/>
           <a:p>
             <a:r>
-              <a:rPr lang="en-US"/>
-              <a:t>"You know, for Search"</a:t>
-            </a:r>
+              <a:rPr lang="en-US" dirty="0"/>
+              <a:t>"You know, for </a:t>
+            </a:r>
+            <a:r>
+              <a:rPr lang="en-US" dirty="0" smtClean="0"/>
+              <a:t>Search”</a:t>
+            </a:r>
+          </a:p>
+          <a:p>
+            <a:endParaRPr lang="en-US" dirty="0"/>
+          </a:p>
+          <a:p>
+            <a:r>
+              <a:rPr lang="en-US" sz="1600" dirty="0" smtClean="0"/>
+              <a:t>Dennis Riis, eBay, 2014-12-17</a:t>
+            </a:r>
+            <a:endParaRPr lang="en-US" sz="1600" dirty="0"/>
           </a:p>
         </p:txBody>
       </p:sp>
@@ -5306,7 +7381,11 @@
           <a:p>
             <a:r>
               <a:rPr lang="en-US" dirty="0" smtClean="0"/>
-              <a:t>Under the covers – cluster and nodes</a:t>
+              <a:t>Distributed search – </a:t>
+            </a:r>
+            <a:r>
+              <a:rPr lang="en-US" dirty="0" smtClean="0"/>
+              <a:t>cluster and nodes</a:t>
             </a:r>
             <a:endParaRPr lang="en-US" dirty="0"/>
           </a:p>
@@ -5861,7 +7940,7 @@
           <p:nvPr/>
         </p:nvPicPr>
         <p:blipFill>
-          <a:blip r:embed="rId2"/>
+          <a:blip r:embed="rId3"/>
           <a:stretch>
             <a:fillRect/>
           </a:stretch>
@@ -6208,7 +8287,7 @@
         <p:spPr/>
         <p:txBody>
           <a:bodyPr>
-            <a:normAutofit fontScale="92500" lnSpcReduction="20000"/>
+            <a:normAutofit/>
           </a:bodyPr>
           <a:lstStyle/>
           <a:p>
@@ -6261,9 +8340,10 @@
           </a:p>
           <a:p>
             <a:r>
-              <a:rPr lang="en-US" dirty="0"/>
-              <a:t>Under the covers</a:t>
-            </a:r>
+              <a:rPr lang="en-US" dirty="0" smtClean="0"/>
+              <a:t>Distributed search – clusters and nodes</a:t>
+            </a:r>
+            <a:endParaRPr lang="en-US" dirty="0"/>
           </a:p>
           <a:p>
             <a:r>
@@ -6271,83 +8351,58 @@
               <a:t>Index </a:t>
             </a:r>
             <a:r>
-              <a:rPr lang="da-DK" dirty="0" err="1"/>
+              <a:rPr lang="da-DK" dirty="0" err="1" smtClean="0"/>
               <a:t>configuration</a:t>
             </a:r>
+            <a:r>
+              <a:rPr lang="da-DK" dirty="0" smtClean="0"/>
+              <a:t> and </a:t>
+            </a:r>
+            <a:r>
+              <a:rPr lang="da-DK" dirty="0" err="1" smtClean="0"/>
+              <a:t>schema</a:t>
+            </a:r>
             <a:endParaRPr lang="en-US" dirty="0"/>
           </a:p>
           <a:p>
             <a:r>
-              <a:rPr lang="en-US" dirty="0"/>
+              <a:rPr lang="en-US" dirty="0" smtClean="0"/>
               <a:t>Text analyzers</a:t>
             </a:r>
           </a:p>
           <a:p>
             <a:r>
-              <a:rPr lang="da-DK" dirty="0" err="1"/>
-              <a:t>Kibana</a:t>
-            </a:r>
-            <a:endParaRPr lang="en-US" dirty="0"/>
-          </a:p>
-          <a:p>
-            <a:endParaRPr lang="en-US" dirty="0"/>
-          </a:p>
-          <a:p>
-            <a:pPr marL="0" indent="0">
-              <a:buNone/>
-            </a:pPr>
-            <a:r>
-              <a:rPr lang="en-US" sz="1800" dirty="0"/>
-              <a:t>If time allows</a:t>
-            </a:r>
-            <a:r>
-              <a:rPr lang="da-DK" sz="1800" dirty="0"/>
-              <a:t>:</a:t>
-            </a:r>
-            <a:endParaRPr lang="en-US" sz="1800" dirty="0"/>
-          </a:p>
-          <a:p>
-            <a:pPr marL="0" indent="0">
-              <a:buNone/>
-            </a:pPr>
-            <a:r>
-              <a:rPr lang="da-DK" sz="1800" dirty="0" err="1"/>
-              <a:t>Geosearch</a:t>
-            </a:r>
-            <a:r>
-              <a:rPr lang="da-DK" sz="1800" dirty="0"/>
-              <a:t>, </a:t>
-            </a:r>
-            <a:r>
-              <a:rPr lang="da-DK" sz="1800" dirty="0" err="1"/>
-              <a:t>percolator</a:t>
-            </a:r>
-            <a:r>
-              <a:rPr lang="da-DK" sz="1800" dirty="0"/>
-              <a:t>, re-</a:t>
-            </a:r>
-            <a:r>
-              <a:rPr lang="da-DK" sz="1800" dirty="0" err="1"/>
-              <a:t>indexing</a:t>
-            </a:r>
-            <a:r>
-              <a:rPr lang="da-DK" sz="1800" dirty="0"/>
-              <a:t> </a:t>
-            </a:r>
-            <a:r>
-              <a:rPr lang="da-DK" sz="1800" dirty="0" err="1"/>
-              <a:t>strategy</a:t>
-            </a:r>
-            <a:endParaRPr lang="en-US" sz="1800" dirty="0"/>
-          </a:p>
-          <a:p>
-            <a:endParaRPr lang="da-DK" dirty="0"/>
-          </a:p>
-          <a:p>
-            <a:endParaRPr lang="da-DK" dirty="0"/>
-          </a:p>
-        </p:txBody>
-      </p:sp>
+              <a:rPr lang="en-US" dirty="0" smtClean="0"/>
+              <a:t>Under the covers</a:t>
+            </a:r>
+            <a:endParaRPr lang="en-US" dirty="0" smtClean="0"/>
+          </a:p>
+        </p:txBody>
+      </p:sp>
+      <p:pic>
+        <p:nvPicPr>
+          <p:cNvPr id="4" name="Picture 3"/>
+          <p:cNvPicPr>
+            <a:picLocks noChangeAspect="1"/>
+          </p:cNvPicPr>
+          <p:nvPr/>
+        </p:nvPicPr>
+        <p:blipFill>
+          <a:blip r:embed="rId3"/>
+          <a:stretch>
+            <a:fillRect/>
+          </a:stretch>
+        </p:blipFill>
+        <p:spPr>
+          <a:xfrm>
+            <a:off x="8382000" y="5676900"/>
+            <a:ext cx="3810000" cy="1181100"/>
+          </a:xfrm>
+          <a:prstGeom prst="rect">
+            <a:avLst/>
+          </a:prstGeom>
+        </p:spPr>
+      </p:pic>
     </p:spTree>
     <p:extLst>
       <p:ext uri="{BB962C8B-B14F-4D97-AF65-F5344CB8AC3E}">
@@ -6699,14 +8754,21 @@
         <p:spPr/>
         <p:txBody>
           <a:bodyPr>
-            <a:normAutofit fontScale="92500" lnSpcReduction="20000"/>
+            <a:normAutofit fontScale="85000" lnSpcReduction="20000"/>
           </a:bodyPr>
           <a:lstStyle/>
           <a:p>
             <a:r>
               <a:rPr lang="en-US" dirty="0" smtClean="0"/>
-              <a:t>If we lose a node, replicas can be promoted to primaries</a:t>
-            </a:r>
+              <a:t>If we lose a node, replicas can be promoted to </a:t>
+            </a:r>
+            <a:r>
+              <a:rPr lang="en-US" dirty="0" smtClean="0"/>
+              <a:t>primaries</a:t>
+            </a:r>
+          </a:p>
+          <a:p>
+            <a:endParaRPr lang="en-US" dirty="0" smtClean="0"/>
           </a:p>
           <a:p>
             <a:endParaRPr lang="en-US" dirty="0"/>
@@ -6762,7 +8824,7 @@
         </p:blipFill>
         <p:spPr>
           <a:xfrm>
-            <a:off x="726108" y="2027037"/>
+            <a:off x="726108" y="1876518"/>
             <a:ext cx="9525000" cy="2857500"/>
           </a:xfrm>
           <a:prstGeom prst="rect">
@@ -6842,7 +8904,9 @@
         </p:nvSpPr>
         <p:spPr/>
         <p:txBody>
-          <a:bodyPr/>
+          <a:bodyPr>
+            <a:normAutofit fontScale="92500" lnSpcReduction="10000"/>
+          </a:bodyPr>
           <a:lstStyle/>
           <a:p>
             <a:r>
@@ -6871,8 +8935,21 @@
             </a:r>
             <a:r>
               <a:rPr lang="en-US" dirty="0" smtClean="0"/>
-              <a:t> how to store each property for each type.</a:t>
-            </a:r>
+              <a:t> how to store each property for each type</a:t>
+            </a:r>
+            <a:r>
+              <a:rPr lang="en-US" dirty="0" smtClean="0"/>
+              <a:t>. This is the </a:t>
+            </a:r>
+            <a:r>
+              <a:rPr lang="en-US" b="1" dirty="0" smtClean="0"/>
+              <a:t>schema</a:t>
+            </a:r>
+            <a:r>
+              <a:rPr lang="en-US" dirty="0" smtClean="0"/>
+              <a:t>.</a:t>
+            </a:r>
+            <a:endParaRPr lang="en-US" dirty="0" smtClean="0"/>
           </a:p>
           <a:p>
             <a:endParaRPr lang="en-US" i="1" dirty="0" smtClean="0"/>
@@ -6888,7 +8965,15 @@
             </a:r>
             <a:r>
               <a:rPr lang="en-US" dirty="0" smtClean="0"/>
-              <a:t> will create a mapping for you.</a:t>
+              <a:t> will </a:t>
+            </a:r>
+            <a:r>
+              <a:rPr lang="en-US" dirty="0" smtClean="0"/>
+              <a:t>create </a:t>
+            </a:r>
+            <a:r>
+              <a:rPr lang="en-US" dirty="0" smtClean="0"/>
+              <a:t>a mapping for you.</a:t>
             </a:r>
           </a:p>
           <a:p>
@@ -6999,8 +9084,15 @@
             </a:r>
             <a:r>
               <a:rPr lang="en-US" dirty="0" smtClean="0"/>
-              <a:t> deduces the mapping when it first encounters a type</a:t>
-            </a:r>
+              <a:t> deduces the mapping when it first encounters a </a:t>
+            </a:r>
+            <a:r>
+              <a:rPr lang="en-US" dirty="0" smtClean="0"/>
+              <a:t>type</a:t>
+            </a:r>
+          </a:p>
+          <a:p>
+            <a:endParaRPr lang="en-US" dirty="0" smtClean="0"/>
           </a:p>
           <a:p>
             <a:pPr lvl="1"/>
@@ -10394,6 +12486,10 @@
           <a:bodyPr/>
           <a:lstStyle/>
           <a:p>
+            <a:r>
+              <a:rPr lang="en-US" dirty="0" smtClean="0"/>
+              <a:t>Under the covers - shards</a:t>
+            </a:r>
             <a:endParaRPr lang="en-US" dirty="0"/>
           </a:p>
         </p:txBody>
@@ -10413,7 +12509,41 @@
           <a:bodyPr/>
           <a:lstStyle/>
           <a:p>
-            <a:endParaRPr lang="en-US"/>
+            <a:r>
+              <a:rPr lang="en-US" dirty="0" smtClean="0"/>
+              <a:t>The data in an index is put in a number of shards</a:t>
+            </a:r>
+          </a:p>
+          <a:p>
+            <a:endParaRPr lang="en-US" dirty="0" smtClean="0"/>
+          </a:p>
+          <a:p>
+            <a:r>
+              <a:rPr lang="en-US" dirty="0" smtClean="0"/>
+              <a:t>The shard is the lowest-level worker-unit managed by </a:t>
+            </a:r>
+            <a:r>
+              <a:rPr lang="en-US" dirty="0" err="1" smtClean="0"/>
+              <a:t>ElasticSearch</a:t>
+            </a:r>
+            <a:endParaRPr lang="en-US" dirty="0" smtClean="0"/>
+          </a:p>
+          <a:p>
+            <a:endParaRPr lang="en-US" dirty="0" smtClean="0"/>
+          </a:p>
+          <a:p>
+            <a:r>
+              <a:rPr lang="en-US" dirty="0" smtClean="0"/>
+              <a:t>A shard is a </a:t>
+            </a:r>
+            <a:r>
+              <a:rPr lang="en-US" dirty="0" err="1" smtClean="0"/>
+              <a:t>Lucene</a:t>
+            </a:r>
+            <a:r>
+              <a:rPr lang="en-US" dirty="0" smtClean="0"/>
+              <a:t> index by it’s own right</a:t>
+            </a:r>
           </a:p>
         </p:txBody>
       </p:sp>
@@ -10421,6 +12551,542 @@
     <p:extLst>
       <p:ext uri="{BB962C8B-B14F-4D97-AF65-F5344CB8AC3E}">
         <p14:creationId xmlns:p14="http://schemas.microsoft.com/office/powerpoint/2010/main" val="46243263"/>
+      </p:ext>
+    </p:extLst>
+  </p:cSld>
+  <p:clrMapOvr>
+    <a:masterClrMapping/>
+  </p:clrMapOvr>
+</p:sld>
+</file>
+
+<file path=ppt/slides/slide45.xml><?xml version="1.0" encoding="utf-8"?>
+<p:sld xmlns:a="http://schemas.openxmlformats.org/drawingml/2006/main" xmlns:r="http://schemas.openxmlformats.org/officeDocument/2006/relationships" xmlns:p="http://schemas.openxmlformats.org/presentationml/2006/main">
+  <p:cSld>
+    <p:spTree>
+      <p:nvGrpSpPr>
+        <p:cNvPr id="1" name=""/>
+        <p:cNvGrpSpPr/>
+        <p:nvPr/>
+      </p:nvGrpSpPr>
+      <p:grpSpPr>
+        <a:xfrm>
+          <a:off x="0" y="0"/>
+          <a:ext cx="0" cy="0"/>
+          <a:chOff x="0" y="0"/>
+          <a:chExt cx="0" cy="0"/>
+        </a:xfrm>
+      </p:grpSpPr>
+      <p:sp>
+        <p:nvSpPr>
+          <p:cNvPr id="2" name="Title 1"/>
+          <p:cNvSpPr>
+            <a:spLocks noGrp="1"/>
+          </p:cNvSpPr>
+          <p:nvPr>
+            <p:ph type="title"/>
+          </p:nvPr>
+        </p:nvSpPr>
+        <p:spPr/>
+        <p:txBody>
+          <a:bodyPr/>
+          <a:lstStyle/>
+          <a:p>
+            <a:r>
+              <a:rPr lang="en-US" dirty="0" smtClean="0"/>
+              <a:t>Under the covers - shards</a:t>
+            </a:r>
+            <a:endParaRPr lang="en-US" dirty="0"/>
+          </a:p>
+        </p:txBody>
+      </p:sp>
+      <p:sp>
+        <p:nvSpPr>
+          <p:cNvPr id="3" name="Content Placeholder 2"/>
+          <p:cNvSpPr>
+            <a:spLocks noGrp="1"/>
+          </p:cNvSpPr>
+          <p:nvPr>
+            <p:ph idx="1"/>
+          </p:nvPr>
+        </p:nvSpPr>
+        <p:spPr/>
+        <p:txBody>
+          <a:bodyPr/>
+          <a:lstStyle/>
+          <a:p>
+            <a:r>
+              <a:rPr lang="en-US" dirty="0" smtClean="0"/>
+              <a:t>The shards contain a inverted index for each field</a:t>
+            </a:r>
+          </a:p>
+          <a:p>
+            <a:r>
+              <a:rPr lang="en-US" dirty="0" smtClean="0"/>
+              <a:t>These inverted indexes are </a:t>
+            </a:r>
+            <a:r>
+              <a:rPr lang="en-US" i="1" dirty="0" smtClean="0"/>
+              <a:t>immutable:</a:t>
+            </a:r>
+          </a:p>
+          <a:p>
+            <a:pPr lvl="1"/>
+            <a:r>
+              <a:rPr lang="en-US" i="1" dirty="0" smtClean="0"/>
+              <a:t>Avoids the need for locking</a:t>
+            </a:r>
+          </a:p>
+          <a:p>
+            <a:pPr lvl="1"/>
+            <a:r>
+              <a:rPr lang="en-US" i="1" dirty="0" smtClean="0"/>
+              <a:t>Better cacheable by the </a:t>
+            </a:r>
+            <a:r>
+              <a:rPr lang="en-US" i="1" dirty="0" err="1" smtClean="0"/>
+              <a:t>filesystem</a:t>
+            </a:r>
+            <a:endParaRPr lang="en-US" i="1" dirty="0" smtClean="0"/>
+          </a:p>
+          <a:p>
+            <a:pPr lvl="1"/>
+            <a:r>
+              <a:rPr lang="en-US" i="1" dirty="0" smtClean="0"/>
+              <a:t>Caches remain valid for the life of the index (so cache management is much easier)</a:t>
+            </a:r>
+          </a:p>
+          <a:p>
+            <a:pPr lvl="1"/>
+            <a:r>
+              <a:rPr lang="en-US" i="1" dirty="0" smtClean="0"/>
+              <a:t>Allows for compression</a:t>
+            </a:r>
+            <a:endParaRPr lang="en-US" i="1" dirty="0"/>
+          </a:p>
+        </p:txBody>
+      </p:sp>
+    </p:spTree>
+    <p:extLst>
+      <p:ext uri="{BB962C8B-B14F-4D97-AF65-F5344CB8AC3E}">
+        <p14:creationId xmlns:p14="http://schemas.microsoft.com/office/powerpoint/2010/main" val="757520101"/>
+      </p:ext>
+    </p:extLst>
+  </p:cSld>
+  <p:clrMapOvr>
+    <a:masterClrMapping/>
+  </p:clrMapOvr>
+</p:sld>
+</file>
+
+<file path=ppt/slides/slide46.xml><?xml version="1.0" encoding="utf-8"?>
+<p:sld xmlns:a="http://schemas.openxmlformats.org/drawingml/2006/main" xmlns:r="http://schemas.openxmlformats.org/officeDocument/2006/relationships" xmlns:p="http://schemas.openxmlformats.org/presentationml/2006/main">
+  <p:cSld>
+    <p:spTree>
+      <p:nvGrpSpPr>
+        <p:cNvPr id="1" name=""/>
+        <p:cNvGrpSpPr/>
+        <p:nvPr/>
+      </p:nvGrpSpPr>
+      <p:grpSpPr>
+        <a:xfrm>
+          <a:off x="0" y="0"/>
+          <a:ext cx="0" cy="0"/>
+          <a:chOff x="0" y="0"/>
+          <a:chExt cx="0" cy="0"/>
+        </a:xfrm>
+      </p:grpSpPr>
+      <p:sp>
+        <p:nvSpPr>
+          <p:cNvPr id="2" name="Title 1"/>
+          <p:cNvSpPr>
+            <a:spLocks noGrp="1"/>
+          </p:cNvSpPr>
+          <p:nvPr>
+            <p:ph type="title"/>
+          </p:nvPr>
+        </p:nvSpPr>
+        <p:spPr/>
+        <p:txBody>
+          <a:bodyPr/>
+          <a:lstStyle/>
+          <a:p>
+            <a:r>
+              <a:rPr lang="en-US" dirty="0" err="1" smtClean="0"/>
+              <a:t>Lucene</a:t>
+            </a:r>
+            <a:r>
+              <a:rPr lang="en-US" dirty="0" smtClean="0"/>
+              <a:t> segments (inside shards)</a:t>
+            </a:r>
+            <a:endParaRPr lang="en-US" dirty="0"/>
+          </a:p>
+        </p:txBody>
+      </p:sp>
+      <p:sp>
+        <p:nvSpPr>
+          <p:cNvPr id="3" name="Content Placeholder 2"/>
+          <p:cNvSpPr>
+            <a:spLocks noGrp="1"/>
+          </p:cNvSpPr>
+          <p:nvPr>
+            <p:ph idx="1"/>
+          </p:nvPr>
+        </p:nvSpPr>
+        <p:spPr/>
+        <p:txBody>
+          <a:bodyPr>
+            <a:normAutofit/>
+          </a:bodyPr>
+          <a:lstStyle/>
+          <a:p>
+            <a:r>
+              <a:rPr lang="en-US" dirty="0" smtClean="0"/>
+              <a:t>In order to overcome the downsides of immutability, such as having to </a:t>
+            </a:r>
+            <a:r>
+              <a:rPr lang="en-US" i="1" dirty="0" smtClean="0"/>
+              <a:t>write the entire index to disk again</a:t>
+            </a:r>
+            <a:r>
+              <a:rPr lang="en-US" dirty="0" smtClean="0"/>
+              <a:t>, </a:t>
+            </a:r>
+          </a:p>
+          <a:p>
+            <a:r>
+              <a:rPr lang="en-US" dirty="0" err="1" smtClean="0"/>
+              <a:t>Lucene</a:t>
+            </a:r>
+            <a:r>
+              <a:rPr lang="en-US" dirty="0" smtClean="0"/>
+              <a:t> has the concept of </a:t>
+            </a:r>
+            <a:r>
+              <a:rPr lang="en-US" i="1" dirty="0" smtClean="0"/>
+              <a:t>segments</a:t>
+            </a:r>
+          </a:p>
+          <a:p>
+            <a:pPr lvl="1"/>
+            <a:r>
+              <a:rPr lang="en-US" dirty="0" smtClean="0"/>
+              <a:t>A shard is actually a collection of segments + a commit point.</a:t>
+            </a:r>
+          </a:p>
+          <a:p>
+            <a:pPr lvl="1"/>
+            <a:r>
+              <a:rPr lang="en-US" dirty="0" smtClean="0"/>
+              <a:t>A segment is collection of </a:t>
+            </a:r>
+            <a:r>
+              <a:rPr lang="en-US" dirty="0" err="1" smtClean="0"/>
+              <a:t>Lucene</a:t>
+            </a:r>
+            <a:r>
+              <a:rPr lang="en-US" dirty="0" smtClean="0"/>
+              <a:t> inverted indexes made searchable</a:t>
+            </a:r>
+          </a:p>
+          <a:p>
+            <a:pPr lvl="1"/>
+            <a:r>
+              <a:rPr lang="en-US" dirty="0" smtClean="0"/>
+              <a:t>When adding to the </a:t>
+            </a:r>
+            <a:r>
+              <a:rPr lang="en-US" dirty="0" err="1" smtClean="0"/>
+              <a:t>Lucene</a:t>
+            </a:r>
+            <a:r>
+              <a:rPr lang="en-US" dirty="0" smtClean="0"/>
+              <a:t> index, a new index is written,</a:t>
+            </a:r>
+            <a:r>
+              <a:rPr lang="en-US" dirty="0"/>
+              <a:t> </a:t>
+            </a:r>
+            <a:r>
+              <a:rPr lang="en-US" dirty="0" smtClean="0"/>
+              <a:t>and a commit point is added.</a:t>
+            </a:r>
+          </a:p>
+          <a:p>
+            <a:pPr lvl="1"/>
+            <a:r>
+              <a:rPr lang="en-US" dirty="0" smtClean="0"/>
+              <a:t>Search happens across all segments at once</a:t>
+            </a:r>
+          </a:p>
+          <a:p>
+            <a:pPr lvl="1"/>
+            <a:endParaRPr lang="en-US" i="1" dirty="0" smtClean="0"/>
+          </a:p>
+          <a:p>
+            <a:endParaRPr lang="en-US" dirty="0"/>
+          </a:p>
+        </p:txBody>
+      </p:sp>
+    </p:spTree>
+    <p:extLst>
+      <p:ext uri="{BB962C8B-B14F-4D97-AF65-F5344CB8AC3E}">
+        <p14:creationId xmlns:p14="http://schemas.microsoft.com/office/powerpoint/2010/main" val="407591378"/>
+      </p:ext>
+    </p:extLst>
+  </p:cSld>
+  <p:clrMapOvr>
+    <a:masterClrMapping/>
+  </p:clrMapOvr>
+</p:sld>
+</file>
+
+<file path=ppt/slides/slide47.xml><?xml version="1.0" encoding="utf-8"?>
+<p:sld xmlns:a="http://schemas.openxmlformats.org/drawingml/2006/main" xmlns:r="http://schemas.openxmlformats.org/officeDocument/2006/relationships" xmlns:p="http://schemas.openxmlformats.org/presentationml/2006/main">
+  <p:cSld>
+    <p:spTree>
+      <p:nvGrpSpPr>
+        <p:cNvPr id="1" name=""/>
+        <p:cNvGrpSpPr/>
+        <p:nvPr/>
+      </p:nvGrpSpPr>
+      <p:grpSpPr>
+        <a:xfrm>
+          <a:off x="0" y="0"/>
+          <a:ext cx="0" cy="0"/>
+          <a:chOff x="0" y="0"/>
+          <a:chExt cx="0" cy="0"/>
+        </a:xfrm>
+      </p:grpSpPr>
+      <p:sp>
+        <p:nvSpPr>
+          <p:cNvPr id="2" name="Title 1"/>
+          <p:cNvSpPr>
+            <a:spLocks noGrp="1"/>
+          </p:cNvSpPr>
+          <p:nvPr>
+            <p:ph type="title"/>
+          </p:nvPr>
+        </p:nvSpPr>
+        <p:spPr/>
+        <p:txBody>
+          <a:bodyPr/>
+          <a:lstStyle/>
+          <a:p>
+            <a:r>
+              <a:rPr lang="en-US" dirty="0" err="1" smtClean="0"/>
+              <a:t>Lucene</a:t>
+            </a:r>
+            <a:r>
+              <a:rPr lang="en-US" dirty="0" smtClean="0"/>
+              <a:t> segments (inside shards)</a:t>
+            </a:r>
+            <a:endParaRPr lang="en-US" dirty="0"/>
+          </a:p>
+        </p:txBody>
+      </p:sp>
+      <p:pic>
+        <p:nvPicPr>
+          <p:cNvPr id="4" name="Content Placeholder 3"/>
+          <p:cNvPicPr>
+            <a:picLocks noGrp="1" noChangeAspect="1"/>
+          </p:cNvPicPr>
+          <p:nvPr>
+            <p:ph idx="1"/>
+          </p:nvPr>
+        </p:nvPicPr>
+        <p:blipFill>
+          <a:blip r:embed="rId2"/>
+          <a:srcRect l="-24995" r="-24995"/>
+          <a:stretch>
+            <a:fillRect/>
+          </a:stretch>
+        </p:blipFill>
+        <p:spPr>
+          <a:xfrm>
+            <a:off x="609600" y="1600200"/>
+            <a:ext cx="10972800" cy="4525963"/>
+          </a:xfrm>
+        </p:spPr>
+      </p:pic>
+    </p:spTree>
+    <p:extLst>
+      <p:ext uri="{BB962C8B-B14F-4D97-AF65-F5344CB8AC3E}">
+        <p14:creationId xmlns:p14="http://schemas.microsoft.com/office/powerpoint/2010/main" val="2291468479"/>
+      </p:ext>
+    </p:extLst>
+  </p:cSld>
+  <p:clrMapOvr>
+    <a:masterClrMapping/>
+  </p:clrMapOvr>
+</p:sld>
+</file>
+
+<file path=ppt/slides/slide48.xml><?xml version="1.0" encoding="utf-8"?>
+<p:sld xmlns:a="http://schemas.openxmlformats.org/drawingml/2006/main" xmlns:r="http://schemas.openxmlformats.org/officeDocument/2006/relationships" xmlns:p="http://schemas.openxmlformats.org/presentationml/2006/main">
+  <p:cSld>
+    <p:spTree>
+      <p:nvGrpSpPr>
+        <p:cNvPr id="1" name=""/>
+        <p:cNvGrpSpPr/>
+        <p:nvPr/>
+      </p:nvGrpSpPr>
+      <p:grpSpPr>
+        <a:xfrm>
+          <a:off x="0" y="0"/>
+          <a:ext cx="0" cy="0"/>
+          <a:chOff x="0" y="0"/>
+          <a:chExt cx="0" cy="0"/>
+        </a:xfrm>
+      </p:grpSpPr>
+      <p:sp>
+        <p:nvSpPr>
+          <p:cNvPr id="2" name="Title 1"/>
+          <p:cNvSpPr>
+            <a:spLocks noGrp="1"/>
+          </p:cNvSpPr>
+          <p:nvPr>
+            <p:ph type="title"/>
+          </p:nvPr>
+        </p:nvSpPr>
+        <p:spPr/>
+        <p:txBody>
+          <a:bodyPr/>
+          <a:lstStyle/>
+          <a:p>
+            <a:r>
+              <a:rPr lang="en-US" dirty="0" err="1" smtClean="0"/>
+              <a:t>Lucene</a:t>
+            </a:r>
+            <a:r>
+              <a:rPr lang="en-US" dirty="0" smtClean="0"/>
+              <a:t> segments (inside shards)</a:t>
+            </a:r>
+            <a:endParaRPr lang="en-US" dirty="0"/>
+          </a:p>
+        </p:txBody>
+      </p:sp>
+      <p:pic>
+        <p:nvPicPr>
+          <p:cNvPr id="4" name="Content Placeholder 3"/>
+          <p:cNvPicPr>
+            <a:picLocks noGrp="1" noChangeAspect="1"/>
+          </p:cNvPicPr>
+          <p:nvPr>
+            <p:ph idx="1"/>
+          </p:nvPr>
+        </p:nvPicPr>
+        <p:blipFill>
+          <a:blip r:embed="rId3"/>
+          <a:srcRect l="-30006" r="-30006"/>
+          <a:stretch>
+            <a:fillRect/>
+          </a:stretch>
+        </p:blipFill>
+        <p:spPr/>
+      </p:pic>
+    </p:spTree>
+    <p:extLst>
+      <p:ext uri="{BB962C8B-B14F-4D97-AF65-F5344CB8AC3E}">
+        <p14:creationId xmlns:p14="http://schemas.microsoft.com/office/powerpoint/2010/main" val="2367693533"/>
+      </p:ext>
+    </p:extLst>
+  </p:cSld>
+  <p:clrMapOvr>
+    <a:masterClrMapping/>
+  </p:clrMapOvr>
+</p:sld>
+</file>
+
+<file path=ppt/slides/slide49.xml><?xml version="1.0" encoding="utf-8"?>
+<p:sld xmlns:a="http://schemas.openxmlformats.org/drawingml/2006/main" xmlns:r="http://schemas.openxmlformats.org/officeDocument/2006/relationships" xmlns:p="http://schemas.openxmlformats.org/presentationml/2006/main">
+  <p:cSld>
+    <p:spTree>
+      <p:nvGrpSpPr>
+        <p:cNvPr id="1" name=""/>
+        <p:cNvGrpSpPr/>
+        <p:nvPr/>
+      </p:nvGrpSpPr>
+      <p:grpSpPr>
+        <a:xfrm>
+          <a:off x="0" y="0"/>
+          <a:ext cx="0" cy="0"/>
+          <a:chOff x="0" y="0"/>
+          <a:chExt cx="0" cy="0"/>
+        </a:xfrm>
+      </p:grpSpPr>
+      <p:sp>
+        <p:nvSpPr>
+          <p:cNvPr id="2" name="Title 1"/>
+          <p:cNvSpPr>
+            <a:spLocks noGrp="1"/>
+          </p:cNvSpPr>
+          <p:nvPr>
+            <p:ph type="title"/>
+          </p:nvPr>
+        </p:nvSpPr>
+        <p:spPr/>
+        <p:txBody>
+          <a:bodyPr/>
+          <a:lstStyle/>
+          <a:p>
+            <a:r>
+              <a:rPr lang="en-US" dirty="0" err="1" smtClean="0"/>
+              <a:t>Lucene</a:t>
+            </a:r>
+            <a:r>
+              <a:rPr lang="en-US" dirty="0" smtClean="0"/>
+              <a:t> segments – handling deletes</a:t>
+            </a:r>
+            <a:endParaRPr lang="en-US" dirty="0"/>
+          </a:p>
+        </p:txBody>
+      </p:sp>
+      <p:sp>
+        <p:nvSpPr>
+          <p:cNvPr id="3" name="Content Placeholder 2"/>
+          <p:cNvSpPr>
+            <a:spLocks noGrp="1"/>
+          </p:cNvSpPr>
+          <p:nvPr>
+            <p:ph idx="1"/>
+          </p:nvPr>
+        </p:nvSpPr>
+        <p:spPr/>
+        <p:txBody>
+          <a:bodyPr/>
+          <a:lstStyle/>
+          <a:p>
+            <a:r>
+              <a:rPr lang="en-US" dirty="0" smtClean="0"/>
+              <a:t>Deletion doesn’t actually delete documents from the segments (they’re immutable !)</a:t>
+            </a:r>
+          </a:p>
+          <a:p>
+            <a:endParaRPr lang="en-US" dirty="0" smtClean="0"/>
+          </a:p>
+          <a:p>
+            <a:r>
+              <a:rPr lang="en-US" dirty="0" smtClean="0"/>
+              <a:t>Deleted documents are marked as deleted by being listed in a .del file beside the segment</a:t>
+            </a:r>
+          </a:p>
+          <a:p>
+            <a:endParaRPr lang="en-US" dirty="0" smtClean="0"/>
+          </a:p>
+          <a:p>
+            <a:r>
+              <a:rPr lang="en-US" dirty="0" smtClean="0"/>
+              <a:t>Deleted documents can still match a search, but they are filtered out before results are returned</a:t>
+            </a:r>
+            <a:endParaRPr lang="en-US" dirty="0"/>
+          </a:p>
+        </p:txBody>
+      </p:sp>
+    </p:spTree>
+    <p:extLst>
+      <p:ext uri="{BB962C8B-B14F-4D97-AF65-F5344CB8AC3E}">
+        <p14:creationId xmlns:p14="http://schemas.microsoft.com/office/powerpoint/2010/main" val="888970652"/>
       </p:ext>
     </p:extLst>
   </p:cSld>
@@ -10538,6 +13204,930 @@
 </p:sld>
 </file>
 
+<file path=ppt/slides/slide50.xml><?xml version="1.0" encoding="utf-8"?>
+<p:sld xmlns:a="http://schemas.openxmlformats.org/drawingml/2006/main" xmlns:r="http://schemas.openxmlformats.org/officeDocument/2006/relationships" xmlns:p="http://schemas.openxmlformats.org/presentationml/2006/main">
+  <p:cSld>
+    <p:spTree>
+      <p:nvGrpSpPr>
+        <p:cNvPr id="1" name=""/>
+        <p:cNvGrpSpPr/>
+        <p:nvPr/>
+      </p:nvGrpSpPr>
+      <p:grpSpPr>
+        <a:xfrm>
+          <a:off x="0" y="0"/>
+          <a:ext cx="0" cy="0"/>
+          <a:chOff x="0" y="0"/>
+          <a:chExt cx="0" cy="0"/>
+        </a:xfrm>
+      </p:grpSpPr>
+      <p:sp>
+        <p:nvSpPr>
+          <p:cNvPr id="2" name="Title 1"/>
+          <p:cNvSpPr>
+            <a:spLocks noGrp="1"/>
+          </p:cNvSpPr>
+          <p:nvPr>
+            <p:ph type="title"/>
+          </p:nvPr>
+        </p:nvSpPr>
+        <p:spPr/>
+        <p:txBody>
+          <a:bodyPr/>
+          <a:lstStyle/>
+          <a:p>
+            <a:r>
+              <a:rPr lang="en-US" dirty="0" err="1" smtClean="0"/>
+              <a:t>Lucene</a:t>
+            </a:r>
+            <a:r>
+              <a:rPr lang="en-US" dirty="0" smtClean="0"/>
+              <a:t> segments – handling updates</a:t>
+            </a:r>
+            <a:endParaRPr lang="en-US" dirty="0"/>
+          </a:p>
+        </p:txBody>
+      </p:sp>
+      <p:sp>
+        <p:nvSpPr>
+          <p:cNvPr id="3" name="Content Placeholder 2"/>
+          <p:cNvSpPr>
+            <a:spLocks noGrp="1"/>
+          </p:cNvSpPr>
+          <p:nvPr>
+            <p:ph idx="1"/>
+          </p:nvPr>
+        </p:nvSpPr>
+        <p:spPr/>
+        <p:txBody>
+          <a:bodyPr/>
+          <a:lstStyle/>
+          <a:p>
+            <a:r>
+              <a:rPr lang="en-US" dirty="0" smtClean="0"/>
+              <a:t>Updates work like deletion</a:t>
+            </a:r>
+          </a:p>
+          <a:p>
+            <a:pPr lvl="1"/>
+            <a:r>
+              <a:rPr lang="en-US" dirty="0" smtClean="0"/>
+              <a:t>The updated document is marked as deleted in it’s segment</a:t>
+            </a:r>
+          </a:p>
+          <a:p>
+            <a:pPr lvl="1"/>
+            <a:r>
+              <a:rPr lang="en-US" dirty="0" smtClean="0"/>
+              <a:t>Then a new version is added in a new segment</a:t>
+            </a:r>
+            <a:endParaRPr lang="en-US" dirty="0"/>
+          </a:p>
+        </p:txBody>
+      </p:sp>
+    </p:spTree>
+    <p:extLst>
+      <p:ext uri="{BB962C8B-B14F-4D97-AF65-F5344CB8AC3E}">
+        <p14:creationId xmlns:p14="http://schemas.microsoft.com/office/powerpoint/2010/main" val="2242983186"/>
+      </p:ext>
+    </p:extLst>
+  </p:cSld>
+  <p:clrMapOvr>
+    <a:masterClrMapping/>
+  </p:clrMapOvr>
+</p:sld>
+</file>
+
+<file path=ppt/slides/slide51.xml><?xml version="1.0" encoding="utf-8"?>
+<p:sld xmlns:a="http://schemas.openxmlformats.org/drawingml/2006/main" xmlns:r="http://schemas.openxmlformats.org/officeDocument/2006/relationships" xmlns:p="http://schemas.openxmlformats.org/presentationml/2006/main">
+  <p:cSld>
+    <p:spTree>
+      <p:nvGrpSpPr>
+        <p:cNvPr id="1" name=""/>
+        <p:cNvGrpSpPr/>
+        <p:nvPr/>
+      </p:nvGrpSpPr>
+      <p:grpSpPr>
+        <a:xfrm>
+          <a:off x="0" y="0"/>
+          <a:ext cx="0" cy="0"/>
+          <a:chOff x="0" y="0"/>
+          <a:chExt cx="0" cy="0"/>
+        </a:xfrm>
+      </p:grpSpPr>
+      <p:sp>
+        <p:nvSpPr>
+          <p:cNvPr id="2" name="Title 1"/>
+          <p:cNvSpPr>
+            <a:spLocks noGrp="1"/>
+          </p:cNvSpPr>
+          <p:nvPr>
+            <p:ph type="title"/>
+          </p:nvPr>
+        </p:nvSpPr>
+        <p:spPr/>
+        <p:txBody>
+          <a:bodyPr/>
+          <a:lstStyle/>
+          <a:p>
+            <a:r>
+              <a:rPr lang="en-US" dirty="0" err="1" smtClean="0"/>
+              <a:t>Lucene</a:t>
+            </a:r>
+            <a:r>
+              <a:rPr lang="en-US" dirty="0" smtClean="0"/>
+              <a:t> segments (inside shards)</a:t>
+            </a:r>
+            <a:endParaRPr lang="en-US" dirty="0"/>
+          </a:p>
+        </p:txBody>
+      </p:sp>
+      <p:pic>
+        <p:nvPicPr>
+          <p:cNvPr id="4" name="Content Placeholder 3"/>
+          <p:cNvPicPr>
+            <a:picLocks noGrp="1" noChangeAspect="1"/>
+          </p:cNvPicPr>
+          <p:nvPr>
+            <p:ph idx="1"/>
+          </p:nvPr>
+        </p:nvPicPr>
+        <p:blipFill>
+          <a:blip r:embed="rId3"/>
+          <a:srcRect l="-30006" r="-30006"/>
+          <a:stretch>
+            <a:fillRect/>
+          </a:stretch>
+        </p:blipFill>
+        <p:spPr>
+          <a:xfrm>
+            <a:off x="839509" y="1676842"/>
+            <a:ext cx="10972800" cy="4525963"/>
+          </a:xfrm>
+        </p:spPr>
+      </p:pic>
+    </p:spTree>
+    <p:extLst>
+      <p:ext uri="{BB962C8B-B14F-4D97-AF65-F5344CB8AC3E}">
+        <p14:creationId xmlns:p14="http://schemas.microsoft.com/office/powerpoint/2010/main" val="1055106750"/>
+      </p:ext>
+    </p:extLst>
+  </p:cSld>
+  <p:clrMapOvr>
+    <a:masterClrMapping/>
+  </p:clrMapOvr>
+</p:sld>
+</file>
+
+<file path=ppt/slides/slide52.xml><?xml version="1.0" encoding="utf-8"?>
+<p:sld xmlns:a="http://schemas.openxmlformats.org/drawingml/2006/main" xmlns:r="http://schemas.openxmlformats.org/officeDocument/2006/relationships" xmlns:p="http://schemas.openxmlformats.org/presentationml/2006/main">
+  <p:cSld>
+    <p:spTree>
+      <p:nvGrpSpPr>
+        <p:cNvPr id="1" name=""/>
+        <p:cNvGrpSpPr/>
+        <p:nvPr/>
+      </p:nvGrpSpPr>
+      <p:grpSpPr>
+        <a:xfrm>
+          <a:off x="0" y="0"/>
+          <a:ext cx="0" cy="0"/>
+          <a:chOff x="0" y="0"/>
+          <a:chExt cx="0" cy="0"/>
+        </a:xfrm>
+      </p:grpSpPr>
+      <p:sp>
+        <p:nvSpPr>
+          <p:cNvPr id="2" name="Title 1"/>
+          <p:cNvSpPr>
+            <a:spLocks noGrp="1"/>
+          </p:cNvSpPr>
+          <p:nvPr>
+            <p:ph type="title"/>
+          </p:nvPr>
+        </p:nvSpPr>
+        <p:spPr/>
+        <p:txBody>
+          <a:bodyPr/>
+          <a:lstStyle/>
+          <a:p>
+            <a:r>
+              <a:rPr lang="en-US" dirty="0" smtClean="0"/>
+              <a:t>Committing updates</a:t>
+            </a:r>
+            <a:endParaRPr lang="en-US" dirty="0"/>
+          </a:p>
+        </p:txBody>
+      </p:sp>
+      <p:sp>
+        <p:nvSpPr>
+          <p:cNvPr id="3" name="Content Placeholder 2"/>
+          <p:cNvSpPr>
+            <a:spLocks noGrp="1"/>
+          </p:cNvSpPr>
+          <p:nvPr>
+            <p:ph idx="1"/>
+          </p:nvPr>
+        </p:nvSpPr>
+        <p:spPr/>
+        <p:txBody>
+          <a:bodyPr>
+            <a:normAutofit lnSpcReduction="10000"/>
+          </a:bodyPr>
+          <a:lstStyle/>
+          <a:p>
+            <a:r>
+              <a:rPr lang="en-US" dirty="0" smtClean="0"/>
+              <a:t>While documents are in the in-memory buffer; they are not searchable</a:t>
+            </a:r>
+          </a:p>
+          <a:p>
+            <a:endParaRPr lang="en-US" dirty="0"/>
+          </a:p>
+          <a:p>
+            <a:r>
+              <a:rPr lang="en-US" dirty="0" smtClean="0"/>
+              <a:t>Committing them to disk is costly</a:t>
+            </a:r>
+          </a:p>
+          <a:p>
+            <a:endParaRPr lang="en-US" dirty="0" smtClean="0"/>
+          </a:p>
+          <a:p>
+            <a:r>
+              <a:rPr lang="en-US" dirty="0" err="1" smtClean="0"/>
+              <a:t>Lucene</a:t>
+            </a:r>
+            <a:r>
+              <a:rPr lang="en-US" dirty="0" smtClean="0"/>
+              <a:t> has a compromise, where data is written to disk, but not </a:t>
+            </a:r>
+            <a:r>
+              <a:rPr lang="en-US" dirty="0" err="1" smtClean="0"/>
+              <a:t>fsync’ed</a:t>
+            </a:r>
+            <a:r>
+              <a:rPr lang="en-US" dirty="0" smtClean="0"/>
+              <a:t> (flushed to actual disk, data might be sitting in </a:t>
+            </a:r>
+            <a:r>
+              <a:rPr lang="en-US" dirty="0" err="1" smtClean="0"/>
+              <a:t>FileSystem</a:t>
+            </a:r>
+            <a:r>
+              <a:rPr lang="en-US" dirty="0" smtClean="0"/>
+              <a:t> buffers)</a:t>
+            </a:r>
+          </a:p>
+          <a:p>
+            <a:pPr lvl="1"/>
+            <a:r>
+              <a:rPr lang="en-US" dirty="0" smtClean="0"/>
+              <a:t>This is called a refresh</a:t>
+            </a:r>
+            <a:endParaRPr lang="en-US" dirty="0"/>
+          </a:p>
+          <a:p>
+            <a:endParaRPr lang="en-US" dirty="0" smtClean="0"/>
+          </a:p>
+          <a:p>
+            <a:endParaRPr lang="en-US" dirty="0"/>
+          </a:p>
+          <a:p>
+            <a:endParaRPr lang="en-US" dirty="0"/>
+          </a:p>
+        </p:txBody>
+      </p:sp>
+    </p:spTree>
+    <p:extLst>
+      <p:ext uri="{BB962C8B-B14F-4D97-AF65-F5344CB8AC3E}">
+        <p14:creationId xmlns:p14="http://schemas.microsoft.com/office/powerpoint/2010/main" val="2166352733"/>
+      </p:ext>
+    </p:extLst>
+  </p:cSld>
+  <p:clrMapOvr>
+    <a:masterClrMapping/>
+  </p:clrMapOvr>
+</p:sld>
+</file>
+
+<file path=ppt/slides/slide53.xml><?xml version="1.0" encoding="utf-8"?>
+<p:sld xmlns:a="http://schemas.openxmlformats.org/drawingml/2006/main" xmlns:r="http://schemas.openxmlformats.org/officeDocument/2006/relationships" xmlns:p="http://schemas.openxmlformats.org/presentationml/2006/main">
+  <p:cSld>
+    <p:spTree>
+      <p:nvGrpSpPr>
+        <p:cNvPr id="1" name=""/>
+        <p:cNvGrpSpPr/>
+        <p:nvPr/>
+      </p:nvGrpSpPr>
+      <p:grpSpPr>
+        <a:xfrm>
+          <a:off x="0" y="0"/>
+          <a:ext cx="0" cy="0"/>
+          <a:chOff x="0" y="0"/>
+          <a:chExt cx="0" cy="0"/>
+        </a:xfrm>
+      </p:grpSpPr>
+      <p:sp>
+        <p:nvSpPr>
+          <p:cNvPr id="2" name="Title 1"/>
+          <p:cNvSpPr>
+            <a:spLocks noGrp="1"/>
+          </p:cNvSpPr>
+          <p:nvPr>
+            <p:ph type="title"/>
+          </p:nvPr>
+        </p:nvSpPr>
+        <p:spPr/>
+        <p:txBody>
+          <a:bodyPr/>
+          <a:lstStyle/>
+          <a:p>
+            <a:r>
+              <a:rPr lang="en-US" dirty="0" smtClean="0"/>
+              <a:t>Documents are searchable after a refresh</a:t>
+            </a:r>
+            <a:endParaRPr lang="en-US" dirty="0"/>
+          </a:p>
+        </p:txBody>
+      </p:sp>
+      <p:pic>
+        <p:nvPicPr>
+          <p:cNvPr id="4" name="Content Placeholder 3"/>
+          <p:cNvPicPr>
+            <a:picLocks noGrp="1" noChangeAspect="1"/>
+          </p:cNvPicPr>
+          <p:nvPr>
+            <p:ph idx="1"/>
+          </p:nvPr>
+        </p:nvPicPr>
+        <p:blipFill>
+          <a:blip r:embed="rId3"/>
+          <a:srcRect l="-30006" r="-30006"/>
+          <a:stretch>
+            <a:fillRect/>
+          </a:stretch>
+        </p:blipFill>
+        <p:spPr/>
+      </p:pic>
+    </p:spTree>
+    <p:extLst>
+      <p:ext uri="{BB962C8B-B14F-4D97-AF65-F5344CB8AC3E}">
+        <p14:creationId xmlns:p14="http://schemas.microsoft.com/office/powerpoint/2010/main" val="1197275761"/>
+      </p:ext>
+    </p:extLst>
+  </p:cSld>
+  <p:clrMapOvr>
+    <a:masterClrMapping/>
+  </p:clrMapOvr>
+</p:sld>
+</file>
+
+<file path=ppt/slides/slide54.xml><?xml version="1.0" encoding="utf-8"?>
+<p:sld xmlns:a="http://schemas.openxmlformats.org/drawingml/2006/main" xmlns:r="http://schemas.openxmlformats.org/officeDocument/2006/relationships" xmlns:p="http://schemas.openxmlformats.org/presentationml/2006/main">
+  <p:cSld>
+    <p:spTree>
+      <p:nvGrpSpPr>
+        <p:cNvPr id="1" name=""/>
+        <p:cNvGrpSpPr/>
+        <p:nvPr/>
+      </p:nvGrpSpPr>
+      <p:grpSpPr>
+        <a:xfrm>
+          <a:off x="0" y="0"/>
+          <a:ext cx="0" cy="0"/>
+          <a:chOff x="0" y="0"/>
+          <a:chExt cx="0" cy="0"/>
+        </a:xfrm>
+      </p:grpSpPr>
+      <p:sp>
+        <p:nvSpPr>
+          <p:cNvPr id="2" name="Title 1"/>
+          <p:cNvSpPr>
+            <a:spLocks noGrp="1"/>
+          </p:cNvSpPr>
+          <p:nvPr>
+            <p:ph type="title"/>
+          </p:nvPr>
+        </p:nvSpPr>
+        <p:spPr/>
+        <p:txBody>
+          <a:bodyPr/>
+          <a:lstStyle/>
+          <a:p>
+            <a:r>
+              <a:rPr lang="en-US" dirty="0" smtClean="0"/>
+              <a:t>‘near real time search’</a:t>
+            </a:r>
+            <a:endParaRPr lang="en-US" dirty="0"/>
+          </a:p>
+        </p:txBody>
+      </p:sp>
+      <p:sp>
+        <p:nvSpPr>
+          <p:cNvPr id="3" name="Content Placeholder 2"/>
+          <p:cNvSpPr>
+            <a:spLocks noGrp="1"/>
+          </p:cNvSpPr>
+          <p:nvPr>
+            <p:ph idx="1"/>
+          </p:nvPr>
+        </p:nvSpPr>
+        <p:spPr/>
+        <p:txBody>
+          <a:bodyPr/>
+          <a:lstStyle/>
+          <a:p>
+            <a:r>
+              <a:rPr lang="en-US" dirty="0" smtClean="0"/>
+              <a:t>Every shard is refreshed automatically every second</a:t>
+            </a:r>
+          </a:p>
+          <a:p>
+            <a:endParaRPr lang="en-US" dirty="0"/>
+          </a:p>
+          <a:p>
+            <a:r>
+              <a:rPr lang="en-US" dirty="0" smtClean="0"/>
+              <a:t>Documents does not become searchable before being refreshed</a:t>
+            </a:r>
+          </a:p>
+          <a:p>
+            <a:endParaRPr lang="en-US" dirty="0" smtClean="0"/>
+          </a:p>
+          <a:p>
+            <a:r>
+              <a:rPr lang="en-US" dirty="0" smtClean="0"/>
+              <a:t>From insertion time until next refresh, you can’t search the document</a:t>
+            </a:r>
+          </a:p>
+          <a:p>
+            <a:pPr lvl="1"/>
+            <a:r>
+              <a:rPr lang="en-US" dirty="0" smtClean="0"/>
+              <a:t>But you can CRUD it.</a:t>
+            </a:r>
+          </a:p>
+        </p:txBody>
+      </p:sp>
+    </p:spTree>
+    <p:extLst>
+      <p:ext uri="{BB962C8B-B14F-4D97-AF65-F5344CB8AC3E}">
+        <p14:creationId xmlns:p14="http://schemas.microsoft.com/office/powerpoint/2010/main" val="1412009835"/>
+      </p:ext>
+    </p:extLst>
+  </p:cSld>
+  <p:clrMapOvr>
+    <a:masterClrMapping/>
+  </p:clrMapOvr>
+</p:sld>
+</file>
+
+<file path=ppt/slides/slide55.xml><?xml version="1.0" encoding="utf-8"?>
+<p:sld xmlns:a="http://schemas.openxmlformats.org/drawingml/2006/main" xmlns:r="http://schemas.openxmlformats.org/officeDocument/2006/relationships" xmlns:p="http://schemas.openxmlformats.org/presentationml/2006/main">
+  <p:cSld>
+    <p:spTree>
+      <p:nvGrpSpPr>
+        <p:cNvPr id="1" name=""/>
+        <p:cNvGrpSpPr/>
+        <p:nvPr/>
+      </p:nvGrpSpPr>
+      <p:grpSpPr>
+        <a:xfrm>
+          <a:off x="0" y="0"/>
+          <a:ext cx="0" cy="0"/>
+          <a:chOff x="0" y="0"/>
+          <a:chExt cx="0" cy="0"/>
+        </a:xfrm>
+      </p:grpSpPr>
+      <p:sp>
+        <p:nvSpPr>
+          <p:cNvPr id="2" name="Title 1"/>
+          <p:cNvSpPr>
+            <a:spLocks noGrp="1"/>
+          </p:cNvSpPr>
+          <p:nvPr>
+            <p:ph type="title"/>
+          </p:nvPr>
+        </p:nvSpPr>
+        <p:spPr/>
+        <p:txBody>
+          <a:bodyPr/>
+          <a:lstStyle/>
+          <a:p>
+            <a:r>
+              <a:rPr lang="en-US" dirty="0" smtClean="0"/>
+              <a:t>Refresh API</a:t>
+            </a:r>
+            <a:endParaRPr lang="en-US" dirty="0"/>
+          </a:p>
+        </p:txBody>
+      </p:sp>
+      <p:sp>
+        <p:nvSpPr>
+          <p:cNvPr id="3" name="Content Placeholder 2"/>
+          <p:cNvSpPr>
+            <a:spLocks noGrp="1"/>
+          </p:cNvSpPr>
+          <p:nvPr>
+            <p:ph idx="1"/>
+          </p:nvPr>
+        </p:nvSpPr>
+        <p:spPr/>
+        <p:txBody>
+          <a:bodyPr/>
+          <a:lstStyle/>
+          <a:p>
+            <a:r>
+              <a:rPr lang="en-US" dirty="0" smtClean="0"/>
+              <a:t>You can force a refresh by calling the refresh API</a:t>
+            </a:r>
+          </a:p>
+          <a:p>
+            <a:pPr lvl="1"/>
+            <a:r>
+              <a:rPr lang="en-US" dirty="0" smtClean="0"/>
+              <a:t>Works for all indexes or a specific one</a:t>
+            </a:r>
+          </a:p>
+          <a:p>
+            <a:pPr lvl="1"/>
+            <a:r>
+              <a:rPr lang="en-US" dirty="0" smtClean="0"/>
+              <a:t>Not to be used in production !!</a:t>
+            </a:r>
+          </a:p>
+          <a:p>
+            <a:pPr lvl="1"/>
+            <a:r>
+              <a:rPr lang="en-US" dirty="0" smtClean="0"/>
+              <a:t>But useful for integration tests</a:t>
+            </a:r>
+          </a:p>
+          <a:p>
+            <a:r>
+              <a:rPr lang="en-US" dirty="0" smtClean="0"/>
+              <a:t>The refresh time can also be configured per index</a:t>
+            </a:r>
+          </a:p>
+          <a:p>
+            <a:pPr lvl="1"/>
+            <a:r>
+              <a:rPr lang="en-US" dirty="0" smtClean="0"/>
+              <a:t>Lower refresh times obviously causes performance penalties</a:t>
+            </a:r>
+          </a:p>
+          <a:p>
+            <a:pPr lvl="1"/>
+            <a:r>
+              <a:rPr lang="en-US" dirty="0" smtClean="0"/>
+              <a:t>Not all data needs a refresh time of once per second</a:t>
+            </a:r>
+          </a:p>
+          <a:p>
+            <a:pPr lvl="1"/>
+            <a:r>
+              <a:rPr lang="en-US" dirty="0" smtClean="0"/>
+              <a:t>Automatic refresh can also be turned off</a:t>
+            </a:r>
+            <a:endParaRPr lang="en-US" dirty="0"/>
+          </a:p>
+        </p:txBody>
+      </p:sp>
+    </p:spTree>
+    <p:extLst>
+      <p:ext uri="{BB962C8B-B14F-4D97-AF65-F5344CB8AC3E}">
+        <p14:creationId xmlns:p14="http://schemas.microsoft.com/office/powerpoint/2010/main" val="2986548081"/>
+      </p:ext>
+    </p:extLst>
+  </p:cSld>
+  <p:clrMapOvr>
+    <a:masterClrMapping/>
+  </p:clrMapOvr>
+</p:sld>
+</file>
+
+<file path=ppt/slides/slide56.xml><?xml version="1.0" encoding="utf-8"?>
+<p:sld xmlns:a="http://schemas.openxmlformats.org/drawingml/2006/main" xmlns:r="http://schemas.openxmlformats.org/officeDocument/2006/relationships" xmlns:p="http://schemas.openxmlformats.org/presentationml/2006/main">
+  <p:cSld>
+    <p:spTree>
+      <p:nvGrpSpPr>
+        <p:cNvPr id="1" name=""/>
+        <p:cNvGrpSpPr/>
+        <p:nvPr/>
+      </p:nvGrpSpPr>
+      <p:grpSpPr>
+        <a:xfrm>
+          <a:off x="0" y="0"/>
+          <a:ext cx="0" cy="0"/>
+          <a:chOff x="0" y="0"/>
+          <a:chExt cx="0" cy="0"/>
+        </a:xfrm>
+      </p:grpSpPr>
+      <p:sp>
+        <p:nvSpPr>
+          <p:cNvPr id="2" name="Title 1"/>
+          <p:cNvSpPr>
+            <a:spLocks noGrp="1"/>
+          </p:cNvSpPr>
+          <p:nvPr>
+            <p:ph type="title"/>
+          </p:nvPr>
+        </p:nvSpPr>
+        <p:spPr/>
+        <p:txBody>
+          <a:bodyPr/>
+          <a:lstStyle/>
+          <a:p>
+            <a:r>
+              <a:rPr lang="en-US" dirty="0" smtClean="0"/>
+              <a:t>Transaction log</a:t>
+            </a:r>
+            <a:endParaRPr lang="en-US" dirty="0"/>
+          </a:p>
+        </p:txBody>
+      </p:sp>
+      <p:pic>
+        <p:nvPicPr>
+          <p:cNvPr id="5" name="Content Placeholder 4"/>
+          <p:cNvPicPr>
+            <a:picLocks noGrp="1" noChangeAspect="1"/>
+          </p:cNvPicPr>
+          <p:nvPr>
+            <p:ph idx="1"/>
+          </p:nvPr>
+        </p:nvPicPr>
+        <p:blipFill>
+          <a:blip r:embed="rId2"/>
+          <a:srcRect l="-30006" r="-30006"/>
+          <a:stretch>
+            <a:fillRect/>
+          </a:stretch>
+        </p:blipFill>
+        <p:spPr/>
+      </p:pic>
+    </p:spTree>
+    <p:extLst>
+      <p:ext uri="{BB962C8B-B14F-4D97-AF65-F5344CB8AC3E}">
+        <p14:creationId xmlns:p14="http://schemas.microsoft.com/office/powerpoint/2010/main" val="1154149163"/>
+      </p:ext>
+    </p:extLst>
+  </p:cSld>
+  <p:clrMapOvr>
+    <a:masterClrMapping/>
+  </p:clrMapOvr>
+</p:sld>
+</file>
+
+<file path=ppt/slides/slide57.xml><?xml version="1.0" encoding="utf-8"?>
+<p:sld xmlns:a="http://schemas.openxmlformats.org/drawingml/2006/main" xmlns:r="http://schemas.openxmlformats.org/officeDocument/2006/relationships" xmlns:p="http://schemas.openxmlformats.org/presentationml/2006/main">
+  <p:cSld>
+    <p:spTree>
+      <p:nvGrpSpPr>
+        <p:cNvPr id="1" name=""/>
+        <p:cNvGrpSpPr/>
+        <p:nvPr/>
+      </p:nvGrpSpPr>
+      <p:grpSpPr>
+        <a:xfrm>
+          <a:off x="0" y="0"/>
+          <a:ext cx="0" cy="0"/>
+          <a:chOff x="0" y="0"/>
+          <a:chExt cx="0" cy="0"/>
+        </a:xfrm>
+      </p:grpSpPr>
+      <p:sp>
+        <p:nvSpPr>
+          <p:cNvPr id="2" name="Title 1"/>
+          <p:cNvSpPr>
+            <a:spLocks noGrp="1"/>
+          </p:cNvSpPr>
+          <p:nvPr>
+            <p:ph type="title"/>
+          </p:nvPr>
+        </p:nvSpPr>
+        <p:spPr/>
+        <p:txBody>
+          <a:bodyPr/>
+          <a:lstStyle/>
+          <a:p>
+            <a:r>
+              <a:rPr lang="en-US" dirty="0" smtClean="0"/>
+              <a:t>Transaction log</a:t>
+            </a:r>
+            <a:endParaRPr lang="en-US" dirty="0"/>
+          </a:p>
+        </p:txBody>
+      </p:sp>
+      <p:sp>
+        <p:nvSpPr>
+          <p:cNvPr id="3" name="Content Placeholder 2"/>
+          <p:cNvSpPr>
+            <a:spLocks noGrp="1"/>
+          </p:cNvSpPr>
+          <p:nvPr>
+            <p:ph idx="1"/>
+          </p:nvPr>
+        </p:nvSpPr>
+        <p:spPr/>
+        <p:txBody>
+          <a:bodyPr>
+            <a:normAutofit fontScale="92500" lnSpcReduction="10000"/>
+          </a:bodyPr>
+          <a:lstStyle/>
+          <a:p>
+            <a:r>
+              <a:rPr lang="en-US" dirty="0" smtClean="0"/>
+              <a:t>Conceptually, just like the MSSQL Server Transaction log</a:t>
+            </a:r>
+          </a:p>
+          <a:p>
+            <a:endParaRPr lang="en-US" dirty="0" smtClean="0"/>
+          </a:p>
+          <a:p>
+            <a:r>
+              <a:rPr lang="en-US" dirty="0" smtClean="0"/>
+              <a:t>Records every operation that has happened </a:t>
+            </a:r>
+          </a:p>
+          <a:p>
+            <a:endParaRPr lang="en-US" dirty="0"/>
+          </a:p>
+          <a:p>
+            <a:r>
+              <a:rPr lang="en-US" dirty="0" smtClean="0"/>
+              <a:t>After a restart (or power failure), transaction log is used to repopulate the in-memory buffer</a:t>
+            </a:r>
+          </a:p>
+          <a:p>
+            <a:endParaRPr lang="en-US" dirty="0"/>
+          </a:p>
+          <a:p>
+            <a:r>
+              <a:rPr lang="en-US" dirty="0" smtClean="0"/>
+              <a:t>Documents are not lost, even though they weren’t written to the segment</a:t>
+            </a:r>
+            <a:endParaRPr lang="en-US" dirty="0"/>
+          </a:p>
+        </p:txBody>
+      </p:sp>
+    </p:spTree>
+    <p:extLst>
+      <p:ext uri="{BB962C8B-B14F-4D97-AF65-F5344CB8AC3E}">
+        <p14:creationId xmlns:p14="http://schemas.microsoft.com/office/powerpoint/2010/main" val="2599526565"/>
+      </p:ext>
+    </p:extLst>
+  </p:cSld>
+  <p:clrMapOvr>
+    <a:masterClrMapping/>
+  </p:clrMapOvr>
+</p:sld>
+</file>
+
+<file path=ppt/slides/slide58.xml><?xml version="1.0" encoding="utf-8"?>
+<p:sld xmlns:a="http://schemas.openxmlformats.org/drawingml/2006/main" xmlns:r="http://schemas.openxmlformats.org/officeDocument/2006/relationships" xmlns:p="http://schemas.openxmlformats.org/presentationml/2006/main">
+  <p:cSld>
+    <p:spTree>
+      <p:nvGrpSpPr>
+        <p:cNvPr id="1" name=""/>
+        <p:cNvGrpSpPr/>
+        <p:nvPr/>
+      </p:nvGrpSpPr>
+      <p:grpSpPr>
+        <a:xfrm>
+          <a:off x="0" y="0"/>
+          <a:ext cx="0" cy="0"/>
+          <a:chOff x="0" y="0"/>
+          <a:chExt cx="0" cy="0"/>
+        </a:xfrm>
+      </p:grpSpPr>
+      <p:sp>
+        <p:nvSpPr>
+          <p:cNvPr id="2" name="Title 1"/>
+          <p:cNvSpPr>
+            <a:spLocks noGrp="1"/>
+          </p:cNvSpPr>
+          <p:nvPr>
+            <p:ph type="title"/>
+          </p:nvPr>
+        </p:nvSpPr>
+        <p:spPr/>
+        <p:txBody>
+          <a:bodyPr/>
+          <a:lstStyle/>
+          <a:p>
+            <a:r>
+              <a:rPr lang="en-US" dirty="0" smtClean="0"/>
+              <a:t>Transaction log after refresh</a:t>
+            </a:r>
+            <a:endParaRPr lang="en-US" dirty="0"/>
+          </a:p>
+        </p:txBody>
+      </p:sp>
+      <p:pic>
+        <p:nvPicPr>
+          <p:cNvPr id="4" name="Content Placeholder 3"/>
+          <p:cNvPicPr>
+            <a:picLocks noGrp="1" noChangeAspect="1"/>
+          </p:cNvPicPr>
+          <p:nvPr>
+            <p:ph idx="1"/>
+          </p:nvPr>
+        </p:nvPicPr>
+        <p:blipFill>
+          <a:blip r:embed="rId3"/>
+          <a:srcRect l="-30006" r="-30006"/>
+          <a:stretch>
+            <a:fillRect/>
+          </a:stretch>
+        </p:blipFill>
+        <p:spPr/>
+      </p:pic>
+    </p:spTree>
+    <p:extLst>
+      <p:ext uri="{BB962C8B-B14F-4D97-AF65-F5344CB8AC3E}">
+        <p14:creationId xmlns:p14="http://schemas.microsoft.com/office/powerpoint/2010/main" val="2846611231"/>
+      </p:ext>
+    </p:extLst>
+  </p:cSld>
+  <p:clrMapOvr>
+    <a:masterClrMapping/>
+  </p:clrMapOvr>
+</p:sld>
+</file>
+
+<file path=ppt/slides/slide59.xml><?xml version="1.0" encoding="utf-8"?>
+<p:sld xmlns:a="http://schemas.openxmlformats.org/drawingml/2006/main" xmlns:r="http://schemas.openxmlformats.org/officeDocument/2006/relationships" xmlns:p="http://schemas.openxmlformats.org/presentationml/2006/main">
+  <p:cSld>
+    <p:spTree>
+      <p:nvGrpSpPr>
+        <p:cNvPr id="1" name=""/>
+        <p:cNvGrpSpPr/>
+        <p:nvPr/>
+      </p:nvGrpSpPr>
+      <p:grpSpPr>
+        <a:xfrm>
+          <a:off x="0" y="0"/>
+          <a:ext cx="0" cy="0"/>
+          <a:chOff x="0" y="0"/>
+          <a:chExt cx="0" cy="0"/>
+        </a:xfrm>
+      </p:grpSpPr>
+      <p:sp>
+        <p:nvSpPr>
+          <p:cNvPr id="2" name="Title 1"/>
+          <p:cNvSpPr>
+            <a:spLocks noGrp="1"/>
+          </p:cNvSpPr>
+          <p:nvPr>
+            <p:ph type="title"/>
+          </p:nvPr>
+        </p:nvSpPr>
+        <p:spPr/>
+        <p:txBody>
+          <a:bodyPr/>
+          <a:lstStyle/>
+          <a:p>
+            <a:r>
+              <a:rPr lang="en-US" dirty="0" smtClean="0"/>
+              <a:t>Transaction log after refresh</a:t>
+            </a:r>
+            <a:endParaRPr lang="en-US" dirty="0"/>
+          </a:p>
+        </p:txBody>
+      </p:sp>
+      <p:pic>
+        <p:nvPicPr>
+          <p:cNvPr id="4" name="Content Placeholder 3"/>
+          <p:cNvPicPr>
+            <a:picLocks noGrp="1" noChangeAspect="1"/>
+          </p:cNvPicPr>
+          <p:nvPr>
+            <p:ph idx="1"/>
+          </p:nvPr>
+        </p:nvPicPr>
+        <p:blipFill>
+          <a:blip r:embed="rId3"/>
+          <a:srcRect l="-30006" r="-30006"/>
+          <a:stretch>
+            <a:fillRect/>
+          </a:stretch>
+        </p:blipFill>
+        <p:spPr/>
+      </p:pic>
+    </p:spTree>
+    <p:extLst>
+      <p:ext uri="{BB962C8B-B14F-4D97-AF65-F5344CB8AC3E}">
+        <p14:creationId xmlns:p14="http://schemas.microsoft.com/office/powerpoint/2010/main" val="2692000762"/>
+      </p:ext>
+    </p:extLst>
+  </p:cSld>
+  <p:clrMapOvr>
+    <a:masterClrMapping/>
+  </p:clrMapOvr>
+</p:sld>
+</file>
+
 <file path=ppt/slides/slide6.xml><?xml version="1.0" encoding="utf-8"?>
 <p:sld xmlns:a="http://schemas.openxmlformats.org/drawingml/2006/main" xmlns:r="http://schemas.openxmlformats.org/officeDocument/2006/relationships" xmlns:p="http://schemas.openxmlformats.org/presentationml/2006/main">
   <p:cSld>
@@ -10747,6 +14337,1090 @@
 </p:sld>
 </file>
 
+<file path=ppt/slides/slide60.xml><?xml version="1.0" encoding="utf-8"?>
+<p:sld xmlns:a="http://schemas.openxmlformats.org/drawingml/2006/main" xmlns:r="http://schemas.openxmlformats.org/officeDocument/2006/relationships" xmlns:p="http://schemas.openxmlformats.org/presentationml/2006/main">
+  <p:cSld>
+    <p:spTree>
+      <p:nvGrpSpPr>
+        <p:cNvPr id="1" name=""/>
+        <p:cNvGrpSpPr/>
+        <p:nvPr/>
+      </p:nvGrpSpPr>
+      <p:grpSpPr>
+        <a:xfrm>
+          <a:off x="0" y="0"/>
+          <a:ext cx="0" cy="0"/>
+          <a:chOff x="0" y="0"/>
+          <a:chExt cx="0" cy="0"/>
+        </a:xfrm>
+      </p:grpSpPr>
+      <p:sp>
+        <p:nvSpPr>
+          <p:cNvPr id="2" name="Title 1"/>
+          <p:cNvSpPr>
+            <a:spLocks noGrp="1"/>
+          </p:cNvSpPr>
+          <p:nvPr>
+            <p:ph type="title"/>
+          </p:nvPr>
+        </p:nvSpPr>
+        <p:spPr/>
+        <p:txBody>
+          <a:bodyPr/>
+          <a:lstStyle/>
+          <a:p>
+            <a:r>
+              <a:rPr lang="en-US" dirty="0" smtClean="0"/>
+              <a:t>Flush (full commit)</a:t>
+            </a:r>
+            <a:endParaRPr lang="en-US" dirty="0"/>
+          </a:p>
+        </p:txBody>
+      </p:sp>
+      <p:sp>
+        <p:nvSpPr>
+          <p:cNvPr id="3" name="Content Placeholder 2"/>
+          <p:cNvSpPr>
+            <a:spLocks noGrp="1"/>
+          </p:cNvSpPr>
+          <p:nvPr>
+            <p:ph idx="1"/>
+          </p:nvPr>
+        </p:nvSpPr>
+        <p:spPr/>
+        <p:txBody>
+          <a:bodyPr>
+            <a:normAutofit fontScale="92500" lnSpcReduction="10000"/>
+          </a:bodyPr>
+          <a:lstStyle/>
+          <a:p>
+            <a:r>
+              <a:rPr lang="en-US" dirty="0" smtClean="0"/>
+              <a:t>Flushes all data to disk (</a:t>
+            </a:r>
+            <a:r>
+              <a:rPr lang="en-US" dirty="0" err="1" smtClean="0"/>
+              <a:t>fsync</a:t>
+            </a:r>
+            <a:r>
+              <a:rPr lang="en-US" dirty="0" smtClean="0"/>
+              <a:t>)</a:t>
+            </a:r>
+          </a:p>
+          <a:p>
+            <a:endParaRPr lang="en-US" dirty="0" smtClean="0"/>
+          </a:p>
+          <a:p>
+            <a:r>
+              <a:rPr lang="en-US" dirty="0" smtClean="0"/>
+              <a:t>Writes a commit point as a list of segments that have been committed</a:t>
+            </a:r>
+          </a:p>
+          <a:p>
+            <a:endParaRPr lang="en-US" dirty="0" smtClean="0"/>
+          </a:p>
+          <a:p>
+            <a:r>
+              <a:rPr lang="en-US" dirty="0" smtClean="0"/>
+              <a:t>Transaction log is deleted</a:t>
+            </a:r>
+          </a:p>
+          <a:p>
+            <a:endParaRPr lang="en-US" dirty="0" smtClean="0"/>
+          </a:p>
+          <a:p>
+            <a:r>
+              <a:rPr lang="en-US" dirty="0" smtClean="0"/>
+              <a:t>The commit point are used by </a:t>
+            </a:r>
+            <a:r>
+              <a:rPr lang="en-US" dirty="0" err="1" smtClean="0"/>
+              <a:t>ElasticSearch</a:t>
+            </a:r>
+            <a:r>
+              <a:rPr lang="en-US" dirty="0" smtClean="0"/>
+              <a:t> at startup time to identify the segments that should be loaded</a:t>
+            </a:r>
+          </a:p>
+        </p:txBody>
+      </p:sp>
+    </p:spTree>
+    <p:extLst>
+      <p:ext uri="{BB962C8B-B14F-4D97-AF65-F5344CB8AC3E}">
+        <p14:creationId xmlns:p14="http://schemas.microsoft.com/office/powerpoint/2010/main" val="2735968553"/>
+      </p:ext>
+    </p:extLst>
+  </p:cSld>
+  <p:clrMapOvr>
+    <a:masterClrMapping/>
+  </p:clrMapOvr>
+</p:sld>
+</file>
+
+<file path=ppt/slides/slide61.xml><?xml version="1.0" encoding="utf-8"?>
+<p:sld xmlns:a="http://schemas.openxmlformats.org/drawingml/2006/main" xmlns:r="http://schemas.openxmlformats.org/officeDocument/2006/relationships" xmlns:p="http://schemas.openxmlformats.org/presentationml/2006/main">
+  <p:cSld>
+    <p:spTree>
+      <p:nvGrpSpPr>
+        <p:cNvPr id="1" name=""/>
+        <p:cNvGrpSpPr/>
+        <p:nvPr/>
+      </p:nvGrpSpPr>
+      <p:grpSpPr>
+        <a:xfrm>
+          <a:off x="0" y="0"/>
+          <a:ext cx="0" cy="0"/>
+          <a:chOff x="0" y="0"/>
+          <a:chExt cx="0" cy="0"/>
+        </a:xfrm>
+      </p:grpSpPr>
+      <p:sp>
+        <p:nvSpPr>
+          <p:cNvPr id="2" name="Title 1"/>
+          <p:cNvSpPr>
+            <a:spLocks noGrp="1"/>
+          </p:cNvSpPr>
+          <p:nvPr>
+            <p:ph type="title"/>
+          </p:nvPr>
+        </p:nvSpPr>
+        <p:spPr/>
+        <p:txBody>
+          <a:bodyPr/>
+          <a:lstStyle/>
+          <a:p>
+            <a:r>
+              <a:rPr lang="en-US" dirty="0" smtClean="0"/>
+              <a:t>Flush</a:t>
+            </a:r>
+            <a:endParaRPr lang="en-US" dirty="0"/>
+          </a:p>
+        </p:txBody>
+      </p:sp>
+      <p:pic>
+        <p:nvPicPr>
+          <p:cNvPr id="4" name="Content Placeholder 3"/>
+          <p:cNvPicPr>
+            <a:picLocks noGrp="1" noChangeAspect="1"/>
+          </p:cNvPicPr>
+          <p:nvPr>
+            <p:ph idx="1"/>
+          </p:nvPr>
+        </p:nvPicPr>
+        <p:blipFill>
+          <a:blip r:embed="rId2"/>
+          <a:srcRect l="-30006" r="-30006"/>
+          <a:stretch>
+            <a:fillRect/>
+          </a:stretch>
+        </p:blipFill>
+        <p:spPr/>
+      </p:pic>
+    </p:spTree>
+    <p:extLst>
+      <p:ext uri="{BB962C8B-B14F-4D97-AF65-F5344CB8AC3E}">
+        <p14:creationId xmlns:p14="http://schemas.microsoft.com/office/powerpoint/2010/main" val="1603340568"/>
+      </p:ext>
+    </p:extLst>
+  </p:cSld>
+  <p:clrMapOvr>
+    <a:masterClrMapping/>
+  </p:clrMapOvr>
+</p:sld>
+</file>
+
+<file path=ppt/slides/slide62.xml><?xml version="1.0" encoding="utf-8"?>
+<p:sld xmlns:a="http://schemas.openxmlformats.org/drawingml/2006/main" xmlns:r="http://schemas.openxmlformats.org/officeDocument/2006/relationships" xmlns:p="http://schemas.openxmlformats.org/presentationml/2006/main">
+  <p:cSld>
+    <p:spTree>
+      <p:nvGrpSpPr>
+        <p:cNvPr id="1" name=""/>
+        <p:cNvGrpSpPr/>
+        <p:nvPr/>
+      </p:nvGrpSpPr>
+      <p:grpSpPr>
+        <a:xfrm>
+          <a:off x="0" y="0"/>
+          <a:ext cx="0" cy="0"/>
+          <a:chOff x="0" y="0"/>
+          <a:chExt cx="0" cy="0"/>
+        </a:xfrm>
+      </p:grpSpPr>
+      <p:sp>
+        <p:nvSpPr>
+          <p:cNvPr id="2" name="Title 1"/>
+          <p:cNvSpPr>
+            <a:spLocks noGrp="1"/>
+          </p:cNvSpPr>
+          <p:nvPr>
+            <p:ph type="title"/>
+          </p:nvPr>
+        </p:nvSpPr>
+        <p:spPr/>
+        <p:txBody>
+          <a:bodyPr/>
+          <a:lstStyle/>
+          <a:p>
+            <a:r>
+              <a:rPr lang="en-US" dirty="0" smtClean="0"/>
+              <a:t>Flush API</a:t>
+            </a:r>
+            <a:endParaRPr lang="en-US" dirty="0"/>
+          </a:p>
+        </p:txBody>
+      </p:sp>
+      <p:sp>
+        <p:nvSpPr>
+          <p:cNvPr id="3" name="Content Placeholder 2"/>
+          <p:cNvSpPr>
+            <a:spLocks noGrp="1"/>
+          </p:cNvSpPr>
+          <p:nvPr>
+            <p:ph idx="1"/>
+          </p:nvPr>
+        </p:nvSpPr>
+        <p:spPr/>
+        <p:txBody>
+          <a:bodyPr/>
+          <a:lstStyle/>
+          <a:p>
+            <a:r>
+              <a:rPr lang="en-US" dirty="0" smtClean="0"/>
+              <a:t>Flushes happen when the </a:t>
+            </a:r>
+            <a:r>
+              <a:rPr lang="en-US" dirty="0" err="1" smtClean="0"/>
+              <a:t>translog</a:t>
+            </a:r>
+            <a:r>
+              <a:rPr lang="en-US" dirty="0" smtClean="0"/>
+              <a:t> gets too big,</a:t>
+            </a:r>
+          </a:p>
+          <a:p>
+            <a:r>
+              <a:rPr lang="en-US" dirty="0" smtClean="0"/>
+              <a:t>Or every 30 minutes by default</a:t>
+            </a:r>
+          </a:p>
+          <a:p>
+            <a:endParaRPr lang="en-US" dirty="0"/>
+          </a:p>
+          <a:p>
+            <a:r>
+              <a:rPr lang="en-US" dirty="0" smtClean="0"/>
+              <a:t>You can explicitly flush an index using the flush </a:t>
+            </a:r>
+            <a:r>
+              <a:rPr lang="en-US" dirty="0" err="1" smtClean="0"/>
+              <a:t>api</a:t>
+            </a:r>
+            <a:endParaRPr lang="en-US" dirty="0" smtClean="0"/>
+          </a:p>
+          <a:p>
+            <a:pPr lvl="1"/>
+            <a:r>
+              <a:rPr lang="en-US" dirty="0" smtClean="0"/>
+              <a:t>Default flushing automatically should be fine</a:t>
+            </a:r>
+          </a:p>
+          <a:p>
+            <a:pPr lvl="1"/>
+            <a:r>
+              <a:rPr lang="en-US" dirty="0" smtClean="0"/>
+              <a:t>But it can be beneficial to flush a node before restarting it – avoiding the operations of replaying the transaction log.</a:t>
+            </a:r>
+            <a:endParaRPr lang="en-US" dirty="0"/>
+          </a:p>
+        </p:txBody>
+      </p:sp>
+    </p:spTree>
+    <p:extLst>
+      <p:ext uri="{BB962C8B-B14F-4D97-AF65-F5344CB8AC3E}">
+        <p14:creationId xmlns:p14="http://schemas.microsoft.com/office/powerpoint/2010/main" val="2262110868"/>
+      </p:ext>
+    </p:extLst>
+  </p:cSld>
+  <p:clrMapOvr>
+    <a:masterClrMapping/>
+  </p:clrMapOvr>
+</p:sld>
+</file>
+
+<file path=ppt/slides/slide63.xml><?xml version="1.0" encoding="utf-8"?>
+<p:sld xmlns:a="http://schemas.openxmlformats.org/drawingml/2006/main" xmlns:r="http://schemas.openxmlformats.org/officeDocument/2006/relationships" xmlns:p="http://schemas.openxmlformats.org/presentationml/2006/main">
+  <p:cSld>
+    <p:spTree>
+      <p:nvGrpSpPr>
+        <p:cNvPr id="1" name=""/>
+        <p:cNvGrpSpPr/>
+        <p:nvPr/>
+      </p:nvGrpSpPr>
+      <p:grpSpPr>
+        <a:xfrm>
+          <a:off x="0" y="0"/>
+          <a:ext cx="0" cy="0"/>
+          <a:chOff x="0" y="0"/>
+          <a:chExt cx="0" cy="0"/>
+        </a:xfrm>
+      </p:grpSpPr>
+      <p:sp>
+        <p:nvSpPr>
+          <p:cNvPr id="2" name="Title 1"/>
+          <p:cNvSpPr>
+            <a:spLocks noGrp="1"/>
+          </p:cNvSpPr>
+          <p:nvPr>
+            <p:ph type="title"/>
+          </p:nvPr>
+        </p:nvSpPr>
+        <p:spPr/>
+        <p:txBody>
+          <a:bodyPr/>
+          <a:lstStyle/>
+          <a:p>
+            <a:r>
+              <a:rPr lang="en-US" dirty="0" smtClean="0"/>
+              <a:t>Segment merging</a:t>
+            </a:r>
+            <a:endParaRPr lang="en-US" dirty="0"/>
+          </a:p>
+        </p:txBody>
+      </p:sp>
+      <p:sp>
+        <p:nvSpPr>
+          <p:cNvPr id="3" name="Content Placeholder 2"/>
+          <p:cNvSpPr>
+            <a:spLocks noGrp="1"/>
+          </p:cNvSpPr>
+          <p:nvPr>
+            <p:ph idx="1"/>
+          </p:nvPr>
+        </p:nvSpPr>
+        <p:spPr/>
+        <p:txBody>
+          <a:bodyPr/>
+          <a:lstStyle/>
+          <a:p>
+            <a:r>
+              <a:rPr lang="en-US" dirty="0" smtClean="0"/>
+              <a:t>We’re adding a segment per second</a:t>
+            </a:r>
+          </a:p>
+          <a:p>
+            <a:endParaRPr lang="en-US" dirty="0"/>
+          </a:p>
+          <a:p>
+            <a:r>
+              <a:rPr lang="en-US" dirty="0" err="1" smtClean="0"/>
+              <a:t>ElasticSearch</a:t>
+            </a:r>
+            <a:r>
+              <a:rPr lang="en-US" dirty="0" smtClean="0"/>
+              <a:t> automatically merges segments for us in the background</a:t>
+            </a:r>
+          </a:p>
+        </p:txBody>
+      </p:sp>
+      <p:pic>
+        <p:nvPicPr>
+          <p:cNvPr id="4" name="Picture 3"/>
+          <p:cNvPicPr>
+            <a:picLocks noChangeAspect="1"/>
+          </p:cNvPicPr>
+          <p:nvPr/>
+        </p:nvPicPr>
+        <p:blipFill>
+          <a:blip r:embed="rId2"/>
+          <a:stretch>
+            <a:fillRect/>
+          </a:stretch>
+        </p:blipFill>
+        <p:spPr>
+          <a:xfrm>
+            <a:off x="3254962" y="3412065"/>
+            <a:ext cx="6594593" cy="3235747"/>
+          </a:xfrm>
+          <a:prstGeom prst="rect">
+            <a:avLst/>
+          </a:prstGeom>
+        </p:spPr>
+      </p:pic>
+    </p:spTree>
+    <p:extLst>
+      <p:ext uri="{BB962C8B-B14F-4D97-AF65-F5344CB8AC3E}">
+        <p14:creationId xmlns:p14="http://schemas.microsoft.com/office/powerpoint/2010/main" val="2969697322"/>
+      </p:ext>
+    </p:extLst>
+  </p:cSld>
+  <p:clrMapOvr>
+    <a:masterClrMapping/>
+  </p:clrMapOvr>
+</p:sld>
+</file>
+
+<file path=ppt/slides/slide64.xml><?xml version="1.0" encoding="utf-8"?>
+<p:sld xmlns:a="http://schemas.openxmlformats.org/drawingml/2006/main" xmlns:r="http://schemas.openxmlformats.org/officeDocument/2006/relationships" xmlns:p="http://schemas.openxmlformats.org/presentationml/2006/main">
+  <p:cSld>
+    <p:spTree>
+      <p:nvGrpSpPr>
+        <p:cNvPr id="1" name=""/>
+        <p:cNvGrpSpPr/>
+        <p:nvPr/>
+      </p:nvGrpSpPr>
+      <p:grpSpPr>
+        <a:xfrm>
+          <a:off x="0" y="0"/>
+          <a:ext cx="0" cy="0"/>
+          <a:chOff x="0" y="0"/>
+          <a:chExt cx="0" cy="0"/>
+        </a:xfrm>
+      </p:grpSpPr>
+      <p:sp>
+        <p:nvSpPr>
+          <p:cNvPr id="2" name="Title 1"/>
+          <p:cNvSpPr>
+            <a:spLocks noGrp="1"/>
+          </p:cNvSpPr>
+          <p:nvPr>
+            <p:ph type="title"/>
+          </p:nvPr>
+        </p:nvSpPr>
+        <p:spPr/>
+        <p:txBody>
+          <a:bodyPr/>
+          <a:lstStyle/>
+          <a:p>
+            <a:r>
+              <a:rPr lang="en-US" dirty="0" smtClean="0"/>
+              <a:t>Segment merging</a:t>
+            </a:r>
+            <a:endParaRPr lang="en-US" dirty="0"/>
+          </a:p>
+        </p:txBody>
+      </p:sp>
+      <p:sp>
+        <p:nvSpPr>
+          <p:cNvPr id="3" name="Content Placeholder 2"/>
+          <p:cNvSpPr>
+            <a:spLocks noGrp="1"/>
+          </p:cNvSpPr>
+          <p:nvPr>
+            <p:ph idx="1"/>
+          </p:nvPr>
+        </p:nvSpPr>
+        <p:spPr/>
+        <p:txBody>
+          <a:bodyPr/>
+          <a:lstStyle/>
+          <a:p>
+            <a:r>
+              <a:rPr lang="en-US" dirty="0" smtClean="0"/>
+              <a:t>Because segments are immutable, this can be done safely without interrupting search operations</a:t>
+            </a:r>
+          </a:p>
+          <a:p>
+            <a:r>
+              <a:rPr lang="en-US" dirty="0" smtClean="0"/>
+              <a:t>But it uses a log of CPU and IO</a:t>
+            </a:r>
+            <a:endParaRPr lang="en-US" dirty="0"/>
+          </a:p>
+        </p:txBody>
+      </p:sp>
+      <p:pic>
+        <p:nvPicPr>
+          <p:cNvPr id="4" name="Picture 3"/>
+          <p:cNvPicPr>
+            <a:picLocks noChangeAspect="1"/>
+          </p:cNvPicPr>
+          <p:nvPr/>
+        </p:nvPicPr>
+        <p:blipFill>
+          <a:blip r:embed="rId3"/>
+          <a:stretch>
+            <a:fillRect/>
+          </a:stretch>
+        </p:blipFill>
+        <p:spPr>
+          <a:xfrm>
+            <a:off x="2079036" y="3223944"/>
+            <a:ext cx="6982647" cy="3426152"/>
+          </a:xfrm>
+          <a:prstGeom prst="rect">
+            <a:avLst/>
+          </a:prstGeom>
+        </p:spPr>
+      </p:pic>
+    </p:spTree>
+    <p:extLst>
+      <p:ext uri="{BB962C8B-B14F-4D97-AF65-F5344CB8AC3E}">
+        <p14:creationId xmlns:p14="http://schemas.microsoft.com/office/powerpoint/2010/main" val="3890332739"/>
+      </p:ext>
+    </p:extLst>
+  </p:cSld>
+  <p:clrMapOvr>
+    <a:masterClrMapping/>
+  </p:clrMapOvr>
+</p:sld>
+</file>
+
+<file path=ppt/slides/slide65.xml><?xml version="1.0" encoding="utf-8"?>
+<p:sld xmlns:a="http://schemas.openxmlformats.org/drawingml/2006/main" xmlns:r="http://schemas.openxmlformats.org/officeDocument/2006/relationships" xmlns:p="http://schemas.openxmlformats.org/presentationml/2006/main">
+  <p:cSld>
+    <p:spTree>
+      <p:nvGrpSpPr>
+        <p:cNvPr id="1" name=""/>
+        <p:cNvGrpSpPr/>
+        <p:nvPr/>
+      </p:nvGrpSpPr>
+      <p:grpSpPr>
+        <a:xfrm>
+          <a:off x="0" y="0"/>
+          <a:ext cx="0" cy="0"/>
+          <a:chOff x="0" y="0"/>
+          <a:chExt cx="0" cy="0"/>
+        </a:xfrm>
+      </p:grpSpPr>
+      <p:sp>
+        <p:nvSpPr>
+          <p:cNvPr id="2" name="Title 1"/>
+          <p:cNvSpPr>
+            <a:spLocks noGrp="1"/>
+          </p:cNvSpPr>
+          <p:nvPr>
+            <p:ph type="title"/>
+          </p:nvPr>
+        </p:nvSpPr>
+        <p:spPr/>
+        <p:txBody>
+          <a:bodyPr/>
+          <a:lstStyle/>
+          <a:p>
+            <a:r>
+              <a:rPr lang="en-US" dirty="0" smtClean="0"/>
+              <a:t>Optimize API</a:t>
+            </a:r>
+            <a:endParaRPr lang="en-US" dirty="0"/>
+          </a:p>
+        </p:txBody>
+      </p:sp>
+      <p:sp>
+        <p:nvSpPr>
+          <p:cNvPr id="3" name="Content Placeholder 2"/>
+          <p:cNvSpPr>
+            <a:spLocks noGrp="1"/>
+          </p:cNvSpPr>
+          <p:nvPr>
+            <p:ph idx="1"/>
+          </p:nvPr>
+        </p:nvSpPr>
+        <p:spPr/>
+        <p:txBody>
+          <a:bodyPr>
+            <a:normAutofit fontScale="92500" lnSpcReduction="10000"/>
+          </a:bodyPr>
+          <a:lstStyle/>
+          <a:p>
+            <a:r>
+              <a:rPr lang="en-US" dirty="0" smtClean="0"/>
+              <a:t>Forces a merge down to the number of </a:t>
+            </a:r>
+            <a:r>
+              <a:rPr lang="en-US" dirty="0" err="1" smtClean="0"/>
+              <a:t>max</a:t>
+            </a:r>
+            <a:r>
+              <a:rPr lang="en-US" dirty="0" err="1" smtClean="0"/>
+              <a:t>_num_segments</a:t>
+            </a:r>
+            <a:endParaRPr lang="en-US" dirty="0" smtClean="0"/>
+          </a:p>
+          <a:p>
+            <a:r>
+              <a:rPr lang="en-US" dirty="0" smtClean="0"/>
+              <a:t>Not throttled !</a:t>
+            </a:r>
+          </a:p>
+          <a:p>
+            <a:endParaRPr lang="en-US" dirty="0"/>
+          </a:p>
+          <a:p>
+            <a:r>
+              <a:rPr lang="en-US" dirty="0" smtClean="0"/>
+              <a:t>Should typically not be used for an active index receiving traffic (updates) – let the background process do it’s job</a:t>
+            </a:r>
+          </a:p>
+          <a:p>
+            <a:endParaRPr lang="en-US" dirty="0"/>
+          </a:p>
+          <a:p>
+            <a:r>
+              <a:rPr lang="en-US" dirty="0" smtClean="0"/>
+              <a:t>But if an index stops receiving updates, it could be good to optimize it</a:t>
+            </a:r>
+          </a:p>
+          <a:p>
+            <a:pPr lvl="1"/>
+            <a:r>
+              <a:rPr lang="en-US" dirty="0" smtClean="0"/>
+              <a:t>Such as for </a:t>
+            </a:r>
+            <a:r>
+              <a:rPr lang="en-US" dirty="0" err="1" smtClean="0"/>
+              <a:t>timeseries</a:t>
+            </a:r>
+            <a:r>
+              <a:rPr lang="en-US" dirty="0" smtClean="0"/>
+              <a:t> based indexes, like for </a:t>
+            </a:r>
+            <a:r>
+              <a:rPr lang="en-US" dirty="0" err="1" smtClean="0"/>
+              <a:t>logstash</a:t>
+            </a:r>
+            <a:endParaRPr lang="en-US" dirty="0"/>
+          </a:p>
+        </p:txBody>
+      </p:sp>
+    </p:spTree>
+    <p:extLst>
+      <p:ext uri="{BB962C8B-B14F-4D97-AF65-F5344CB8AC3E}">
+        <p14:creationId xmlns:p14="http://schemas.microsoft.com/office/powerpoint/2010/main" val="212883884"/>
+      </p:ext>
+    </p:extLst>
+  </p:cSld>
+  <p:clrMapOvr>
+    <a:masterClrMapping/>
+  </p:clrMapOvr>
+</p:sld>
+</file>
+
+<file path=ppt/slides/slide66.xml><?xml version="1.0" encoding="utf-8"?>
+<p:sld xmlns:a="http://schemas.openxmlformats.org/drawingml/2006/main" xmlns:r="http://schemas.openxmlformats.org/officeDocument/2006/relationships" xmlns:p="http://schemas.openxmlformats.org/presentationml/2006/main">
+  <p:cSld>
+    <p:spTree>
+      <p:nvGrpSpPr>
+        <p:cNvPr id="1" name=""/>
+        <p:cNvGrpSpPr/>
+        <p:nvPr/>
+      </p:nvGrpSpPr>
+      <p:grpSpPr>
+        <a:xfrm>
+          <a:off x="0" y="0"/>
+          <a:ext cx="0" cy="0"/>
+          <a:chOff x="0" y="0"/>
+          <a:chExt cx="0" cy="0"/>
+        </a:xfrm>
+      </p:grpSpPr>
+      <p:sp>
+        <p:nvSpPr>
+          <p:cNvPr id="2" name="Title 1"/>
+          <p:cNvSpPr>
+            <a:spLocks noGrp="1"/>
+          </p:cNvSpPr>
+          <p:nvPr>
+            <p:ph type="title"/>
+          </p:nvPr>
+        </p:nvSpPr>
+        <p:spPr/>
+        <p:txBody>
+          <a:bodyPr/>
+          <a:lstStyle/>
+          <a:p>
+            <a:r>
+              <a:rPr lang="en-US" dirty="0" smtClean="0"/>
+              <a:t>Segment merging</a:t>
+            </a:r>
+            <a:endParaRPr lang="en-US" dirty="0"/>
+          </a:p>
+        </p:txBody>
+      </p:sp>
+      <p:sp>
+        <p:nvSpPr>
+          <p:cNvPr id="3" name="Content Placeholder 2"/>
+          <p:cNvSpPr>
+            <a:spLocks noGrp="1"/>
+          </p:cNvSpPr>
+          <p:nvPr>
+            <p:ph idx="1"/>
+          </p:nvPr>
+        </p:nvSpPr>
+        <p:spPr/>
+        <p:txBody>
+          <a:bodyPr/>
+          <a:lstStyle/>
+          <a:p>
+            <a:r>
+              <a:rPr lang="en-US" dirty="0" smtClean="0"/>
+              <a:t>If possible for your data types and flow, it makes sense to organize indexes in order to reduce merging</a:t>
+            </a:r>
+          </a:p>
+          <a:p>
+            <a:r>
+              <a:rPr lang="en-US" dirty="0" smtClean="0"/>
+              <a:t>For instance, for </a:t>
+            </a:r>
+            <a:r>
+              <a:rPr lang="en-US" dirty="0" err="1" smtClean="0"/>
+              <a:t>timeseries</a:t>
+            </a:r>
+            <a:r>
+              <a:rPr lang="en-US" dirty="0" smtClean="0"/>
+              <a:t> based data (logs being the canonical example):</a:t>
+            </a:r>
+          </a:p>
+          <a:p>
+            <a:pPr lvl="1"/>
+            <a:r>
+              <a:rPr lang="en-US" dirty="0" smtClean="0"/>
+              <a:t>Create a new index per time unit</a:t>
+            </a:r>
+          </a:p>
+          <a:p>
+            <a:pPr lvl="1"/>
+            <a:r>
+              <a:rPr lang="en-US" dirty="0" smtClean="0"/>
+              <a:t>Only the current index will receive updates and need merging</a:t>
+            </a:r>
+          </a:p>
+          <a:p>
+            <a:pPr lvl="1"/>
+            <a:r>
+              <a:rPr lang="en-US" dirty="0" smtClean="0"/>
+              <a:t>Which means a much smaller dataset participates in merging, requiring less IO and CPU</a:t>
+            </a:r>
+          </a:p>
+        </p:txBody>
+      </p:sp>
+    </p:spTree>
+    <p:extLst>
+      <p:ext uri="{BB962C8B-B14F-4D97-AF65-F5344CB8AC3E}">
+        <p14:creationId xmlns:p14="http://schemas.microsoft.com/office/powerpoint/2010/main" val="1210351034"/>
+      </p:ext>
+    </p:extLst>
+  </p:cSld>
+  <p:clrMapOvr>
+    <a:masterClrMapping/>
+  </p:clrMapOvr>
+</p:sld>
+</file>
+
+<file path=ppt/slides/slide67.xml><?xml version="1.0" encoding="utf-8"?>
+<p:sld xmlns:a="http://schemas.openxmlformats.org/drawingml/2006/main" xmlns:r="http://schemas.openxmlformats.org/officeDocument/2006/relationships" xmlns:p="http://schemas.openxmlformats.org/presentationml/2006/main">
+  <p:cSld>
+    <p:spTree>
+      <p:nvGrpSpPr>
+        <p:cNvPr id="1" name=""/>
+        <p:cNvGrpSpPr/>
+        <p:nvPr/>
+      </p:nvGrpSpPr>
+      <p:grpSpPr>
+        <a:xfrm>
+          <a:off x="0" y="0"/>
+          <a:ext cx="0" cy="0"/>
+          <a:chOff x="0" y="0"/>
+          <a:chExt cx="0" cy="0"/>
+        </a:xfrm>
+      </p:grpSpPr>
+      <p:sp>
+        <p:nvSpPr>
+          <p:cNvPr id="2" name="Title 1"/>
+          <p:cNvSpPr>
+            <a:spLocks noGrp="1"/>
+          </p:cNvSpPr>
+          <p:nvPr>
+            <p:ph type="title"/>
+          </p:nvPr>
+        </p:nvSpPr>
+        <p:spPr/>
+        <p:txBody>
+          <a:bodyPr/>
+          <a:lstStyle/>
+          <a:p>
+            <a:r>
+              <a:rPr lang="en-US" dirty="0" smtClean="0"/>
+              <a:t>Distributed search execution</a:t>
+            </a:r>
+            <a:endParaRPr lang="en-US" dirty="0"/>
+          </a:p>
+        </p:txBody>
+      </p:sp>
+      <p:sp>
+        <p:nvSpPr>
+          <p:cNvPr id="3" name="Content Placeholder 2"/>
+          <p:cNvSpPr>
+            <a:spLocks noGrp="1"/>
+          </p:cNvSpPr>
+          <p:nvPr>
+            <p:ph idx="1"/>
+          </p:nvPr>
+        </p:nvSpPr>
+        <p:spPr/>
+        <p:txBody>
+          <a:bodyPr/>
+          <a:lstStyle/>
+          <a:p>
+            <a:r>
+              <a:rPr lang="en-US" dirty="0" smtClean="0"/>
+              <a:t>Query phase</a:t>
+            </a:r>
+          </a:p>
+          <a:p>
+            <a:endParaRPr lang="en-US" dirty="0" smtClean="0"/>
+          </a:p>
+        </p:txBody>
+      </p:sp>
+      <p:pic>
+        <p:nvPicPr>
+          <p:cNvPr id="4" name="Picture 3"/>
+          <p:cNvPicPr>
+            <a:picLocks noChangeAspect="1"/>
+          </p:cNvPicPr>
+          <p:nvPr/>
+        </p:nvPicPr>
+        <p:blipFill>
+          <a:blip r:embed="rId3"/>
+          <a:stretch>
+            <a:fillRect/>
+          </a:stretch>
+        </p:blipFill>
+        <p:spPr>
+          <a:xfrm>
+            <a:off x="1333500" y="1649589"/>
+            <a:ext cx="9525000" cy="4279900"/>
+          </a:xfrm>
+          <a:prstGeom prst="rect">
+            <a:avLst/>
+          </a:prstGeom>
+        </p:spPr>
+      </p:pic>
+    </p:spTree>
+    <p:extLst>
+      <p:ext uri="{BB962C8B-B14F-4D97-AF65-F5344CB8AC3E}">
+        <p14:creationId xmlns:p14="http://schemas.microsoft.com/office/powerpoint/2010/main" val="3577608840"/>
+      </p:ext>
+    </p:extLst>
+  </p:cSld>
+  <p:clrMapOvr>
+    <a:masterClrMapping/>
+  </p:clrMapOvr>
+</p:sld>
+</file>
+
+<file path=ppt/slides/slide68.xml><?xml version="1.0" encoding="utf-8"?>
+<p:sld xmlns:a="http://schemas.openxmlformats.org/drawingml/2006/main" xmlns:r="http://schemas.openxmlformats.org/officeDocument/2006/relationships" xmlns:p="http://schemas.openxmlformats.org/presentationml/2006/main">
+  <p:cSld>
+    <p:spTree>
+      <p:nvGrpSpPr>
+        <p:cNvPr id="1" name=""/>
+        <p:cNvGrpSpPr/>
+        <p:nvPr/>
+      </p:nvGrpSpPr>
+      <p:grpSpPr>
+        <a:xfrm>
+          <a:off x="0" y="0"/>
+          <a:ext cx="0" cy="0"/>
+          <a:chOff x="0" y="0"/>
+          <a:chExt cx="0" cy="0"/>
+        </a:xfrm>
+      </p:grpSpPr>
+      <p:sp>
+        <p:nvSpPr>
+          <p:cNvPr id="2" name="Title 1"/>
+          <p:cNvSpPr>
+            <a:spLocks noGrp="1"/>
+          </p:cNvSpPr>
+          <p:nvPr>
+            <p:ph type="title"/>
+          </p:nvPr>
+        </p:nvSpPr>
+        <p:spPr/>
+        <p:txBody>
+          <a:bodyPr/>
+          <a:lstStyle/>
+          <a:p>
+            <a:r>
+              <a:rPr lang="en-US" dirty="0" smtClean="0"/>
+              <a:t>Distributed search execution</a:t>
+            </a:r>
+            <a:endParaRPr lang="en-US" dirty="0"/>
+          </a:p>
+        </p:txBody>
+      </p:sp>
+      <p:sp>
+        <p:nvSpPr>
+          <p:cNvPr id="3" name="Content Placeholder 2"/>
+          <p:cNvSpPr>
+            <a:spLocks noGrp="1"/>
+          </p:cNvSpPr>
+          <p:nvPr>
+            <p:ph idx="1"/>
+          </p:nvPr>
+        </p:nvSpPr>
+        <p:spPr/>
+        <p:txBody>
+          <a:bodyPr/>
+          <a:lstStyle/>
+          <a:p>
+            <a:r>
+              <a:rPr lang="en-US" dirty="0" smtClean="0"/>
+              <a:t>Fetch phase</a:t>
+            </a:r>
+            <a:endParaRPr lang="en-US" dirty="0"/>
+          </a:p>
+        </p:txBody>
+      </p:sp>
+      <p:pic>
+        <p:nvPicPr>
+          <p:cNvPr id="6" name="Picture 5"/>
+          <p:cNvPicPr>
+            <a:picLocks noChangeAspect="1"/>
+          </p:cNvPicPr>
+          <p:nvPr/>
+        </p:nvPicPr>
+        <p:blipFill>
+          <a:blip r:embed="rId3"/>
+          <a:stretch>
+            <a:fillRect/>
+          </a:stretch>
+        </p:blipFill>
+        <p:spPr>
+          <a:xfrm>
+            <a:off x="1333500" y="1546096"/>
+            <a:ext cx="9525000" cy="4279900"/>
+          </a:xfrm>
+          <a:prstGeom prst="rect">
+            <a:avLst/>
+          </a:prstGeom>
+        </p:spPr>
+      </p:pic>
+    </p:spTree>
+    <p:extLst>
+      <p:ext uri="{BB962C8B-B14F-4D97-AF65-F5344CB8AC3E}">
+        <p14:creationId xmlns:p14="http://schemas.microsoft.com/office/powerpoint/2010/main" val="1717887066"/>
+      </p:ext>
+    </p:extLst>
+  </p:cSld>
+  <p:clrMapOvr>
+    <a:masterClrMapping/>
+  </p:clrMapOvr>
+</p:sld>
+</file>
+
+<file path=ppt/slides/slide69.xml><?xml version="1.0" encoding="utf-8"?>
+<p:sld xmlns:a="http://schemas.openxmlformats.org/drawingml/2006/main" xmlns:r="http://schemas.openxmlformats.org/officeDocument/2006/relationships" xmlns:p="http://schemas.openxmlformats.org/presentationml/2006/main">
+  <p:cSld>
+    <p:spTree>
+      <p:nvGrpSpPr>
+        <p:cNvPr id="1" name=""/>
+        <p:cNvGrpSpPr/>
+        <p:nvPr/>
+      </p:nvGrpSpPr>
+      <p:grpSpPr>
+        <a:xfrm>
+          <a:off x="0" y="0"/>
+          <a:ext cx="0" cy="0"/>
+          <a:chOff x="0" y="0"/>
+          <a:chExt cx="0" cy="0"/>
+        </a:xfrm>
+      </p:grpSpPr>
+      <p:sp>
+        <p:nvSpPr>
+          <p:cNvPr id="2" name="Title 1"/>
+          <p:cNvSpPr>
+            <a:spLocks noGrp="1"/>
+          </p:cNvSpPr>
+          <p:nvPr>
+            <p:ph type="title"/>
+          </p:nvPr>
+        </p:nvSpPr>
+        <p:spPr/>
+        <p:txBody>
+          <a:bodyPr/>
+          <a:lstStyle/>
+          <a:p>
+            <a:r>
+              <a:rPr lang="en-US" dirty="0" smtClean="0"/>
+              <a:t>A note about pagination</a:t>
+            </a:r>
+            <a:endParaRPr lang="en-US" dirty="0"/>
+          </a:p>
+        </p:txBody>
+      </p:sp>
+      <p:sp>
+        <p:nvSpPr>
+          <p:cNvPr id="3" name="Content Placeholder 2"/>
+          <p:cNvSpPr>
+            <a:spLocks noGrp="1"/>
+          </p:cNvSpPr>
+          <p:nvPr>
+            <p:ph idx="1"/>
+          </p:nvPr>
+        </p:nvSpPr>
+        <p:spPr/>
+        <p:txBody>
+          <a:bodyPr/>
+          <a:lstStyle/>
+          <a:p>
+            <a:r>
+              <a:rPr lang="en-US" dirty="0" smtClean="0"/>
+              <a:t>Each client must build a priority queue consisting of from + size elements</a:t>
+            </a:r>
+          </a:p>
+          <a:p>
+            <a:r>
+              <a:rPr lang="en-US" dirty="0" smtClean="0"/>
+              <a:t>The coordinating node must handle a list of </a:t>
+            </a:r>
+          </a:p>
+          <a:p>
+            <a:pPr marL="457200" lvl="1" indent="0">
+              <a:buNone/>
+            </a:pPr>
+            <a:r>
+              <a:rPr lang="en-US" dirty="0" smtClean="0"/>
+              <a:t>(number of shards) * (from + size) elements</a:t>
+            </a:r>
+          </a:p>
+          <a:p>
+            <a:pPr marL="457200" lvl="1" indent="0">
+              <a:buNone/>
+            </a:pPr>
+            <a:endParaRPr lang="en-US" dirty="0"/>
+          </a:p>
+          <a:p>
+            <a:pPr marL="457200" lvl="1" indent="0">
+              <a:buNone/>
+            </a:pPr>
+            <a:r>
+              <a:rPr lang="en-US" dirty="0" smtClean="0"/>
+              <a:t>This can be very costly. Deep pagination this way is discouraged</a:t>
+            </a:r>
+          </a:p>
+          <a:p>
+            <a:pPr marL="457200" lvl="1" indent="0">
+              <a:buNone/>
+            </a:pPr>
+            <a:r>
+              <a:rPr lang="en-US" dirty="0" smtClean="0"/>
+              <a:t>(but up to 10 – 50.000 hits should be OK)</a:t>
+            </a:r>
+          </a:p>
+        </p:txBody>
+      </p:sp>
+    </p:spTree>
+    <p:extLst>
+      <p:ext uri="{BB962C8B-B14F-4D97-AF65-F5344CB8AC3E}">
+        <p14:creationId xmlns:p14="http://schemas.microsoft.com/office/powerpoint/2010/main" val="1208329299"/>
+      </p:ext>
+    </p:extLst>
+  </p:cSld>
+  <p:clrMapOvr>
+    <a:masterClrMapping/>
+  </p:clrMapOvr>
+</p:sld>
+</file>
+
 <file path=ppt/slides/slide7.xml><?xml version="1.0" encoding="utf-8"?>
 <p:sld xmlns:a="http://schemas.openxmlformats.org/drawingml/2006/main" xmlns:r="http://schemas.openxmlformats.org/officeDocument/2006/relationships" xmlns:p="http://schemas.openxmlformats.org/presentationml/2006/main">
   <p:cSld>
@@ -10776,14 +15450,27 @@
         </p:nvSpPr>
         <p:spPr/>
         <p:txBody>
-          <a:bodyPr/>
-          <a:lstStyle/>
-          <a:p>
-            <a:r>
-              <a:rPr lang="en-US"/>
-              <a:t>What is a search engine ?</a:t>
-            </a:r>
-            <a:endParaRPr lang="da-DK"/>
+          <a:bodyPr>
+            <a:normAutofit fontScale="90000"/>
+          </a:bodyPr>
+          <a:lstStyle/>
+          <a:p>
+            <a:r>
+              <a:rPr lang="en-US" dirty="0"/>
+              <a:t>What is a search engine </a:t>
+            </a:r>
+            <a:r>
+              <a:rPr lang="en-US" dirty="0" smtClean="0"/>
+              <a:t>?</a:t>
+            </a:r>
+            <a:br>
+              <a:rPr lang="en-US" dirty="0" smtClean="0"/>
+            </a:br>
+            <a:r>
+              <a:rPr lang="en-US" dirty="0" smtClean="0"/>
+              <a:t>(for our purposes)</a:t>
+            </a:r>
+            <a:endParaRPr lang="da-DK" dirty="0"/>
           </a:p>
         </p:txBody>
       </p:sp>
@@ -10797,12 +15484,237 @@
             <p:ph idx="1"/>
           </p:nvPr>
         </p:nvSpPr>
-        <p:spPr/>
-        <p:txBody>
-          <a:bodyPr/>
-          <a:lstStyle/>
-          <a:p>
-            <a:endParaRPr lang="da-DK"/>
+        <p:spPr>
+          <a:xfrm>
+            <a:off x="609600" y="1609608"/>
+            <a:ext cx="10972800" cy="4525963"/>
+          </a:xfrm>
+        </p:spPr>
+        <p:txBody>
+          <a:bodyPr/>
+          <a:lstStyle/>
+          <a:p>
+            <a:r>
+              <a:rPr lang="da-DK" dirty="0" smtClean="0"/>
+              <a:t>A system </a:t>
+            </a:r>
+            <a:r>
+              <a:rPr lang="da-DK" dirty="0" err="1" smtClean="0"/>
+              <a:t>capable</a:t>
+            </a:r>
+            <a:r>
+              <a:rPr lang="da-DK" dirty="0" smtClean="0"/>
+              <a:t> of </a:t>
+            </a:r>
+            <a:r>
+              <a:rPr lang="da-DK" dirty="0" err="1" smtClean="0"/>
+              <a:t>searching</a:t>
+            </a:r>
+            <a:r>
+              <a:rPr lang="da-DK" dirty="0" smtClean="0"/>
+              <a:t> </a:t>
+            </a:r>
+            <a:r>
+              <a:rPr lang="da-DK" dirty="0" err="1" smtClean="0"/>
+              <a:t>through</a:t>
+            </a:r>
+            <a:r>
+              <a:rPr lang="da-DK" dirty="0" smtClean="0"/>
+              <a:t> lar</a:t>
+            </a:r>
+            <a:r>
+              <a:rPr lang="da-DK" dirty="0" smtClean="0"/>
+              <a:t>ge </a:t>
+            </a:r>
+            <a:r>
+              <a:rPr lang="da-DK" dirty="0" err="1" smtClean="0"/>
+              <a:t>amounts</a:t>
+            </a:r>
+            <a:r>
+              <a:rPr lang="da-DK" dirty="0" smtClean="0"/>
+              <a:t> of data </a:t>
+            </a:r>
+            <a:r>
+              <a:rPr lang="da-DK" dirty="0" err="1" smtClean="0"/>
+              <a:t>very</a:t>
+            </a:r>
+            <a:r>
+              <a:rPr lang="da-DK" dirty="0" smtClean="0"/>
+              <a:t> fast</a:t>
+            </a:r>
+          </a:p>
+          <a:p>
+            <a:r>
+              <a:rPr lang="da-DK" dirty="0" err="1" smtClean="0"/>
+              <a:t>Knows</a:t>
+            </a:r>
+            <a:r>
+              <a:rPr lang="da-DK" dirty="0" smtClean="0"/>
+              <a:t> </a:t>
+            </a:r>
+            <a:r>
+              <a:rPr lang="da-DK" dirty="0" err="1" smtClean="0"/>
+              <a:t>about</a:t>
+            </a:r>
+            <a:r>
+              <a:rPr lang="da-DK" dirty="0" smtClean="0"/>
+              <a:t> </a:t>
+            </a:r>
+            <a:r>
+              <a:rPr lang="da-DK" dirty="0" err="1" smtClean="0"/>
+              <a:t>text</a:t>
+            </a:r>
+            <a:r>
+              <a:rPr lang="da-DK" dirty="0" smtClean="0"/>
+              <a:t> (’</a:t>
+            </a:r>
+            <a:r>
+              <a:rPr lang="da-DK" dirty="0" err="1" smtClean="0"/>
+              <a:t>full</a:t>
+            </a:r>
+            <a:r>
+              <a:rPr lang="da-DK" dirty="0" smtClean="0"/>
+              <a:t> </a:t>
+            </a:r>
+            <a:r>
+              <a:rPr lang="da-DK" dirty="0" err="1" smtClean="0"/>
+              <a:t>text</a:t>
+            </a:r>
+            <a:r>
+              <a:rPr lang="da-DK" dirty="0" smtClean="0"/>
+              <a:t> </a:t>
+            </a:r>
+            <a:r>
+              <a:rPr lang="da-DK" dirty="0" err="1" smtClean="0"/>
+              <a:t>search</a:t>
+            </a:r>
+            <a:r>
+              <a:rPr lang="da-DK" dirty="0" smtClean="0"/>
+              <a:t>’) – not just </a:t>
+            </a:r>
+            <a:r>
+              <a:rPr lang="da-DK" dirty="0" err="1" smtClean="0"/>
+              <a:t>about</a:t>
+            </a:r>
+            <a:r>
+              <a:rPr lang="da-DK" dirty="0" smtClean="0"/>
+              <a:t> </a:t>
+            </a:r>
+            <a:r>
+              <a:rPr lang="da-DK" dirty="0" err="1" smtClean="0"/>
+              <a:t>matching</a:t>
+            </a:r>
+            <a:r>
+              <a:rPr lang="da-DK" dirty="0" smtClean="0"/>
+              <a:t> </a:t>
+            </a:r>
+            <a:r>
+              <a:rPr lang="da-DK" dirty="0" err="1" smtClean="0"/>
+              <a:t>exact</a:t>
+            </a:r>
+            <a:r>
+              <a:rPr lang="da-DK" dirty="0" smtClean="0"/>
+              <a:t> </a:t>
+            </a:r>
+            <a:r>
+              <a:rPr lang="da-DK" dirty="0" err="1" smtClean="0"/>
+              <a:t>values</a:t>
+            </a:r>
+            <a:endParaRPr lang="da-DK" dirty="0" smtClean="0"/>
+          </a:p>
+          <a:p>
+            <a:pPr lvl="1"/>
+            <a:r>
+              <a:rPr lang="da-DK" dirty="0" err="1" smtClean="0"/>
+              <a:t>ElasticSearch</a:t>
+            </a:r>
+            <a:r>
+              <a:rPr lang="da-DK" dirty="0" smtClean="0"/>
+              <a:t>, FAST and SOLR </a:t>
+            </a:r>
+            <a:r>
+              <a:rPr lang="da-DK" dirty="0" err="1" smtClean="0"/>
+              <a:t>are</a:t>
+            </a:r>
+            <a:r>
+              <a:rPr lang="da-DK" dirty="0" smtClean="0"/>
+              <a:t> </a:t>
+            </a:r>
+            <a:r>
+              <a:rPr lang="da-DK" dirty="0" err="1" smtClean="0"/>
+              <a:t>search</a:t>
+            </a:r>
+            <a:r>
+              <a:rPr lang="da-DK" dirty="0" smtClean="0"/>
+              <a:t> </a:t>
+            </a:r>
+            <a:r>
+              <a:rPr lang="da-DK" dirty="0" err="1" smtClean="0"/>
+              <a:t>engines</a:t>
+            </a:r>
+            <a:endParaRPr lang="da-DK" dirty="0" smtClean="0"/>
+          </a:p>
+          <a:p>
+            <a:pPr lvl="1"/>
+            <a:r>
+              <a:rPr lang="da-DK" dirty="0" smtClean="0"/>
+              <a:t>MSSQL is NOT a </a:t>
+            </a:r>
+            <a:r>
+              <a:rPr lang="da-DK" dirty="0" err="1" smtClean="0"/>
+              <a:t>search</a:t>
+            </a:r>
+            <a:r>
+              <a:rPr lang="da-DK" dirty="0" smtClean="0"/>
+              <a:t> </a:t>
+            </a:r>
+            <a:r>
+              <a:rPr lang="da-DK" dirty="0" err="1" smtClean="0"/>
+              <a:t>engine</a:t>
+            </a:r>
+            <a:endParaRPr lang="da-DK" dirty="0" smtClean="0"/>
+          </a:p>
+          <a:p>
+            <a:endParaRPr lang="da-DK" dirty="0" smtClean="0"/>
+          </a:p>
+          <a:p>
+            <a:r>
+              <a:rPr lang="da-DK" dirty="0" smtClean="0"/>
+              <a:t>In </a:t>
+            </a:r>
+            <a:r>
+              <a:rPr lang="da-DK" dirty="0" err="1" smtClean="0"/>
+              <a:t>some</a:t>
+            </a:r>
+            <a:r>
+              <a:rPr lang="da-DK" dirty="0" smtClean="0"/>
+              <a:t> </a:t>
+            </a:r>
+            <a:r>
+              <a:rPr lang="da-DK" dirty="0" err="1" smtClean="0"/>
+              <a:t>literature</a:t>
+            </a:r>
+            <a:r>
+              <a:rPr lang="da-DK" dirty="0" smtClean="0"/>
+              <a:t> </a:t>
+            </a:r>
+            <a:r>
+              <a:rPr lang="da-DK" dirty="0" err="1" smtClean="0"/>
+              <a:t>called</a:t>
+            </a:r>
+            <a:r>
+              <a:rPr lang="da-DK" dirty="0" smtClean="0"/>
+              <a:t> ”information </a:t>
+            </a:r>
+            <a:r>
+              <a:rPr lang="da-DK" dirty="0" err="1" smtClean="0"/>
+              <a:t>retrieval</a:t>
+            </a:r>
+            <a:r>
+              <a:rPr lang="da-DK" dirty="0" smtClean="0"/>
+              <a:t> system”</a:t>
+            </a:r>
+            <a:endParaRPr lang="da-DK" dirty="0"/>
           </a:p>
         </p:txBody>
       </p:sp>
@@ -10823,6 +15735,808 @@
       </p:par>
     </p:tnLst>
   </p:timing>
+</p:sld>
+</file>
+
+<file path=ppt/slides/slide70.xml><?xml version="1.0" encoding="utf-8"?>
+<p:sld xmlns:a="http://schemas.openxmlformats.org/drawingml/2006/main" xmlns:r="http://schemas.openxmlformats.org/officeDocument/2006/relationships" xmlns:p="http://schemas.openxmlformats.org/presentationml/2006/main">
+  <p:cSld>
+    <p:spTree>
+      <p:nvGrpSpPr>
+        <p:cNvPr id="1" name=""/>
+        <p:cNvGrpSpPr/>
+        <p:nvPr/>
+      </p:nvGrpSpPr>
+      <p:grpSpPr>
+        <a:xfrm>
+          <a:off x="0" y="0"/>
+          <a:ext cx="0" cy="0"/>
+          <a:chOff x="0" y="0"/>
+          <a:chExt cx="0" cy="0"/>
+        </a:xfrm>
+      </p:grpSpPr>
+      <p:sp>
+        <p:nvSpPr>
+          <p:cNvPr id="2" name="Title 1"/>
+          <p:cNvSpPr>
+            <a:spLocks noGrp="1"/>
+          </p:cNvSpPr>
+          <p:nvPr>
+            <p:ph type="title"/>
+          </p:nvPr>
+        </p:nvSpPr>
+        <p:spPr/>
+        <p:txBody>
+          <a:bodyPr/>
+          <a:lstStyle/>
+          <a:p>
+            <a:r>
+              <a:rPr lang="en-US" dirty="0" smtClean="0"/>
+              <a:t>Distributed search - options</a:t>
+            </a:r>
+            <a:endParaRPr lang="en-US" dirty="0"/>
+          </a:p>
+        </p:txBody>
+      </p:sp>
+      <p:sp>
+        <p:nvSpPr>
+          <p:cNvPr id="3" name="Content Placeholder 2"/>
+          <p:cNvSpPr>
+            <a:spLocks noGrp="1"/>
+          </p:cNvSpPr>
+          <p:nvPr>
+            <p:ph idx="1"/>
+          </p:nvPr>
+        </p:nvSpPr>
+        <p:spPr/>
+        <p:txBody>
+          <a:bodyPr/>
+          <a:lstStyle/>
+          <a:p>
+            <a:r>
+              <a:rPr lang="en-US" dirty="0"/>
+              <a:t>p</a:t>
+            </a:r>
+            <a:r>
+              <a:rPr lang="en-US" dirty="0" smtClean="0"/>
+              <a:t>reference</a:t>
+            </a:r>
+          </a:p>
+          <a:p>
+            <a:pPr lvl="1"/>
+            <a:r>
+              <a:rPr lang="en-US" dirty="0" smtClean="0"/>
+              <a:t>Allows controlling which shards </a:t>
+            </a:r>
+            <a:r>
+              <a:rPr lang="en-US" dirty="0" err="1" smtClean="0"/>
+              <a:t>particpate</a:t>
+            </a:r>
+            <a:r>
+              <a:rPr lang="en-US" dirty="0" smtClean="0"/>
+              <a:t> in the search request</a:t>
+            </a:r>
+          </a:p>
+          <a:p>
+            <a:pPr lvl="1"/>
+            <a:r>
+              <a:rPr lang="en-US" dirty="0" smtClean="0"/>
+              <a:t>Supports stuff like </a:t>
+            </a:r>
+            <a:r>
+              <a:rPr lang="en-US" i="1" dirty="0" smtClean="0"/>
+              <a:t>_primary, _</a:t>
+            </a:r>
+            <a:r>
+              <a:rPr lang="en-US" i="1" dirty="0" err="1" smtClean="0"/>
+              <a:t>prefer_node:xyz</a:t>
+            </a:r>
+            <a:r>
+              <a:rPr lang="en-US" dirty="0" smtClean="0"/>
+              <a:t>, etc.</a:t>
+            </a:r>
+          </a:p>
+          <a:p>
+            <a:pPr lvl="1"/>
+            <a:r>
+              <a:rPr lang="en-US" dirty="0" smtClean="0"/>
+              <a:t>Set to something unique per user to avoid bouncing results problem</a:t>
+            </a:r>
+          </a:p>
+          <a:p>
+            <a:r>
+              <a:rPr lang="en-US" dirty="0" smtClean="0"/>
+              <a:t>Timeout</a:t>
+            </a:r>
+          </a:p>
+          <a:p>
+            <a:pPr lvl="1"/>
+            <a:r>
+              <a:rPr lang="en-US" dirty="0" smtClean="0"/>
+              <a:t>Set the timeout per node</a:t>
+            </a:r>
+          </a:p>
+          <a:p>
+            <a:pPr lvl="1"/>
+            <a:r>
+              <a:rPr lang="en-US" dirty="0" smtClean="0"/>
+              <a:t>If one node is slow, don’t affect the overall search experience</a:t>
+            </a:r>
+          </a:p>
+          <a:p>
+            <a:pPr lvl="2"/>
+            <a:r>
+              <a:rPr lang="en-US" dirty="0" smtClean="0"/>
+              <a:t>At the cost of missing results</a:t>
+            </a:r>
+            <a:endParaRPr lang="en-US" dirty="0"/>
+          </a:p>
+        </p:txBody>
+      </p:sp>
+    </p:spTree>
+    <p:extLst>
+      <p:ext uri="{BB962C8B-B14F-4D97-AF65-F5344CB8AC3E}">
+        <p14:creationId xmlns:p14="http://schemas.microsoft.com/office/powerpoint/2010/main" val="2545837016"/>
+      </p:ext>
+    </p:extLst>
+  </p:cSld>
+  <p:clrMapOvr>
+    <a:masterClrMapping/>
+  </p:clrMapOvr>
+</p:sld>
+</file>
+
+<file path=ppt/slides/slide71.xml><?xml version="1.0" encoding="utf-8"?>
+<p:sld xmlns:a="http://schemas.openxmlformats.org/drawingml/2006/main" xmlns:r="http://schemas.openxmlformats.org/officeDocument/2006/relationships" xmlns:p="http://schemas.openxmlformats.org/presentationml/2006/main">
+  <p:cSld>
+    <p:spTree>
+      <p:nvGrpSpPr>
+        <p:cNvPr id="1" name=""/>
+        <p:cNvGrpSpPr/>
+        <p:nvPr/>
+      </p:nvGrpSpPr>
+      <p:grpSpPr>
+        <a:xfrm>
+          <a:off x="0" y="0"/>
+          <a:ext cx="0" cy="0"/>
+          <a:chOff x="0" y="0"/>
+          <a:chExt cx="0" cy="0"/>
+        </a:xfrm>
+      </p:grpSpPr>
+      <p:sp>
+        <p:nvSpPr>
+          <p:cNvPr id="2" name="Title 1"/>
+          <p:cNvSpPr>
+            <a:spLocks noGrp="1"/>
+          </p:cNvSpPr>
+          <p:nvPr>
+            <p:ph type="title"/>
+          </p:nvPr>
+        </p:nvSpPr>
+        <p:spPr/>
+        <p:txBody>
+          <a:bodyPr/>
+          <a:lstStyle/>
+          <a:p>
+            <a:r>
+              <a:rPr lang="en-US" dirty="0" smtClean="0"/>
+              <a:t>Distributed search - options</a:t>
+            </a:r>
+            <a:endParaRPr lang="en-US" dirty="0"/>
+          </a:p>
+        </p:txBody>
+      </p:sp>
+      <p:sp>
+        <p:nvSpPr>
+          <p:cNvPr id="3" name="Content Placeholder 2"/>
+          <p:cNvSpPr>
+            <a:spLocks noGrp="1"/>
+          </p:cNvSpPr>
+          <p:nvPr>
+            <p:ph idx="1"/>
+          </p:nvPr>
+        </p:nvSpPr>
+        <p:spPr/>
+        <p:txBody>
+          <a:bodyPr>
+            <a:normAutofit fontScale="92500" lnSpcReduction="10000"/>
+          </a:bodyPr>
+          <a:lstStyle/>
+          <a:p>
+            <a:r>
+              <a:rPr lang="en-US" dirty="0"/>
+              <a:t>r</a:t>
+            </a:r>
+            <a:r>
+              <a:rPr lang="en-US" dirty="0" smtClean="0"/>
+              <a:t>outing</a:t>
+            </a:r>
+          </a:p>
+          <a:p>
+            <a:pPr lvl="1"/>
+            <a:r>
+              <a:rPr lang="en-US" dirty="0" smtClean="0"/>
+              <a:t>Limit search to a number of shards</a:t>
+            </a:r>
+          </a:p>
+          <a:p>
+            <a:pPr lvl="1"/>
+            <a:r>
+              <a:rPr lang="en-US" dirty="0" smtClean="0"/>
+              <a:t>Useful if you already have custom routing of document</a:t>
+            </a:r>
+          </a:p>
+          <a:p>
+            <a:r>
+              <a:rPr lang="en-US" dirty="0" err="1" smtClean="0"/>
+              <a:t>search_type</a:t>
+            </a:r>
+            <a:endParaRPr lang="en-US" dirty="0" smtClean="0"/>
+          </a:p>
+          <a:p>
+            <a:pPr lvl="1"/>
+            <a:r>
+              <a:rPr lang="en-US" dirty="0" smtClean="0"/>
+              <a:t>count</a:t>
+            </a:r>
+            <a:r>
+              <a:rPr lang="en-US" dirty="0"/>
+              <a:t> </a:t>
+            </a:r>
+            <a:r>
+              <a:rPr lang="en-US" dirty="0" smtClean="0"/>
+              <a:t>: Only do query phase. The result can only be a count, or aggregations</a:t>
+            </a:r>
+          </a:p>
+          <a:p>
+            <a:pPr lvl="1"/>
+            <a:r>
+              <a:rPr lang="en-US" dirty="0" err="1" smtClean="0"/>
+              <a:t>query_and_fetch</a:t>
+            </a:r>
+            <a:r>
+              <a:rPr lang="en-US" dirty="0" smtClean="0"/>
+              <a:t>: Default, what we just outlined</a:t>
+            </a:r>
+          </a:p>
+          <a:p>
+            <a:pPr lvl="1"/>
+            <a:r>
+              <a:rPr lang="en-US" dirty="0" err="1" smtClean="0"/>
+              <a:t>dfs_query_then_fetch</a:t>
+            </a:r>
+            <a:r>
+              <a:rPr lang="en-US" dirty="0" smtClean="0"/>
+              <a:t>: Better relevance calculation at the cost of an extra </a:t>
+            </a:r>
+            <a:r>
+              <a:rPr lang="en-US" dirty="0" err="1" smtClean="0"/>
+              <a:t>roundtrip</a:t>
+            </a:r>
+            <a:r>
+              <a:rPr lang="en-US" dirty="0" smtClean="0"/>
+              <a:t> (don’t use)</a:t>
+            </a:r>
+          </a:p>
+          <a:p>
+            <a:pPr lvl="1"/>
+            <a:r>
+              <a:rPr lang="en-US" dirty="0" smtClean="0"/>
+              <a:t>scan: Used for scan &amp; scroll</a:t>
+            </a:r>
+            <a:endParaRPr lang="en-US" dirty="0"/>
+          </a:p>
+        </p:txBody>
+      </p:sp>
+    </p:spTree>
+    <p:extLst>
+      <p:ext uri="{BB962C8B-B14F-4D97-AF65-F5344CB8AC3E}">
+        <p14:creationId xmlns:p14="http://schemas.microsoft.com/office/powerpoint/2010/main" val="3927003973"/>
+      </p:ext>
+    </p:extLst>
+  </p:cSld>
+  <p:clrMapOvr>
+    <a:masterClrMapping/>
+  </p:clrMapOvr>
+</p:sld>
+</file>
+
+<file path=ppt/slides/slide72.xml><?xml version="1.0" encoding="utf-8"?>
+<p:sld xmlns:a="http://schemas.openxmlformats.org/drawingml/2006/main" xmlns:r="http://schemas.openxmlformats.org/officeDocument/2006/relationships" xmlns:p="http://schemas.openxmlformats.org/presentationml/2006/main">
+  <p:cSld>
+    <p:spTree>
+      <p:nvGrpSpPr>
+        <p:cNvPr id="1" name=""/>
+        <p:cNvGrpSpPr/>
+        <p:nvPr/>
+      </p:nvGrpSpPr>
+      <p:grpSpPr>
+        <a:xfrm>
+          <a:off x="0" y="0"/>
+          <a:ext cx="0" cy="0"/>
+          <a:chOff x="0" y="0"/>
+          <a:chExt cx="0" cy="0"/>
+        </a:xfrm>
+      </p:grpSpPr>
+      <p:sp>
+        <p:nvSpPr>
+          <p:cNvPr id="2" name="Title 1"/>
+          <p:cNvSpPr>
+            <a:spLocks noGrp="1"/>
+          </p:cNvSpPr>
+          <p:nvPr>
+            <p:ph type="title"/>
+          </p:nvPr>
+        </p:nvSpPr>
+        <p:spPr/>
+        <p:txBody>
+          <a:bodyPr/>
+          <a:lstStyle/>
+          <a:p>
+            <a:r>
+              <a:rPr lang="en-US" dirty="0" smtClean="0"/>
+              <a:t>Scan and scroll</a:t>
+            </a:r>
+            <a:endParaRPr lang="en-US" dirty="0"/>
+          </a:p>
+        </p:txBody>
+      </p:sp>
+      <p:sp>
+        <p:nvSpPr>
+          <p:cNvPr id="3" name="Content Placeholder 2"/>
+          <p:cNvSpPr>
+            <a:spLocks noGrp="1"/>
+          </p:cNvSpPr>
+          <p:nvPr>
+            <p:ph idx="1"/>
+          </p:nvPr>
+        </p:nvSpPr>
+        <p:spPr/>
+        <p:txBody>
+          <a:bodyPr/>
+          <a:lstStyle/>
+          <a:p>
+            <a:r>
+              <a:rPr lang="en-US" dirty="0" smtClean="0"/>
+              <a:t>A way to effectively page out all results</a:t>
+            </a:r>
+          </a:p>
+          <a:p>
+            <a:r>
+              <a:rPr lang="en-US" dirty="0" smtClean="0"/>
+              <a:t>But disables sorting !</a:t>
+            </a:r>
+          </a:p>
+          <a:p>
+            <a:endParaRPr lang="en-US" dirty="0"/>
+          </a:p>
+          <a:p>
+            <a:r>
+              <a:rPr lang="en-US" dirty="0" smtClean="0"/>
+              <a:t>Create a scroll that is open for a time period. This works like a snapshot of the data. You get a _</a:t>
+            </a:r>
+            <a:r>
+              <a:rPr lang="en-US" dirty="0" err="1" smtClean="0"/>
+              <a:t>scroll_id</a:t>
+            </a:r>
+            <a:r>
+              <a:rPr lang="en-US" dirty="0" smtClean="0"/>
+              <a:t> returned</a:t>
+            </a:r>
+          </a:p>
+          <a:p>
+            <a:endParaRPr lang="en-US" dirty="0"/>
+          </a:p>
+          <a:p>
+            <a:r>
+              <a:rPr lang="en-US" dirty="0" smtClean="0"/>
+              <a:t>Call ES repeatedly with the _</a:t>
+            </a:r>
+            <a:r>
+              <a:rPr lang="en-US" dirty="0" err="1" smtClean="0"/>
+              <a:t>scroll_id</a:t>
+            </a:r>
+            <a:r>
+              <a:rPr lang="en-US" dirty="0"/>
+              <a:t> </a:t>
+            </a:r>
+            <a:r>
+              <a:rPr lang="en-US" dirty="0" smtClean="0"/>
+              <a:t>to get the next batch of results</a:t>
+            </a:r>
+          </a:p>
+        </p:txBody>
+      </p:sp>
+    </p:spTree>
+    <p:extLst>
+      <p:ext uri="{BB962C8B-B14F-4D97-AF65-F5344CB8AC3E}">
+        <p14:creationId xmlns:p14="http://schemas.microsoft.com/office/powerpoint/2010/main" val="4271336099"/>
+      </p:ext>
+    </p:extLst>
+  </p:cSld>
+  <p:clrMapOvr>
+    <a:masterClrMapping/>
+  </p:clrMapOvr>
+</p:sld>
+</file>
+
+<file path=ppt/slides/slide73.xml><?xml version="1.0" encoding="utf-8"?>
+<p:sld xmlns:a="http://schemas.openxmlformats.org/drawingml/2006/main" xmlns:r="http://schemas.openxmlformats.org/officeDocument/2006/relationships" xmlns:p="http://schemas.openxmlformats.org/presentationml/2006/main">
+  <p:cSld>
+    <p:spTree>
+      <p:nvGrpSpPr>
+        <p:cNvPr id="1" name=""/>
+        <p:cNvGrpSpPr/>
+        <p:nvPr/>
+      </p:nvGrpSpPr>
+      <p:grpSpPr>
+        <a:xfrm>
+          <a:off x="0" y="0"/>
+          <a:ext cx="0" cy="0"/>
+          <a:chOff x="0" y="0"/>
+          <a:chExt cx="0" cy="0"/>
+        </a:xfrm>
+      </p:grpSpPr>
+      <p:sp>
+        <p:nvSpPr>
+          <p:cNvPr id="2" name="Title 1"/>
+          <p:cNvSpPr>
+            <a:spLocks noGrp="1"/>
+          </p:cNvSpPr>
+          <p:nvPr>
+            <p:ph type="title"/>
+          </p:nvPr>
+        </p:nvSpPr>
+        <p:spPr/>
+        <p:txBody>
+          <a:bodyPr/>
+          <a:lstStyle/>
+          <a:p>
+            <a:r>
+              <a:rPr lang="en-US" dirty="0" smtClean="0"/>
+              <a:t>What’s next ?</a:t>
+            </a:r>
+            <a:endParaRPr lang="en-US" dirty="0"/>
+          </a:p>
+        </p:txBody>
+      </p:sp>
+      <p:sp>
+        <p:nvSpPr>
+          <p:cNvPr id="3" name="Content Placeholder 2"/>
+          <p:cNvSpPr>
+            <a:spLocks noGrp="1"/>
+          </p:cNvSpPr>
+          <p:nvPr>
+            <p:ph idx="1"/>
+          </p:nvPr>
+        </p:nvSpPr>
+        <p:spPr/>
+        <p:txBody>
+          <a:bodyPr/>
+          <a:lstStyle/>
+          <a:p>
+            <a:r>
+              <a:rPr lang="en-US" dirty="0" err="1" smtClean="0"/>
+              <a:t>ElasticSearch</a:t>
+            </a:r>
+            <a:r>
+              <a:rPr lang="en-US" dirty="0" smtClean="0"/>
+              <a:t> e-Book free to read:</a:t>
+            </a:r>
+          </a:p>
+          <a:p>
+            <a:pPr lvl="1"/>
+            <a:r>
+              <a:rPr lang="en-US" dirty="0" smtClean="0">
+                <a:hlinkClick r:id="rId2"/>
+              </a:rPr>
+              <a:t>http</a:t>
+            </a:r>
+            <a:r>
+              <a:rPr lang="en-US" dirty="0">
+                <a:hlinkClick r:id="rId2"/>
+              </a:rPr>
+              <a:t>://www.elasticsearch.org/guide/en/elasticsearch/</a:t>
+            </a:r>
+            <a:r>
+              <a:rPr lang="en-US" dirty="0" smtClean="0">
+                <a:hlinkClick r:id="rId2"/>
+              </a:rPr>
+              <a:t>guide</a:t>
+            </a:r>
+            <a:r>
+              <a:rPr lang="en-US" dirty="0" smtClean="0"/>
+              <a:t> </a:t>
+            </a:r>
+          </a:p>
+          <a:p>
+            <a:pPr lvl="1"/>
+            <a:r>
+              <a:rPr lang="en-US" dirty="0" smtClean="0"/>
+              <a:t>Or </a:t>
+            </a:r>
+            <a:r>
+              <a:rPr lang="en-US" dirty="0" err="1" smtClean="0"/>
+              <a:t>videoguides</a:t>
+            </a:r>
+            <a:r>
+              <a:rPr lang="en-US" dirty="0" smtClean="0"/>
+              <a:t> on </a:t>
+            </a:r>
+            <a:r>
+              <a:rPr lang="en-US" dirty="0" smtClean="0">
+                <a:hlinkClick r:id="rId3"/>
+              </a:rPr>
+              <a:t>www.elasticsearch.org</a:t>
+            </a:r>
+            <a:endParaRPr lang="en-US" dirty="0" smtClean="0"/>
+          </a:p>
+          <a:p>
+            <a:pPr lvl="1"/>
+            <a:endParaRPr lang="en-US" dirty="0" smtClean="0"/>
+          </a:p>
+          <a:p>
+            <a:r>
+              <a:rPr lang="en-US" dirty="0" smtClean="0"/>
+              <a:t>Today we covered, more or less, </a:t>
+            </a:r>
+            <a:br>
+              <a:rPr lang="en-US" dirty="0" smtClean="0"/>
+            </a:br>
+            <a:r>
+              <a:rPr lang="en-US" dirty="0" smtClean="0"/>
+              <a:t>the “getting started” chapter from the guide</a:t>
+            </a:r>
+          </a:p>
+          <a:p>
+            <a:endParaRPr lang="en-US" dirty="0" smtClean="0"/>
+          </a:p>
+          <a:p>
+            <a:r>
+              <a:rPr lang="en-US" dirty="0" smtClean="0"/>
+              <a:t>There’s a lot more to learn about ES !</a:t>
+            </a:r>
+            <a:endParaRPr lang="en-US" dirty="0"/>
+          </a:p>
+        </p:txBody>
+      </p:sp>
+      <p:pic>
+        <p:nvPicPr>
+          <p:cNvPr id="4" name="Picture 3"/>
+          <p:cNvPicPr>
+            <a:picLocks noChangeAspect="1"/>
+          </p:cNvPicPr>
+          <p:nvPr/>
+        </p:nvPicPr>
+        <p:blipFill>
+          <a:blip r:embed="rId4"/>
+          <a:stretch>
+            <a:fillRect/>
+          </a:stretch>
+        </p:blipFill>
+        <p:spPr>
+          <a:xfrm>
+            <a:off x="9096964" y="2820822"/>
+            <a:ext cx="2854010" cy="3745548"/>
+          </a:xfrm>
+          <a:prstGeom prst="rect">
+            <a:avLst/>
+          </a:prstGeom>
+        </p:spPr>
+      </p:pic>
+    </p:spTree>
+    <p:extLst>
+      <p:ext uri="{BB962C8B-B14F-4D97-AF65-F5344CB8AC3E}">
+        <p14:creationId xmlns:p14="http://schemas.microsoft.com/office/powerpoint/2010/main" val="1319987035"/>
+      </p:ext>
+    </p:extLst>
+  </p:cSld>
+  <p:clrMapOvr>
+    <a:masterClrMapping/>
+  </p:clrMapOvr>
+</p:sld>
+</file>
+
+<file path=ppt/slides/slide74.xml><?xml version="1.0" encoding="utf-8"?>
+<p:sld xmlns:a="http://schemas.openxmlformats.org/drawingml/2006/main" xmlns:r="http://schemas.openxmlformats.org/officeDocument/2006/relationships" xmlns:p="http://schemas.openxmlformats.org/presentationml/2006/main">
+  <p:cSld>
+    <p:spTree>
+      <p:nvGrpSpPr>
+        <p:cNvPr id="1" name=""/>
+        <p:cNvGrpSpPr/>
+        <p:nvPr/>
+      </p:nvGrpSpPr>
+      <p:grpSpPr>
+        <a:xfrm>
+          <a:off x="0" y="0"/>
+          <a:ext cx="0" cy="0"/>
+          <a:chOff x="0" y="0"/>
+          <a:chExt cx="0" cy="0"/>
+        </a:xfrm>
+      </p:grpSpPr>
+      <p:sp>
+        <p:nvSpPr>
+          <p:cNvPr id="2" name="Title 1"/>
+          <p:cNvSpPr>
+            <a:spLocks noGrp="1"/>
+          </p:cNvSpPr>
+          <p:nvPr>
+            <p:ph type="title"/>
+          </p:nvPr>
+        </p:nvSpPr>
+        <p:spPr/>
+        <p:txBody>
+          <a:bodyPr>
+            <a:normAutofit fontScale="90000"/>
+          </a:bodyPr>
+          <a:lstStyle/>
+          <a:p>
+            <a:r>
+              <a:rPr lang="en-US" dirty="0" smtClean="0"/>
+              <a:t>What we didn’t cover</a:t>
+            </a:r>
+            <a:br>
+              <a:rPr lang="en-US" dirty="0" smtClean="0"/>
+            </a:br>
+            <a:r>
+              <a:rPr lang="en-US" dirty="0" smtClean="0"/>
+              <a:t>(most important topics)</a:t>
+            </a:r>
+            <a:endParaRPr lang="en-US" dirty="0"/>
+          </a:p>
+        </p:txBody>
+      </p:sp>
+      <p:sp>
+        <p:nvSpPr>
+          <p:cNvPr id="3" name="Content Placeholder 2"/>
+          <p:cNvSpPr>
+            <a:spLocks noGrp="1"/>
+          </p:cNvSpPr>
+          <p:nvPr>
+            <p:ph idx="1"/>
+          </p:nvPr>
+        </p:nvSpPr>
+        <p:spPr/>
+        <p:txBody>
+          <a:bodyPr>
+            <a:normAutofit/>
+          </a:bodyPr>
+          <a:lstStyle/>
+          <a:p>
+            <a:r>
+              <a:rPr lang="en-US" dirty="0" smtClean="0"/>
+              <a:t>Aggregations </a:t>
+            </a:r>
+            <a:r>
+              <a:rPr lang="en-US" dirty="0"/>
+              <a:t>(in depth)</a:t>
+            </a:r>
+          </a:p>
+          <a:p>
+            <a:r>
+              <a:rPr lang="en-US" dirty="0" err="1" smtClean="0"/>
+              <a:t>Geosearch</a:t>
+            </a:r>
+            <a:endParaRPr lang="en-US" dirty="0" smtClean="0"/>
+          </a:p>
+          <a:p>
+            <a:r>
+              <a:rPr lang="en-US" dirty="0" smtClean="0"/>
+              <a:t>.percolator</a:t>
+            </a:r>
+          </a:p>
+          <a:p>
+            <a:r>
+              <a:rPr lang="en-US" dirty="0" smtClean="0"/>
+              <a:t>Relevance calculation and fine tuning</a:t>
+            </a:r>
+          </a:p>
+          <a:p>
+            <a:r>
+              <a:rPr lang="en-US" dirty="0" smtClean="0"/>
+              <a:t>Performance tuning and parameters</a:t>
+            </a:r>
+          </a:p>
+          <a:p>
+            <a:r>
+              <a:rPr lang="en-US" dirty="0" smtClean="0"/>
+              <a:t>Memory and scaling considerations</a:t>
+            </a:r>
+          </a:p>
+          <a:p>
+            <a:r>
+              <a:rPr lang="en-US" dirty="0" smtClean="0"/>
+              <a:t>Administration, monitoring, deployment</a:t>
+            </a:r>
+          </a:p>
+        </p:txBody>
+      </p:sp>
+    </p:spTree>
+    <p:extLst>
+      <p:ext uri="{BB962C8B-B14F-4D97-AF65-F5344CB8AC3E}">
+        <p14:creationId xmlns:p14="http://schemas.microsoft.com/office/powerpoint/2010/main" val="223641617"/>
+      </p:ext>
+    </p:extLst>
+  </p:cSld>
+  <p:clrMapOvr>
+    <a:masterClrMapping/>
+  </p:clrMapOvr>
+</p:sld>
+</file>
+
+<file path=ppt/slides/slide75.xml><?xml version="1.0" encoding="utf-8"?>
+<p:sld xmlns:a="http://schemas.openxmlformats.org/drawingml/2006/main" xmlns:r="http://schemas.openxmlformats.org/officeDocument/2006/relationships" xmlns:p="http://schemas.openxmlformats.org/presentationml/2006/main">
+  <p:cSld>
+    <p:spTree>
+      <p:nvGrpSpPr>
+        <p:cNvPr id="1" name=""/>
+        <p:cNvGrpSpPr/>
+        <p:nvPr/>
+      </p:nvGrpSpPr>
+      <p:grpSpPr>
+        <a:xfrm>
+          <a:off x="0" y="0"/>
+          <a:ext cx="0" cy="0"/>
+          <a:chOff x="0" y="0"/>
+          <a:chExt cx="0" cy="0"/>
+        </a:xfrm>
+      </p:grpSpPr>
+      <p:sp>
+        <p:nvSpPr>
+          <p:cNvPr id="2" name="Title 1"/>
+          <p:cNvSpPr>
+            <a:spLocks noGrp="1"/>
+          </p:cNvSpPr>
+          <p:nvPr>
+            <p:ph type="ctrTitle"/>
+          </p:nvPr>
+        </p:nvSpPr>
+        <p:spPr/>
+        <p:txBody>
+          <a:bodyPr/>
+          <a:lstStyle/>
+          <a:p>
+            <a:r>
+              <a:rPr lang="en-US" dirty="0" smtClean="0"/>
+              <a:t>Any Questions ?</a:t>
+            </a:r>
+            <a:endParaRPr lang="en-US" dirty="0"/>
+          </a:p>
+        </p:txBody>
+      </p:sp>
+      <p:sp>
+        <p:nvSpPr>
+          <p:cNvPr id="3" name="Subtitle 2"/>
+          <p:cNvSpPr>
+            <a:spLocks noGrp="1"/>
+          </p:cNvSpPr>
+          <p:nvPr>
+            <p:ph type="subTitle" idx="1"/>
+          </p:nvPr>
+        </p:nvSpPr>
+        <p:spPr/>
+        <p:txBody>
+          <a:bodyPr/>
+          <a:lstStyle/>
+          <a:p>
+            <a:r>
+              <a:rPr lang="en-US" dirty="0" smtClean="0"/>
+              <a:t>(thanks for your time)</a:t>
+            </a:r>
+            <a:endParaRPr lang="en-US" dirty="0"/>
+          </a:p>
+        </p:txBody>
+      </p:sp>
+    </p:spTree>
+    <p:extLst>
+      <p:ext uri="{BB962C8B-B14F-4D97-AF65-F5344CB8AC3E}">
+        <p14:creationId xmlns:p14="http://schemas.microsoft.com/office/powerpoint/2010/main" val="3763902774"/>
+      </p:ext>
+    </p:extLst>
+  </p:cSld>
+  <p:clrMapOvr>
+    <a:masterClrMapping/>
+  </p:clrMapOvr>
 </p:sld>
 </file>
 
@@ -11079,7 +16793,6 @@
               <a:rPr lang="en-US" dirty="0" smtClean="0"/>
               <a:t>)</a:t>
             </a:r>
-            <a:endParaRPr lang="en-US" dirty="0" smtClean="0"/>
           </a:p>
           <a:p>
             <a:pPr lvl="1"/>
@@ -11694,7 +17407,7 @@
   <a:extraClrSchemeLst/>
   <a:extLst>
     <a:ext uri="{05A4C25C-085E-4340-85A3-A5531E510DB2}">
-      <thm15:themeFamily xmlns="" xmlns:thm15="http://schemas.microsoft.com/office/thememl/2012/main" name="Office Theme" id="{62F939B6-93AF-4DB8-9C6B-D6C7DFDC589F}" vid="{4A3C46E8-61CC-4603-A589-7422A47A8E4A}"/>
+      <thm15:themeFamily xmlns:thm15="http://schemas.microsoft.com/office/thememl/2012/main" xmlns="" name="Office Theme" id="{62F939B6-93AF-4DB8-9C6B-D6C7DFDC589F}" vid="{4A3C46E8-61CC-4603-A589-7422A47A8E4A}"/>
     </a:ext>
   </a:extLst>
 </a:theme>

--- a/ElasticSearch Presentation.pptx
+++ b/ElasticSearch Presentation.pptx
@@ -36,29 +36,29 @@
     <p:sldId id="279" r:id="rId27"/>
     <p:sldId id="280" r:id="rId28"/>
     <p:sldId id="281" r:id="rId29"/>
-    <p:sldId id="282" r:id="rId30"/>
-    <p:sldId id="283" r:id="rId31"/>
-    <p:sldId id="284" r:id="rId32"/>
-    <p:sldId id="285" r:id="rId33"/>
-    <p:sldId id="286" r:id="rId34"/>
-    <p:sldId id="287" r:id="rId35"/>
-    <p:sldId id="288" r:id="rId36"/>
-    <p:sldId id="289" r:id="rId37"/>
-    <p:sldId id="290" r:id="rId38"/>
-    <p:sldId id="291" r:id="rId39"/>
-    <p:sldId id="292" r:id="rId40"/>
-    <p:sldId id="293" r:id="rId41"/>
-    <p:sldId id="296" r:id="rId42"/>
-    <p:sldId id="297" r:id="rId43"/>
+    <p:sldId id="297" r:id="rId30"/>
+    <p:sldId id="282" r:id="rId31"/>
+    <p:sldId id="283" r:id="rId32"/>
+    <p:sldId id="284" r:id="rId33"/>
+    <p:sldId id="285" r:id="rId34"/>
+    <p:sldId id="286" r:id="rId35"/>
+    <p:sldId id="287" r:id="rId36"/>
+    <p:sldId id="288" r:id="rId37"/>
+    <p:sldId id="289" r:id="rId38"/>
+    <p:sldId id="290" r:id="rId39"/>
+    <p:sldId id="291" r:id="rId40"/>
+    <p:sldId id="292" r:id="rId41"/>
+    <p:sldId id="293" r:id="rId42"/>
+    <p:sldId id="296" r:id="rId43"/>
     <p:sldId id="294" r:id="rId44"/>
     <p:sldId id="295" r:id="rId45"/>
     <p:sldId id="300" r:id="rId46"/>
     <p:sldId id="302" r:id="rId47"/>
     <p:sldId id="301" r:id="rId48"/>
     <p:sldId id="303" r:id="rId49"/>
-    <p:sldId id="305" r:id="rId50"/>
-    <p:sldId id="306" r:id="rId51"/>
-    <p:sldId id="304" r:id="rId52"/>
+    <p:sldId id="304" r:id="rId50"/>
+    <p:sldId id="305" r:id="rId51"/>
+    <p:sldId id="306" r:id="rId52"/>
     <p:sldId id="307" r:id="rId53"/>
     <p:sldId id="308" r:id="rId54"/>
     <p:sldId id="309" r:id="rId55"/>
@@ -687,7 +687,19 @@
           <a:bodyPr/>
           <a:lstStyle/>
           <a:p>
-            <a:endParaRPr lang="da-DK"/>
+            <a:r>
+              <a:rPr lang="da-DK" dirty="0" smtClean="0"/>
+              <a:t>Show </a:t>
+            </a:r>
+            <a:r>
+              <a:rPr lang="da-DK" dirty="0" err="1" smtClean="0"/>
+              <a:t>LINQPad</a:t>
+            </a:r>
+            <a:r>
+              <a:rPr lang="da-DK" baseline="0" dirty="0" smtClean="0"/>
+              <a:t> demos</a:t>
+            </a:r>
+            <a:endParaRPr lang="da-DK" dirty="0"/>
           </a:p>
         </p:txBody>
       </p:sp>
@@ -776,7 +788,89 @@
           <a:bodyPr/>
           <a:lstStyle/>
           <a:p>
-            <a:endParaRPr lang="da-DK"/>
+            <a:r>
+              <a:rPr lang="da-DK" dirty="0" err="1" smtClean="0"/>
+              <a:t>We</a:t>
+            </a:r>
+            <a:r>
+              <a:rPr lang="da-DK" dirty="0" smtClean="0"/>
+              <a:t> </a:t>
+            </a:r>
+            <a:r>
+              <a:rPr lang="da-DK" dirty="0" err="1" smtClean="0"/>
+              <a:t>should</a:t>
+            </a:r>
+            <a:r>
+              <a:rPr lang="da-DK" baseline="0" dirty="0" smtClean="0"/>
+              <a:t> </a:t>
+            </a:r>
+            <a:r>
+              <a:rPr lang="da-DK" baseline="0" dirty="0" err="1" smtClean="0"/>
+              <a:t>round-robin</a:t>
+            </a:r>
+            <a:r>
+              <a:rPr lang="da-DK" baseline="0" dirty="0" smtClean="0"/>
+              <a:t> </a:t>
+            </a:r>
+            <a:r>
+              <a:rPr lang="da-DK" baseline="0" dirty="0" err="1" smtClean="0"/>
+              <a:t>requests</a:t>
+            </a:r>
+            <a:r>
+              <a:rPr lang="da-DK" baseline="0" dirty="0" smtClean="0"/>
+              <a:t> </a:t>
+            </a:r>
+            <a:r>
+              <a:rPr lang="da-DK" baseline="0" dirty="0" err="1" smtClean="0"/>
+              <a:t>between</a:t>
+            </a:r>
+            <a:r>
+              <a:rPr lang="da-DK" baseline="0" dirty="0" smtClean="0"/>
+              <a:t> nodes</a:t>
+            </a:r>
+          </a:p>
+          <a:p>
+            <a:r>
+              <a:rPr lang="da-DK" baseline="0" dirty="0" err="1" smtClean="0"/>
+              <a:t>Expected</a:t>
+            </a:r>
+            <a:r>
+              <a:rPr lang="da-DK" baseline="0" dirty="0" smtClean="0"/>
+              <a:t> to </a:t>
+            </a:r>
+            <a:r>
+              <a:rPr lang="da-DK" baseline="0" dirty="0" err="1" smtClean="0"/>
+              <a:t>be</a:t>
+            </a:r>
+            <a:r>
+              <a:rPr lang="da-DK" baseline="0" dirty="0" smtClean="0"/>
+              <a:t> </a:t>
+            </a:r>
+            <a:r>
+              <a:rPr lang="da-DK" baseline="0" dirty="0" err="1" smtClean="0"/>
+              <a:t>setup</a:t>
+            </a:r>
+            <a:r>
+              <a:rPr lang="da-DK" baseline="0" dirty="0" smtClean="0"/>
+              <a:t> by </a:t>
+            </a:r>
+            <a:r>
+              <a:rPr lang="da-DK" baseline="0" dirty="0" err="1" smtClean="0"/>
+              <a:t>SiteOps</a:t>
+            </a:r>
+            <a:r>
+              <a:rPr lang="da-DK" baseline="0" dirty="0" smtClean="0"/>
+              <a:t> via </a:t>
+            </a:r>
+            <a:r>
+              <a:rPr lang="da-DK" baseline="0" dirty="0" err="1" smtClean="0"/>
+              <a:t>loadbalancer</a:t>
+            </a:r>
+            <a:r>
+              <a:rPr lang="da-DK" baseline="0" dirty="0" smtClean="0"/>
+              <a:t>.</a:t>
+            </a:r>
+            <a:endParaRPr lang="da-DK" dirty="0"/>
           </a:p>
         </p:txBody>
       </p:sp>
@@ -954,26 +1048,6 @@
           <a:bodyPr/>
           <a:lstStyle/>
           <a:p>
-            <a:r>
-              <a:rPr lang="da-DK" dirty="0" smtClean="0"/>
-              <a:t>Demo </a:t>
-            </a:r>
-            <a:r>
-              <a:rPr lang="da-DK" dirty="0" err="1" smtClean="0"/>
-              <a:t>spinning</a:t>
-            </a:r>
-            <a:r>
-              <a:rPr lang="da-DK" dirty="0" smtClean="0"/>
-              <a:t> up </a:t>
-            </a:r>
-            <a:r>
-              <a:rPr lang="da-DK" dirty="0" err="1" smtClean="0"/>
-              <a:t>some</a:t>
-            </a:r>
-            <a:r>
-              <a:rPr lang="da-DK" baseline="0" dirty="0" smtClean="0"/>
-              <a:t> nodes</a:t>
-            </a:r>
             <a:endParaRPr lang="da-DK" dirty="0"/>
           </a:p>
         </p:txBody>
@@ -1153,14 +1227,147 @@
           <a:lstStyle/>
           <a:p>
             <a:r>
-              <a:rPr lang="en-US" dirty="0" smtClean="0"/>
-              <a:t>Mappings</a:t>
-            </a:r>
-            <a:r>
-              <a:rPr lang="en-US" baseline="0" dirty="0" smtClean="0"/>
-              <a:t> demo start here</a:t>
-            </a:r>
+              <a:rPr lang="da-DK" dirty="0" smtClean="0"/>
+              <a:t>Demo </a:t>
+            </a:r>
+            <a:r>
+              <a:rPr lang="da-DK" dirty="0" err="1" smtClean="0"/>
+              <a:t>spinning</a:t>
+            </a:r>
+            <a:r>
+              <a:rPr lang="da-DK" dirty="0" smtClean="0"/>
+              <a:t> up </a:t>
+            </a:r>
+            <a:r>
+              <a:rPr lang="da-DK" dirty="0" err="1" smtClean="0"/>
+              <a:t>some</a:t>
+            </a:r>
+            <a:r>
+              <a:rPr lang="da-DK" baseline="0" dirty="0" smtClean="0"/>
+              <a:t> nodes. </a:t>
+            </a:r>
+            <a:r>
+              <a:rPr lang="da-DK" baseline="0" dirty="0" err="1" smtClean="0"/>
+              <a:t>Remember</a:t>
+            </a:r>
+            <a:r>
+              <a:rPr lang="da-DK" baseline="0" dirty="0" smtClean="0"/>
+              <a:t> to </a:t>
+            </a:r>
+            <a:r>
+              <a:rPr lang="da-DK" baseline="0" dirty="0" err="1" smtClean="0"/>
+              <a:t>shutdown</a:t>
+            </a:r>
+            <a:r>
+              <a:rPr lang="da-DK" baseline="0" dirty="0" smtClean="0"/>
+              <a:t> </a:t>
+            </a:r>
+            <a:r>
+              <a:rPr lang="da-DK" baseline="0" dirty="0" err="1" smtClean="0"/>
+              <a:t>local</a:t>
+            </a:r>
+            <a:r>
+              <a:rPr lang="da-DK" baseline="0" dirty="0" smtClean="0"/>
+              <a:t> </a:t>
+            </a:r>
+            <a:r>
+              <a:rPr lang="da-DK" baseline="0" dirty="0" err="1" smtClean="0"/>
+              <a:t>vagrant</a:t>
+            </a:r>
+            <a:r>
+              <a:rPr lang="da-DK" baseline="0" dirty="0" smtClean="0"/>
+              <a:t> </a:t>
+            </a:r>
+            <a:r>
+              <a:rPr lang="da-DK" baseline="0" dirty="0" err="1" smtClean="0"/>
+              <a:t>first</a:t>
+            </a:r>
+            <a:endParaRPr lang="da-DK" baseline="0" dirty="0" smtClean="0"/>
+          </a:p>
+          <a:p>
+            <a:r>
+              <a:rPr lang="da-DK" baseline="0" dirty="0" err="1" smtClean="0"/>
+              <a:t>vagrant</a:t>
+            </a:r>
+            <a:r>
+              <a:rPr lang="da-DK" baseline="0" dirty="0" smtClean="0"/>
+              <a:t> </a:t>
+            </a:r>
+            <a:r>
+              <a:rPr lang="da-DK" baseline="0" dirty="0" err="1" smtClean="0"/>
+              <a:t>suspend</a:t>
+            </a:r>
+            <a:endParaRPr lang="da-DK" baseline="0" dirty="0" smtClean="0"/>
+          </a:p>
+          <a:p>
+            <a:r>
+              <a:rPr lang="da-DK" baseline="0" dirty="0" smtClean="0"/>
+              <a:t>Store </a:t>
+            </a:r>
+            <a:r>
+              <a:rPr lang="da-DK" baseline="0" dirty="0" err="1" smtClean="0"/>
+              <a:t>some</a:t>
+            </a:r>
+            <a:r>
+              <a:rPr lang="da-DK" baseline="0" dirty="0" smtClean="0"/>
+              <a:t> data on </a:t>
+            </a:r>
+            <a:r>
+              <a:rPr lang="da-DK" baseline="0" dirty="0" err="1" smtClean="0"/>
+              <a:t>one</a:t>
+            </a:r>
+            <a:r>
+              <a:rPr lang="da-DK" baseline="0" dirty="0" smtClean="0"/>
+              <a:t> node. </a:t>
+            </a:r>
+            <a:r>
+              <a:rPr lang="da-DK" baseline="0" dirty="0" err="1" smtClean="0"/>
+              <a:t>Then</a:t>
+            </a:r>
+            <a:r>
+              <a:rPr lang="da-DK" baseline="0" dirty="0" smtClean="0"/>
+              <a:t> </a:t>
+            </a:r>
+            <a:r>
+              <a:rPr lang="da-DK" baseline="0" dirty="0" err="1" smtClean="0"/>
+              <a:t>spin</a:t>
+            </a:r>
+            <a:r>
+              <a:rPr lang="da-DK" baseline="0" dirty="0" smtClean="0"/>
+              <a:t> up </a:t>
+            </a:r>
+            <a:r>
+              <a:rPr lang="da-DK" baseline="0" dirty="0" err="1" smtClean="0"/>
+              <a:t>another</a:t>
+            </a:r>
+            <a:r>
+              <a:rPr lang="da-DK" baseline="0" dirty="0" smtClean="0"/>
+              <a:t>. Show status </a:t>
+            </a:r>
+            <a:r>
+              <a:rPr lang="da-DK" baseline="0" dirty="0" err="1" smtClean="0"/>
+              <a:t>goes</a:t>
+            </a:r>
+            <a:r>
+              <a:rPr lang="da-DK" baseline="0" dirty="0" smtClean="0"/>
+              <a:t> to green. </a:t>
+            </a:r>
+            <a:endParaRPr lang="da-DK" dirty="0" smtClean="0"/>
+          </a:p>
+          <a:p>
             <a:endParaRPr lang="en-US" dirty="0"/>
+          </a:p>
+          <a:p>
+            <a:r>
+              <a:rPr lang="en-US" dirty="0"/>
+              <a:t>----- Meeting Notes (15/12/14 20:10) -----</a:t>
+            </a:r>
+          </a:p>
+          <a:p>
+            <a:r>
+              <a:rPr lang="en-US" dirty="0"/>
+              <a:t>Talk about that we can still search even in red mode</a:t>
+            </a:r>
           </a:p>
         </p:txBody>
       </p:sp>
@@ -1181,7 +1388,7 @@
           <a:p>
             <a:fld id="{D89B5C69-BE94-4D7E-9A42-C5D3A868EF1B}" type="slidenum">
               <a:rPr lang="da-DK" smtClean="0"/>
-              <a:t>24</a:t>
+              <a:t>20</a:t>
             </a:fld>
             <a:endParaRPr lang="da-DK"/>
           </a:p>
@@ -1190,7 +1397,7 @@
     </p:spTree>
     <p:extLst>
       <p:ext uri="{BB962C8B-B14F-4D97-AF65-F5344CB8AC3E}">
-        <p14:creationId xmlns:p14="http://schemas.microsoft.com/office/powerpoint/2010/main" val="3695449585"/>
+        <p14:creationId xmlns:p14="http://schemas.microsoft.com/office/powerpoint/2010/main" val="478293395"/>
       </p:ext>
     </p:extLst>
   </p:cSld>
@@ -1244,6 +1451,14 @@
           <a:bodyPr/>
           <a:lstStyle/>
           <a:p>
+            <a:r>
+              <a:rPr lang="en-US" dirty="0" smtClean="0"/>
+              <a:t>Mappings</a:t>
+            </a:r>
+            <a:r>
+              <a:rPr lang="en-US" baseline="0" dirty="0" smtClean="0"/>
+              <a:t> demo start here</a:t>
+            </a:r>
             <a:endParaRPr lang="en-US" dirty="0"/>
           </a:p>
         </p:txBody>
@@ -1265,7 +1480,7 @@
           <a:p>
             <a:fld id="{D89B5C69-BE94-4D7E-9A42-C5D3A868EF1B}" type="slidenum">
               <a:rPr lang="da-DK" smtClean="0"/>
-              <a:t>25</a:t>
+              <a:t>24</a:t>
             </a:fld>
             <a:endParaRPr lang="da-DK"/>
           </a:p>
@@ -1274,7 +1489,7 @@
     </p:spTree>
     <p:extLst>
       <p:ext uri="{BB962C8B-B14F-4D97-AF65-F5344CB8AC3E}">
-        <p14:creationId xmlns:p14="http://schemas.microsoft.com/office/powerpoint/2010/main" val="913103590"/>
+        <p14:creationId xmlns:p14="http://schemas.microsoft.com/office/powerpoint/2010/main" val="3695449585"/>
       </p:ext>
     </p:extLst>
   </p:cSld>
@@ -1328,6 +1543,14 @@
           <a:bodyPr/>
           <a:lstStyle/>
           <a:p>
+            <a:r>
+              <a:rPr lang="en-US" dirty="0" smtClean="0"/>
+              <a:t>Show mapping demo</a:t>
+            </a:r>
+            <a:r>
+              <a:rPr lang="en-US" baseline="0" dirty="0" smtClean="0"/>
+              <a:t> here</a:t>
+            </a:r>
             <a:endParaRPr lang="en-US" dirty="0"/>
           </a:p>
         </p:txBody>
@@ -1349,7 +1572,7 @@
           <a:p>
             <a:fld id="{D89B5C69-BE94-4D7E-9A42-C5D3A868EF1B}" type="slidenum">
               <a:rPr lang="da-DK" smtClean="0"/>
-              <a:t>27</a:t>
+              <a:t>25</a:t>
             </a:fld>
             <a:endParaRPr lang="da-DK"/>
           </a:p>
@@ -1358,7 +1581,7 @@
     </p:spTree>
     <p:extLst>
       <p:ext uri="{BB962C8B-B14F-4D97-AF65-F5344CB8AC3E}">
-        <p14:creationId xmlns:p14="http://schemas.microsoft.com/office/powerpoint/2010/main" val="3120785634"/>
+        <p14:creationId xmlns:p14="http://schemas.microsoft.com/office/powerpoint/2010/main" val="913103590"/>
       </p:ext>
     </p:extLst>
   </p:cSld>
@@ -1412,10 +1635,6 @@
           <a:bodyPr/>
           <a:lstStyle/>
           <a:p>
-            <a:r>
-              <a:rPr lang="en-US" dirty="0" smtClean="0"/>
-              <a:t>Go to demo here</a:t>
-            </a:r>
             <a:endParaRPr lang="en-US" dirty="0"/>
           </a:p>
         </p:txBody>
@@ -1437,7 +1656,7 @@
           <a:p>
             <a:fld id="{D89B5C69-BE94-4D7E-9A42-C5D3A868EF1B}" type="slidenum">
               <a:rPr lang="da-DK" smtClean="0"/>
-              <a:t>37</a:t>
+              <a:t>27</a:t>
             </a:fld>
             <a:endParaRPr lang="da-DK"/>
           </a:p>
@@ -1446,7 +1665,7 @@
     </p:spTree>
     <p:extLst>
       <p:ext uri="{BB962C8B-B14F-4D97-AF65-F5344CB8AC3E}">
-        <p14:creationId xmlns:p14="http://schemas.microsoft.com/office/powerpoint/2010/main" val="2418649619"/>
+        <p14:creationId xmlns:p14="http://schemas.microsoft.com/office/powerpoint/2010/main" val="3120785634"/>
       </p:ext>
     </p:extLst>
   </p:cSld>
@@ -1502,14 +1721,8 @@
           <a:p>
             <a:r>
               <a:rPr lang="en-US" dirty="0" smtClean="0"/>
-              <a:t>Fact-check</a:t>
-            </a:r>
-            <a:r>
-              <a:rPr lang="en-US" baseline="0" dirty="0" smtClean="0"/>
-              <a:t> “each replica lives on one node”.</a:t>
-            </a:r>
-          </a:p>
-          <a:p>
+              <a:t>Go to demo here</a:t>
+            </a:r>
             <a:endParaRPr lang="en-US" dirty="0"/>
           </a:p>
         </p:txBody>
@@ -1531,7 +1744,7 @@
           <a:p>
             <a:fld id="{D89B5C69-BE94-4D7E-9A42-C5D3A868EF1B}" type="slidenum">
               <a:rPr lang="da-DK" smtClean="0"/>
-              <a:t>40</a:t>
+              <a:t>38</a:t>
             </a:fld>
             <a:endParaRPr lang="da-DK"/>
           </a:p>
@@ -1540,7 +1753,7 @@
     </p:spTree>
     <p:extLst>
       <p:ext uri="{BB962C8B-B14F-4D97-AF65-F5344CB8AC3E}">
-        <p14:creationId xmlns:p14="http://schemas.microsoft.com/office/powerpoint/2010/main" val="1108336714"/>
+        <p14:creationId xmlns:p14="http://schemas.microsoft.com/office/powerpoint/2010/main" val="2418649619"/>
       </p:ext>
     </p:extLst>
   </p:cSld>
@@ -1685,20 +1898,12 @@
           <a:p>
             <a:r>
               <a:rPr lang="en-US" dirty="0" smtClean="0"/>
-              <a:t>New documents are put into</a:t>
+              <a:t>Show</a:t>
             </a:r>
             <a:r>
               <a:rPr lang="en-US" baseline="0" dirty="0" smtClean="0"/>
-              <a:t> the index buffer</a:t>
-            </a:r>
-          </a:p>
-          <a:p>
-            <a:r>
-              <a:rPr lang="en-US" baseline="0" dirty="0" smtClean="0"/>
-              <a:t>Every so often the buffer is committed to disk, creating a new segment</a:t>
-            </a:r>
-          </a:p>
-          <a:p>
+              <a:t> analyzer demo here</a:t>
+            </a:r>
             <a:endParaRPr lang="en-US" dirty="0"/>
           </a:p>
         </p:txBody>
@@ -1720,7 +1925,7 @@
           <a:p>
             <a:fld id="{D89B5C69-BE94-4D7E-9A42-C5D3A868EF1B}" type="slidenum">
               <a:rPr lang="da-DK" smtClean="0"/>
-              <a:t>48</a:t>
+              <a:t>39</a:t>
             </a:fld>
             <a:endParaRPr lang="da-DK"/>
           </a:p>
@@ -1729,7 +1934,7 @@
     </p:spTree>
     <p:extLst>
       <p:ext uri="{BB962C8B-B14F-4D97-AF65-F5344CB8AC3E}">
-        <p14:creationId xmlns:p14="http://schemas.microsoft.com/office/powerpoint/2010/main" val="2423639013"/>
+        <p14:creationId xmlns:p14="http://schemas.microsoft.com/office/powerpoint/2010/main" val="1678630750"/>
       </p:ext>
     </p:extLst>
   </p:cSld>
@@ -1785,26 +1990,14 @@
           <a:p>
             <a:r>
               <a:rPr lang="en-US" dirty="0" smtClean="0"/>
-              <a:t>Everything is flushed to</a:t>
+              <a:t>Fact-check</a:t>
             </a:r>
             <a:r>
               <a:rPr lang="en-US" baseline="0" dirty="0" smtClean="0"/>
-              <a:t> disk, t</a:t>
-            </a:r>
-            <a:r>
-              <a:rPr lang="en-US" dirty="0" smtClean="0"/>
-              <a:t>he segment is </a:t>
-            </a:r>
-            <a:r>
-              <a:rPr lang="en-US" baseline="0" dirty="0" smtClean="0"/>
-              <a:t>“opened” and a commit point is added.</a:t>
-            </a:r>
-          </a:p>
-          <a:p>
-            <a:r>
-              <a:rPr lang="en-US" baseline="0" dirty="0" smtClean="0"/>
-              <a:t>The in-memory buffer is flushed.</a:t>
-            </a:r>
+              <a:t> “each replica lives on one node”.</a:t>
+            </a:r>
+          </a:p>
+          <a:p>
             <a:endParaRPr lang="en-US" dirty="0"/>
           </a:p>
         </p:txBody>
@@ -1826,7 +2019,7 @@
           <a:p>
             <a:fld id="{D89B5C69-BE94-4D7E-9A42-C5D3A868EF1B}" type="slidenum">
               <a:rPr lang="da-DK" smtClean="0"/>
-              <a:t>51</a:t>
+              <a:t>41</a:t>
             </a:fld>
             <a:endParaRPr lang="da-DK"/>
           </a:p>
@@ -1835,7 +2028,7 @@
     </p:spTree>
     <p:extLst>
       <p:ext uri="{BB962C8B-B14F-4D97-AF65-F5344CB8AC3E}">
-        <p14:creationId xmlns:p14="http://schemas.microsoft.com/office/powerpoint/2010/main" val="2880908137"/>
+        <p14:creationId xmlns:p14="http://schemas.microsoft.com/office/powerpoint/2010/main" val="1108336714"/>
       </p:ext>
     </p:extLst>
   </p:cSld>
@@ -1890,12 +2083,18 @@
           <a:lstStyle/>
           <a:p>
             <a:r>
-              <a:rPr lang="en-US" dirty="0" err="1" smtClean="0"/>
-              <a:t>Fsync</a:t>
+              <a:rPr lang="en-US" dirty="0" smtClean="0"/>
+              <a:t>New documents are put into</a:t>
             </a:r>
             <a:r>
               <a:rPr lang="en-US" baseline="0" dirty="0" smtClean="0"/>
-              <a:t> is costly</a:t>
+              <a:t> the index buffer</a:t>
+            </a:r>
+          </a:p>
+          <a:p>
+            <a:r>
+              <a:rPr lang="en-US" baseline="0" dirty="0" smtClean="0"/>
+              <a:t>Every so often the buffer is committed to disk, creating a new segment</a:t>
             </a:r>
           </a:p>
           <a:p>
@@ -1920,7 +2119,7 @@
           <a:p>
             <a:fld id="{D89B5C69-BE94-4D7E-9A42-C5D3A868EF1B}" type="slidenum">
               <a:rPr lang="da-DK" smtClean="0"/>
-              <a:t>52</a:t>
+              <a:t>48</a:t>
             </a:fld>
             <a:endParaRPr lang="da-DK"/>
           </a:p>
@@ -1929,7 +2128,7 @@
     </p:spTree>
     <p:extLst>
       <p:ext uri="{BB962C8B-B14F-4D97-AF65-F5344CB8AC3E}">
-        <p14:creationId xmlns:p14="http://schemas.microsoft.com/office/powerpoint/2010/main" val="856022463"/>
+        <p14:creationId xmlns:p14="http://schemas.microsoft.com/office/powerpoint/2010/main" val="2423639013"/>
       </p:ext>
     </p:extLst>
   </p:cSld>
@@ -1985,10 +2184,26 @@
           <a:p>
             <a:r>
               <a:rPr lang="en-US" dirty="0" smtClean="0"/>
-              <a:t>… but not committed !!</a:t>
-            </a:r>
-          </a:p>
-          <a:p>
+              <a:t>Everything is flushed to</a:t>
+            </a:r>
+            <a:r>
+              <a:rPr lang="en-US" baseline="0" dirty="0" smtClean="0"/>
+              <a:t> disk, t</a:t>
+            </a:r>
+            <a:r>
+              <a:rPr lang="en-US" dirty="0" smtClean="0"/>
+              <a:t>he segment is </a:t>
+            </a:r>
+            <a:r>
+              <a:rPr lang="en-US" baseline="0" dirty="0" smtClean="0"/>
+              <a:t>“opened” and a commit point is added.</a:t>
+            </a:r>
+          </a:p>
+          <a:p>
+            <a:r>
+              <a:rPr lang="en-US" baseline="0" dirty="0" smtClean="0"/>
+              <a:t>The in-memory buffer is flushed.</a:t>
+            </a:r>
             <a:endParaRPr lang="en-US" dirty="0"/>
           </a:p>
         </p:txBody>
@@ -2010,7 +2225,7 @@
           <a:p>
             <a:fld id="{D89B5C69-BE94-4D7E-9A42-C5D3A868EF1B}" type="slidenum">
               <a:rPr lang="da-DK" smtClean="0"/>
-              <a:t>53</a:t>
+              <a:t>49</a:t>
             </a:fld>
             <a:endParaRPr lang="da-DK"/>
           </a:p>
@@ -2019,7 +2234,7 @@
     </p:spTree>
     <p:extLst>
       <p:ext uri="{BB962C8B-B14F-4D97-AF65-F5344CB8AC3E}">
-        <p14:creationId xmlns:p14="http://schemas.microsoft.com/office/powerpoint/2010/main" val="2423907199"/>
+        <p14:creationId xmlns:p14="http://schemas.microsoft.com/office/powerpoint/2010/main" val="2880908137"/>
       </p:ext>
     </p:extLst>
   </p:cSld>
@@ -2074,31 +2289,16 @@
           <a:lstStyle/>
           <a:p>
             <a:r>
-              <a:rPr lang="en-US" dirty="0" smtClean="0"/>
-              <a:t>For instance, for</a:t>
+              <a:rPr lang="en-US" dirty="0" err="1" smtClean="0"/>
+              <a:t>Fsync</a:t>
             </a:r>
             <a:r>
               <a:rPr lang="en-US" baseline="0" dirty="0" smtClean="0"/>
-              <a:t> logging you could set the refresh time much higher than once per second</a:t>
-            </a:r>
-          </a:p>
-          <a:p>
-            <a:endParaRPr lang="en-US" baseline="0" dirty="0" smtClean="0"/>
-          </a:p>
-          <a:p>
-            <a:r>
-              <a:rPr lang="en-US" baseline="0" dirty="0" smtClean="0"/>
-              <a:t>Turn off automatic refresh could be useful for massive updates to an index, then turn it back on when you are ready to start using it.</a:t>
-            </a:r>
-          </a:p>
-          <a:p>
-            <a:endParaRPr lang="en-US" baseline="0" dirty="0" smtClean="0"/>
-          </a:p>
-          <a:p>
-            <a:r>
-              <a:rPr lang="en-US" baseline="0" dirty="0" smtClean="0"/>
-              <a:t>Refresh interval demo. -1 = disabled; 1 = 1 millisecond !!!. Use durations like “1s” = one second or “2m” = 2 minutes.</a:t>
-            </a:r>
+              <a:t> is costly</a:t>
+            </a:r>
+          </a:p>
+          <a:p>
+            <a:endParaRPr lang="en-US" dirty="0"/>
           </a:p>
         </p:txBody>
       </p:sp>
@@ -2119,7 +2319,7 @@
           <a:p>
             <a:fld id="{D89B5C69-BE94-4D7E-9A42-C5D3A868EF1B}" type="slidenum">
               <a:rPr lang="da-DK" smtClean="0"/>
-              <a:t>55</a:t>
+              <a:t>52</a:t>
             </a:fld>
             <a:endParaRPr lang="da-DK"/>
           </a:p>
@@ -2128,7 +2328,7 @@
     </p:spTree>
     <p:extLst>
       <p:ext uri="{BB962C8B-B14F-4D97-AF65-F5344CB8AC3E}">
-        <p14:creationId xmlns:p14="http://schemas.microsoft.com/office/powerpoint/2010/main" val="2867208613"/>
+        <p14:creationId xmlns:p14="http://schemas.microsoft.com/office/powerpoint/2010/main" val="856022463"/>
       </p:ext>
     </p:extLst>
   </p:cSld>
@@ -2184,12 +2384,11 @@
           <a:p>
             <a:r>
               <a:rPr lang="en-US" dirty="0" smtClean="0"/>
-              <a:t>We can’t be sure</a:t>
-            </a:r>
-            <a:r>
-              <a:rPr lang="en-US" baseline="0" dirty="0" smtClean="0"/>
-              <a:t> the last segment has actually not hit the disk. So keep those documents in the transaction log</a:t>
-            </a:r>
+              <a:t>… but not committed !!</a:t>
+            </a:r>
+          </a:p>
+          <a:p>
+            <a:endParaRPr lang="en-US" dirty="0"/>
           </a:p>
         </p:txBody>
       </p:sp>
@@ -2210,7 +2409,7 @@
           <a:p>
             <a:fld id="{D89B5C69-BE94-4D7E-9A42-C5D3A868EF1B}" type="slidenum">
               <a:rPr lang="da-DK" smtClean="0"/>
-              <a:t>58</a:t>
+              <a:t>53</a:t>
             </a:fld>
             <a:endParaRPr lang="da-DK"/>
           </a:p>
@@ -2219,7 +2418,7 @@
     </p:spTree>
     <p:extLst>
       <p:ext uri="{BB962C8B-B14F-4D97-AF65-F5344CB8AC3E}">
-        <p14:creationId xmlns:p14="http://schemas.microsoft.com/office/powerpoint/2010/main" val="3946300932"/>
+        <p14:creationId xmlns:p14="http://schemas.microsoft.com/office/powerpoint/2010/main" val="2423907199"/>
       </p:ext>
     </p:extLst>
   </p:cSld>
@@ -2275,13 +2474,30 @@
           <a:p>
             <a:r>
               <a:rPr lang="en-US" dirty="0" smtClean="0"/>
-              <a:t>Th</a:t>
+              <a:t>For instance, for</a:t>
             </a:r>
             <a:r>
               <a:rPr lang="en-US" baseline="0" dirty="0" smtClean="0"/>
-              <a:t>e transaction log can keep accumulating documents after a refresh</a:t>
-            </a:r>
-            <a:endParaRPr lang="en-US" dirty="0"/>
+              <a:t> logging you could set the refresh time much higher than once per second</a:t>
+            </a:r>
+          </a:p>
+          <a:p>
+            <a:endParaRPr lang="en-US" baseline="0" dirty="0" smtClean="0"/>
+          </a:p>
+          <a:p>
+            <a:r>
+              <a:rPr lang="en-US" baseline="0" dirty="0" smtClean="0"/>
+              <a:t>Turn off automatic refresh could be useful for massive updates to an index, then turn it back on when you are ready to start using it.</a:t>
+            </a:r>
+          </a:p>
+          <a:p>
+            <a:endParaRPr lang="en-US" baseline="0" dirty="0" smtClean="0"/>
+          </a:p>
+          <a:p>
+            <a:r>
+              <a:rPr lang="en-US" baseline="0" dirty="0" smtClean="0"/>
+              <a:t>Refresh interval demo. -1 = disabled; 1 = 1 millisecond !!!. Use durations like “1s” = one second or “2m” = 2 minutes.</a:t>
+            </a:r>
           </a:p>
         </p:txBody>
       </p:sp>
@@ -2302,7 +2518,7 @@
           <a:p>
             <a:fld id="{D89B5C69-BE94-4D7E-9A42-C5D3A868EF1B}" type="slidenum">
               <a:rPr lang="da-DK" smtClean="0"/>
-              <a:t>59</a:t>
+              <a:t>55</a:t>
             </a:fld>
             <a:endParaRPr lang="da-DK"/>
           </a:p>
@@ -2311,7 +2527,7 @@
     </p:spTree>
     <p:extLst>
       <p:ext uri="{BB962C8B-B14F-4D97-AF65-F5344CB8AC3E}">
-        <p14:creationId xmlns:p14="http://schemas.microsoft.com/office/powerpoint/2010/main" val="1889755019"/>
+        <p14:creationId xmlns:p14="http://schemas.microsoft.com/office/powerpoint/2010/main" val="2867208613"/>
       </p:ext>
     </p:extLst>
   </p:cSld>
@@ -2367,11 +2583,21 @@
           <a:p>
             <a:r>
               <a:rPr lang="en-US" dirty="0" smtClean="0"/>
-              <a:t>So is data then</a:t>
+              <a:t>Transaction</a:t>
             </a:r>
             <a:r>
               <a:rPr lang="en-US" baseline="0" dirty="0" smtClean="0"/>
-              <a:t> lost at power failure ? No, transaction log to the rescue.</a:t>
+              <a:t> log used to avoid losing data</a:t>
+            </a:r>
+          </a:p>
+          <a:p>
+            <a:r>
+              <a:rPr lang="en-US" baseline="0" dirty="0" err="1" smtClean="0"/>
+              <a:t>Fsync’ed</a:t>
+            </a:r>
+            <a:r>
+              <a:rPr lang="en-US" baseline="0" dirty="0" smtClean="0"/>
+              <a:t> every 5 seconds</a:t>
             </a:r>
             <a:endParaRPr lang="en-US" dirty="0"/>
           </a:p>
@@ -2394,7 +2620,7 @@
           <a:p>
             <a:fld id="{D89B5C69-BE94-4D7E-9A42-C5D3A868EF1B}" type="slidenum">
               <a:rPr lang="da-DK" smtClean="0"/>
-              <a:t>60</a:t>
+              <a:t>56</a:t>
             </a:fld>
             <a:endParaRPr lang="da-DK"/>
           </a:p>
@@ -2403,7 +2629,7 @@
     </p:spTree>
     <p:extLst>
       <p:ext uri="{BB962C8B-B14F-4D97-AF65-F5344CB8AC3E}">
-        <p14:creationId xmlns:p14="http://schemas.microsoft.com/office/powerpoint/2010/main" val="2089854874"/>
+        <p14:creationId xmlns:p14="http://schemas.microsoft.com/office/powerpoint/2010/main" val="3264400866"/>
       </p:ext>
     </p:extLst>
   </p:cSld>
@@ -2459,87 +2685,12 @@
           <a:p>
             <a:r>
               <a:rPr lang="en-US" dirty="0" smtClean="0"/>
-              <a:t>Defaults</a:t>
+              <a:t>We can’t be sure</a:t>
             </a:r>
             <a:r>
               <a:rPr lang="en-US" baseline="0" dirty="0" smtClean="0"/>
-              <a:t> for “too big” are:</a:t>
-            </a:r>
-          </a:p>
-          <a:p>
-            <a:r>
-              <a:rPr lang="en-US" baseline="0" dirty="0" err="1" smtClean="0"/>
-              <a:t>Index.translog_flush_threshold_ops</a:t>
-            </a:r>
-            <a:r>
-              <a:rPr lang="en-US" baseline="0" dirty="0" smtClean="0"/>
-              <a:t> = unlimited </a:t>
-            </a:r>
-          </a:p>
-          <a:p>
-            <a:r>
-              <a:rPr lang="en-US" baseline="0" dirty="0" err="1" smtClean="0"/>
-              <a:t>Index.translog_flush_threshold_size</a:t>
-            </a:r>
-            <a:r>
-              <a:rPr lang="en-US" baseline="0" dirty="0" smtClean="0"/>
-              <a:t> = 200 MB</a:t>
-            </a:r>
-          </a:p>
-          <a:p>
-            <a:r>
-              <a:rPr lang="en-US" baseline="0" dirty="0" err="1" smtClean="0"/>
-              <a:t>Index.translog_flush_threshold_period</a:t>
-            </a:r>
-            <a:r>
-              <a:rPr lang="en-US" baseline="0" dirty="0" smtClean="0"/>
-              <a:t> = 30 minutes</a:t>
-            </a:r>
-          </a:p>
-          <a:p>
-            <a:r>
-              <a:rPr lang="en-US" baseline="0" dirty="0" err="1" smtClean="0"/>
-              <a:t>Index.translog.interval</a:t>
-            </a:r>
-            <a:r>
-              <a:rPr lang="en-US" baseline="0" dirty="0" smtClean="0"/>
-              <a:t> = 5s (how often to check if </a:t>
-            </a:r>
-            <a:r>
-              <a:rPr lang="en-US" baseline="0" dirty="0" err="1" smtClean="0"/>
-              <a:t>translog</a:t>
-            </a:r>
-            <a:r>
-              <a:rPr lang="en-US" baseline="0" dirty="0" smtClean="0"/>
-              <a:t> should be flushed)</a:t>
-            </a:r>
-          </a:p>
-          <a:p>
-            <a:r>
-              <a:rPr lang="en-US" baseline="0" dirty="0" err="1" smtClean="0"/>
-              <a:t>Index.gateway.local.sync</a:t>
-            </a:r>
-            <a:r>
-              <a:rPr lang="en-US" baseline="0" dirty="0" smtClean="0"/>
-              <a:t> = how often the </a:t>
-            </a:r>
-            <a:r>
-              <a:rPr lang="en-US" baseline="0" dirty="0" err="1" smtClean="0"/>
-              <a:t>translog</a:t>
-            </a:r>
-            <a:r>
-              <a:rPr lang="en-US" baseline="0" dirty="0" smtClean="0"/>
-              <a:t> is </a:t>
-            </a:r>
-            <a:r>
-              <a:rPr lang="en-US" baseline="0" dirty="0" err="1" smtClean="0"/>
-              <a:t>fsync’ed</a:t>
-            </a:r>
-            <a:r>
-              <a:rPr lang="en-US" baseline="0" dirty="0" smtClean="0"/>
-              <a:t> to disk = 5s.</a:t>
-            </a:r>
-            <a:endParaRPr lang="en-US" dirty="0"/>
+              <a:t> the last segment has actually not hit the disk. So keep those documents in the transaction log</a:t>
+            </a:r>
           </a:p>
         </p:txBody>
       </p:sp>
@@ -2560,7 +2711,7 @@
           <a:p>
             <a:fld id="{D89B5C69-BE94-4D7E-9A42-C5D3A868EF1B}" type="slidenum">
               <a:rPr lang="da-DK" smtClean="0"/>
-              <a:t>62</a:t>
+              <a:t>58</a:t>
             </a:fld>
             <a:endParaRPr lang="da-DK"/>
           </a:p>
@@ -2569,7 +2720,7 @@
     </p:spTree>
     <p:extLst>
       <p:ext uri="{BB962C8B-B14F-4D97-AF65-F5344CB8AC3E}">
-        <p14:creationId xmlns:p14="http://schemas.microsoft.com/office/powerpoint/2010/main" val="1203025069"/>
+        <p14:creationId xmlns:p14="http://schemas.microsoft.com/office/powerpoint/2010/main" val="3946300932"/>
       </p:ext>
     </p:extLst>
   </p:cSld>
@@ -2625,7 +2776,11 @@
           <a:p>
             <a:r>
               <a:rPr lang="en-US" dirty="0" smtClean="0"/>
-              <a:t>Show merging demo</a:t>
+              <a:t>Th</a:t>
+            </a:r>
+            <a:r>
+              <a:rPr lang="en-US" baseline="0" dirty="0" smtClean="0"/>
+              <a:t>e transaction log can keep accumulating documents after a refresh</a:t>
             </a:r>
             <a:endParaRPr lang="en-US" dirty="0"/>
           </a:p>
@@ -2648,7 +2803,7 @@
           <a:p>
             <a:fld id="{D89B5C69-BE94-4D7E-9A42-C5D3A868EF1B}" type="slidenum">
               <a:rPr lang="da-DK" smtClean="0"/>
-              <a:t>64</a:t>
+              <a:t>59</a:t>
             </a:fld>
             <a:endParaRPr lang="da-DK"/>
           </a:p>
@@ -2657,7 +2812,7 @@
     </p:spTree>
     <p:extLst>
       <p:ext uri="{BB962C8B-B14F-4D97-AF65-F5344CB8AC3E}">
-        <p14:creationId xmlns:p14="http://schemas.microsoft.com/office/powerpoint/2010/main" val="2477869381"/>
+        <p14:creationId xmlns:p14="http://schemas.microsoft.com/office/powerpoint/2010/main" val="1889755019"/>
       </p:ext>
     </p:extLst>
   </p:cSld>
@@ -2716,7 +2871,193 @@
           <a:bodyPr/>
           <a:lstStyle/>
           <a:p>
-            <a:endParaRPr lang="da-DK"/>
+            <a:r>
+              <a:rPr lang="da-DK" dirty="0" err="1" smtClean="0"/>
+              <a:t>ElasticSearch</a:t>
+            </a:r>
+            <a:r>
+              <a:rPr lang="da-DK" baseline="0" dirty="0" smtClean="0"/>
+              <a:t> is not just </a:t>
+            </a:r>
+            <a:r>
+              <a:rPr lang="da-DK" baseline="0" dirty="0" err="1" smtClean="0"/>
+              <a:t>full</a:t>
+            </a:r>
+            <a:r>
+              <a:rPr lang="da-DK" baseline="0" dirty="0" smtClean="0"/>
+              <a:t> </a:t>
+            </a:r>
+            <a:r>
+              <a:rPr lang="da-DK" baseline="0" dirty="0" err="1" smtClean="0"/>
+              <a:t>text</a:t>
+            </a:r>
+            <a:r>
+              <a:rPr lang="da-DK" baseline="0" dirty="0" smtClean="0"/>
+              <a:t> </a:t>
+            </a:r>
+            <a:r>
+              <a:rPr lang="da-DK" baseline="0" dirty="0" err="1" smtClean="0"/>
+              <a:t>search</a:t>
+            </a:r>
+            <a:endParaRPr lang="da-DK" baseline="0" dirty="0" smtClean="0"/>
+          </a:p>
+          <a:p>
+            <a:r>
+              <a:rPr lang="da-DK" baseline="0" dirty="0" smtClean="0"/>
+              <a:t>It is </a:t>
+            </a:r>
+            <a:r>
+              <a:rPr lang="da-DK" baseline="0" dirty="0" err="1" smtClean="0"/>
+              <a:t>also</a:t>
+            </a:r>
+            <a:r>
+              <a:rPr lang="da-DK" baseline="0" dirty="0" smtClean="0"/>
+              <a:t> an </a:t>
+            </a:r>
+            <a:r>
+              <a:rPr lang="da-DK" baseline="0" dirty="0" err="1" smtClean="0"/>
+              <a:t>analytics</a:t>
+            </a:r>
+            <a:r>
+              <a:rPr lang="da-DK" baseline="0" dirty="0" smtClean="0"/>
+              <a:t> platform</a:t>
+            </a:r>
+          </a:p>
+          <a:p>
+            <a:r>
+              <a:rPr lang="da-DK" baseline="0" dirty="0" err="1" smtClean="0"/>
+              <a:t>Get</a:t>
+            </a:r>
+            <a:r>
+              <a:rPr lang="da-DK" baseline="0" dirty="0" smtClean="0"/>
+              <a:t> </a:t>
+            </a:r>
+            <a:r>
+              <a:rPr lang="da-DK" baseline="0" dirty="0" err="1" smtClean="0"/>
+              <a:t>answers</a:t>
+            </a:r>
+            <a:r>
+              <a:rPr lang="da-DK" baseline="0" dirty="0" smtClean="0"/>
+              <a:t> </a:t>
+            </a:r>
+            <a:r>
+              <a:rPr lang="da-DK" baseline="0" dirty="0" err="1" smtClean="0"/>
+              <a:t>such</a:t>
+            </a:r>
+            <a:r>
+              <a:rPr lang="da-DK" baseline="0" dirty="0" smtClean="0"/>
+              <a:t> as</a:t>
+            </a:r>
+          </a:p>
+          <a:p>
+            <a:pPr marL="171450" indent="-171450">
+              <a:buFontTx/>
+              <a:buChar char="•"/>
+            </a:pPr>
+            <a:r>
+              <a:rPr lang="da-DK" baseline="0" dirty="0" smtClean="0"/>
+              <a:t>How </a:t>
+            </a:r>
+            <a:r>
+              <a:rPr lang="da-DK" baseline="0" dirty="0" err="1" smtClean="0"/>
+              <a:t>many</a:t>
+            </a:r>
+            <a:r>
+              <a:rPr lang="da-DK" baseline="0" dirty="0" smtClean="0"/>
+              <a:t> </a:t>
+            </a:r>
+            <a:r>
+              <a:rPr lang="da-DK" baseline="0" dirty="0" err="1" smtClean="0"/>
+              <a:t>customers</a:t>
+            </a:r>
+            <a:r>
+              <a:rPr lang="da-DK" baseline="0" dirty="0" smtClean="0"/>
+              <a:t> </a:t>
+            </a:r>
+            <a:r>
+              <a:rPr lang="da-DK" baseline="0" dirty="0" err="1" smtClean="0"/>
+              <a:t>ordered</a:t>
+            </a:r>
+            <a:r>
+              <a:rPr lang="da-DK" baseline="0" dirty="0" smtClean="0"/>
+              <a:t> </a:t>
+            </a:r>
+            <a:r>
+              <a:rPr lang="da-DK" baseline="0" dirty="0" err="1" smtClean="0"/>
+              <a:t>product</a:t>
+            </a:r>
+            <a:r>
+              <a:rPr lang="da-DK" baseline="0" dirty="0" smtClean="0"/>
+              <a:t> X last </a:t>
+            </a:r>
+            <a:r>
+              <a:rPr lang="da-DK" baseline="0" dirty="0" err="1" smtClean="0"/>
+              <a:t>year</a:t>
+            </a:r>
+            <a:r>
+              <a:rPr lang="da-DK" baseline="0" dirty="0" smtClean="0"/>
+              <a:t> ? </a:t>
+            </a:r>
+            <a:r>
+              <a:rPr lang="da-DK" baseline="0" dirty="0" err="1" smtClean="0"/>
+              <a:t>Etc</a:t>
+            </a:r>
+            <a:r>
+              <a:rPr lang="da-DK" baseline="0" dirty="0" smtClean="0"/>
+              <a:t> </a:t>
+            </a:r>
+            <a:r>
+              <a:rPr lang="da-DK" baseline="0" dirty="0" err="1" smtClean="0"/>
+              <a:t>etc</a:t>
+            </a:r>
+            <a:endParaRPr lang="da-DK" baseline="0" dirty="0" smtClean="0"/>
+          </a:p>
+          <a:p>
+            <a:pPr marL="171450" indent="-171450">
+              <a:buFontTx/>
+              <a:buChar char="•"/>
+            </a:pPr>
+            <a:r>
+              <a:rPr lang="da-DK" baseline="0" dirty="0" err="1" smtClean="0"/>
+              <a:t>What</a:t>
+            </a:r>
+            <a:r>
+              <a:rPr lang="da-DK" baseline="0" dirty="0" smtClean="0"/>
+              <a:t> </a:t>
+            </a:r>
+            <a:r>
+              <a:rPr lang="da-DK" baseline="0" dirty="0" err="1" smtClean="0"/>
+              <a:t>are</a:t>
+            </a:r>
+            <a:r>
+              <a:rPr lang="da-DK" baseline="0" dirty="0" smtClean="0"/>
+              <a:t> the </a:t>
+            </a:r>
+            <a:r>
+              <a:rPr lang="da-DK" baseline="0" dirty="0" err="1" smtClean="0"/>
+              <a:t>mean</a:t>
+            </a:r>
+            <a:r>
+              <a:rPr lang="da-DK" baseline="0" dirty="0" smtClean="0"/>
+              <a:t> </a:t>
+            </a:r>
+            <a:r>
+              <a:rPr lang="da-DK" baseline="0" dirty="0" err="1" smtClean="0"/>
+              <a:t>order</a:t>
+            </a:r>
+            <a:r>
+              <a:rPr lang="da-DK" baseline="0" dirty="0" smtClean="0"/>
+              <a:t> </a:t>
+            </a:r>
+            <a:r>
+              <a:rPr lang="da-DK" baseline="0" dirty="0" err="1" smtClean="0"/>
+              <a:t>value</a:t>
+            </a:r>
+            <a:r>
+              <a:rPr lang="da-DK" baseline="0" dirty="0" smtClean="0"/>
+              <a:t> …</a:t>
+            </a:r>
+            <a:endParaRPr lang="da-DK" dirty="0"/>
           </a:p>
         </p:txBody>
       </p:sp>
@@ -2802,7 +3143,11 @@
           <a:p>
             <a:r>
               <a:rPr lang="en-US" dirty="0" smtClean="0"/>
-              <a:t>Show segment merging video</a:t>
+              <a:t>So is data then</a:t>
+            </a:r>
+            <a:r>
+              <a:rPr lang="en-US" baseline="0" dirty="0" smtClean="0"/>
+              <a:t> lost at power failure ? No, transaction log to the rescue.</a:t>
             </a:r>
             <a:endParaRPr lang="en-US" dirty="0"/>
           </a:p>
@@ -2825,7 +3170,7 @@
           <a:p>
             <a:fld id="{D89B5C69-BE94-4D7E-9A42-C5D3A868EF1B}" type="slidenum">
               <a:rPr lang="da-DK" smtClean="0"/>
-              <a:t>66</a:t>
+              <a:t>60</a:t>
             </a:fld>
             <a:endParaRPr lang="da-DK"/>
           </a:p>
@@ -2834,7 +3179,7 @@
     </p:spTree>
     <p:extLst>
       <p:ext uri="{BB962C8B-B14F-4D97-AF65-F5344CB8AC3E}">
-        <p14:creationId xmlns:p14="http://schemas.microsoft.com/office/powerpoint/2010/main" val="937557177"/>
+        <p14:creationId xmlns:p14="http://schemas.microsoft.com/office/powerpoint/2010/main" val="2089854874"/>
       </p:ext>
     </p:extLst>
   </p:cSld>
@@ -2888,136 +3233,87 @@
           <a:bodyPr/>
           <a:lstStyle/>
           <a:p>
-            <a:pPr marL="0" marR="0" indent="0" algn="l" defTabSz="914400" rtl="0" eaLnBrk="1" fontAlgn="auto" latinLnBrk="0" hangingPunct="1">
-              <a:lnSpc>
-                <a:spcPct val="100000"/>
-              </a:lnSpc>
-              <a:spcBef>
-                <a:spcPts val="0"/>
-              </a:spcBef>
-              <a:spcAft>
-                <a:spcPts val="0"/>
-              </a:spcAft>
-              <a:buClrTx/>
-              <a:buSzTx/>
-              <a:buFontTx/>
-              <a:buNone/>
-              <a:tabLst/>
-              <a:defRPr/>
-            </a:pPr>
-            <a:r>
-              <a:rPr lang="en-US" dirty="0" smtClean="0"/>
-              <a:t>Node 3 receives the request</a:t>
+            <a:r>
+              <a:rPr lang="en-US" dirty="0" smtClean="0"/>
+              <a:t>Defaults</a:t>
             </a:r>
             <a:r>
               <a:rPr lang="en-US" baseline="0" dirty="0" smtClean="0"/>
-              <a:t> and becomes the coordinating node</a:t>
-            </a:r>
-          </a:p>
-          <a:p>
-            <a:pPr marL="0" marR="0" indent="0" algn="l" defTabSz="914400" rtl="0" eaLnBrk="1" fontAlgn="auto" latinLnBrk="0" hangingPunct="1">
-              <a:lnSpc>
-                <a:spcPct val="100000"/>
-              </a:lnSpc>
-              <a:spcBef>
-                <a:spcPts val="0"/>
-              </a:spcBef>
-              <a:spcAft>
-                <a:spcPts val="0"/>
-              </a:spcAft>
-              <a:buClrTx/>
-              <a:buSzTx/>
-              <a:buFontTx/>
-              <a:buNone/>
-              <a:tabLst/>
-              <a:defRPr/>
-            </a:pPr>
-            <a:endParaRPr lang="en-US" dirty="0" smtClean="0"/>
-          </a:p>
-          <a:p>
-            <a:pPr marL="0" marR="0" indent="0" algn="l" defTabSz="914400" rtl="0" eaLnBrk="1" fontAlgn="auto" latinLnBrk="0" hangingPunct="1">
-              <a:lnSpc>
-                <a:spcPct val="100000"/>
-              </a:lnSpc>
-              <a:spcBef>
-                <a:spcPts val="0"/>
-              </a:spcBef>
-              <a:spcAft>
-                <a:spcPts val="0"/>
-              </a:spcAft>
-              <a:buClrTx/>
-              <a:buSzTx/>
-              <a:buFontTx/>
-              <a:buNone/>
-              <a:tabLst/>
-              <a:defRPr/>
-            </a:pPr>
-            <a:r>
-              <a:rPr lang="en-US" dirty="0" smtClean="0"/>
-              <a:t>Each</a:t>
+              <a:t> for “too big” are:</a:t>
+            </a:r>
+          </a:p>
+          <a:p>
+            <a:r>
+              <a:rPr lang="en-US" baseline="0" dirty="0" err="1" smtClean="0"/>
+              <a:t>Index.translog_flush_threshold_ops</a:t>
             </a:r>
             <a:r>
               <a:rPr lang="en-US" baseline="0" dirty="0" smtClean="0"/>
-              <a:t> shard must return enough </a:t>
-            </a:r>
+              <a:t> = unlimited </a:t>
+            </a:r>
+          </a:p>
+          <a:p>
             <a:r>
               <a:rPr lang="en-US" baseline="0" dirty="0" err="1" smtClean="0"/>
-              <a:t>docIDs</a:t>
+              <a:t>Index.translog_flush_threshold_size</a:t>
             </a:r>
             <a:r>
               <a:rPr lang="en-US" baseline="0" dirty="0" smtClean="0"/>
-              <a:t> to potentially fulfill the query – full documents are not returned</a:t>
-            </a:r>
-          </a:p>
-          <a:p>
-            <a:pPr marL="0" marR="0" indent="0" algn="l" defTabSz="914400" rtl="0" eaLnBrk="1" fontAlgn="auto" latinLnBrk="0" hangingPunct="1">
-              <a:lnSpc>
-                <a:spcPct val="100000"/>
-              </a:lnSpc>
-              <a:spcBef>
-                <a:spcPts val="0"/>
-              </a:spcBef>
-              <a:spcAft>
-                <a:spcPts val="0"/>
-              </a:spcAft>
-              <a:buClrTx/>
-              <a:buSzTx/>
-              <a:buFontTx/>
-              <a:buNone/>
-              <a:tabLst/>
-              <a:defRPr/>
-            </a:pPr>
-            <a:endParaRPr lang="en-US" dirty="0" smtClean="0"/>
-          </a:p>
-          <a:p>
-            <a:pPr marL="0" marR="0" indent="0" algn="l" defTabSz="914400" rtl="0" eaLnBrk="1" fontAlgn="auto" latinLnBrk="0" hangingPunct="1">
-              <a:lnSpc>
-                <a:spcPct val="100000"/>
-              </a:lnSpc>
-              <a:spcBef>
-                <a:spcPts val="0"/>
-              </a:spcBef>
-              <a:spcAft>
-                <a:spcPts val="0"/>
-              </a:spcAft>
-              <a:buClrTx/>
-              <a:buSzTx/>
-              <a:buFontTx/>
-              <a:buNone/>
-              <a:tabLst/>
-              <a:defRPr/>
-            </a:pPr>
-            <a:r>
-              <a:rPr lang="en-US" dirty="0" smtClean="0"/>
-              <a:t>The </a:t>
-            </a:r>
-            <a:r>
-              <a:rPr lang="en-US" dirty="0" err="1" smtClean="0"/>
-              <a:t>prioritzed</a:t>
+              <a:t> = 200 MB</a:t>
+            </a:r>
+          </a:p>
+          <a:p>
+            <a:r>
+              <a:rPr lang="en-US" baseline="0" dirty="0" err="1" smtClean="0"/>
+              <a:t>Index.translog_flush_threshold_period</a:t>
             </a:r>
             <a:r>
               <a:rPr lang="en-US" baseline="0" dirty="0" smtClean="0"/>
-              <a:t> list is merged by the coordinating node</a:t>
+              <a:t> = 30 minutes</a:t>
+            </a:r>
+          </a:p>
+          <a:p>
+            <a:r>
+              <a:rPr lang="en-US" baseline="0" dirty="0" err="1" smtClean="0"/>
+              <a:t>Index.translog.interval</a:t>
+            </a:r>
+            <a:r>
+              <a:rPr lang="en-US" baseline="0" dirty="0" smtClean="0"/>
+              <a:t> = 5s (how often to check if </a:t>
+            </a:r>
+            <a:r>
+              <a:rPr lang="en-US" baseline="0" dirty="0" err="1" smtClean="0"/>
+              <a:t>translog</a:t>
+            </a:r>
+            <a:r>
+              <a:rPr lang="en-US" baseline="0" dirty="0" smtClean="0"/>
+              <a:t> should be flushed)</a:t>
+            </a:r>
+          </a:p>
+          <a:p>
+            <a:r>
+              <a:rPr lang="en-US" baseline="0" dirty="0" err="1" smtClean="0"/>
+              <a:t>Index.gateway.local.sync</a:t>
+            </a:r>
+            <a:r>
+              <a:rPr lang="en-US" baseline="0" dirty="0" smtClean="0"/>
+              <a:t> = how often the </a:t>
+            </a:r>
+            <a:r>
+              <a:rPr lang="en-US" baseline="0" dirty="0" err="1" smtClean="0"/>
+              <a:t>translog</a:t>
+            </a:r>
+            <a:r>
+              <a:rPr lang="en-US" baseline="0" dirty="0" smtClean="0"/>
+              <a:t> is </a:t>
+            </a:r>
+            <a:r>
+              <a:rPr lang="en-US" baseline="0" dirty="0" err="1" smtClean="0"/>
+              <a:t>fsync’ed</a:t>
+            </a:r>
+            <a:r>
+              <a:rPr lang="en-US" baseline="0" dirty="0" smtClean="0"/>
+              <a:t> to disk = 5s.</a:t>
             </a:r>
             <a:endParaRPr lang="en-US" dirty="0"/>
           </a:p>
@@ -3040,7 +3336,7 @@
           <a:p>
             <a:fld id="{D89B5C69-BE94-4D7E-9A42-C5D3A868EF1B}" type="slidenum">
               <a:rPr lang="da-DK" smtClean="0"/>
-              <a:t>67</a:t>
+              <a:t>62</a:t>
             </a:fld>
             <a:endParaRPr lang="da-DK"/>
           </a:p>
@@ -3049,7 +3345,7 @@
     </p:spTree>
     <p:extLst>
       <p:ext uri="{BB962C8B-B14F-4D97-AF65-F5344CB8AC3E}">
-        <p14:creationId xmlns:p14="http://schemas.microsoft.com/office/powerpoint/2010/main" val="1009623384"/>
+        <p14:creationId xmlns:p14="http://schemas.microsoft.com/office/powerpoint/2010/main" val="1203025069"/>
       </p:ext>
     </p:extLst>
   </p:cSld>
@@ -3105,24 +3401,13 @@
           <a:p>
             <a:r>
               <a:rPr lang="en-US" dirty="0" smtClean="0"/>
-              <a:t>Coordinating node knows which documents</a:t>
+              <a:t>If we weren’t doing merging,</a:t>
             </a:r>
             <a:r>
               <a:rPr lang="en-US" baseline="0" dirty="0" smtClean="0"/>
-              <a:t> need to be fetched from each shard</a:t>
-            </a:r>
-          </a:p>
-          <a:p>
-            <a:r>
-              <a:rPr lang="en-US" baseline="0" dirty="0" smtClean="0"/>
-              <a:t>It issues a multi-GET request to each shard and combines the list.</a:t>
-            </a:r>
-          </a:p>
-          <a:p>
-            <a:r>
-              <a:rPr lang="en-US" baseline="0" dirty="0" smtClean="0"/>
-              <a:t>Then the results can be returned to the client.</a:t>
-            </a:r>
+              <a:t> the number of segments would grow wildly</a:t>
+            </a:r>
+            <a:endParaRPr lang="en-US" dirty="0"/>
           </a:p>
         </p:txBody>
       </p:sp>
@@ -3143,7 +3428,7 @@
           <a:p>
             <a:fld id="{D89B5C69-BE94-4D7E-9A42-C5D3A868EF1B}" type="slidenum">
               <a:rPr lang="da-DK" smtClean="0"/>
-              <a:t>68</a:t>
+              <a:t>63</a:t>
             </a:fld>
             <a:endParaRPr lang="da-DK"/>
           </a:p>
@@ -3152,7 +3437,7 @@
     </p:spTree>
     <p:extLst>
       <p:ext uri="{BB962C8B-B14F-4D97-AF65-F5344CB8AC3E}">
-        <p14:creationId xmlns:p14="http://schemas.microsoft.com/office/powerpoint/2010/main" val="1668043171"/>
+        <p14:creationId xmlns:p14="http://schemas.microsoft.com/office/powerpoint/2010/main" val="2055807430"/>
       </p:ext>
     </p:extLst>
   </p:cSld>
@@ -3207,6 +3492,522 @@
           <a:lstStyle/>
           <a:p>
             <a:r>
+              <a:rPr lang="en-US" dirty="0" smtClean="0"/>
+              <a:t>Show merging video</a:t>
+            </a:r>
+          </a:p>
+          <a:p>
+            <a:r>
+              <a:rPr lang="en-US" dirty="0" smtClean="0"/>
+              <a:t>https://</a:t>
+            </a:r>
+            <a:r>
+              <a:rPr lang="en-US" dirty="0" err="1" smtClean="0"/>
+              <a:t>www.youtube.com</a:t>
+            </a:r>
+            <a:r>
+              <a:rPr lang="en-US" dirty="0" smtClean="0"/>
+              <a:t>/</a:t>
+            </a:r>
+            <a:r>
+              <a:rPr lang="en-US" dirty="0" err="1" smtClean="0"/>
+              <a:t>watch?v</a:t>
+            </a:r>
+            <a:r>
+              <a:rPr lang="en-US" dirty="0" smtClean="0"/>
+              <a:t>=YW0bOvLp72E</a:t>
+            </a:r>
+            <a:endParaRPr lang="en-US" dirty="0"/>
+          </a:p>
+        </p:txBody>
+      </p:sp>
+      <p:sp>
+        <p:nvSpPr>
+          <p:cNvPr id="4" name="Slide Number Placeholder 3"/>
+          <p:cNvSpPr>
+            <a:spLocks noGrp="1"/>
+          </p:cNvSpPr>
+          <p:nvPr>
+            <p:ph type="sldNum" sz="quarter" idx="10"/>
+          </p:nvPr>
+        </p:nvSpPr>
+        <p:spPr/>
+        <p:txBody>
+          <a:bodyPr/>
+          <a:lstStyle/>
+          <a:p>
+            <a:fld id="{D89B5C69-BE94-4D7E-9A42-C5D3A868EF1B}" type="slidenum">
+              <a:rPr lang="da-DK" smtClean="0"/>
+              <a:t>64</a:t>
+            </a:fld>
+            <a:endParaRPr lang="da-DK"/>
+          </a:p>
+        </p:txBody>
+      </p:sp>
+    </p:spTree>
+    <p:extLst>
+      <p:ext uri="{BB962C8B-B14F-4D97-AF65-F5344CB8AC3E}">
+        <p14:creationId xmlns:p14="http://schemas.microsoft.com/office/powerpoint/2010/main" val="2477869381"/>
+      </p:ext>
+    </p:extLst>
+  </p:cSld>
+  <p:clrMapOvr>
+    <a:masterClrMapping/>
+  </p:clrMapOvr>
+</p:notes>
+</file>
+
+<file path=ppt/notesSlides/notesSlide34.xml><?xml version="1.0" encoding="utf-8"?>
+<p:notes xmlns:a="http://schemas.openxmlformats.org/drawingml/2006/main" xmlns:r="http://schemas.openxmlformats.org/officeDocument/2006/relationships" xmlns:p="http://schemas.openxmlformats.org/presentationml/2006/main">
+  <p:cSld>
+    <p:spTree>
+      <p:nvGrpSpPr>
+        <p:cNvPr id="1" name=""/>
+        <p:cNvGrpSpPr/>
+        <p:nvPr/>
+      </p:nvGrpSpPr>
+      <p:grpSpPr>
+        <a:xfrm>
+          <a:off x="0" y="0"/>
+          <a:ext cx="0" cy="0"/>
+          <a:chOff x="0" y="0"/>
+          <a:chExt cx="0" cy="0"/>
+        </a:xfrm>
+      </p:grpSpPr>
+      <p:sp>
+        <p:nvSpPr>
+          <p:cNvPr id="2" name="Slide Image Placeholder 1"/>
+          <p:cNvSpPr>
+            <a:spLocks noGrp="1" noRot="1" noChangeAspect="1"/>
+          </p:cNvSpPr>
+          <p:nvPr>
+            <p:ph type="sldImg"/>
+          </p:nvPr>
+        </p:nvSpPr>
+        <p:spPr/>
+      </p:sp>
+      <p:sp>
+        <p:nvSpPr>
+          <p:cNvPr id="3" name="Notes Placeholder 2"/>
+          <p:cNvSpPr>
+            <a:spLocks noGrp="1"/>
+          </p:cNvSpPr>
+          <p:nvPr>
+            <p:ph type="body" idx="1"/>
+          </p:nvPr>
+        </p:nvSpPr>
+        <p:spPr/>
+        <p:txBody>
+          <a:bodyPr/>
+          <a:lstStyle/>
+          <a:p>
+            <a:r>
+              <a:rPr lang="en-US" dirty="0" smtClean="0"/>
+              <a:t>Show segment merging video</a:t>
+            </a:r>
+            <a:endParaRPr lang="en-US" dirty="0"/>
+          </a:p>
+        </p:txBody>
+      </p:sp>
+      <p:sp>
+        <p:nvSpPr>
+          <p:cNvPr id="4" name="Slide Number Placeholder 3"/>
+          <p:cNvSpPr>
+            <a:spLocks noGrp="1"/>
+          </p:cNvSpPr>
+          <p:nvPr>
+            <p:ph type="sldNum" sz="quarter" idx="10"/>
+          </p:nvPr>
+        </p:nvSpPr>
+        <p:spPr/>
+        <p:txBody>
+          <a:bodyPr/>
+          <a:lstStyle/>
+          <a:p>
+            <a:fld id="{D89B5C69-BE94-4D7E-9A42-C5D3A868EF1B}" type="slidenum">
+              <a:rPr lang="da-DK" smtClean="0"/>
+              <a:t>66</a:t>
+            </a:fld>
+            <a:endParaRPr lang="da-DK"/>
+          </a:p>
+        </p:txBody>
+      </p:sp>
+    </p:spTree>
+    <p:extLst>
+      <p:ext uri="{BB962C8B-B14F-4D97-AF65-F5344CB8AC3E}">
+        <p14:creationId xmlns:p14="http://schemas.microsoft.com/office/powerpoint/2010/main" val="937557177"/>
+      </p:ext>
+    </p:extLst>
+  </p:cSld>
+  <p:clrMapOvr>
+    <a:masterClrMapping/>
+  </p:clrMapOvr>
+</p:notes>
+</file>
+
+<file path=ppt/notesSlides/notesSlide35.xml><?xml version="1.0" encoding="utf-8"?>
+<p:notes xmlns:a="http://schemas.openxmlformats.org/drawingml/2006/main" xmlns:r="http://schemas.openxmlformats.org/officeDocument/2006/relationships" xmlns:p="http://schemas.openxmlformats.org/presentationml/2006/main">
+  <p:cSld>
+    <p:spTree>
+      <p:nvGrpSpPr>
+        <p:cNvPr id="1" name=""/>
+        <p:cNvGrpSpPr/>
+        <p:nvPr/>
+      </p:nvGrpSpPr>
+      <p:grpSpPr>
+        <a:xfrm>
+          <a:off x="0" y="0"/>
+          <a:ext cx="0" cy="0"/>
+          <a:chOff x="0" y="0"/>
+          <a:chExt cx="0" cy="0"/>
+        </a:xfrm>
+      </p:grpSpPr>
+      <p:sp>
+        <p:nvSpPr>
+          <p:cNvPr id="2" name="Slide Image Placeholder 1"/>
+          <p:cNvSpPr>
+            <a:spLocks noGrp="1" noRot="1" noChangeAspect="1"/>
+          </p:cNvSpPr>
+          <p:nvPr>
+            <p:ph type="sldImg"/>
+          </p:nvPr>
+        </p:nvSpPr>
+        <p:spPr/>
+      </p:sp>
+      <p:sp>
+        <p:nvSpPr>
+          <p:cNvPr id="3" name="Notes Placeholder 2"/>
+          <p:cNvSpPr>
+            <a:spLocks noGrp="1"/>
+          </p:cNvSpPr>
+          <p:nvPr>
+            <p:ph type="body" idx="1"/>
+          </p:nvPr>
+        </p:nvSpPr>
+        <p:spPr/>
+        <p:txBody>
+          <a:bodyPr/>
+          <a:lstStyle/>
+          <a:p>
+            <a:pPr marL="0" marR="0" indent="0" algn="l" defTabSz="914400" rtl="0" eaLnBrk="1" fontAlgn="auto" latinLnBrk="0" hangingPunct="1">
+              <a:lnSpc>
+                <a:spcPct val="100000"/>
+              </a:lnSpc>
+              <a:spcBef>
+                <a:spcPts val="0"/>
+              </a:spcBef>
+              <a:spcAft>
+                <a:spcPts val="0"/>
+              </a:spcAft>
+              <a:buClrTx/>
+              <a:buSzTx/>
+              <a:buFontTx/>
+              <a:buNone/>
+              <a:tabLst/>
+              <a:defRPr/>
+            </a:pPr>
+            <a:r>
+              <a:rPr lang="en-US" dirty="0" smtClean="0"/>
+              <a:t>Node 3 receives the request</a:t>
+            </a:r>
+            <a:r>
+              <a:rPr lang="en-US" baseline="0" dirty="0" smtClean="0"/>
+              <a:t> and becomes the coordinating node</a:t>
+            </a:r>
+          </a:p>
+          <a:p>
+            <a:pPr marL="0" marR="0" indent="0" algn="l" defTabSz="914400" rtl="0" eaLnBrk="1" fontAlgn="auto" latinLnBrk="0" hangingPunct="1">
+              <a:lnSpc>
+                <a:spcPct val="100000"/>
+              </a:lnSpc>
+              <a:spcBef>
+                <a:spcPts val="0"/>
+              </a:spcBef>
+              <a:spcAft>
+                <a:spcPts val="0"/>
+              </a:spcAft>
+              <a:buClrTx/>
+              <a:buSzTx/>
+              <a:buFontTx/>
+              <a:buNone/>
+              <a:tabLst/>
+              <a:defRPr/>
+            </a:pPr>
+            <a:endParaRPr lang="en-US" dirty="0" smtClean="0"/>
+          </a:p>
+          <a:p>
+            <a:pPr marL="0" marR="0" indent="0" algn="l" defTabSz="914400" rtl="0" eaLnBrk="1" fontAlgn="auto" latinLnBrk="0" hangingPunct="1">
+              <a:lnSpc>
+                <a:spcPct val="100000"/>
+              </a:lnSpc>
+              <a:spcBef>
+                <a:spcPts val="0"/>
+              </a:spcBef>
+              <a:spcAft>
+                <a:spcPts val="0"/>
+              </a:spcAft>
+              <a:buClrTx/>
+              <a:buSzTx/>
+              <a:buFontTx/>
+              <a:buNone/>
+              <a:tabLst/>
+              <a:defRPr/>
+            </a:pPr>
+            <a:r>
+              <a:rPr lang="en-US" dirty="0" smtClean="0"/>
+              <a:t>Each</a:t>
+            </a:r>
+            <a:r>
+              <a:rPr lang="en-US" baseline="0" dirty="0" smtClean="0"/>
+              <a:t> shard must return enough </a:t>
+            </a:r>
+            <a:r>
+              <a:rPr lang="en-US" baseline="0" dirty="0" err="1" smtClean="0"/>
+              <a:t>docIDs</a:t>
+            </a:r>
+            <a:r>
+              <a:rPr lang="en-US" baseline="0" dirty="0" smtClean="0"/>
+              <a:t> to potentially fulfill the query – full documents are not returned</a:t>
+            </a:r>
+          </a:p>
+          <a:p>
+            <a:pPr marL="0" marR="0" indent="0" algn="l" defTabSz="914400" rtl="0" eaLnBrk="1" fontAlgn="auto" latinLnBrk="0" hangingPunct="1">
+              <a:lnSpc>
+                <a:spcPct val="100000"/>
+              </a:lnSpc>
+              <a:spcBef>
+                <a:spcPts val="0"/>
+              </a:spcBef>
+              <a:spcAft>
+                <a:spcPts val="0"/>
+              </a:spcAft>
+              <a:buClrTx/>
+              <a:buSzTx/>
+              <a:buFontTx/>
+              <a:buNone/>
+              <a:tabLst/>
+              <a:defRPr/>
+            </a:pPr>
+            <a:endParaRPr lang="en-US" dirty="0" smtClean="0"/>
+          </a:p>
+          <a:p>
+            <a:pPr marL="0" marR="0" indent="0" algn="l" defTabSz="914400" rtl="0" eaLnBrk="1" fontAlgn="auto" latinLnBrk="0" hangingPunct="1">
+              <a:lnSpc>
+                <a:spcPct val="100000"/>
+              </a:lnSpc>
+              <a:spcBef>
+                <a:spcPts val="0"/>
+              </a:spcBef>
+              <a:spcAft>
+                <a:spcPts val="0"/>
+              </a:spcAft>
+              <a:buClrTx/>
+              <a:buSzTx/>
+              <a:buFontTx/>
+              <a:buNone/>
+              <a:tabLst/>
+              <a:defRPr/>
+            </a:pPr>
+            <a:r>
+              <a:rPr lang="en-US" dirty="0" smtClean="0"/>
+              <a:t>The </a:t>
+            </a:r>
+            <a:r>
+              <a:rPr lang="en-US" dirty="0" err="1" smtClean="0"/>
+              <a:t>prioritzed</a:t>
+            </a:r>
+            <a:r>
+              <a:rPr lang="en-US" baseline="0" dirty="0" smtClean="0"/>
+              <a:t> list is merged by the coordinating node</a:t>
+            </a:r>
+            <a:endParaRPr lang="en-US" dirty="0"/>
+          </a:p>
+        </p:txBody>
+      </p:sp>
+      <p:sp>
+        <p:nvSpPr>
+          <p:cNvPr id="4" name="Slide Number Placeholder 3"/>
+          <p:cNvSpPr>
+            <a:spLocks noGrp="1"/>
+          </p:cNvSpPr>
+          <p:nvPr>
+            <p:ph type="sldNum" sz="quarter" idx="10"/>
+          </p:nvPr>
+        </p:nvSpPr>
+        <p:spPr/>
+        <p:txBody>
+          <a:bodyPr/>
+          <a:lstStyle/>
+          <a:p>
+            <a:fld id="{D89B5C69-BE94-4D7E-9A42-C5D3A868EF1B}" type="slidenum">
+              <a:rPr lang="da-DK" smtClean="0"/>
+              <a:t>67</a:t>
+            </a:fld>
+            <a:endParaRPr lang="da-DK"/>
+          </a:p>
+        </p:txBody>
+      </p:sp>
+    </p:spTree>
+    <p:extLst>
+      <p:ext uri="{BB962C8B-B14F-4D97-AF65-F5344CB8AC3E}">
+        <p14:creationId xmlns:p14="http://schemas.microsoft.com/office/powerpoint/2010/main" val="1009623384"/>
+      </p:ext>
+    </p:extLst>
+  </p:cSld>
+  <p:clrMapOvr>
+    <a:masterClrMapping/>
+  </p:clrMapOvr>
+</p:notes>
+</file>
+
+<file path=ppt/notesSlides/notesSlide36.xml><?xml version="1.0" encoding="utf-8"?>
+<p:notes xmlns:a="http://schemas.openxmlformats.org/drawingml/2006/main" xmlns:r="http://schemas.openxmlformats.org/officeDocument/2006/relationships" xmlns:p="http://schemas.openxmlformats.org/presentationml/2006/main">
+  <p:cSld>
+    <p:spTree>
+      <p:nvGrpSpPr>
+        <p:cNvPr id="1" name=""/>
+        <p:cNvGrpSpPr/>
+        <p:nvPr/>
+      </p:nvGrpSpPr>
+      <p:grpSpPr>
+        <a:xfrm>
+          <a:off x="0" y="0"/>
+          <a:ext cx="0" cy="0"/>
+          <a:chOff x="0" y="0"/>
+          <a:chExt cx="0" cy="0"/>
+        </a:xfrm>
+      </p:grpSpPr>
+      <p:sp>
+        <p:nvSpPr>
+          <p:cNvPr id="2" name="Slide Image Placeholder 1"/>
+          <p:cNvSpPr>
+            <a:spLocks noGrp="1" noRot="1" noChangeAspect="1"/>
+          </p:cNvSpPr>
+          <p:nvPr>
+            <p:ph type="sldImg"/>
+          </p:nvPr>
+        </p:nvSpPr>
+        <p:spPr/>
+      </p:sp>
+      <p:sp>
+        <p:nvSpPr>
+          <p:cNvPr id="3" name="Notes Placeholder 2"/>
+          <p:cNvSpPr>
+            <a:spLocks noGrp="1"/>
+          </p:cNvSpPr>
+          <p:nvPr>
+            <p:ph type="body" idx="1"/>
+          </p:nvPr>
+        </p:nvSpPr>
+        <p:spPr/>
+        <p:txBody>
+          <a:bodyPr/>
+          <a:lstStyle/>
+          <a:p>
+            <a:r>
+              <a:rPr lang="en-US" dirty="0" smtClean="0"/>
+              <a:t>Coordinating node knows which documents</a:t>
+            </a:r>
+            <a:r>
+              <a:rPr lang="en-US" baseline="0" dirty="0" smtClean="0"/>
+              <a:t> need to be fetched from each shard</a:t>
+            </a:r>
+          </a:p>
+          <a:p>
+            <a:r>
+              <a:rPr lang="en-US" baseline="0" dirty="0" smtClean="0"/>
+              <a:t>It issues a multi-GET request to each shard and combines the list.</a:t>
+            </a:r>
+          </a:p>
+          <a:p>
+            <a:r>
+              <a:rPr lang="en-US" baseline="0" dirty="0" smtClean="0"/>
+              <a:t>Then the results can be returned to the client.</a:t>
+            </a:r>
+          </a:p>
+        </p:txBody>
+      </p:sp>
+      <p:sp>
+        <p:nvSpPr>
+          <p:cNvPr id="4" name="Slide Number Placeholder 3"/>
+          <p:cNvSpPr>
+            <a:spLocks noGrp="1"/>
+          </p:cNvSpPr>
+          <p:nvPr>
+            <p:ph type="sldNum" sz="quarter" idx="10"/>
+          </p:nvPr>
+        </p:nvSpPr>
+        <p:spPr/>
+        <p:txBody>
+          <a:bodyPr/>
+          <a:lstStyle/>
+          <a:p>
+            <a:fld id="{D89B5C69-BE94-4D7E-9A42-C5D3A868EF1B}" type="slidenum">
+              <a:rPr lang="da-DK" smtClean="0"/>
+              <a:t>68</a:t>
+            </a:fld>
+            <a:endParaRPr lang="da-DK"/>
+          </a:p>
+        </p:txBody>
+      </p:sp>
+    </p:spTree>
+    <p:extLst>
+      <p:ext uri="{BB962C8B-B14F-4D97-AF65-F5344CB8AC3E}">
+        <p14:creationId xmlns:p14="http://schemas.microsoft.com/office/powerpoint/2010/main" val="1668043171"/>
+      </p:ext>
+    </p:extLst>
+  </p:cSld>
+  <p:clrMapOvr>
+    <a:masterClrMapping/>
+  </p:clrMapOvr>
+</p:notes>
+</file>
+
+<file path=ppt/notesSlides/notesSlide37.xml><?xml version="1.0" encoding="utf-8"?>
+<p:notes xmlns:a="http://schemas.openxmlformats.org/drawingml/2006/main" xmlns:r="http://schemas.openxmlformats.org/officeDocument/2006/relationships" xmlns:p="http://schemas.openxmlformats.org/presentationml/2006/main">
+  <p:cSld>
+    <p:spTree>
+      <p:nvGrpSpPr>
+        <p:cNvPr id="1" name=""/>
+        <p:cNvGrpSpPr/>
+        <p:nvPr/>
+      </p:nvGrpSpPr>
+      <p:grpSpPr>
+        <a:xfrm>
+          <a:off x="0" y="0"/>
+          <a:ext cx="0" cy="0"/>
+          <a:chOff x="0" y="0"/>
+          <a:chExt cx="0" cy="0"/>
+        </a:xfrm>
+      </p:grpSpPr>
+      <p:sp>
+        <p:nvSpPr>
+          <p:cNvPr id="2" name="Slide Image Placeholder 1"/>
+          <p:cNvSpPr>
+            <a:spLocks noGrp="1" noRot="1" noChangeAspect="1"/>
+          </p:cNvSpPr>
+          <p:nvPr>
+            <p:ph type="sldImg"/>
+          </p:nvPr>
+        </p:nvSpPr>
+        <p:spPr/>
+      </p:sp>
+      <p:sp>
+        <p:nvSpPr>
+          <p:cNvPr id="3" name="Notes Placeholder 2"/>
+          <p:cNvSpPr>
+            <a:spLocks noGrp="1"/>
+          </p:cNvSpPr>
+          <p:nvPr>
+            <p:ph type="body" idx="1"/>
+          </p:nvPr>
+        </p:nvSpPr>
+        <p:spPr/>
+        <p:txBody>
+          <a:bodyPr/>
+          <a:lstStyle/>
+          <a:p>
+            <a:r>
               <a:rPr lang="en-US" dirty="0" err="1" smtClean="0"/>
               <a:t>Dfs_query_then_fetch</a:t>
             </a:r>
@@ -3292,7 +4093,7 @@
 </p:notes>
 </file>
 
-<file path=ppt/notesSlides/notesSlide34.xml><?xml version="1.0" encoding="utf-8"?>
+<file path=ppt/notesSlides/notesSlide38.xml><?xml version="1.0" encoding="utf-8"?>
 <p:notes xmlns:a="http://schemas.openxmlformats.org/drawingml/2006/main" xmlns:r="http://schemas.openxmlformats.org/officeDocument/2006/relationships" xmlns:p="http://schemas.openxmlformats.org/presentationml/2006/main">
   <p:cSld>
     <p:spTree>
@@ -3433,7 +4234,74 @@
           <a:bodyPr/>
           <a:lstStyle/>
           <a:p>
-            <a:endParaRPr lang="da-DK"/>
+            <a:r>
+              <a:rPr lang="da-DK" dirty="0" err="1" smtClean="0"/>
+              <a:t>We</a:t>
+            </a:r>
+            <a:r>
+              <a:rPr lang="da-DK" dirty="0" smtClean="0"/>
+              <a:t> </a:t>
+            </a:r>
+            <a:r>
+              <a:rPr lang="da-DK" dirty="0" err="1" smtClean="0"/>
+              <a:t>are</a:t>
+            </a:r>
+            <a:r>
+              <a:rPr lang="da-DK" dirty="0" smtClean="0"/>
+              <a:t> </a:t>
+            </a:r>
+            <a:r>
+              <a:rPr lang="da-DK" dirty="0" err="1" smtClean="0"/>
+              <a:t>going</a:t>
+            </a:r>
+            <a:r>
+              <a:rPr lang="da-DK" dirty="0" smtClean="0"/>
+              <a:t> to talk </a:t>
+            </a:r>
+            <a:r>
+              <a:rPr lang="da-DK" dirty="0" err="1" smtClean="0"/>
+              <a:t>about</a:t>
+            </a:r>
+            <a:r>
+              <a:rPr lang="da-DK" dirty="0" smtClean="0"/>
+              <a:t> </a:t>
+            </a:r>
+            <a:r>
+              <a:rPr lang="da-DK" dirty="0" err="1" smtClean="0"/>
+              <a:t>ElasticSearch</a:t>
+            </a:r>
+            <a:r>
+              <a:rPr lang="da-DK" dirty="0" smtClean="0"/>
+              <a:t> </a:t>
+            </a:r>
+            <a:r>
+              <a:rPr lang="da-DK" dirty="0" err="1" smtClean="0"/>
+              <a:t>today</a:t>
+            </a:r>
+            <a:endParaRPr lang="da-DK" dirty="0" smtClean="0"/>
+          </a:p>
+          <a:p>
+            <a:r>
+              <a:rPr lang="da-DK" dirty="0" smtClean="0"/>
+              <a:t>*</a:t>
+            </a:r>
+            <a:r>
+              <a:rPr lang="da-DK" baseline="0" dirty="0" smtClean="0"/>
+              <a:t> Touch briefly on </a:t>
+            </a:r>
+            <a:r>
+              <a:rPr lang="da-DK" baseline="0" dirty="0" err="1" smtClean="0"/>
+              <a:t>logstash</a:t>
+            </a:r>
+            <a:r>
+              <a:rPr lang="da-DK" baseline="0" dirty="0" smtClean="0"/>
+              <a:t> and </a:t>
+            </a:r>
+            <a:r>
+              <a:rPr lang="da-DK" baseline="0" dirty="0" err="1" smtClean="0"/>
+              <a:t>Kibana</a:t>
+            </a:r>
+            <a:endParaRPr lang="da-DK" dirty="0"/>
           </a:p>
         </p:txBody>
       </p:sp>
@@ -3878,7 +4746,54 @@
           <a:bodyPr/>
           <a:lstStyle/>
           <a:p>
-            <a:endParaRPr lang="da-DK"/>
+            <a:r>
+              <a:rPr lang="da-DK" dirty="0" smtClean="0"/>
+              <a:t>Go to</a:t>
+            </a:r>
+            <a:r>
+              <a:rPr lang="da-DK" baseline="0" dirty="0" smtClean="0"/>
+              <a:t> simple </a:t>
+            </a:r>
+            <a:r>
+              <a:rPr lang="da-DK" baseline="0" dirty="0" err="1" smtClean="0"/>
+              <a:t>usage</a:t>
+            </a:r>
+            <a:r>
+              <a:rPr lang="da-DK" baseline="0" dirty="0" smtClean="0"/>
+              <a:t> demo </a:t>
+            </a:r>
+            <a:r>
+              <a:rPr lang="da-DK" baseline="0" dirty="0" err="1" smtClean="0"/>
+              <a:t>here</a:t>
+            </a:r>
+            <a:endParaRPr lang="da-DK" baseline="0" dirty="0" smtClean="0"/>
+          </a:p>
+          <a:p>
+            <a:r>
+              <a:rPr lang="da-DK" baseline="0" dirty="0" err="1" smtClean="0"/>
+              <a:t>Remember</a:t>
+            </a:r>
+            <a:r>
+              <a:rPr lang="da-DK" baseline="0" dirty="0" smtClean="0"/>
+              <a:t> to </a:t>
+            </a:r>
+            <a:r>
+              <a:rPr lang="da-DK" baseline="0" dirty="0" err="1" smtClean="0"/>
+              <a:t>introduce</a:t>
+            </a:r>
+            <a:r>
+              <a:rPr lang="da-DK" baseline="0" dirty="0" smtClean="0"/>
+              <a:t> </a:t>
+            </a:r>
+            <a:r>
+              <a:rPr lang="da-DK" baseline="0" dirty="0" err="1" smtClean="0"/>
+              <a:t>Sense</a:t>
+            </a:r>
+            <a:r>
+              <a:rPr lang="da-DK" baseline="0" dirty="0" smtClean="0"/>
+              <a:t>.</a:t>
+            </a:r>
+            <a:endParaRPr lang="da-DK" dirty="0"/>
           </a:p>
         </p:txBody>
       </p:sp>
@@ -7222,6 +8137,13 @@
   <p:clrMapOvr>
     <a:masterClrMapping/>
   </p:clrMapOvr>
+  <p:timing>
+    <p:tnLst>
+      <p:par>
+        <p:cTn xmlns:p14="http://schemas.microsoft.com/office/powerpoint/2010/main" id="1" dur="indefinite" restart="never" nodeType="tmRoot"/>
+      </p:par>
+    </p:tnLst>
+  </p:timing>
 </p:sld>
 </file>
 
@@ -7344,6 +8266,13 @@
   <p:clrMapOvr>
     <a:masterClrMapping/>
   </p:clrMapOvr>
+  <p:timing>
+    <p:tnLst>
+      <p:par>
+        <p:cTn xmlns:p14="http://schemas.microsoft.com/office/powerpoint/2010/main" id="1" dur="indefinite" restart="never" nodeType="tmRoot"/>
+      </p:par>
+    </p:tnLst>
+  </p:timing>
 </p:sld>
 </file>
 
@@ -9695,7 +10624,7 @@
           <a:p>
             <a:r>
               <a:rPr lang="en-US" dirty="0" smtClean="0"/>
-              <a:t>Strings &amp; Exact values</a:t>
+              <a:t>Dynamic mapping options</a:t>
             </a:r>
             <a:endParaRPr lang="en-US" dirty="0"/>
           </a:p>
@@ -9718,60 +10647,64 @@
           <a:p>
             <a:r>
               <a:rPr lang="en-US" dirty="0" smtClean="0"/>
-              <a:t>Exact values are … exact values</a:t>
+              <a:t>Per type, can be</a:t>
             </a:r>
           </a:p>
           <a:p>
             <a:pPr lvl="1"/>
             <a:r>
               <a:rPr lang="en-US" dirty="0" smtClean="0"/>
-              <a:t>One way to interpret</a:t>
+              <a:t>True (default)</a:t>
+            </a:r>
+          </a:p>
+          <a:p>
+            <a:pPr lvl="2"/>
+            <a:r>
+              <a:rPr lang="en-US" dirty="0" smtClean="0"/>
+              <a:t>When ES encounters a new field in a type, automatically create it in the index</a:t>
             </a:r>
           </a:p>
           <a:p>
             <a:pPr lvl="1"/>
             <a:r>
               <a:rPr lang="en-US" dirty="0" smtClean="0"/>
-              <a:t>Easy to match on</a:t>
+              <a:t>False</a:t>
+            </a:r>
+          </a:p>
+          <a:p>
+            <a:pPr lvl="2"/>
+            <a:r>
+              <a:rPr lang="en-US" dirty="0" smtClean="0"/>
+              <a:t>When ES encounters a new field in a type, silently ignore it (!)</a:t>
             </a:r>
           </a:p>
           <a:p>
             <a:pPr lvl="1"/>
             <a:r>
               <a:rPr lang="en-US" dirty="0" smtClean="0"/>
-              <a:t>Numbers, </a:t>
-            </a:r>
-            <a:r>
-              <a:rPr lang="en-US" dirty="0" err="1" smtClean="0"/>
-              <a:t>bools</a:t>
-            </a:r>
-            <a:r>
-              <a:rPr lang="en-US" dirty="0" smtClean="0"/>
-              <a:t>, dates are exact values</a:t>
-            </a:r>
-          </a:p>
-          <a:p>
-            <a:endParaRPr lang="en-US" dirty="0"/>
-          </a:p>
-          <a:p>
-            <a:r>
-              <a:rPr lang="en-US" dirty="0" smtClean="0"/>
-              <a:t>Strings can be exact values </a:t>
-            </a:r>
-          </a:p>
-          <a:p>
-            <a:r>
-              <a:rPr lang="en-US" dirty="0" smtClean="0"/>
-              <a:t>Or analyzed text for ‘full text search’</a:t>
-            </a:r>
-            <a:endParaRPr lang="en-US" dirty="0"/>
+              <a:t>Strict</a:t>
+            </a:r>
+          </a:p>
+          <a:p>
+            <a:pPr lvl="2"/>
+            <a:r>
+              <a:rPr lang="en-US" dirty="0" smtClean="0"/>
+              <a:t>Throw an exception if an unknown field is encountered</a:t>
+            </a:r>
+          </a:p>
+          <a:p>
+            <a:pPr lvl="2"/>
+            <a:r>
+              <a:rPr lang="en-US" dirty="0" smtClean="0"/>
+              <a:t>This might actually be what you want !</a:t>
+            </a:r>
           </a:p>
         </p:txBody>
       </p:sp>
     </p:spTree>
     <p:extLst>
       <p:ext uri="{BB962C8B-B14F-4D97-AF65-F5344CB8AC3E}">
-        <p14:creationId xmlns:p14="http://schemas.microsoft.com/office/powerpoint/2010/main" val="1234635167"/>
+        <p14:creationId xmlns:p14="http://schemas.microsoft.com/office/powerpoint/2010/main" val="2297096810"/>
       </p:ext>
     </p:extLst>
   </p:cSld>
@@ -9941,6 +10874,133 @@
           <a:p>
             <a:r>
               <a:rPr lang="en-US" dirty="0" smtClean="0"/>
+              <a:t>Strings &amp; Exact values</a:t>
+            </a:r>
+            <a:endParaRPr lang="en-US" dirty="0"/>
+          </a:p>
+        </p:txBody>
+      </p:sp>
+      <p:sp>
+        <p:nvSpPr>
+          <p:cNvPr id="3" name="Content Placeholder 2"/>
+          <p:cNvSpPr>
+            <a:spLocks noGrp="1"/>
+          </p:cNvSpPr>
+          <p:nvPr>
+            <p:ph idx="1"/>
+          </p:nvPr>
+        </p:nvSpPr>
+        <p:spPr/>
+        <p:txBody>
+          <a:bodyPr/>
+          <a:lstStyle/>
+          <a:p>
+            <a:r>
+              <a:rPr lang="en-US" dirty="0" smtClean="0"/>
+              <a:t>Exact values are … exact values</a:t>
+            </a:r>
+          </a:p>
+          <a:p>
+            <a:pPr lvl="1"/>
+            <a:r>
+              <a:rPr lang="en-US" dirty="0" smtClean="0"/>
+              <a:t>One way to interpret</a:t>
+            </a:r>
+          </a:p>
+          <a:p>
+            <a:pPr lvl="1"/>
+            <a:r>
+              <a:rPr lang="en-US" dirty="0" smtClean="0"/>
+              <a:t>Easy to match on</a:t>
+            </a:r>
+          </a:p>
+          <a:p>
+            <a:pPr lvl="1"/>
+            <a:r>
+              <a:rPr lang="en-US" dirty="0" smtClean="0"/>
+              <a:t>Numbers, </a:t>
+            </a:r>
+            <a:r>
+              <a:rPr lang="en-US" dirty="0" err="1" smtClean="0"/>
+              <a:t>bools</a:t>
+            </a:r>
+            <a:r>
+              <a:rPr lang="en-US" dirty="0" smtClean="0"/>
+              <a:t>, dates are exact values</a:t>
+            </a:r>
+          </a:p>
+          <a:p>
+            <a:endParaRPr lang="en-US" dirty="0"/>
+          </a:p>
+          <a:p>
+            <a:r>
+              <a:rPr lang="en-US" dirty="0" smtClean="0"/>
+              <a:t>Strings can be exact values </a:t>
+            </a:r>
+          </a:p>
+          <a:p>
+            <a:r>
+              <a:rPr lang="en-US" dirty="0" smtClean="0"/>
+              <a:t>Or analyzed text for ‘full text search’</a:t>
+            </a:r>
+            <a:endParaRPr lang="en-US" dirty="0"/>
+          </a:p>
+        </p:txBody>
+      </p:sp>
+    </p:spTree>
+    <p:extLst>
+      <p:ext uri="{BB962C8B-B14F-4D97-AF65-F5344CB8AC3E}">
+        <p14:creationId xmlns:p14="http://schemas.microsoft.com/office/powerpoint/2010/main" val="1234635167"/>
+      </p:ext>
+    </p:extLst>
+  </p:cSld>
+  <p:clrMapOvr>
+    <a:masterClrMapping/>
+  </p:clrMapOvr>
+  <p:timing>
+    <p:tnLst>
+      <p:par>
+        <p:cTn xmlns:p14="http://schemas.microsoft.com/office/powerpoint/2010/main" id="1" dur="indefinite" restart="never" nodeType="tmRoot"/>
+      </p:par>
+    </p:tnLst>
+  </p:timing>
+</p:sld>
+</file>
+
+<file path=ppt/slides/slide31.xml><?xml version="1.0" encoding="utf-8"?>
+<p:sld xmlns:a="http://schemas.openxmlformats.org/drawingml/2006/main" xmlns:r="http://schemas.openxmlformats.org/officeDocument/2006/relationships" xmlns:p="http://schemas.openxmlformats.org/presentationml/2006/main">
+  <p:cSld>
+    <p:spTree>
+      <p:nvGrpSpPr>
+        <p:cNvPr id="1" name=""/>
+        <p:cNvGrpSpPr/>
+        <p:nvPr/>
+      </p:nvGrpSpPr>
+      <p:grpSpPr>
+        <a:xfrm>
+          <a:off x="0" y="0"/>
+          <a:ext cx="0" cy="0"/>
+          <a:chOff x="0" y="0"/>
+          <a:chExt cx="0" cy="0"/>
+        </a:xfrm>
+      </p:grpSpPr>
+      <p:sp>
+        <p:nvSpPr>
+          <p:cNvPr id="2" name="Title 1"/>
+          <p:cNvSpPr>
+            <a:spLocks noGrp="1"/>
+          </p:cNvSpPr>
+          <p:nvPr>
+            <p:ph type="title"/>
+          </p:nvPr>
+        </p:nvSpPr>
+        <p:spPr/>
+        <p:txBody>
+          <a:bodyPr/>
+          <a:lstStyle/>
+          <a:p>
+            <a:r>
+              <a:rPr lang="en-US" dirty="0" smtClean="0"/>
               <a:t>Exact matching </a:t>
             </a:r>
             <a:r>
@@ -10048,7 +11108,7 @@
 </p:sld>
 </file>
 
-<file path=ppt/slides/slide31.xml><?xml version="1.0" encoding="utf-8"?>
+<file path=ppt/slides/slide32.xml><?xml version="1.0" encoding="utf-8"?>
 <p:sld xmlns:a="http://schemas.openxmlformats.org/drawingml/2006/main" xmlns:r="http://schemas.openxmlformats.org/officeDocument/2006/relationships" xmlns:p="http://schemas.openxmlformats.org/presentationml/2006/main">
   <p:cSld>
     <p:spTree>
@@ -10202,7 +11262,7 @@
 </p:sld>
 </file>
 
-<file path=ppt/slides/slide32.xml><?xml version="1.0" encoding="utf-8"?>
+<file path=ppt/slides/slide33.xml><?xml version="1.0" encoding="utf-8"?>
 <p:sld xmlns:a="http://schemas.openxmlformats.org/drawingml/2006/main" xmlns:r="http://schemas.openxmlformats.org/officeDocument/2006/relationships" xmlns:p="http://schemas.openxmlformats.org/presentationml/2006/main">
   <p:cSld>
     <p:spTree>
@@ -10573,10 +11633,17 @@
   <p:clrMapOvr>
     <a:masterClrMapping/>
   </p:clrMapOvr>
+  <p:timing>
+    <p:tnLst>
+      <p:par>
+        <p:cTn xmlns:p14="http://schemas.microsoft.com/office/powerpoint/2010/main" id="1" dur="indefinite" restart="never" nodeType="tmRoot"/>
+      </p:par>
+    </p:tnLst>
+  </p:timing>
 </p:sld>
 </file>
 
-<file path=ppt/slides/slide33.xml><?xml version="1.0" encoding="utf-8"?>
+<file path=ppt/slides/slide34.xml><?xml version="1.0" encoding="utf-8"?>
 <p:sld xmlns:a="http://schemas.openxmlformats.org/drawingml/2006/main" xmlns:r="http://schemas.openxmlformats.org/officeDocument/2006/relationships" xmlns:p="http://schemas.openxmlformats.org/presentationml/2006/main">
   <p:cSld>
     <p:spTree>
@@ -10709,10 +11776,17 @@
   <p:clrMapOvr>
     <a:masterClrMapping/>
   </p:clrMapOvr>
+  <p:timing>
+    <p:tnLst>
+      <p:par>
+        <p:cTn xmlns:p14="http://schemas.microsoft.com/office/powerpoint/2010/main" id="1" dur="indefinite" restart="never" nodeType="tmRoot"/>
+      </p:par>
+    </p:tnLst>
+  </p:timing>
 </p:sld>
 </file>
 
-<file path=ppt/slides/slide34.xml><?xml version="1.0" encoding="utf-8"?>
+<file path=ppt/slides/slide35.xml><?xml version="1.0" encoding="utf-8"?>
 <p:sld xmlns:a="http://schemas.openxmlformats.org/drawingml/2006/main" xmlns:r="http://schemas.openxmlformats.org/officeDocument/2006/relationships" xmlns:p="http://schemas.openxmlformats.org/presentationml/2006/main">
   <p:cSld>
     <p:spTree>
@@ -11123,93 +12197,13 @@
   <p:clrMapOvr>
     <a:masterClrMapping/>
   </p:clrMapOvr>
-</p:sld>
-</file>
-
-<file path=ppt/slides/slide35.xml><?xml version="1.0" encoding="utf-8"?>
-<p:sld xmlns:a="http://schemas.openxmlformats.org/drawingml/2006/main" xmlns:r="http://schemas.openxmlformats.org/officeDocument/2006/relationships" xmlns:p="http://schemas.openxmlformats.org/presentationml/2006/main">
-  <p:cSld>
-    <p:spTree>
-      <p:nvGrpSpPr>
-        <p:cNvPr id="1" name=""/>
-        <p:cNvGrpSpPr/>
-        <p:nvPr/>
-      </p:nvGrpSpPr>
-      <p:grpSpPr>
-        <a:xfrm>
-          <a:off x="0" y="0"/>
-          <a:ext cx="0" cy="0"/>
-          <a:chOff x="0" y="0"/>
-          <a:chExt cx="0" cy="0"/>
-        </a:xfrm>
-      </p:grpSpPr>
-      <p:sp>
-        <p:nvSpPr>
-          <p:cNvPr id="2" name="Title 1"/>
-          <p:cNvSpPr>
-            <a:spLocks noGrp="1"/>
-          </p:cNvSpPr>
-          <p:nvPr>
-            <p:ph type="title"/>
-          </p:nvPr>
-        </p:nvSpPr>
-        <p:spPr/>
-        <p:txBody>
-          <a:bodyPr/>
-          <a:lstStyle/>
-          <a:p>
-            <a:r>
-              <a:rPr lang="en-US" dirty="0" smtClean="0"/>
-              <a:t>The query must be normalized as well</a:t>
-            </a:r>
-            <a:endParaRPr lang="en-US" dirty="0"/>
-          </a:p>
-        </p:txBody>
-      </p:sp>
-      <p:sp>
-        <p:nvSpPr>
-          <p:cNvPr id="3" name="Content Placeholder 2"/>
-          <p:cNvSpPr>
-            <a:spLocks noGrp="1"/>
-          </p:cNvSpPr>
-          <p:nvPr>
-            <p:ph idx="1"/>
-          </p:nvPr>
-        </p:nvSpPr>
-        <p:spPr/>
-        <p:txBody>
-          <a:bodyPr/>
-          <a:lstStyle/>
-          <a:p>
-            <a:endParaRPr lang="en-US" dirty="0" smtClean="0"/>
-          </a:p>
-          <a:p>
-            <a:endParaRPr lang="en-US" dirty="0"/>
-          </a:p>
-          <a:p>
-            <a:r>
-              <a:rPr lang="en-US" dirty="0" smtClean="0"/>
-              <a:t>The query must be normalized in the same way as the indexed fields</a:t>
-            </a:r>
-          </a:p>
-          <a:p>
-            <a:r>
-              <a:rPr lang="en-US" dirty="0" smtClean="0"/>
-              <a:t>Otherwise we won’t be able to match correctly</a:t>
-            </a:r>
-          </a:p>
-        </p:txBody>
-      </p:sp>
-    </p:spTree>
-    <p:extLst>
-      <p:ext uri="{BB962C8B-B14F-4D97-AF65-F5344CB8AC3E}">
-        <p14:creationId xmlns:p14="http://schemas.microsoft.com/office/powerpoint/2010/main" val="1754466664"/>
-      </p:ext>
-    </p:extLst>
-  </p:cSld>
-  <p:clrMapOvr>
-    <a:masterClrMapping/>
-  </p:clrMapOvr>
+  <p:timing>
+    <p:tnLst>
+      <p:par>
+        <p:cTn xmlns:p14="http://schemas.microsoft.com/office/powerpoint/2010/main" id="1" dur="indefinite" restart="never" nodeType="tmRoot"/>
+      </p:par>
+    </p:tnLst>
+  </p:timing>
 </p:sld>
 </file>
 
@@ -11247,7 +12241,7 @@
           <a:p>
             <a:r>
               <a:rPr lang="en-US" dirty="0" smtClean="0"/>
-              <a:t>Analysis</a:t>
+              <a:t>The query must be normalized as well</a:t>
             </a:r>
             <a:endParaRPr lang="en-US" dirty="0"/>
           </a:p>
@@ -11268,30 +12262,6 @@
           <a:bodyPr/>
           <a:lstStyle/>
           <a:p>
-            <a:r>
-              <a:rPr lang="en-US" dirty="0" smtClean="0"/>
-              <a:t>The process of </a:t>
-            </a:r>
-            <a:r>
-              <a:rPr lang="en-US" i="1" dirty="0" smtClean="0"/>
-              <a:t>tokenization </a:t>
-            </a:r>
-            <a:r>
-              <a:rPr lang="en-US" dirty="0" smtClean="0"/>
-              <a:t>and </a:t>
-            </a:r>
-            <a:r>
-              <a:rPr lang="en-US" i="1" dirty="0" smtClean="0"/>
-              <a:t>normalization </a:t>
-            </a:r>
-            <a:r>
-              <a:rPr lang="en-US" dirty="0" smtClean="0"/>
-              <a:t>is called </a:t>
-            </a:r>
-            <a:r>
-              <a:rPr lang="en-US" i="1" dirty="0" smtClean="0"/>
-              <a:t>analysis</a:t>
-            </a:r>
             <a:endParaRPr lang="en-US" dirty="0" smtClean="0"/>
           </a:p>
           <a:p>
@@ -11300,50 +12270,13 @@
           <a:p>
             <a:r>
               <a:rPr lang="en-US" dirty="0" smtClean="0"/>
-              <a:t>This is highly configurable in </a:t>
-            </a:r>
-            <a:r>
-              <a:rPr lang="en-US" dirty="0" err="1" smtClean="0"/>
-              <a:t>ElasticSearch</a:t>
-            </a:r>
-            <a:r>
-              <a:rPr lang="en-US" dirty="0" smtClean="0"/>
-              <a:t> and needs to be tuned for the application and content</a:t>
-            </a:r>
-          </a:p>
-          <a:p>
-            <a:endParaRPr lang="en-US" dirty="0"/>
-          </a:p>
-          <a:p>
-            <a:r>
-              <a:rPr lang="en-US" dirty="0" err="1" smtClean="0"/>
-              <a:t>ElasticSearch</a:t>
-            </a:r>
-            <a:r>
-              <a:rPr lang="en-US" dirty="0" smtClean="0"/>
-              <a:t> ships with a number of </a:t>
-            </a:r>
-            <a:r>
-              <a:rPr lang="en-US" i="1" dirty="0" smtClean="0"/>
-              <a:t>analyzers</a:t>
-            </a:r>
-            <a:r>
-              <a:rPr lang="en-US" dirty="0" smtClean="0"/>
-              <a:t>, and </a:t>
-            </a:r>
-          </a:p>
-          <a:p>
-            <a:pPr lvl="1"/>
-            <a:r>
-              <a:rPr lang="en-US" dirty="0" smtClean="0"/>
-              <a:t>More can be downloaded (often for $$$)</a:t>
-            </a:r>
-          </a:p>
-          <a:p>
-            <a:pPr lvl="1"/>
-            <a:r>
-              <a:rPr lang="en-US" dirty="0" smtClean="0"/>
-              <a:t>you can write your own (in Java)</a:t>
+              <a:t>The query must be normalized in the same way as the indexed fields</a:t>
+            </a:r>
+          </a:p>
+          <a:p>
+            <a:r>
+              <a:rPr lang="en-US" dirty="0" smtClean="0"/>
+              <a:t>Otherwise we won’t be able to match correctly</a:t>
             </a:r>
           </a:p>
         </p:txBody>
@@ -11351,13 +12284,20 @@
     </p:spTree>
     <p:extLst>
       <p:ext uri="{BB962C8B-B14F-4D97-AF65-F5344CB8AC3E}">
-        <p14:creationId xmlns:p14="http://schemas.microsoft.com/office/powerpoint/2010/main" val="3319977620"/>
+        <p14:creationId xmlns:p14="http://schemas.microsoft.com/office/powerpoint/2010/main" val="1754466664"/>
       </p:ext>
     </p:extLst>
   </p:cSld>
   <p:clrMapOvr>
     <a:masterClrMapping/>
   </p:clrMapOvr>
+  <p:timing>
+    <p:tnLst>
+      <p:par>
+        <p:cTn xmlns:p14="http://schemas.microsoft.com/office/powerpoint/2010/main" id="1" dur="indefinite" restart="never" nodeType="tmRoot"/>
+      </p:par>
+    </p:tnLst>
+  </p:timing>
 </p:sld>
 </file>
 
@@ -11395,7 +12335,7 @@
           <a:p>
             <a:r>
               <a:rPr lang="en-US" dirty="0" smtClean="0"/>
-              <a:t>Configuring analysis</a:t>
+              <a:t>Analysis</a:t>
             </a:r>
             <a:endParaRPr lang="en-US" dirty="0"/>
           </a:p>
@@ -11416,65 +12356,103 @@
           <a:bodyPr/>
           <a:lstStyle/>
           <a:p>
+            <a:r>
+              <a:rPr lang="en-US" dirty="0" smtClean="0"/>
+              <a:t>The process of </a:t>
+            </a:r>
+            <a:r>
+              <a:rPr lang="en-US" i="1" dirty="0" smtClean="0"/>
+              <a:t>tokenization </a:t>
+            </a:r>
+            <a:r>
+              <a:rPr lang="en-US" dirty="0" smtClean="0"/>
+              <a:t>and </a:t>
+            </a:r>
+            <a:r>
+              <a:rPr lang="en-US" i="1" dirty="0" smtClean="0"/>
+              <a:t>normalization </a:t>
+            </a:r>
+            <a:r>
+              <a:rPr lang="en-US" dirty="0" smtClean="0"/>
+              <a:t>is called </a:t>
+            </a:r>
+            <a:r>
+              <a:rPr lang="en-US" i="1" dirty="0" smtClean="0"/>
+              <a:t>analysis</a:t>
+            </a:r>
+            <a:endParaRPr lang="en-US" dirty="0" smtClean="0"/>
+          </a:p>
+          <a:p>
             <a:endParaRPr lang="en-US" dirty="0"/>
           </a:p>
           <a:p>
             <a:r>
               <a:rPr lang="en-US" dirty="0" smtClean="0"/>
-              <a:t>A string field is analyzed by default</a:t>
-            </a:r>
-          </a:p>
-          <a:p>
-            <a:endParaRPr lang="en-US" dirty="0" smtClean="0"/>
-          </a:p>
-          <a:p>
-            <a:r>
-              <a:rPr lang="en-US" dirty="0" smtClean="0"/>
-              <a:t>If you want to use a string field for exact matching, you must set it to be </a:t>
-            </a:r>
-            <a:r>
-              <a:rPr lang="en-US" dirty="0" err="1" smtClean="0">
-                <a:latin typeface="Consolas"/>
-                <a:cs typeface="Consolas"/>
-              </a:rPr>
-              <a:t>notAnalyzed</a:t>
-            </a:r>
-            <a:endParaRPr lang="en-US" dirty="0" smtClean="0">
-              <a:latin typeface="Consolas"/>
-              <a:cs typeface="Consolas"/>
-            </a:endParaRPr>
-          </a:p>
-          <a:p>
-            <a:endParaRPr lang="en-US" dirty="0">
-              <a:latin typeface="Consolas"/>
-              <a:cs typeface="Consolas"/>
-            </a:endParaRPr>
-          </a:p>
-          <a:p>
-            <a:r>
-              <a:rPr lang="en-US" dirty="0" smtClean="0">
-                <a:latin typeface="Calibri"/>
-                <a:cs typeface="Calibri"/>
-              </a:rPr>
-              <a:t>This can be configured per mapping</a:t>
-            </a:r>
-            <a:endParaRPr lang="en-US" dirty="0">
-              <a:latin typeface="Calibri"/>
-              <a:cs typeface="Calibri"/>
-            </a:endParaRPr>
+              <a:t>This is highly configurable in </a:t>
+            </a:r>
+            <a:r>
+              <a:rPr lang="en-US" dirty="0" err="1" smtClean="0"/>
+              <a:t>ElasticSearch</a:t>
+            </a:r>
+            <a:r>
+              <a:rPr lang="en-US" dirty="0" smtClean="0"/>
+              <a:t> and needs to be tuned for the application and content</a:t>
+            </a:r>
+          </a:p>
+          <a:p>
+            <a:endParaRPr lang="en-US" dirty="0"/>
+          </a:p>
+          <a:p>
+            <a:r>
+              <a:rPr lang="en-US" dirty="0" err="1" smtClean="0"/>
+              <a:t>ElasticSearch</a:t>
+            </a:r>
+            <a:r>
+              <a:rPr lang="en-US" dirty="0" smtClean="0"/>
+              <a:t> ships with a number of </a:t>
+            </a:r>
+            <a:r>
+              <a:rPr lang="en-US" i="1" dirty="0" smtClean="0"/>
+              <a:t>analyzers</a:t>
+            </a:r>
+            <a:r>
+              <a:rPr lang="en-US" dirty="0" smtClean="0"/>
+              <a:t>, and </a:t>
+            </a:r>
+          </a:p>
+          <a:p>
+            <a:pPr lvl="1"/>
+            <a:r>
+              <a:rPr lang="en-US" dirty="0" smtClean="0"/>
+              <a:t>More can be downloaded (often for $$$)</a:t>
+            </a:r>
+          </a:p>
+          <a:p>
+            <a:pPr lvl="1"/>
+            <a:r>
+              <a:rPr lang="en-US" dirty="0" smtClean="0"/>
+              <a:t>you can write your own (in Java)</a:t>
+            </a:r>
           </a:p>
         </p:txBody>
       </p:sp>
     </p:spTree>
     <p:extLst>
       <p:ext uri="{BB962C8B-B14F-4D97-AF65-F5344CB8AC3E}">
-        <p14:creationId xmlns:p14="http://schemas.microsoft.com/office/powerpoint/2010/main" val="3781658366"/>
+        <p14:creationId xmlns:p14="http://schemas.microsoft.com/office/powerpoint/2010/main" val="3319977620"/>
       </p:ext>
     </p:extLst>
   </p:cSld>
   <p:clrMapOvr>
     <a:masterClrMapping/>
   </p:clrMapOvr>
+  <p:timing>
+    <p:tnLst>
+      <p:par>
+        <p:cTn xmlns:p14="http://schemas.microsoft.com/office/powerpoint/2010/main" id="1" dur="indefinite" restart="never" nodeType="tmRoot"/>
+      </p:par>
+    </p:tnLst>
+  </p:timing>
 </p:sld>
 </file>
 
@@ -11512,7 +12490,7 @@
           <a:p>
             <a:r>
               <a:rPr lang="en-US" dirty="0" smtClean="0"/>
-              <a:t>Analyzers</a:t>
+              <a:t>Configuring analysis</a:t>
             </a:r>
             <a:endParaRPr lang="en-US" dirty="0"/>
           </a:p>
@@ -11530,87 +12508,75 @@
         </p:nvSpPr>
         <p:spPr/>
         <p:txBody>
-          <a:bodyPr>
-            <a:normAutofit fontScale="92500" lnSpcReduction="10000"/>
-          </a:bodyPr>
-          <a:lstStyle/>
-          <a:p>
-            <a:r>
-              <a:rPr lang="en-US" dirty="0" smtClean="0"/>
-              <a:t>Analyzers can be </a:t>
-            </a:r>
-          </a:p>
-          <a:p>
-            <a:pPr lvl="1"/>
-            <a:r>
-              <a:rPr lang="en-US" dirty="0" smtClean="0"/>
-              <a:t>Character filters</a:t>
-            </a:r>
-          </a:p>
-          <a:p>
-            <a:pPr lvl="1"/>
-            <a:r>
-              <a:rPr lang="en-US" dirty="0" err="1" smtClean="0"/>
-              <a:t>Tokenizers</a:t>
-            </a:r>
+          <a:bodyPr/>
+          <a:lstStyle/>
+          <a:p>
+            <a:endParaRPr lang="en-US" dirty="0"/>
+          </a:p>
+          <a:p>
+            <a:r>
+              <a:rPr lang="en-US" dirty="0" smtClean="0"/>
+              <a:t>A string field is analyzed by default</a:t>
+            </a:r>
+          </a:p>
+          <a:p>
             <a:endParaRPr lang="en-US" dirty="0" smtClean="0"/>
           </a:p>
           <a:p>
-            <a:pPr lvl="1"/>
-            <a:r>
-              <a:rPr lang="en-US" dirty="0" smtClean="0"/>
-              <a:t>Token filters</a:t>
-            </a:r>
-          </a:p>
-          <a:p>
-            <a:r>
-              <a:rPr lang="en-US" dirty="0" smtClean="0"/>
-              <a:t>Analyzers can be combined as a chain</a:t>
-            </a:r>
-          </a:p>
-          <a:p>
-            <a:r>
-              <a:rPr lang="en-US" dirty="0" smtClean="0"/>
-              <a:t>The analyzer for a field can be set in the mapping</a:t>
-            </a:r>
-          </a:p>
-          <a:p>
-            <a:endParaRPr lang="en-US" dirty="0" smtClean="0"/>
-          </a:p>
-          <a:p>
-            <a:r>
-              <a:rPr lang="en-US" dirty="0" smtClean="0"/>
-              <a:t>Analyzer API</a:t>
-            </a:r>
-          </a:p>
-          <a:p>
-            <a:pPr lvl="1"/>
-            <a:r>
-              <a:rPr lang="en-US" dirty="0" smtClean="0"/>
-              <a:t>Handy for testing out </a:t>
-            </a:r>
-            <a:r>
-              <a:rPr lang="en-US" dirty="0" err="1" smtClean="0"/>
-              <a:t>analuzers</a:t>
-            </a:r>
-            <a:r>
-              <a:rPr lang="en-US" dirty="0" smtClean="0"/>
-              <a:t> without re-running indexing</a:t>
-            </a:r>
-            <a:endParaRPr lang="en-US" dirty="0"/>
+            <a:r>
+              <a:rPr lang="en-US" dirty="0" smtClean="0"/>
+              <a:t>If you want to use a string field for exact matching, you must set it to be </a:t>
+            </a:r>
+            <a:r>
+              <a:rPr lang="en-US" dirty="0" err="1" smtClean="0">
+                <a:latin typeface="Consolas"/>
+                <a:cs typeface="Consolas"/>
+              </a:rPr>
+              <a:t>notAnalyzed</a:t>
+            </a:r>
+            <a:endParaRPr lang="en-US" dirty="0" smtClean="0">
+              <a:latin typeface="Consolas"/>
+              <a:cs typeface="Consolas"/>
+            </a:endParaRPr>
+          </a:p>
+          <a:p>
+            <a:endParaRPr lang="en-US" dirty="0">
+              <a:latin typeface="Consolas"/>
+              <a:cs typeface="Consolas"/>
+            </a:endParaRPr>
+          </a:p>
+          <a:p>
+            <a:r>
+              <a:rPr lang="en-US" dirty="0" smtClean="0">
+                <a:latin typeface="Calibri"/>
+                <a:cs typeface="Calibri"/>
+              </a:rPr>
+              <a:t>This can be configured per mapping</a:t>
+            </a:r>
+            <a:endParaRPr lang="en-US" dirty="0">
+              <a:latin typeface="Calibri"/>
+              <a:cs typeface="Calibri"/>
+            </a:endParaRPr>
           </a:p>
         </p:txBody>
       </p:sp>
     </p:spTree>
     <p:extLst>
       <p:ext uri="{BB962C8B-B14F-4D97-AF65-F5344CB8AC3E}">
-        <p14:creationId xmlns:p14="http://schemas.microsoft.com/office/powerpoint/2010/main" val="2969689502"/>
+        <p14:creationId xmlns:p14="http://schemas.microsoft.com/office/powerpoint/2010/main" val="3781658366"/>
       </p:ext>
     </p:extLst>
   </p:cSld>
   <p:clrMapOvr>
     <a:masterClrMapping/>
   </p:clrMapOvr>
+  <p:timing>
+    <p:tnLst>
+      <p:par>
+        <p:cTn xmlns:p14="http://schemas.microsoft.com/office/powerpoint/2010/main" id="1" dur="indefinite" restart="never" nodeType="tmRoot"/>
+      </p:par>
+    </p:tnLst>
+  </p:timing>
 </p:sld>
 </file>
 
@@ -11648,7 +12614,7 @@
           <a:p>
             <a:r>
               <a:rPr lang="en-US" dirty="0" smtClean="0"/>
-              <a:t>Built in analyzers</a:t>
+              <a:t>Analyzers</a:t>
             </a:r>
             <a:endParaRPr lang="en-US" dirty="0"/>
           </a:p>
@@ -11667,124 +12633,93 @@
         <p:spPr/>
         <p:txBody>
           <a:bodyPr>
-            <a:normAutofit fontScale="92500" lnSpcReduction="20000"/>
+            <a:normAutofit fontScale="92500" lnSpcReduction="10000"/>
           </a:bodyPr>
           <a:lstStyle/>
           <a:p>
-            <a:pPr>
-              <a:buFontTx/>
-              <a:buChar char="•"/>
-            </a:pPr>
-            <a:r>
-              <a:rPr lang="en-US" dirty="0" smtClean="0"/>
-              <a:t>Standard analyzer</a:t>
-            </a:r>
-          </a:p>
-          <a:p>
-            <a:pPr lvl="1">
-              <a:buFontTx/>
-              <a:buChar char="•"/>
-            </a:pPr>
-            <a:r>
-              <a:rPr lang="en-US" dirty="0" smtClean="0"/>
-              <a:t>Default, best general choice</a:t>
-            </a:r>
-          </a:p>
-          <a:p>
-            <a:pPr>
-              <a:buFontTx/>
-              <a:buChar char="•"/>
-            </a:pPr>
-            <a:r>
-              <a:rPr lang="en-US" dirty="0" smtClean="0"/>
-              <a:t>Simple</a:t>
-            </a:r>
-          </a:p>
-          <a:p>
-            <a:pPr lvl="1">
-              <a:buFontTx/>
-              <a:buChar char="•"/>
-            </a:pPr>
-            <a:r>
-              <a:rPr lang="en-US" dirty="0" smtClean="0"/>
-              <a:t>Splits terms on non-letters and lowercases the terms</a:t>
-            </a:r>
-          </a:p>
-          <a:p>
-            <a:pPr>
-              <a:buFontTx/>
-              <a:buChar char="•"/>
-            </a:pPr>
-            <a:r>
-              <a:rPr lang="en-US" dirty="0" smtClean="0"/>
-              <a:t>Whitespace	</a:t>
-            </a:r>
-          </a:p>
-          <a:p>
-            <a:pPr lvl="1">
-              <a:buFontTx/>
-              <a:buChar char="•"/>
-            </a:pPr>
-            <a:r>
-              <a:rPr lang="en-US" dirty="0" smtClean="0"/>
-              <a:t>Splits terms on whitespace. Doesn’t lowercase</a:t>
-            </a:r>
-          </a:p>
-          <a:p>
-            <a:pPr>
-              <a:buFontTx/>
-              <a:buChar char="•"/>
-            </a:pPr>
-            <a:r>
-              <a:rPr lang="en-US" dirty="0" smtClean="0"/>
-              <a:t>Language specific</a:t>
-            </a:r>
-          </a:p>
-          <a:p>
-            <a:pPr lvl="1">
-              <a:buFontTx/>
-              <a:buChar char="•"/>
-            </a:pPr>
-            <a:r>
-              <a:rPr lang="en-US" dirty="0" smtClean="0"/>
-              <a:t>Language specific analysis (stemming, stop words, </a:t>
-            </a:r>
+            <a:r>
+              <a:rPr lang="en-US" dirty="0" smtClean="0"/>
+              <a:t>Analyzers can be </a:t>
+            </a:r>
+          </a:p>
+          <a:p>
+            <a:pPr lvl="1"/>
+            <a:r>
+              <a:rPr lang="en-US" dirty="0" smtClean="0"/>
+              <a:t>Character filters</a:t>
+            </a:r>
+          </a:p>
+          <a:p>
+            <a:pPr lvl="1"/>
             <a:r>
               <a:rPr lang="en-US" dirty="0" err="1" smtClean="0"/>
-              <a:t>etc</a:t>
-            </a:r>
-            <a:r>
-              <a:rPr lang="en-US" dirty="0" smtClean="0"/>
-              <a:t>) for specific languages</a:t>
-            </a:r>
-          </a:p>
-          <a:p>
-            <a:pPr lvl="1">
-              <a:buFontTx/>
-              <a:buChar char="•"/>
-            </a:pPr>
-            <a:r>
-              <a:rPr lang="en-US" dirty="0" smtClean="0"/>
-              <a:t>Many default languages, including </a:t>
+              <a:t>Tokenizers</a:t>
+            </a:r>
+            <a:endParaRPr lang="en-US" dirty="0" smtClean="0"/>
+          </a:p>
+          <a:p>
+            <a:pPr lvl="1"/>
+            <a:r>
+              <a:rPr lang="en-US" dirty="0" smtClean="0"/>
+              <a:t>Token filters</a:t>
+            </a:r>
+          </a:p>
+          <a:p>
+            <a:r>
+              <a:rPr lang="en-US" dirty="0" smtClean="0"/>
+              <a:t>Analyzers can be combined as a chain</a:t>
+            </a:r>
+          </a:p>
+          <a:p>
+            <a:r>
+              <a:rPr lang="en-US" dirty="0" smtClean="0"/>
+              <a:t>The analyzer for a field can be set in the mapping</a:t>
+            </a:r>
+          </a:p>
+          <a:p>
+            <a:endParaRPr lang="en-US" dirty="0" smtClean="0"/>
+          </a:p>
+          <a:p>
+            <a:r>
+              <a:rPr lang="en-US" dirty="0" smtClean="0"/>
+              <a:t>Analyzer API</a:t>
+            </a:r>
+          </a:p>
+          <a:p>
+            <a:pPr lvl="1"/>
+            <a:r>
+              <a:rPr lang="en-US" dirty="0" smtClean="0"/>
+              <a:t>Handy for testing out </a:t>
             </a:r>
             <a:r>
               <a:rPr lang="en-US" dirty="0" err="1" smtClean="0"/>
-              <a:t>danish</a:t>
-            </a:r>
-            <a:endParaRPr lang="en-US" dirty="0" smtClean="0"/>
+              <a:t>analuzers</a:t>
+            </a:r>
+            <a:r>
+              <a:rPr lang="en-US" dirty="0" smtClean="0"/>
+              <a:t> without re-running indexing</a:t>
+            </a:r>
+            <a:endParaRPr lang="en-US" dirty="0"/>
           </a:p>
         </p:txBody>
       </p:sp>
     </p:spTree>
     <p:extLst>
       <p:ext uri="{BB962C8B-B14F-4D97-AF65-F5344CB8AC3E}">
-        <p14:creationId xmlns:p14="http://schemas.microsoft.com/office/powerpoint/2010/main" val="2161919931"/>
+        <p14:creationId xmlns:p14="http://schemas.microsoft.com/office/powerpoint/2010/main" val="2969689502"/>
       </p:ext>
     </p:extLst>
   </p:cSld>
   <p:clrMapOvr>
     <a:masterClrMapping/>
   </p:clrMapOvr>
+  <p:timing>
+    <p:tnLst>
+      <p:par>
+        <p:cTn xmlns:p14="http://schemas.microsoft.com/office/powerpoint/2010/main" id="1" dur="indefinite" restart="never" nodeType="tmRoot"/>
+      </p:par>
+    </p:tnLst>
+  </p:timing>
 </p:sld>
 </file>
 
@@ -12000,7 +12935,7 @@
           <a:p>
             <a:r>
               <a:rPr lang="en-US" dirty="0" smtClean="0"/>
-              <a:t>Other index-level options</a:t>
+              <a:t>Built in analyzers</a:t>
             </a:r>
             <a:endParaRPr lang="en-US" dirty="0"/>
           </a:p>
@@ -12023,79 +12958,127 @@
           </a:bodyPr>
           <a:lstStyle/>
           <a:p>
-            <a:r>
-              <a:rPr lang="en-US" dirty="0" smtClean="0"/>
-              <a:t># shards (default = 5)</a:t>
-            </a:r>
-          </a:p>
-          <a:p>
-            <a:pPr lvl="1"/>
-            <a:r>
-              <a:rPr lang="en-US" dirty="0" smtClean="0"/>
-              <a:t>Index “building block” – more on that later</a:t>
-            </a:r>
-          </a:p>
-          <a:p>
-            <a:pPr lvl="1"/>
-            <a:r>
-              <a:rPr lang="en-US" dirty="0" smtClean="0"/>
-              <a:t>Cannot be changed later !</a:t>
-            </a:r>
-          </a:p>
-          <a:p>
-            <a:r>
-              <a:rPr lang="en-US" dirty="0" smtClean="0"/>
-              <a:t># replicas (default = 1)</a:t>
-            </a:r>
-          </a:p>
-          <a:p>
-            <a:pPr lvl="1"/>
-            <a:r>
-              <a:rPr lang="en-US" dirty="0" smtClean="0"/>
-              <a:t>Can be changed after creating the index</a:t>
-            </a:r>
-          </a:p>
-          <a:p>
-            <a:pPr lvl="1"/>
-            <a:r>
-              <a:rPr lang="en-US" dirty="0" smtClean="0"/>
-              <a:t>For reliability – as long as we have at least 1 replica, the full data set is available</a:t>
-            </a:r>
-          </a:p>
-          <a:p>
-            <a:pPr lvl="1"/>
-            <a:r>
-              <a:rPr lang="en-US" dirty="0" smtClean="0"/>
-              <a:t>For load distribution</a:t>
-            </a:r>
-          </a:p>
-          <a:p>
-            <a:pPr lvl="2"/>
-            <a:r>
-              <a:rPr lang="en-US" dirty="0" smtClean="0"/>
-              <a:t>Each replica lives on one node. Any replica (node) can serve a search request.</a:t>
-            </a:r>
-          </a:p>
-          <a:p>
-            <a:pPr lvl="2"/>
-            <a:r>
-              <a:rPr lang="en-US" dirty="0" smtClean="0"/>
-              <a:t>If you only have 1 index, but 8 nodes in the cluster, setting # of replicas to less than 7 makes no sense – you would just have idle nodes without data on them.</a:t>
-            </a:r>
-            <a:endParaRPr lang="en-US" dirty="0"/>
+            <a:pPr>
+              <a:buFontTx/>
+              <a:buChar char="•"/>
+            </a:pPr>
+            <a:r>
+              <a:rPr lang="en-US" dirty="0" smtClean="0"/>
+              <a:t>Standard analyzer</a:t>
+            </a:r>
+          </a:p>
+          <a:p>
+            <a:pPr lvl="1">
+              <a:buFontTx/>
+              <a:buChar char="•"/>
+            </a:pPr>
+            <a:r>
+              <a:rPr lang="en-US" dirty="0" smtClean="0"/>
+              <a:t>Default, best general choice</a:t>
+            </a:r>
+          </a:p>
+          <a:p>
+            <a:pPr>
+              <a:buFontTx/>
+              <a:buChar char="•"/>
+            </a:pPr>
+            <a:r>
+              <a:rPr lang="en-US" dirty="0" smtClean="0"/>
+              <a:t>Simple</a:t>
+            </a:r>
+          </a:p>
+          <a:p>
+            <a:pPr lvl="1">
+              <a:buFontTx/>
+              <a:buChar char="•"/>
+            </a:pPr>
+            <a:r>
+              <a:rPr lang="en-US" dirty="0" smtClean="0"/>
+              <a:t>Splits terms on non-letters and lowercases the terms</a:t>
+            </a:r>
+          </a:p>
+          <a:p>
+            <a:pPr>
+              <a:buFontTx/>
+              <a:buChar char="•"/>
+            </a:pPr>
+            <a:r>
+              <a:rPr lang="en-US" dirty="0" smtClean="0"/>
+              <a:t>Whitespace	</a:t>
+            </a:r>
+          </a:p>
+          <a:p>
+            <a:pPr lvl="1">
+              <a:buFontTx/>
+              <a:buChar char="•"/>
+            </a:pPr>
+            <a:r>
+              <a:rPr lang="en-US" dirty="0" smtClean="0"/>
+              <a:t>Splits terms on whitespace. Doesn’t lowercase</a:t>
+            </a:r>
+          </a:p>
+          <a:p>
+            <a:pPr>
+              <a:buFontTx/>
+              <a:buChar char="•"/>
+            </a:pPr>
+            <a:r>
+              <a:rPr lang="en-US" dirty="0" smtClean="0"/>
+              <a:t>Language specific</a:t>
+            </a:r>
+          </a:p>
+          <a:p>
+            <a:pPr lvl="1">
+              <a:buFontTx/>
+              <a:buChar char="•"/>
+            </a:pPr>
+            <a:r>
+              <a:rPr lang="en-US" dirty="0" smtClean="0"/>
+              <a:t>Language specific analysis (stemming, stop words, </a:t>
+            </a:r>
+            <a:r>
+              <a:rPr lang="en-US" dirty="0" err="1" smtClean="0"/>
+              <a:t>etc</a:t>
+            </a:r>
+            <a:r>
+              <a:rPr lang="en-US" dirty="0" smtClean="0"/>
+              <a:t>) for specific languages</a:t>
+            </a:r>
+          </a:p>
+          <a:p>
+            <a:pPr lvl="1">
+              <a:buFontTx/>
+              <a:buChar char="•"/>
+            </a:pPr>
+            <a:r>
+              <a:rPr lang="en-US" dirty="0" smtClean="0"/>
+              <a:t>Many default languages, including </a:t>
+            </a:r>
+            <a:r>
+              <a:rPr lang="en-US" dirty="0" err="1" smtClean="0"/>
+              <a:t>danish</a:t>
+            </a:r>
+            <a:endParaRPr lang="en-US" dirty="0" smtClean="0"/>
           </a:p>
         </p:txBody>
       </p:sp>
     </p:spTree>
     <p:extLst>
       <p:ext uri="{BB962C8B-B14F-4D97-AF65-F5344CB8AC3E}">
-        <p14:creationId xmlns:p14="http://schemas.microsoft.com/office/powerpoint/2010/main" val="2041528073"/>
+        <p14:creationId xmlns:p14="http://schemas.microsoft.com/office/powerpoint/2010/main" val="2161919931"/>
       </p:ext>
     </p:extLst>
   </p:cSld>
   <p:clrMapOvr>
     <a:masterClrMapping/>
   </p:clrMapOvr>
+  <p:timing>
+    <p:tnLst>
+      <p:par>
+        <p:cTn xmlns:p14="http://schemas.microsoft.com/office/powerpoint/2010/main" id="1" dur="indefinite" restart="never" nodeType="tmRoot"/>
+      </p:par>
+    </p:tnLst>
+  </p:timing>
 </p:sld>
 </file>
 
@@ -12133,7 +13116,7 @@
           <a:p>
             <a:r>
               <a:rPr lang="en-US" dirty="0" smtClean="0"/>
-              <a:t>Type level options</a:t>
+              <a:t>Other index-level options</a:t>
             </a:r>
             <a:endParaRPr lang="en-US" dirty="0"/>
           </a:p>
@@ -12152,68 +13135,90 @@
         <p:spPr/>
         <p:txBody>
           <a:bodyPr>
-            <a:normAutofit/>
+            <a:normAutofit fontScale="92500" lnSpcReduction="20000"/>
           </a:bodyPr>
           <a:lstStyle/>
           <a:p>
             <a:r>
               <a:rPr lang="en-US" dirty="0" smtClean="0"/>
-              <a:t>_source: Whether to store the _source field or not</a:t>
+              <a:t># shards (default = 5)</a:t>
             </a:r>
           </a:p>
           <a:p>
             <a:pPr lvl="1"/>
             <a:r>
               <a:rPr lang="en-US" dirty="0" smtClean="0"/>
-              <a:t>Default yes, generally a good idea to keep it</a:t>
-            </a:r>
-          </a:p>
-          <a:p>
-            <a:r>
-              <a:rPr lang="en-US" dirty="0" smtClean="0"/>
-              <a:t>_all: Whether to index a _all field consisting of all the fields concatenated</a:t>
+              <a:t>Index “building block” – more on that later</a:t>
             </a:r>
           </a:p>
           <a:p>
             <a:pPr lvl="1"/>
             <a:r>
               <a:rPr lang="en-US" dirty="0" smtClean="0"/>
-              <a:t>Default yes, enables some “simple search” scenarios where you don’t need to specify field name</a:t>
-            </a:r>
-          </a:p>
-          <a:p>
-            <a:r>
-              <a:rPr lang="en-US" dirty="0" smtClean="0"/>
-              <a:t>_</a:t>
-            </a:r>
-            <a:r>
-              <a:rPr lang="en-US" dirty="0" err="1" smtClean="0"/>
-              <a:t>include_in_all</a:t>
-            </a:r>
-            <a:r>
-              <a:rPr lang="en-US" dirty="0" smtClean="0"/>
-              <a:t> (per field)</a:t>
+              <a:t>Cannot be changed later !</a:t>
+            </a:r>
+          </a:p>
+          <a:p>
+            <a:r>
+              <a:rPr lang="en-US" dirty="0" smtClean="0"/>
+              <a:t># replicas (default = 1)</a:t>
             </a:r>
           </a:p>
           <a:p>
             <a:pPr lvl="1"/>
             <a:r>
               <a:rPr lang="en-US" dirty="0" smtClean="0"/>
-              <a:t>Whether to include the field in _all, default yes</a:t>
-            </a:r>
+              <a:t>Can be changed after creating the index</a:t>
+            </a:r>
+          </a:p>
+          <a:p>
+            <a:pPr lvl="1"/>
+            <a:r>
+              <a:rPr lang="en-US" dirty="0" smtClean="0"/>
+              <a:t>For reliability – as long as we have at least 1 replica, the full data set is available</a:t>
+            </a:r>
+          </a:p>
+          <a:p>
+            <a:pPr lvl="1"/>
+            <a:r>
+              <a:rPr lang="en-US" dirty="0" smtClean="0"/>
+              <a:t>For load distribution</a:t>
+            </a:r>
+          </a:p>
+          <a:p>
+            <a:pPr lvl="2"/>
+            <a:r>
+              <a:rPr lang="en-US" dirty="0" smtClean="0"/>
+              <a:t>Each replica lives on one node. Any replica (node) can serve a search request.</a:t>
+            </a:r>
+          </a:p>
+          <a:p>
+            <a:pPr lvl="2"/>
+            <a:r>
+              <a:rPr lang="en-US" dirty="0" smtClean="0"/>
+              <a:t>If you only have 1 index, but 8 nodes in the cluster, setting # of replicas to less than 7 makes no sense – you would just have idle nodes without data on them.</a:t>
+            </a:r>
+            <a:endParaRPr lang="en-US" dirty="0"/>
           </a:p>
         </p:txBody>
       </p:sp>
     </p:spTree>
     <p:extLst>
       <p:ext uri="{BB962C8B-B14F-4D97-AF65-F5344CB8AC3E}">
-        <p14:creationId xmlns:p14="http://schemas.microsoft.com/office/powerpoint/2010/main" val="4104937513"/>
+        <p14:creationId xmlns:p14="http://schemas.microsoft.com/office/powerpoint/2010/main" val="2041528073"/>
       </p:ext>
     </p:extLst>
   </p:cSld>
   <p:clrMapOvr>
     <a:masterClrMapping/>
   </p:clrMapOvr>
+  <p:timing>
+    <p:tnLst>
+      <p:par>
+        <p:cTn xmlns:p14="http://schemas.microsoft.com/office/powerpoint/2010/main" id="1" dur="indefinite" restart="never" nodeType="tmRoot"/>
+      </p:par>
+    </p:tnLst>
+  </p:timing>
 </p:sld>
 </file>
 
@@ -12251,7 +13256,7 @@
           <a:p>
             <a:r>
               <a:rPr lang="en-US" dirty="0" smtClean="0"/>
-              <a:t>Dynamic mapping options</a:t>
+              <a:t>Type level options</a:t>
             </a:r>
             <a:endParaRPr lang="en-US" dirty="0"/>
           </a:p>
@@ -12269,61 +13274,55 @@
         </p:nvSpPr>
         <p:spPr/>
         <p:txBody>
-          <a:bodyPr/>
-          <a:lstStyle/>
-          <a:p>
-            <a:r>
-              <a:rPr lang="en-US" dirty="0" smtClean="0"/>
-              <a:t>Per type, can be</a:t>
+          <a:bodyPr>
+            <a:normAutofit/>
+          </a:bodyPr>
+          <a:lstStyle/>
+          <a:p>
+            <a:r>
+              <a:rPr lang="en-US" dirty="0" smtClean="0"/>
+              <a:t>_source: Whether to store the _source field or not</a:t>
             </a:r>
           </a:p>
           <a:p>
             <a:pPr lvl="1"/>
             <a:r>
               <a:rPr lang="en-US" dirty="0" smtClean="0"/>
-              <a:t>True (default)</a:t>
-            </a:r>
-          </a:p>
-          <a:p>
-            <a:pPr lvl="2"/>
-            <a:r>
-              <a:rPr lang="en-US" dirty="0" smtClean="0"/>
-              <a:t>When ES encounters a new field in a type, automatically create it in the index</a:t>
+              <a:t>Default yes, generally a good idea to keep it</a:t>
+            </a:r>
+          </a:p>
+          <a:p>
+            <a:r>
+              <a:rPr lang="en-US" dirty="0" smtClean="0"/>
+              <a:t>_all: Whether to index a _all field consisting of all the fields concatenated</a:t>
             </a:r>
           </a:p>
           <a:p>
             <a:pPr lvl="1"/>
             <a:r>
               <a:rPr lang="en-US" dirty="0" smtClean="0"/>
-              <a:t>False</a:t>
-            </a:r>
-          </a:p>
-          <a:p>
-            <a:pPr lvl="2"/>
-            <a:r>
-              <a:rPr lang="en-US" dirty="0" smtClean="0"/>
-              <a:t>When ES encounters a new field in a type, silently ignore it (!)</a:t>
+              <a:t>Default yes, enables some “simple search” scenarios where you don’t need to specify field name</a:t>
+            </a:r>
+          </a:p>
+          <a:p>
+            <a:r>
+              <a:rPr lang="en-US" dirty="0" smtClean="0"/>
+              <a:t>_</a:t>
+            </a:r>
+            <a:r>
+              <a:rPr lang="en-US" dirty="0" err="1" smtClean="0"/>
+              <a:t>include_in_all</a:t>
+            </a:r>
+            <a:r>
+              <a:rPr lang="en-US" dirty="0" smtClean="0"/>
+              <a:t> (per field)</a:t>
             </a:r>
           </a:p>
           <a:p>
             <a:pPr lvl="1"/>
             <a:r>
               <a:rPr lang="en-US" dirty="0" smtClean="0"/>
-              <a:t>Strict</a:t>
-            </a:r>
-          </a:p>
-          <a:p>
-            <a:pPr lvl="2"/>
-            <a:r>
-              <a:rPr lang="en-US" dirty="0" smtClean="0"/>
-              <a:t>Throw an exception if an unknown field is encountered</a:t>
-            </a:r>
-          </a:p>
-          <a:p>
-            <a:pPr lvl="2"/>
-            <a:r>
-              <a:rPr lang="en-US" dirty="0" smtClean="0"/>
-              <a:t>This might actually be what you want !</a:t>
+              <a:t>Whether to include the field in _all, default yes</a:t>
             </a:r>
           </a:p>
         </p:txBody>
@@ -12331,13 +13330,20 @@
     </p:spTree>
     <p:extLst>
       <p:ext uri="{BB962C8B-B14F-4D97-AF65-F5344CB8AC3E}">
-        <p14:creationId xmlns:p14="http://schemas.microsoft.com/office/powerpoint/2010/main" val="2297096810"/>
+        <p14:creationId xmlns:p14="http://schemas.microsoft.com/office/powerpoint/2010/main" val="4104937513"/>
       </p:ext>
     </p:extLst>
   </p:cSld>
   <p:clrMapOvr>
     <a:masterClrMapping/>
   </p:clrMapOvr>
+  <p:timing>
+    <p:tnLst>
+      <p:par>
+        <p:cTn xmlns:p14="http://schemas.microsoft.com/office/powerpoint/2010/main" id="1" dur="indefinite" restart="never" nodeType="tmRoot"/>
+      </p:par>
+    </p:tnLst>
+  </p:timing>
 </p:sld>
 </file>
 
@@ -12451,6 +13457,13 @@
   <p:clrMapOvr>
     <a:masterClrMapping/>
   </p:clrMapOvr>
+  <p:timing>
+    <p:tnLst>
+      <p:par>
+        <p:cTn xmlns:p14="http://schemas.microsoft.com/office/powerpoint/2010/main" id="1" dur="indefinite" restart="never" nodeType="tmRoot"/>
+      </p:par>
+    </p:tnLst>
+  </p:timing>
 </p:sld>
 </file>
 
@@ -12557,6 +13570,13 @@
   <p:clrMapOvr>
     <a:masterClrMapping/>
   </p:clrMapOvr>
+  <p:timing>
+    <p:tnLst>
+      <p:par>
+        <p:cTn xmlns:p14="http://schemas.microsoft.com/office/powerpoint/2010/main" id="1" dur="indefinite" restart="never" nodeType="tmRoot"/>
+      </p:par>
+    </p:tnLst>
+  </p:timing>
 </p:sld>
 </file>
 
@@ -12676,6 +13696,13 @@
   <p:clrMapOvr>
     <a:masterClrMapping/>
   </p:clrMapOvr>
+  <p:timing>
+    <p:tnLst>
+      <p:par>
+        <p:cTn xmlns:p14="http://schemas.microsoft.com/office/powerpoint/2010/main" id="1" dur="indefinite" restart="never" nodeType="tmRoot"/>
+      </p:par>
+    </p:tnLst>
+  </p:timing>
 </p:sld>
 </file>
 
@@ -12838,6 +13865,13 @@
   <p:clrMapOvr>
     <a:masterClrMapping/>
   </p:clrMapOvr>
+  <p:timing>
+    <p:tnLst>
+      <p:par>
+        <p:cTn xmlns:p14="http://schemas.microsoft.com/office/powerpoint/2010/main" id="1" dur="indefinite" restart="never" nodeType="tmRoot"/>
+      </p:par>
+    </p:tnLst>
+  </p:timing>
 </p:sld>
 </file>
 
@@ -12919,6 +13953,13 @@
   <p:clrMapOvr>
     <a:masterClrMapping/>
   </p:clrMapOvr>
+  <p:timing>
+    <p:tnLst>
+      <p:par>
+        <p:cTn xmlns:p14="http://schemas.microsoft.com/office/powerpoint/2010/main" id="1" dur="indefinite" restart="never" nodeType="tmRoot"/>
+      </p:par>
+    </p:tnLst>
+  </p:timing>
 </p:sld>
 </file>
 
@@ -12995,6 +14036,13 @@
   <p:clrMapOvr>
     <a:masterClrMapping/>
   </p:clrMapOvr>
+  <p:timing>
+    <p:tnLst>
+      <p:par>
+        <p:cTn xmlns:p14="http://schemas.microsoft.com/office/powerpoint/2010/main" id="1" dur="indefinite" restart="never" nodeType="tmRoot"/>
+      </p:par>
+    </p:tnLst>
+  </p:timing>
 </p:sld>
 </file>
 
@@ -13036,63 +14084,53 @@
             </a:r>
             <a:r>
               <a:rPr lang="en-US" dirty="0" smtClean="0"/>
-              <a:t> segments – handling deletes</a:t>
+              <a:t> segments (inside shards)</a:t>
             </a:r>
             <a:endParaRPr lang="en-US" dirty="0"/>
           </a:p>
         </p:txBody>
       </p:sp>
-      <p:sp>
-        <p:nvSpPr>
-          <p:cNvPr id="3" name="Content Placeholder 2"/>
-          <p:cNvSpPr>
-            <a:spLocks noGrp="1"/>
-          </p:cNvSpPr>
+      <p:pic>
+        <p:nvPicPr>
+          <p:cNvPr id="4" name="Content Placeholder 3"/>
+          <p:cNvPicPr>
+            <a:picLocks noGrp="1" noChangeAspect="1"/>
+          </p:cNvPicPr>
           <p:nvPr>
             <p:ph idx="1"/>
           </p:nvPr>
-        </p:nvSpPr>
-        <p:spPr/>
-        <p:txBody>
-          <a:bodyPr/>
-          <a:lstStyle/>
-          <a:p>
-            <a:r>
-              <a:rPr lang="en-US" dirty="0" smtClean="0"/>
-              <a:t>Deletion doesn’t actually delete documents from the segments (they’re immutable !)</a:t>
-            </a:r>
-          </a:p>
-          <a:p>
-            <a:endParaRPr lang="en-US" dirty="0" smtClean="0"/>
-          </a:p>
-          <a:p>
-            <a:r>
-              <a:rPr lang="en-US" dirty="0" smtClean="0"/>
-              <a:t>Deleted documents are marked as deleted by being listed in a .del file beside the segment</a:t>
-            </a:r>
-          </a:p>
-          <a:p>
-            <a:endParaRPr lang="en-US" dirty="0" smtClean="0"/>
-          </a:p>
-          <a:p>
-            <a:r>
-              <a:rPr lang="en-US" dirty="0" smtClean="0"/>
-              <a:t>Deleted documents can still match a search, but they are filtered out before results are returned</a:t>
-            </a:r>
-            <a:endParaRPr lang="en-US" dirty="0"/>
-          </a:p>
-        </p:txBody>
-      </p:sp>
+        </p:nvPicPr>
+        <p:blipFill>
+          <a:blip r:embed="rId3"/>
+          <a:srcRect l="-30006" r="-30006"/>
+          <a:stretch>
+            <a:fillRect/>
+          </a:stretch>
+        </p:blipFill>
+        <p:spPr>
+          <a:xfrm>
+            <a:off x="839509" y="1676842"/>
+            <a:ext cx="10972800" cy="4525963"/>
+          </a:xfrm>
+        </p:spPr>
+      </p:pic>
     </p:spTree>
     <p:extLst>
       <p:ext uri="{BB962C8B-B14F-4D97-AF65-F5344CB8AC3E}">
-        <p14:creationId xmlns:p14="http://schemas.microsoft.com/office/powerpoint/2010/main" val="888970652"/>
+        <p14:creationId xmlns:p14="http://schemas.microsoft.com/office/powerpoint/2010/main" val="1055106750"/>
       </p:ext>
     </p:extLst>
   </p:cSld>
   <p:clrMapOvr>
     <a:masterClrMapping/>
   </p:clrMapOvr>
+  <p:timing>
+    <p:tnLst>
+      <p:par>
+        <p:cTn xmlns:p14="http://schemas.microsoft.com/office/powerpoint/2010/main" id="1" dur="indefinite" restart="never" nodeType="tmRoot"/>
+      </p:par>
+    </p:tnLst>
+  </p:timing>
 </p:sld>
 </file>
 
@@ -13242,7 +14280,7 @@
             </a:r>
             <a:r>
               <a:rPr lang="en-US" dirty="0" smtClean="0"/>
-              <a:t> segments – handling updates</a:t>
+              <a:t> segments – handling deletes</a:t>
             </a:r>
             <a:endParaRPr lang="en-US" dirty="0"/>
           </a:p>
@@ -13265,21 +14303,25 @@
           <a:p>
             <a:r>
               <a:rPr lang="en-US" dirty="0" smtClean="0"/>
-              <a:t>Updates work like deletion</a:t>
-            </a:r>
-          </a:p>
-          <a:p>
-            <a:pPr lvl="1"/>
-            <a:r>
-              <a:rPr lang="en-US" dirty="0" smtClean="0"/>
-              <a:t>The updated document is marked as deleted in it’s segment</a:t>
-            </a:r>
-          </a:p>
-          <a:p>
-            <a:pPr lvl="1"/>
-            <a:r>
-              <a:rPr lang="en-US" dirty="0" smtClean="0"/>
-              <a:t>Then a new version is added in a new segment</a:t>
+              <a:t>Deletion doesn’t actually delete documents from the segments (they’re immutable !)</a:t>
+            </a:r>
+          </a:p>
+          <a:p>
+            <a:endParaRPr lang="en-US" dirty="0" smtClean="0"/>
+          </a:p>
+          <a:p>
+            <a:r>
+              <a:rPr lang="en-US" dirty="0" smtClean="0"/>
+              <a:t>Deleted documents are marked as deleted by being listed in a .del file beside the segment</a:t>
+            </a:r>
+          </a:p>
+          <a:p>
+            <a:endParaRPr lang="en-US" dirty="0" smtClean="0"/>
+          </a:p>
+          <a:p>
+            <a:r>
+              <a:rPr lang="en-US" dirty="0" smtClean="0"/>
+              <a:t>Deleted documents can still match a search, but they are filtered out before results are returned</a:t>
             </a:r>
             <a:endParaRPr lang="en-US" dirty="0"/>
           </a:p>
@@ -13288,13 +14330,20 @@
     </p:spTree>
     <p:extLst>
       <p:ext uri="{BB962C8B-B14F-4D97-AF65-F5344CB8AC3E}">
-        <p14:creationId xmlns:p14="http://schemas.microsoft.com/office/powerpoint/2010/main" val="2242983186"/>
+        <p14:creationId xmlns:p14="http://schemas.microsoft.com/office/powerpoint/2010/main" val="888970652"/>
       </p:ext>
     </p:extLst>
   </p:cSld>
   <p:clrMapOvr>
     <a:masterClrMapping/>
   </p:clrMapOvr>
+  <p:timing>
+    <p:tnLst>
+      <p:par>
+        <p:cTn xmlns:p14="http://schemas.microsoft.com/office/powerpoint/2010/main" id="1" dur="indefinite" restart="never" nodeType="tmRoot"/>
+      </p:par>
+    </p:tnLst>
+  </p:timing>
 </p:sld>
 </file>
 
@@ -13336,46 +14385,66 @@
             </a:r>
             <a:r>
               <a:rPr lang="en-US" dirty="0" smtClean="0"/>
-              <a:t> segments (inside shards)</a:t>
+              <a:t> segments – handling updates</a:t>
             </a:r>
             <a:endParaRPr lang="en-US" dirty="0"/>
           </a:p>
         </p:txBody>
       </p:sp>
-      <p:pic>
-        <p:nvPicPr>
-          <p:cNvPr id="4" name="Content Placeholder 3"/>
-          <p:cNvPicPr>
-            <a:picLocks noGrp="1" noChangeAspect="1"/>
-          </p:cNvPicPr>
+      <p:sp>
+        <p:nvSpPr>
+          <p:cNvPr id="3" name="Content Placeholder 2"/>
+          <p:cNvSpPr>
+            <a:spLocks noGrp="1"/>
+          </p:cNvSpPr>
           <p:nvPr>
             <p:ph idx="1"/>
           </p:nvPr>
-        </p:nvPicPr>
-        <p:blipFill>
-          <a:blip r:embed="rId3"/>
-          <a:srcRect l="-30006" r="-30006"/>
-          <a:stretch>
-            <a:fillRect/>
-          </a:stretch>
-        </p:blipFill>
-        <p:spPr>
-          <a:xfrm>
-            <a:off x="839509" y="1676842"/>
-            <a:ext cx="10972800" cy="4525963"/>
-          </a:xfrm>
-        </p:spPr>
-      </p:pic>
+        </p:nvSpPr>
+        <p:spPr/>
+        <p:txBody>
+          <a:bodyPr/>
+          <a:lstStyle/>
+          <a:p>
+            <a:r>
+              <a:rPr lang="en-US" dirty="0" smtClean="0"/>
+              <a:t>Updates work like deletion</a:t>
+            </a:r>
+          </a:p>
+          <a:p>
+            <a:pPr lvl="1"/>
+            <a:r>
+              <a:rPr lang="en-US" dirty="0" smtClean="0"/>
+              <a:t>The updated document is marked as deleted in it’s segment</a:t>
+            </a:r>
+          </a:p>
+          <a:p>
+            <a:pPr lvl="1"/>
+            <a:r>
+              <a:rPr lang="en-US" dirty="0" smtClean="0"/>
+              <a:t>Then a new version is added in a new segment</a:t>
+            </a:r>
+            <a:endParaRPr lang="en-US" dirty="0"/>
+          </a:p>
+        </p:txBody>
+      </p:sp>
     </p:spTree>
     <p:extLst>
       <p:ext uri="{BB962C8B-B14F-4D97-AF65-F5344CB8AC3E}">
-        <p14:creationId xmlns:p14="http://schemas.microsoft.com/office/powerpoint/2010/main" val="1055106750"/>
+        <p14:creationId xmlns:p14="http://schemas.microsoft.com/office/powerpoint/2010/main" val="2242983186"/>
       </p:ext>
     </p:extLst>
   </p:cSld>
   <p:clrMapOvr>
     <a:masterClrMapping/>
   </p:clrMapOvr>
+  <p:timing>
+    <p:tnLst>
+      <p:par>
+        <p:cTn xmlns:p14="http://schemas.microsoft.com/office/powerpoint/2010/main" id="1" dur="indefinite" restart="never" nodeType="tmRoot"/>
+      </p:par>
+    </p:tnLst>
+  </p:timing>
 </p:sld>
 </file>
 
@@ -13508,6 +14577,13 @@
   <p:clrMapOvr>
     <a:masterClrMapping/>
   </p:clrMapOvr>
+  <p:timing>
+    <p:tnLst>
+      <p:par>
+        <p:cTn xmlns:p14="http://schemas.microsoft.com/office/powerpoint/2010/main" id="1" dur="indefinite" restart="never" nodeType="tmRoot"/>
+      </p:par>
+    </p:tnLst>
+  </p:timing>
 </p:sld>
 </file>
 
@@ -13580,6 +14656,13 @@
   <p:clrMapOvr>
     <a:masterClrMapping/>
   </p:clrMapOvr>
+  <p:timing>
+    <p:tnLst>
+      <p:par>
+        <p:cTn xmlns:p14="http://schemas.microsoft.com/office/powerpoint/2010/main" id="1" dur="indefinite" restart="never" nodeType="tmRoot"/>
+      </p:par>
+    </p:tnLst>
+  </p:timing>
 </p:sld>
 </file>
 
@@ -13680,6 +14763,13 @@
   <p:clrMapOvr>
     <a:masterClrMapping/>
   </p:clrMapOvr>
+  <p:timing>
+    <p:tnLst>
+      <p:par>
+        <p:cTn xmlns:p14="http://schemas.microsoft.com/office/powerpoint/2010/main" id="1" dur="indefinite" restart="never" nodeType="tmRoot"/>
+      </p:par>
+    </p:tnLst>
+  </p:timing>
 </p:sld>
 </file>
 
@@ -13804,6 +14894,13 @@
   <p:clrMapOvr>
     <a:masterClrMapping/>
   </p:clrMapOvr>
+  <p:timing>
+    <p:tnLst>
+      <p:par>
+        <p:cTn xmlns:p14="http://schemas.microsoft.com/office/powerpoint/2010/main" id="1" dur="indefinite" restart="never" nodeType="tmRoot"/>
+      </p:par>
+    </p:tnLst>
+  </p:timing>
 </p:sld>
 </file>
 
@@ -13858,7 +14955,7 @@
           </p:nvPr>
         </p:nvPicPr>
         <p:blipFill>
-          <a:blip r:embed="rId2"/>
+          <a:blip r:embed="rId3"/>
           <a:srcRect l="-30006" r="-30006"/>
           <a:stretch>
             <a:fillRect/>
@@ -13876,6 +14973,13 @@
   <p:clrMapOvr>
     <a:masterClrMapping/>
   </p:clrMapOvr>
+  <p:timing>
+    <p:tnLst>
+      <p:par>
+        <p:cTn xmlns:p14="http://schemas.microsoft.com/office/powerpoint/2010/main" id="1" dur="indefinite" restart="never" nodeType="tmRoot"/>
+      </p:par>
+    </p:tnLst>
+  </p:timing>
 </p:sld>
 </file>
 
@@ -13981,6 +15085,13 @@
   <p:clrMapOvr>
     <a:masterClrMapping/>
   </p:clrMapOvr>
+  <p:timing>
+    <p:tnLst>
+      <p:par>
+        <p:cTn xmlns:p14="http://schemas.microsoft.com/office/powerpoint/2010/main" id="1" dur="indefinite" restart="never" nodeType="tmRoot"/>
+      </p:par>
+    </p:tnLst>
+  </p:timing>
 </p:sld>
 </file>
 
@@ -14053,6 +15164,13 @@
   <p:clrMapOvr>
     <a:masterClrMapping/>
   </p:clrMapOvr>
+  <p:timing>
+    <p:tnLst>
+      <p:par>
+        <p:cTn xmlns:p14="http://schemas.microsoft.com/office/powerpoint/2010/main" id="1" dur="indefinite" restart="never" nodeType="tmRoot"/>
+      </p:par>
+    </p:tnLst>
+  </p:timing>
 </p:sld>
 </file>
 
@@ -14125,6 +15243,13 @@
   <p:clrMapOvr>
     <a:masterClrMapping/>
   </p:clrMapOvr>
+  <p:timing>
+    <p:tnLst>
+      <p:par>
+        <p:cTn xmlns:p14="http://schemas.microsoft.com/office/powerpoint/2010/main" id="1" dur="indefinite" restart="never" nodeType="tmRoot"/>
+      </p:par>
+    </p:tnLst>
+  </p:timing>
 </p:sld>
 </file>
 
@@ -14454,6 +15579,13 @@
   <p:clrMapOvr>
     <a:masterClrMapping/>
   </p:clrMapOvr>
+  <p:timing>
+    <p:tnLst>
+      <p:par>
+        <p:cTn xmlns:p14="http://schemas.microsoft.com/office/powerpoint/2010/main" id="1" dur="indefinite" restart="never" nodeType="tmRoot"/>
+      </p:par>
+    </p:tnLst>
+  </p:timing>
 </p:sld>
 </file>
 
@@ -14526,6 +15658,13 @@
   <p:clrMapOvr>
     <a:masterClrMapping/>
   </p:clrMapOvr>
+  <p:timing>
+    <p:tnLst>
+      <p:par>
+        <p:cTn xmlns:p14="http://schemas.microsoft.com/office/powerpoint/2010/main" id="1" dur="indefinite" restart="never" nodeType="tmRoot"/>
+      </p:par>
+    </p:tnLst>
+  </p:timing>
 </p:sld>
 </file>
 
@@ -14644,6 +15783,13 @@
   <p:clrMapOvr>
     <a:masterClrMapping/>
   </p:clrMapOvr>
+  <p:timing>
+    <p:tnLst>
+      <p:par>
+        <p:cTn xmlns:p14="http://schemas.microsoft.com/office/powerpoint/2010/main" id="1" dur="indefinite" restart="never" nodeType="tmRoot"/>
+      </p:par>
+    </p:tnLst>
+  </p:timing>
 </p:sld>
 </file>
 
@@ -14731,7 +15877,7 @@
           <p:nvPr/>
         </p:nvPicPr>
         <p:blipFill>
-          <a:blip r:embed="rId2"/>
+          <a:blip r:embed="rId3"/>
           <a:stretch>
             <a:fillRect/>
           </a:stretch>
@@ -14756,6 +15902,13 @@
   <p:clrMapOvr>
     <a:masterClrMapping/>
   </p:clrMapOvr>
+  <p:timing>
+    <p:tnLst>
+      <p:par>
+        <p:cTn xmlns:p14="http://schemas.microsoft.com/office/powerpoint/2010/main" id="1" dur="indefinite" restart="never" nodeType="tmRoot"/>
+      </p:par>
+    </p:tnLst>
+  </p:timing>
 </p:sld>
 </file>
 
@@ -14862,6 +16015,13 @@
   <p:clrMapOvr>
     <a:masterClrMapping/>
   </p:clrMapOvr>
+  <p:timing>
+    <p:tnLst>
+      <p:par>
+        <p:cTn xmlns:p14="http://schemas.microsoft.com/office/powerpoint/2010/main" id="1" dur="indefinite" restart="never" nodeType="tmRoot"/>
+      </p:par>
+    </p:tnLst>
+  </p:timing>
 </p:sld>
 </file>
 
@@ -14992,6 +16152,13 @@
   <p:clrMapOvr>
     <a:masterClrMapping/>
   </p:clrMapOvr>
+  <p:timing>
+    <p:tnLst>
+      <p:par>
+        <p:cTn xmlns:p14="http://schemas.microsoft.com/office/powerpoint/2010/main" id="1" dur="indefinite" restart="never" nodeType="tmRoot"/>
+      </p:par>
+    </p:tnLst>
+  </p:timing>
 </p:sld>
 </file>
 
@@ -15102,6 +16269,13 @@
   <p:clrMapOvr>
     <a:masterClrMapping/>
   </p:clrMapOvr>
+  <p:timing>
+    <p:tnLst>
+      <p:par>
+        <p:cTn xmlns:p14="http://schemas.microsoft.com/office/powerpoint/2010/main" id="1" dur="indefinite" restart="never" nodeType="tmRoot"/>
+      </p:par>
+    </p:tnLst>
+  </p:timing>
 </p:sld>
 </file>
 
@@ -15204,6 +16378,13 @@
   <p:clrMapOvr>
     <a:masterClrMapping/>
   </p:clrMapOvr>
+  <p:timing>
+    <p:tnLst>
+      <p:par>
+        <p:cTn xmlns:p14="http://schemas.microsoft.com/office/powerpoint/2010/main" id="1" dur="indefinite" restart="never" nodeType="tmRoot"/>
+      </p:par>
+    </p:tnLst>
+  </p:timing>
 </p:sld>
 </file>
 
@@ -15304,6 +16485,13 @@
   <p:clrMapOvr>
     <a:masterClrMapping/>
   </p:clrMapOvr>
+  <p:timing>
+    <p:tnLst>
+      <p:par>
+        <p:cTn xmlns:p14="http://schemas.microsoft.com/office/powerpoint/2010/main" id="1" dur="indefinite" restart="never" nodeType="tmRoot"/>
+      </p:par>
+    </p:tnLst>
+  </p:timing>
 </p:sld>
 </file>
 
@@ -15418,6 +16606,13 @@
   <p:clrMapOvr>
     <a:masterClrMapping/>
   </p:clrMapOvr>
+  <p:timing>
+    <p:tnLst>
+      <p:par>
+        <p:cTn xmlns:p14="http://schemas.microsoft.com/office/powerpoint/2010/main" id="1" dur="indefinite" restart="never" nodeType="tmRoot"/>
+      </p:par>
+    </p:tnLst>
+  </p:timing>
 </p:sld>
 </file>
 
@@ -15883,6 +17078,13 @@
   <p:clrMapOvr>
     <a:masterClrMapping/>
   </p:clrMapOvr>
+  <p:timing>
+    <p:tnLst>
+      <p:par>
+        <p:cTn xmlns:p14="http://schemas.microsoft.com/office/powerpoint/2010/main" id="1" dur="indefinite" restart="never" nodeType="tmRoot"/>
+      </p:par>
+    </p:tnLst>
+  </p:timing>
 </p:sld>
 </file>
 
@@ -16038,6 +17240,13 @@
   <p:clrMapOvr>
     <a:masterClrMapping/>
   </p:clrMapOvr>
+  <p:timing>
+    <p:tnLst>
+      <p:par>
+        <p:cTn xmlns:p14="http://schemas.microsoft.com/office/powerpoint/2010/main" id="1" dur="indefinite" restart="never" nodeType="tmRoot"/>
+      </p:par>
+    </p:tnLst>
+  </p:timing>
 </p:sld>
 </file>
 
@@ -16157,6 +17366,13 @@
   <p:clrMapOvr>
     <a:masterClrMapping/>
   </p:clrMapOvr>
+  <p:timing>
+    <p:tnLst>
+      <p:par>
+        <p:cTn xmlns:p14="http://schemas.microsoft.com/office/powerpoint/2010/main" id="1" dur="indefinite" restart="never" nodeType="tmRoot"/>
+      </p:par>
+    </p:tnLst>
+  </p:timing>
 </p:sld>
 </file>
 
@@ -16334,6 +17550,13 @@
   <p:clrMapOvr>
     <a:masterClrMapping/>
   </p:clrMapOvr>
+  <p:timing>
+    <p:tnLst>
+      <p:par>
+        <p:cTn xmlns:p14="http://schemas.microsoft.com/office/powerpoint/2010/main" id="1" dur="indefinite" restart="never" nodeType="tmRoot"/>
+      </p:par>
+    </p:tnLst>
+  </p:timing>
 </p:sld>
 </file>
 
@@ -16461,6 +17684,13 @@
   <p:clrMapOvr>
     <a:masterClrMapping/>
   </p:clrMapOvr>
+  <p:timing>
+    <p:tnLst>
+      <p:par>
+        <p:cTn xmlns:p14="http://schemas.microsoft.com/office/powerpoint/2010/main" id="1" dur="indefinite" restart="never" nodeType="tmRoot"/>
+      </p:par>
+    </p:tnLst>
+  </p:timing>
 </p:sld>
 </file>
 
@@ -16537,6 +17767,13 @@
   <p:clrMapOvr>
     <a:masterClrMapping/>
   </p:clrMapOvr>
+  <p:timing>
+    <p:tnLst>
+      <p:par>
+        <p:cTn xmlns:p14="http://schemas.microsoft.com/office/powerpoint/2010/main" id="1" dur="indefinite" restart="never" nodeType="tmRoot"/>
+      </p:par>
+    </p:tnLst>
+  </p:timing>
 </p:sld>
 </file>
 
